--- a/プログラム経験.pptx
+++ b/プログラム経験.pptx
@@ -4,6 +4,9 @@
   <p:sldMasterIdLst>
     <p:sldMasterId id="2147483755" r:id="rId1"/>
   </p:sldMasterIdLst>
+  <p:notesMasterIdLst>
+    <p:notesMasterId r:id="rId14"/>
+  </p:notesMasterIdLst>
   <p:sldIdLst>
     <p:sldId id="256" r:id="rId2"/>
     <p:sldId id="257" r:id="rId3"/>
@@ -12,6 +15,11 @@
     <p:sldId id="261" r:id="rId6"/>
     <p:sldId id="262" r:id="rId7"/>
     <p:sldId id="263" r:id="rId8"/>
+    <p:sldId id="264" r:id="rId9"/>
+    <p:sldId id="265" r:id="rId10"/>
+    <p:sldId id="266" r:id="rId11"/>
+    <p:sldId id="268" r:id="rId12"/>
+    <p:sldId id="267" r:id="rId13"/>
   </p:sldIdLst>
   <p:sldSz cx="12192000" cy="6858000"/>
   <p:notesSz cx="6858000" cy="9144000"/>
@@ -1038,6 +1046,2763 @@
 </file>
 
 <file path=ppt/diagrams/colors2.xml><?xml version="1.0" encoding="utf-8"?>
+<dgm:colorsDef xmlns:dgm="http://schemas.openxmlformats.org/drawingml/2006/diagram" xmlns:a="http://schemas.openxmlformats.org/drawingml/2006/main" uniqueId="urn:microsoft.com/office/officeart/2005/8/colors/colorful1">
+  <dgm:title val=""/>
+  <dgm:desc val=""/>
+  <dgm:catLst>
+    <dgm:cat type="colorful" pri="10100"/>
+  </dgm:catLst>
+  <dgm:styleLbl name="node0">
+    <dgm:fillClrLst meth="repeat">
+      <a:schemeClr val="accent1"/>
+    </dgm:fillClrLst>
+    <dgm:linClrLst meth="repeat">
+      <a:schemeClr val="lt1"/>
+    </dgm:linClrLst>
+    <dgm:effectClrLst/>
+    <dgm:txLinClrLst/>
+    <dgm:txFillClrLst/>
+    <dgm:txEffectClrLst/>
+  </dgm:styleLbl>
+  <dgm:styleLbl name="node1">
+    <dgm:fillClrLst meth="repeat">
+      <a:schemeClr val="accent2"/>
+      <a:schemeClr val="accent3"/>
+      <a:schemeClr val="accent4"/>
+      <a:schemeClr val="accent5"/>
+      <a:schemeClr val="accent6"/>
+    </dgm:fillClrLst>
+    <dgm:linClrLst meth="repeat">
+      <a:schemeClr val="lt1"/>
+    </dgm:linClrLst>
+    <dgm:effectClrLst/>
+    <dgm:txLinClrLst/>
+    <dgm:txFillClrLst/>
+    <dgm:txEffectClrLst/>
+  </dgm:styleLbl>
+  <dgm:styleLbl name="alignNode1">
+    <dgm:fillClrLst meth="repeat">
+      <a:schemeClr val="accent2"/>
+      <a:schemeClr val="accent3"/>
+      <a:schemeClr val="accent4"/>
+      <a:schemeClr val="accent5"/>
+      <a:schemeClr val="accent6"/>
+    </dgm:fillClrLst>
+    <dgm:linClrLst meth="repeat">
+      <a:schemeClr val="accent2"/>
+      <a:schemeClr val="accent3"/>
+      <a:schemeClr val="accent4"/>
+      <a:schemeClr val="accent5"/>
+      <a:schemeClr val="accent6"/>
+    </dgm:linClrLst>
+    <dgm:effectClrLst/>
+    <dgm:txLinClrLst/>
+    <dgm:txFillClrLst/>
+    <dgm:txEffectClrLst/>
+  </dgm:styleLbl>
+  <dgm:styleLbl name="lnNode1">
+    <dgm:fillClrLst meth="repeat">
+      <a:schemeClr val="accent2"/>
+      <a:schemeClr val="accent3"/>
+      <a:schemeClr val="accent4"/>
+      <a:schemeClr val="accent5"/>
+      <a:schemeClr val="accent6"/>
+    </dgm:fillClrLst>
+    <dgm:linClrLst meth="repeat">
+      <a:schemeClr val="lt1"/>
+    </dgm:linClrLst>
+    <dgm:effectClrLst/>
+    <dgm:txLinClrLst/>
+    <dgm:txFillClrLst/>
+    <dgm:txEffectClrLst/>
+  </dgm:styleLbl>
+  <dgm:styleLbl name="vennNode1">
+    <dgm:fillClrLst meth="repeat">
+      <a:schemeClr val="accent2">
+        <a:alpha val="50000"/>
+      </a:schemeClr>
+      <a:schemeClr val="accent3">
+        <a:alpha val="50000"/>
+      </a:schemeClr>
+      <a:schemeClr val="accent4">
+        <a:alpha val="50000"/>
+      </a:schemeClr>
+      <a:schemeClr val="accent5">
+        <a:alpha val="50000"/>
+      </a:schemeClr>
+      <a:schemeClr val="accent6">
+        <a:alpha val="50000"/>
+      </a:schemeClr>
+    </dgm:fillClrLst>
+    <dgm:linClrLst meth="repeat">
+      <a:schemeClr val="lt1"/>
+    </dgm:linClrLst>
+    <dgm:effectClrLst/>
+    <dgm:txLinClrLst/>
+    <dgm:txFillClrLst/>
+    <dgm:txEffectClrLst/>
+  </dgm:styleLbl>
+  <dgm:styleLbl name="node2">
+    <dgm:fillClrLst>
+      <a:schemeClr val="accent2"/>
+    </dgm:fillClrLst>
+    <dgm:linClrLst meth="repeat">
+      <a:schemeClr val="lt1"/>
+    </dgm:linClrLst>
+    <dgm:effectClrLst/>
+    <dgm:txLinClrLst/>
+    <dgm:txFillClrLst/>
+    <dgm:txEffectClrLst/>
+  </dgm:styleLbl>
+  <dgm:styleLbl name="node3">
+    <dgm:fillClrLst>
+      <a:schemeClr val="accent3"/>
+    </dgm:fillClrLst>
+    <dgm:linClrLst meth="repeat">
+      <a:schemeClr val="lt1"/>
+    </dgm:linClrLst>
+    <dgm:effectClrLst/>
+    <dgm:txLinClrLst/>
+    <dgm:txFillClrLst/>
+    <dgm:txEffectClrLst/>
+  </dgm:styleLbl>
+  <dgm:styleLbl name="node4">
+    <dgm:fillClrLst>
+      <a:schemeClr val="accent4"/>
+    </dgm:fillClrLst>
+    <dgm:linClrLst meth="repeat">
+      <a:schemeClr val="lt1"/>
+    </dgm:linClrLst>
+    <dgm:effectClrLst/>
+    <dgm:txLinClrLst/>
+    <dgm:txFillClrLst/>
+    <dgm:txEffectClrLst/>
+  </dgm:styleLbl>
+  <dgm:styleLbl name="fgImgPlace1">
+    <dgm:fillClrLst meth="repeat">
+      <a:schemeClr val="accent2">
+        <a:tint val="50000"/>
+      </a:schemeClr>
+      <a:schemeClr val="accent3">
+        <a:tint val="50000"/>
+      </a:schemeClr>
+      <a:schemeClr val="accent4">
+        <a:tint val="50000"/>
+      </a:schemeClr>
+      <a:schemeClr val="accent5">
+        <a:tint val="50000"/>
+      </a:schemeClr>
+      <a:schemeClr val="accent6">
+        <a:tint val="50000"/>
+      </a:schemeClr>
+    </dgm:fillClrLst>
+    <dgm:linClrLst meth="repeat">
+      <a:schemeClr val="lt1"/>
+    </dgm:linClrLst>
+    <dgm:effectClrLst/>
+    <dgm:txLinClrLst/>
+    <dgm:txFillClrLst meth="repeat">
+      <a:schemeClr val="lt1"/>
+    </dgm:txFillClrLst>
+    <dgm:txEffectClrLst/>
+  </dgm:styleLbl>
+  <dgm:styleLbl name="alignImgPlace1">
+    <dgm:fillClrLst>
+      <a:schemeClr val="accent1">
+        <a:tint val="50000"/>
+      </a:schemeClr>
+      <a:schemeClr val="accent2">
+        <a:tint val="20000"/>
+      </a:schemeClr>
+    </dgm:fillClrLst>
+    <dgm:linClrLst meth="repeat">
+      <a:schemeClr val="lt1"/>
+    </dgm:linClrLst>
+    <dgm:effectClrLst/>
+    <dgm:txLinClrLst/>
+    <dgm:txFillClrLst meth="repeat">
+      <a:schemeClr val="lt1"/>
+    </dgm:txFillClrLst>
+    <dgm:txEffectClrLst/>
+  </dgm:styleLbl>
+  <dgm:styleLbl name="bgImgPlace1">
+    <dgm:fillClrLst>
+      <a:schemeClr val="accent1">
+        <a:tint val="50000"/>
+      </a:schemeClr>
+      <a:schemeClr val="accent2">
+        <a:tint val="20000"/>
+      </a:schemeClr>
+    </dgm:fillClrLst>
+    <dgm:linClrLst meth="repeat">
+      <a:schemeClr val="lt1"/>
+    </dgm:linClrLst>
+    <dgm:effectClrLst/>
+    <dgm:txLinClrLst/>
+    <dgm:txFillClrLst meth="repeat">
+      <a:schemeClr val="lt1"/>
+    </dgm:txFillClrLst>
+    <dgm:txEffectClrLst/>
+  </dgm:styleLbl>
+  <dgm:styleLbl name="sibTrans2D1">
+    <dgm:fillClrLst meth="repeat">
+      <a:schemeClr val="accent2"/>
+      <a:schemeClr val="accent3"/>
+      <a:schemeClr val="accent4"/>
+      <a:schemeClr val="accent5"/>
+      <a:schemeClr val="accent6"/>
+    </dgm:fillClrLst>
+    <dgm:linClrLst meth="cycle">
+      <a:schemeClr val="lt1"/>
+    </dgm:linClrLst>
+    <dgm:effectClrLst/>
+    <dgm:txLinClrLst/>
+    <dgm:txFillClrLst/>
+    <dgm:txEffectClrLst/>
+  </dgm:styleLbl>
+  <dgm:styleLbl name="fgSibTrans2D1">
+    <dgm:fillClrLst meth="repeat">
+      <a:schemeClr val="accent2"/>
+      <a:schemeClr val="accent3"/>
+      <a:schemeClr val="accent4"/>
+      <a:schemeClr val="accent5"/>
+      <a:schemeClr val="accent6"/>
+    </dgm:fillClrLst>
+    <dgm:linClrLst meth="cycle">
+      <a:schemeClr val="lt1"/>
+    </dgm:linClrLst>
+    <dgm:effectClrLst/>
+    <dgm:txLinClrLst/>
+    <dgm:txFillClrLst meth="repeat">
+      <a:schemeClr val="lt1"/>
+    </dgm:txFillClrLst>
+    <dgm:txEffectClrLst/>
+  </dgm:styleLbl>
+  <dgm:styleLbl name="bgSibTrans2D1">
+    <dgm:fillClrLst meth="repeat">
+      <a:schemeClr val="accent2"/>
+      <a:schemeClr val="accent3"/>
+      <a:schemeClr val="accent4"/>
+      <a:schemeClr val="accent5"/>
+      <a:schemeClr val="accent6"/>
+    </dgm:fillClrLst>
+    <dgm:linClrLst meth="cycle">
+      <a:schemeClr val="lt1"/>
+    </dgm:linClrLst>
+    <dgm:effectClrLst/>
+    <dgm:txLinClrLst/>
+    <dgm:txFillClrLst meth="repeat">
+      <a:schemeClr val="lt1"/>
+    </dgm:txFillClrLst>
+    <dgm:txEffectClrLst/>
+  </dgm:styleLbl>
+  <dgm:styleLbl name="sibTrans1D1">
+    <dgm:fillClrLst meth="repeat">
+      <a:schemeClr val="accent2"/>
+      <a:schemeClr val="accent3"/>
+      <a:schemeClr val="accent4"/>
+      <a:schemeClr val="accent5"/>
+      <a:schemeClr val="accent6"/>
+    </dgm:fillClrLst>
+    <dgm:linClrLst meth="repeat">
+      <a:schemeClr val="accent2"/>
+      <a:schemeClr val="accent3"/>
+      <a:schemeClr val="accent4"/>
+      <a:schemeClr val="accent5"/>
+      <a:schemeClr val="accent6"/>
+    </dgm:linClrLst>
+    <dgm:effectClrLst/>
+    <dgm:txLinClrLst/>
+    <dgm:txFillClrLst meth="repeat">
+      <a:schemeClr val="tx1"/>
+    </dgm:txFillClrLst>
+    <dgm:txEffectClrLst/>
+  </dgm:styleLbl>
+  <dgm:styleLbl name="callout">
+    <dgm:fillClrLst meth="repeat">
+      <a:schemeClr val="accent2"/>
+    </dgm:fillClrLst>
+    <dgm:linClrLst meth="repeat">
+      <a:schemeClr val="accent2">
+        <a:tint val="50000"/>
+      </a:schemeClr>
+    </dgm:linClrLst>
+    <dgm:effectClrLst/>
+    <dgm:txLinClrLst/>
+    <dgm:txFillClrLst meth="repeat">
+      <a:schemeClr val="tx1"/>
+    </dgm:txFillClrLst>
+    <dgm:txEffectClrLst/>
+  </dgm:styleLbl>
+  <dgm:styleLbl name="asst0">
+    <dgm:fillClrLst meth="repeat">
+      <a:schemeClr val="accent1"/>
+    </dgm:fillClrLst>
+    <dgm:linClrLst meth="repeat">
+      <a:schemeClr val="lt1"/>
+    </dgm:linClrLst>
+    <dgm:effectClrLst/>
+    <dgm:txLinClrLst/>
+    <dgm:txFillClrLst/>
+    <dgm:txEffectClrLst/>
+  </dgm:styleLbl>
+  <dgm:styleLbl name="asst1">
+    <dgm:fillClrLst meth="repeat">
+      <a:schemeClr val="accent2"/>
+    </dgm:fillClrLst>
+    <dgm:linClrLst meth="repeat">
+      <a:schemeClr val="lt1"/>
+    </dgm:linClrLst>
+    <dgm:effectClrLst/>
+    <dgm:txLinClrLst/>
+    <dgm:txFillClrLst/>
+    <dgm:txEffectClrLst/>
+  </dgm:styleLbl>
+  <dgm:styleLbl name="asst2">
+    <dgm:fillClrLst>
+      <a:schemeClr val="accent3"/>
+    </dgm:fillClrLst>
+    <dgm:linClrLst meth="repeat">
+      <a:schemeClr val="lt1"/>
+    </dgm:linClrLst>
+    <dgm:effectClrLst/>
+    <dgm:txLinClrLst/>
+    <dgm:txFillClrLst/>
+    <dgm:txEffectClrLst/>
+  </dgm:styleLbl>
+  <dgm:styleLbl name="asst3">
+    <dgm:fillClrLst>
+      <a:schemeClr val="accent4"/>
+    </dgm:fillClrLst>
+    <dgm:linClrLst meth="repeat">
+      <a:schemeClr val="lt1"/>
+    </dgm:linClrLst>
+    <dgm:effectClrLst/>
+    <dgm:txLinClrLst/>
+    <dgm:txFillClrLst/>
+    <dgm:txEffectClrLst/>
+  </dgm:styleLbl>
+  <dgm:styleLbl name="asst4">
+    <dgm:fillClrLst>
+      <a:schemeClr val="accent5"/>
+    </dgm:fillClrLst>
+    <dgm:linClrLst meth="repeat">
+      <a:schemeClr val="lt1"/>
+    </dgm:linClrLst>
+    <dgm:effectClrLst/>
+    <dgm:txLinClrLst/>
+    <dgm:txFillClrLst/>
+    <dgm:txEffectClrLst/>
+  </dgm:styleLbl>
+  <dgm:styleLbl name="parChTrans2D1">
+    <dgm:fillClrLst meth="repeat">
+      <a:schemeClr val="accent2"/>
+    </dgm:fillClrLst>
+    <dgm:linClrLst meth="repeat">
+      <a:schemeClr val="lt1"/>
+    </dgm:linClrLst>
+    <dgm:effectClrLst/>
+    <dgm:txLinClrLst/>
+    <dgm:txFillClrLst meth="repeat">
+      <a:schemeClr val="lt1"/>
+    </dgm:txFillClrLst>
+    <dgm:txEffectClrLst/>
+  </dgm:styleLbl>
+  <dgm:styleLbl name="parChTrans2D2">
+    <dgm:fillClrLst meth="repeat">
+      <a:schemeClr val="accent3"/>
+    </dgm:fillClrLst>
+    <dgm:linClrLst meth="repeat">
+      <a:schemeClr val="lt1"/>
+    </dgm:linClrLst>
+    <dgm:effectClrLst/>
+    <dgm:txLinClrLst/>
+    <dgm:txFillClrLst/>
+    <dgm:txEffectClrLst/>
+  </dgm:styleLbl>
+  <dgm:styleLbl name="parChTrans2D3">
+    <dgm:fillClrLst meth="repeat">
+      <a:schemeClr val="accent4"/>
+    </dgm:fillClrLst>
+    <dgm:linClrLst meth="repeat">
+      <a:schemeClr val="lt1"/>
+    </dgm:linClrLst>
+    <dgm:effectClrLst/>
+    <dgm:txLinClrLst/>
+    <dgm:txFillClrLst/>
+    <dgm:txEffectClrLst/>
+  </dgm:styleLbl>
+  <dgm:styleLbl name="parChTrans2D4">
+    <dgm:fillClrLst meth="repeat">
+      <a:schemeClr val="accent5"/>
+    </dgm:fillClrLst>
+    <dgm:linClrLst meth="repeat">
+      <a:schemeClr val="lt1"/>
+    </dgm:linClrLst>
+    <dgm:effectClrLst/>
+    <dgm:txLinClrLst/>
+    <dgm:txFillClrLst meth="repeat">
+      <a:schemeClr val="lt1"/>
+    </dgm:txFillClrLst>
+    <dgm:txEffectClrLst/>
+  </dgm:styleLbl>
+  <dgm:styleLbl name="parChTrans1D1">
+    <dgm:fillClrLst meth="repeat">
+      <a:schemeClr val="accent2"/>
+    </dgm:fillClrLst>
+    <dgm:linClrLst meth="repeat">
+      <a:schemeClr val="accent1"/>
+    </dgm:linClrLst>
+    <dgm:effectClrLst/>
+    <dgm:txLinClrLst/>
+    <dgm:txFillClrLst meth="repeat">
+      <a:schemeClr val="tx1"/>
+    </dgm:txFillClrLst>
+    <dgm:txEffectClrLst/>
+  </dgm:styleLbl>
+  <dgm:styleLbl name="parChTrans1D2">
+    <dgm:fillClrLst meth="repeat">
+      <a:schemeClr val="accent3">
+        <a:tint val="90000"/>
+      </a:schemeClr>
+    </dgm:fillClrLst>
+    <dgm:linClrLst meth="repeat">
+      <a:schemeClr val="accent2"/>
+    </dgm:linClrLst>
+    <dgm:effectClrLst/>
+    <dgm:txLinClrLst/>
+    <dgm:txFillClrLst meth="repeat">
+      <a:schemeClr val="tx1"/>
+    </dgm:txFillClrLst>
+    <dgm:txEffectClrLst/>
+  </dgm:styleLbl>
+  <dgm:styleLbl name="parChTrans1D3">
+    <dgm:fillClrLst meth="repeat">
+      <a:schemeClr val="accent4">
+        <a:tint val="70000"/>
+      </a:schemeClr>
+    </dgm:fillClrLst>
+    <dgm:linClrLst meth="repeat">
+      <a:schemeClr val="accent3"/>
+    </dgm:linClrLst>
+    <dgm:effectClrLst/>
+    <dgm:txLinClrLst/>
+    <dgm:txFillClrLst meth="repeat">
+      <a:schemeClr val="tx1"/>
+    </dgm:txFillClrLst>
+    <dgm:txEffectClrLst/>
+  </dgm:styleLbl>
+  <dgm:styleLbl name="parChTrans1D4">
+    <dgm:fillClrLst meth="repeat">
+      <a:schemeClr val="accent5">
+        <a:tint val="50000"/>
+      </a:schemeClr>
+    </dgm:fillClrLst>
+    <dgm:linClrLst meth="repeat">
+      <a:schemeClr val="accent4"/>
+    </dgm:linClrLst>
+    <dgm:effectClrLst/>
+    <dgm:txLinClrLst/>
+    <dgm:txFillClrLst meth="repeat">
+      <a:schemeClr val="tx1"/>
+    </dgm:txFillClrLst>
+    <dgm:txEffectClrLst/>
+  </dgm:styleLbl>
+  <dgm:styleLbl name="fgAcc1">
+    <dgm:fillClrLst meth="repeat">
+      <a:schemeClr val="lt1">
+        <a:alpha val="90000"/>
+      </a:schemeClr>
+    </dgm:fillClrLst>
+    <dgm:linClrLst meth="repeat">
+      <a:schemeClr val="accent2"/>
+      <a:schemeClr val="accent3"/>
+      <a:schemeClr val="accent4"/>
+      <a:schemeClr val="accent5"/>
+      <a:schemeClr val="accent6"/>
+    </dgm:linClrLst>
+    <dgm:effectClrLst/>
+    <dgm:txLinClrLst/>
+    <dgm:txFillClrLst meth="repeat">
+      <a:schemeClr val="dk1"/>
+    </dgm:txFillClrLst>
+    <dgm:txEffectClrLst/>
+  </dgm:styleLbl>
+  <dgm:styleLbl name="conFgAcc1">
+    <dgm:fillClrLst meth="repeat">
+      <a:schemeClr val="lt1">
+        <a:alpha val="90000"/>
+      </a:schemeClr>
+    </dgm:fillClrLst>
+    <dgm:linClrLst meth="repeat">
+      <a:schemeClr val="accent2"/>
+      <a:schemeClr val="accent3"/>
+      <a:schemeClr val="accent4"/>
+      <a:schemeClr val="accent5"/>
+      <a:schemeClr val="accent6"/>
+    </dgm:linClrLst>
+    <dgm:effectClrLst/>
+    <dgm:txLinClrLst/>
+    <dgm:txFillClrLst meth="repeat">
+      <a:schemeClr val="dk1"/>
+    </dgm:txFillClrLst>
+    <dgm:txEffectClrLst/>
+  </dgm:styleLbl>
+  <dgm:styleLbl name="alignAcc1">
+    <dgm:fillClrLst meth="repeat">
+      <a:schemeClr val="lt1">
+        <a:alpha val="90000"/>
+      </a:schemeClr>
+    </dgm:fillClrLst>
+    <dgm:linClrLst meth="repeat">
+      <a:schemeClr val="accent2"/>
+      <a:schemeClr val="accent3"/>
+      <a:schemeClr val="accent4"/>
+      <a:schemeClr val="accent5"/>
+      <a:schemeClr val="accent6"/>
+    </dgm:linClrLst>
+    <dgm:effectClrLst/>
+    <dgm:txLinClrLst/>
+    <dgm:txFillClrLst meth="repeat">
+      <a:schemeClr val="dk1"/>
+    </dgm:txFillClrLst>
+    <dgm:txEffectClrLst/>
+  </dgm:styleLbl>
+  <dgm:styleLbl name="trAlignAcc1">
+    <dgm:fillClrLst meth="repeat">
+      <a:schemeClr val="lt1">
+        <a:alpha val="40000"/>
+      </a:schemeClr>
+    </dgm:fillClrLst>
+    <dgm:linClrLst meth="repeat">
+      <a:schemeClr val="accent1"/>
+    </dgm:linClrLst>
+    <dgm:effectClrLst/>
+    <dgm:txLinClrLst/>
+    <dgm:txFillClrLst meth="repeat">
+      <a:schemeClr val="dk1"/>
+    </dgm:txFillClrLst>
+    <dgm:txEffectClrLst/>
+  </dgm:styleLbl>
+  <dgm:styleLbl name="bgAcc1">
+    <dgm:fillClrLst meth="repeat">
+      <a:schemeClr val="lt1">
+        <a:alpha val="90000"/>
+      </a:schemeClr>
+    </dgm:fillClrLst>
+    <dgm:linClrLst meth="repeat">
+      <a:schemeClr val="accent2"/>
+      <a:schemeClr val="accent3"/>
+      <a:schemeClr val="accent4"/>
+      <a:schemeClr val="accent5"/>
+      <a:schemeClr val="accent6"/>
+    </dgm:linClrLst>
+    <dgm:effectClrLst/>
+    <dgm:txLinClrLst/>
+    <dgm:txFillClrLst meth="repeat">
+      <a:schemeClr val="dk1"/>
+    </dgm:txFillClrLst>
+    <dgm:txEffectClrLst/>
+  </dgm:styleLbl>
+  <dgm:styleLbl name="solidFgAcc1">
+    <dgm:fillClrLst meth="repeat">
+      <a:schemeClr val="lt1"/>
+    </dgm:fillClrLst>
+    <dgm:linClrLst meth="repeat">
+      <a:schemeClr val="accent2"/>
+      <a:schemeClr val="accent3"/>
+      <a:schemeClr val="accent4"/>
+      <a:schemeClr val="accent5"/>
+      <a:schemeClr val="accent6"/>
+    </dgm:linClrLst>
+    <dgm:effectClrLst/>
+    <dgm:txLinClrLst/>
+    <dgm:txFillClrLst meth="repeat">
+      <a:schemeClr val="dk1"/>
+    </dgm:txFillClrLst>
+    <dgm:txEffectClrLst/>
+  </dgm:styleLbl>
+  <dgm:styleLbl name="solidAlignAcc1">
+    <dgm:fillClrLst meth="repeat">
+      <a:schemeClr val="lt1"/>
+    </dgm:fillClrLst>
+    <dgm:linClrLst meth="repeat">
+      <a:schemeClr val="accent2"/>
+      <a:schemeClr val="accent3"/>
+      <a:schemeClr val="accent4"/>
+      <a:schemeClr val="accent5"/>
+      <a:schemeClr val="accent6"/>
+    </dgm:linClrLst>
+    <dgm:effectClrLst/>
+    <dgm:txLinClrLst/>
+    <dgm:txFillClrLst meth="repeat">
+      <a:schemeClr val="dk1"/>
+    </dgm:txFillClrLst>
+    <dgm:txEffectClrLst/>
+  </dgm:styleLbl>
+  <dgm:styleLbl name="solidBgAcc1">
+    <dgm:fillClrLst meth="repeat">
+      <a:schemeClr val="lt1"/>
+    </dgm:fillClrLst>
+    <dgm:linClrLst meth="repeat">
+      <a:schemeClr val="accent2"/>
+      <a:schemeClr val="accent3"/>
+      <a:schemeClr val="accent4"/>
+      <a:schemeClr val="accent5"/>
+      <a:schemeClr val="accent6"/>
+    </dgm:linClrLst>
+    <dgm:effectClrLst/>
+    <dgm:txLinClrLst/>
+    <dgm:txFillClrLst meth="repeat">
+      <a:schemeClr val="dk1"/>
+    </dgm:txFillClrLst>
+    <dgm:txEffectClrLst/>
+  </dgm:styleLbl>
+  <dgm:styleLbl name="fgAccFollowNode1">
+    <dgm:fillClrLst meth="repeat">
+      <a:schemeClr val="accent2">
+        <a:tint val="40000"/>
+        <a:alpha val="90000"/>
+      </a:schemeClr>
+      <a:schemeClr val="accent3">
+        <a:tint val="40000"/>
+        <a:alpha val="90000"/>
+      </a:schemeClr>
+      <a:schemeClr val="accent4">
+        <a:tint val="40000"/>
+        <a:alpha val="90000"/>
+      </a:schemeClr>
+      <a:schemeClr val="accent5">
+        <a:tint val="40000"/>
+        <a:alpha val="90000"/>
+      </a:schemeClr>
+      <a:schemeClr val="accent6">
+        <a:tint val="40000"/>
+        <a:alpha val="90000"/>
+      </a:schemeClr>
+    </dgm:fillClrLst>
+    <dgm:linClrLst meth="repeat">
+      <a:schemeClr val="accent2">
+        <a:tint val="40000"/>
+        <a:alpha val="90000"/>
+      </a:schemeClr>
+      <a:schemeClr val="accent3">
+        <a:tint val="40000"/>
+        <a:alpha val="90000"/>
+      </a:schemeClr>
+      <a:schemeClr val="accent4">
+        <a:tint val="40000"/>
+        <a:alpha val="90000"/>
+      </a:schemeClr>
+      <a:schemeClr val="accent5">
+        <a:tint val="40000"/>
+        <a:alpha val="90000"/>
+      </a:schemeClr>
+      <a:schemeClr val="accent6">
+        <a:tint val="40000"/>
+        <a:alpha val="90000"/>
+      </a:schemeClr>
+    </dgm:linClrLst>
+    <dgm:effectClrLst/>
+    <dgm:txLinClrLst/>
+    <dgm:txFillClrLst meth="repeat">
+      <a:schemeClr val="dk1"/>
+    </dgm:txFillClrLst>
+    <dgm:txEffectClrLst/>
+  </dgm:styleLbl>
+  <dgm:styleLbl name="alignAccFollowNode1">
+    <dgm:fillClrLst meth="repeat">
+      <a:schemeClr val="accent2">
+        <a:tint val="40000"/>
+        <a:alpha val="90000"/>
+      </a:schemeClr>
+      <a:schemeClr val="accent3">
+        <a:tint val="40000"/>
+        <a:alpha val="90000"/>
+      </a:schemeClr>
+      <a:schemeClr val="accent4">
+        <a:tint val="40000"/>
+        <a:alpha val="90000"/>
+      </a:schemeClr>
+      <a:schemeClr val="accent5">
+        <a:tint val="40000"/>
+        <a:alpha val="90000"/>
+      </a:schemeClr>
+      <a:schemeClr val="accent6">
+        <a:tint val="40000"/>
+        <a:alpha val="90000"/>
+      </a:schemeClr>
+    </dgm:fillClrLst>
+    <dgm:linClrLst meth="repeat">
+      <a:schemeClr val="accent2">
+        <a:tint val="40000"/>
+        <a:alpha val="90000"/>
+      </a:schemeClr>
+      <a:schemeClr val="accent3">
+        <a:tint val="40000"/>
+        <a:alpha val="90000"/>
+      </a:schemeClr>
+      <a:schemeClr val="accent4">
+        <a:tint val="40000"/>
+        <a:alpha val="90000"/>
+      </a:schemeClr>
+      <a:schemeClr val="accent5">
+        <a:tint val="40000"/>
+        <a:alpha val="90000"/>
+      </a:schemeClr>
+      <a:schemeClr val="accent6">
+        <a:tint val="40000"/>
+        <a:alpha val="90000"/>
+      </a:schemeClr>
+    </dgm:linClrLst>
+    <dgm:effectClrLst/>
+    <dgm:txLinClrLst/>
+    <dgm:txFillClrLst meth="repeat">
+      <a:schemeClr val="dk1"/>
+    </dgm:txFillClrLst>
+    <dgm:txEffectClrLst/>
+  </dgm:styleLbl>
+  <dgm:styleLbl name="bgAccFollowNode1">
+    <dgm:fillClrLst meth="repeat">
+      <a:schemeClr val="accent2">
+        <a:tint val="40000"/>
+        <a:alpha val="90000"/>
+      </a:schemeClr>
+      <a:schemeClr val="accent3">
+        <a:tint val="40000"/>
+        <a:alpha val="90000"/>
+      </a:schemeClr>
+      <a:schemeClr val="accent4">
+        <a:tint val="40000"/>
+        <a:alpha val="90000"/>
+      </a:schemeClr>
+      <a:schemeClr val="accent5">
+        <a:tint val="40000"/>
+        <a:alpha val="90000"/>
+      </a:schemeClr>
+      <a:schemeClr val="accent6">
+        <a:tint val="40000"/>
+        <a:alpha val="90000"/>
+      </a:schemeClr>
+    </dgm:fillClrLst>
+    <dgm:linClrLst meth="repeat">
+      <a:schemeClr val="accent2">
+        <a:tint val="40000"/>
+        <a:alpha val="90000"/>
+      </a:schemeClr>
+      <a:schemeClr val="accent3">
+        <a:tint val="40000"/>
+        <a:alpha val="90000"/>
+      </a:schemeClr>
+      <a:schemeClr val="accent4">
+        <a:tint val="40000"/>
+        <a:alpha val="90000"/>
+      </a:schemeClr>
+      <a:schemeClr val="accent5">
+        <a:tint val="40000"/>
+        <a:alpha val="90000"/>
+      </a:schemeClr>
+      <a:schemeClr val="accent6">
+        <a:tint val="40000"/>
+        <a:alpha val="90000"/>
+      </a:schemeClr>
+    </dgm:linClrLst>
+    <dgm:effectClrLst/>
+    <dgm:txLinClrLst/>
+    <dgm:txFillClrLst meth="repeat">
+      <a:schemeClr val="dk1"/>
+    </dgm:txFillClrLst>
+    <dgm:txEffectClrLst/>
+  </dgm:styleLbl>
+  <dgm:styleLbl name="fgAcc0">
+    <dgm:fillClrLst meth="repeat">
+      <a:schemeClr val="lt1">
+        <a:alpha val="90000"/>
+      </a:schemeClr>
+    </dgm:fillClrLst>
+    <dgm:linClrLst>
+      <a:schemeClr val="accent1"/>
+    </dgm:linClrLst>
+    <dgm:effectClrLst/>
+    <dgm:txLinClrLst/>
+    <dgm:txFillClrLst meth="repeat">
+      <a:schemeClr val="dk1"/>
+    </dgm:txFillClrLst>
+    <dgm:txEffectClrLst/>
+  </dgm:styleLbl>
+  <dgm:styleLbl name="fgAcc2">
+    <dgm:fillClrLst meth="repeat">
+      <a:schemeClr val="lt1">
+        <a:alpha val="90000"/>
+      </a:schemeClr>
+    </dgm:fillClrLst>
+    <dgm:linClrLst>
+      <a:schemeClr val="accent2"/>
+    </dgm:linClrLst>
+    <dgm:effectClrLst/>
+    <dgm:txLinClrLst/>
+    <dgm:txFillClrLst meth="repeat">
+      <a:schemeClr val="dk1"/>
+    </dgm:txFillClrLst>
+    <dgm:txEffectClrLst/>
+  </dgm:styleLbl>
+  <dgm:styleLbl name="fgAcc3">
+    <dgm:fillClrLst meth="repeat">
+      <a:schemeClr val="lt1">
+        <a:alpha val="90000"/>
+      </a:schemeClr>
+    </dgm:fillClrLst>
+    <dgm:linClrLst>
+      <a:schemeClr val="accent3"/>
+    </dgm:linClrLst>
+    <dgm:effectClrLst/>
+    <dgm:txLinClrLst/>
+    <dgm:txFillClrLst meth="repeat">
+      <a:schemeClr val="dk1"/>
+    </dgm:txFillClrLst>
+    <dgm:txEffectClrLst/>
+  </dgm:styleLbl>
+  <dgm:styleLbl name="fgAcc4">
+    <dgm:fillClrLst meth="repeat">
+      <a:schemeClr val="lt1">
+        <a:alpha val="90000"/>
+      </a:schemeClr>
+    </dgm:fillClrLst>
+    <dgm:linClrLst>
+      <a:schemeClr val="accent4"/>
+    </dgm:linClrLst>
+    <dgm:effectClrLst/>
+    <dgm:txLinClrLst/>
+    <dgm:txFillClrLst meth="repeat">
+      <a:schemeClr val="dk1"/>
+    </dgm:txFillClrLst>
+    <dgm:txEffectClrLst/>
+  </dgm:styleLbl>
+  <dgm:styleLbl name="bgShp">
+    <dgm:fillClrLst meth="repeat">
+      <a:schemeClr val="accent2">
+        <a:tint val="40000"/>
+      </a:schemeClr>
+    </dgm:fillClrLst>
+    <dgm:linClrLst meth="repeat">
+      <a:schemeClr val="dk1"/>
+    </dgm:linClrLst>
+    <dgm:effectClrLst/>
+    <dgm:txLinClrLst/>
+    <dgm:txFillClrLst meth="repeat">
+      <a:schemeClr val="dk1"/>
+    </dgm:txFillClrLst>
+    <dgm:txEffectClrLst/>
+  </dgm:styleLbl>
+  <dgm:styleLbl name="dkBgShp">
+    <dgm:fillClrLst meth="repeat">
+      <a:schemeClr val="accent2">
+        <a:shade val="90000"/>
+      </a:schemeClr>
+    </dgm:fillClrLst>
+    <dgm:linClrLst meth="repeat">
+      <a:schemeClr val="dk1"/>
+    </dgm:linClrLst>
+    <dgm:effectClrLst/>
+    <dgm:txLinClrLst/>
+    <dgm:txFillClrLst meth="repeat">
+      <a:schemeClr val="lt1"/>
+    </dgm:txFillClrLst>
+    <dgm:txEffectClrLst/>
+  </dgm:styleLbl>
+  <dgm:styleLbl name="trBgShp">
+    <dgm:fillClrLst meth="repeat">
+      <a:schemeClr val="accent1">
+        <a:tint val="50000"/>
+        <a:alpha val="40000"/>
+      </a:schemeClr>
+    </dgm:fillClrLst>
+    <dgm:linClrLst meth="repeat">
+      <a:schemeClr val="accent2"/>
+    </dgm:linClrLst>
+    <dgm:effectClrLst/>
+    <dgm:txLinClrLst/>
+    <dgm:txFillClrLst meth="repeat">
+      <a:schemeClr val="lt1"/>
+    </dgm:txFillClrLst>
+    <dgm:txEffectClrLst/>
+  </dgm:styleLbl>
+  <dgm:styleLbl name="fgShp">
+    <dgm:fillClrLst meth="repeat">
+      <a:schemeClr val="accent2">
+        <a:tint val="40000"/>
+      </a:schemeClr>
+    </dgm:fillClrLst>
+    <dgm:linClrLst meth="repeat">
+      <a:schemeClr val="lt1"/>
+    </dgm:linClrLst>
+    <dgm:effectClrLst/>
+    <dgm:txLinClrLst/>
+    <dgm:txFillClrLst meth="repeat">
+      <a:schemeClr val="dk1"/>
+    </dgm:txFillClrLst>
+    <dgm:txEffectClrLst/>
+  </dgm:styleLbl>
+  <dgm:styleLbl name="revTx">
+    <dgm:fillClrLst meth="repeat">
+      <a:schemeClr val="lt1">
+        <a:alpha val="0"/>
+      </a:schemeClr>
+    </dgm:fillClrLst>
+    <dgm:linClrLst meth="repeat">
+      <a:schemeClr val="dk1">
+        <a:alpha val="0"/>
+      </a:schemeClr>
+    </dgm:linClrLst>
+    <dgm:effectClrLst/>
+    <dgm:txLinClrLst/>
+    <dgm:txFillClrLst meth="repeat">
+      <a:schemeClr val="tx1"/>
+    </dgm:txFillClrLst>
+    <dgm:txEffectClrLst/>
+  </dgm:styleLbl>
+</dgm:colorsDef>
+</file>
+
+<file path=ppt/diagrams/colors3.xml><?xml version="1.0" encoding="utf-8"?>
+<dgm:colorsDef xmlns:dgm="http://schemas.openxmlformats.org/drawingml/2006/diagram" xmlns:a="http://schemas.openxmlformats.org/drawingml/2006/main" uniqueId="urn:microsoft.com/office/officeart/2005/8/colors/colorful1">
+  <dgm:title val=""/>
+  <dgm:desc val=""/>
+  <dgm:catLst>
+    <dgm:cat type="colorful" pri="10100"/>
+  </dgm:catLst>
+  <dgm:styleLbl name="node0">
+    <dgm:fillClrLst meth="repeat">
+      <a:schemeClr val="accent1"/>
+    </dgm:fillClrLst>
+    <dgm:linClrLst meth="repeat">
+      <a:schemeClr val="lt1"/>
+    </dgm:linClrLst>
+    <dgm:effectClrLst/>
+    <dgm:txLinClrLst/>
+    <dgm:txFillClrLst/>
+    <dgm:txEffectClrLst/>
+  </dgm:styleLbl>
+  <dgm:styleLbl name="node1">
+    <dgm:fillClrLst meth="repeat">
+      <a:schemeClr val="accent2"/>
+      <a:schemeClr val="accent3"/>
+      <a:schemeClr val="accent4"/>
+      <a:schemeClr val="accent5"/>
+      <a:schemeClr val="accent6"/>
+    </dgm:fillClrLst>
+    <dgm:linClrLst meth="repeat">
+      <a:schemeClr val="lt1"/>
+    </dgm:linClrLst>
+    <dgm:effectClrLst/>
+    <dgm:txLinClrLst/>
+    <dgm:txFillClrLst/>
+    <dgm:txEffectClrLst/>
+  </dgm:styleLbl>
+  <dgm:styleLbl name="alignNode1">
+    <dgm:fillClrLst meth="repeat">
+      <a:schemeClr val="accent2"/>
+      <a:schemeClr val="accent3"/>
+      <a:schemeClr val="accent4"/>
+      <a:schemeClr val="accent5"/>
+      <a:schemeClr val="accent6"/>
+    </dgm:fillClrLst>
+    <dgm:linClrLst meth="repeat">
+      <a:schemeClr val="accent2"/>
+      <a:schemeClr val="accent3"/>
+      <a:schemeClr val="accent4"/>
+      <a:schemeClr val="accent5"/>
+      <a:schemeClr val="accent6"/>
+    </dgm:linClrLst>
+    <dgm:effectClrLst/>
+    <dgm:txLinClrLst/>
+    <dgm:txFillClrLst/>
+    <dgm:txEffectClrLst/>
+  </dgm:styleLbl>
+  <dgm:styleLbl name="lnNode1">
+    <dgm:fillClrLst meth="repeat">
+      <a:schemeClr val="accent2"/>
+      <a:schemeClr val="accent3"/>
+      <a:schemeClr val="accent4"/>
+      <a:schemeClr val="accent5"/>
+      <a:schemeClr val="accent6"/>
+    </dgm:fillClrLst>
+    <dgm:linClrLst meth="repeat">
+      <a:schemeClr val="lt1"/>
+    </dgm:linClrLst>
+    <dgm:effectClrLst/>
+    <dgm:txLinClrLst/>
+    <dgm:txFillClrLst/>
+    <dgm:txEffectClrLst/>
+  </dgm:styleLbl>
+  <dgm:styleLbl name="vennNode1">
+    <dgm:fillClrLst meth="repeat">
+      <a:schemeClr val="accent2">
+        <a:alpha val="50000"/>
+      </a:schemeClr>
+      <a:schemeClr val="accent3">
+        <a:alpha val="50000"/>
+      </a:schemeClr>
+      <a:schemeClr val="accent4">
+        <a:alpha val="50000"/>
+      </a:schemeClr>
+      <a:schemeClr val="accent5">
+        <a:alpha val="50000"/>
+      </a:schemeClr>
+      <a:schemeClr val="accent6">
+        <a:alpha val="50000"/>
+      </a:schemeClr>
+    </dgm:fillClrLst>
+    <dgm:linClrLst meth="repeat">
+      <a:schemeClr val="lt1"/>
+    </dgm:linClrLst>
+    <dgm:effectClrLst/>
+    <dgm:txLinClrLst/>
+    <dgm:txFillClrLst/>
+    <dgm:txEffectClrLst/>
+  </dgm:styleLbl>
+  <dgm:styleLbl name="node2">
+    <dgm:fillClrLst>
+      <a:schemeClr val="accent2"/>
+    </dgm:fillClrLst>
+    <dgm:linClrLst meth="repeat">
+      <a:schemeClr val="lt1"/>
+    </dgm:linClrLst>
+    <dgm:effectClrLst/>
+    <dgm:txLinClrLst/>
+    <dgm:txFillClrLst/>
+    <dgm:txEffectClrLst/>
+  </dgm:styleLbl>
+  <dgm:styleLbl name="node3">
+    <dgm:fillClrLst>
+      <a:schemeClr val="accent3"/>
+    </dgm:fillClrLst>
+    <dgm:linClrLst meth="repeat">
+      <a:schemeClr val="lt1"/>
+    </dgm:linClrLst>
+    <dgm:effectClrLst/>
+    <dgm:txLinClrLst/>
+    <dgm:txFillClrLst/>
+    <dgm:txEffectClrLst/>
+  </dgm:styleLbl>
+  <dgm:styleLbl name="node4">
+    <dgm:fillClrLst>
+      <a:schemeClr val="accent4"/>
+    </dgm:fillClrLst>
+    <dgm:linClrLst meth="repeat">
+      <a:schemeClr val="lt1"/>
+    </dgm:linClrLst>
+    <dgm:effectClrLst/>
+    <dgm:txLinClrLst/>
+    <dgm:txFillClrLst/>
+    <dgm:txEffectClrLst/>
+  </dgm:styleLbl>
+  <dgm:styleLbl name="fgImgPlace1">
+    <dgm:fillClrLst meth="repeat">
+      <a:schemeClr val="accent2">
+        <a:tint val="50000"/>
+      </a:schemeClr>
+      <a:schemeClr val="accent3">
+        <a:tint val="50000"/>
+      </a:schemeClr>
+      <a:schemeClr val="accent4">
+        <a:tint val="50000"/>
+      </a:schemeClr>
+      <a:schemeClr val="accent5">
+        <a:tint val="50000"/>
+      </a:schemeClr>
+      <a:schemeClr val="accent6">
+        <a:tint val="50000"/>
+      </a:schemeClr>
+    </dgm:fillClrLst>
+    <dgm:linClrLst meth="repeat">
+      <a:schemeClr val="lt1"/>
+    </dgm:linClrLst>
+    <dgm:effectClrLst/>
+    <dgm:txLinClrLst/>
+    <dgm:txFillClrLst meth="repeat">
+      <a:schemeClr val="lt1"/>
+    </dgm:txFillClrLst>
+    <dgm:txEffectClrLst/>
+  </dgm:styleLbl>
+  <dgm:styleLbl name="alignImgPlace1">
+    <dgm:fillClrLst>
+      <a:schemeClr val="accent1">
+        <a:tint val="50000"/>
+      </a:schemeClr>
+      <a:schemeClr val="accent2">
+        <a:tint val="20000"/>
+      </a:schemeClr>
+    </dgm:fillClrLst>
+    <dgm:linClrLst meth="repeat">
+      <a:schemeClr val="lt1"/>
+    </dgm:linClrLst>
+    <dgm:effectClrLst/>
+    <dgm:txLinClrLst/>
+    <dgm:txFillClrLst meth="repeat">
+      <a:schemeClr val="lt1"/>
+    </dgm:txFillClrLst>
+    <dgm:txEffectClrLst/>
+  </dgm:styleLbl>
+  <dgm:styleLbl name="bgImgPlace1">
+    <dgm:fillClrLst>
+      <a:schemeClr val="accent1">
+        <a:tint val="50000"/>
+      </a:schemeClr>
+      <a:schemeClr val="accent2">
+        <a:tint val="20000"/>
+      </a:schemeClr>
+    </dgm:fillClrLst>
+    <dgm:linClrLst meth="repeat">
+      <a:schemeClr val="lt1"/>
+    </dgm:linClrLst>
+    <dgm:effectClrLst/>
+    <dgm:txLinClrLst/>
+    <dgm:txFillClrLst meth="repeat">
+      <a:schemeClr val="lt1"/>
+    </dgm:txFillClrLst>
+    <dgm:txEffectClrLst/>
+  </dgm:styleLbl>
+  <dgm:styleLbl name="sibTrans2D1">
+    <dgm:fillClrLst meth="repeat">
+      <a:schemeClr val="accent2"/>
+      <a:schemeClr val="accent3"/>
+      <a:schemeClr val="accent4"/>
+      <a:schemeClr val="accent5"/>
+      <a:schemeClr val="accent6"/>
+    </dgm:fillClrLst>
+    <dgm:linClrLst meth="cycle">
+      <a:schemeClr val="lt1"/>
+    </dgm:linClrLst>
+    <dgm:effectClrLst/>
+    <dgm:txLinClrLst/>
+    <dgm:txFillClrLst/>
+    <dgm:txEffectClrLst/>
+  </dgm:styleLbl>
+  <dgm:styleLbl name="fgSibTrans2D1">
+    <dgm:fillClrLst meth="repeat">
+      <a:schemeClr val="accent2"/>
+      <a:schemeClr val="accent3"/>
+      <a:schemeClr val="accent4"/>
+      <a:schemeClr val="accent5"/>
+      <a:schemeClr val="accent6"/>
+    </dgm:fillClrLst>
+    <dgm:linClrLst meth="cycle">
+      <a:schemeClr val="lt1"/>
+    </dgm:linClrLst>
+    <dgm:effectClrLst/>
+    <dgm:txLinClrLst/>
+    <dgm:txFillClrLst meth="repeat">
+      <a:schemeClr val="lt1"/>
+    </dgm:txFillClrLst>
+    <dgm:txEffectClrLst/>
+  </dgm:styleLbl>
+  <dgm:styleLbl name="bgSibTrans2D1">
+    <dgm:fillClrLst meth="repeat">
+      <a:schemeClr val="accent2"/>
+      <a:schemeClr val="accent3"/>
+      <a:schemeClr val="accent4"/>
+      <a:schemeClr val="accent5"/>
+      <a:schemeClr val="accent6"/>
+    </dgm:fillClrLst>
+    <dgm:linClrLst meth="cycle">
+      <a:schemeClr val="lt1"/>
+    </dgm:linClrLst>
+    <dgm:effectClrLst/>
+    <dgm:txLinClrLst/>
+    <dgm:txFillClrLst meth="repeat">
+      <a:schemeClr val="lt1"/>
+    </dgm:txFillClrLst>
+    <dgm:txEffectClrLst/>
+  </dgm:styleLbl>
+  <dgm:styleLbl name="sibTrans1D1">
+    <dgm:fillClrLst meth="repeat">
+      <a:schemeClr val="accent2"/>
+      <a:schemeClr val="accent3"/>
+      <a:schemeClr val="accent4"/>
+      <a:schemeClr val="accent5"/>
+      <a:schemeClr val="accent6"/>
+    </dgm:fillClrLst>
+    <dgm:linClrLst meth="repeat">
+      <a:schemeClr val="accent2"/>
+      <a:schemeClr val="accent3"/>
+      <a:schemeClr val="accent4"/>
+      <a:schemeClr val="accent5"/>
+      <a:schemeClr val="accent6"/>
+    </dgm:linClrLst>
+    <dgm:effectClrLst/>
+    <dgm:txLinClrLst/>
+    <dgm:txFillClrLst meth="repeat">
+      <a:schemeClr val="tx1"/>
+    </dgm:txFillClrLst>
+    <dgm:txEffectClrLst/>
+  </dgm:styleLbl>
+  <dgm:styleLbl name="callout">
+    <dgm:fillClrLst meth="repeat">
+      <a:schemeClr val="accent2"/>
+    </dgm:fillClrLst>
+    <dgm:linClrLst meth="repeat">
+      <a:schemeClr val="accent2">
+        <a:tint val="50000"/>
+      </a:schemeClr>
+    </dgm:linClrLst>
+    <dgm:effectClrLst/>
+    <dgm:txLinClrLst/>
+    <dgm:txFillClrLst meth="repeat">
+      <a:schemeClr val="tx1"/>
+    </dgm:txFillClrLst>
+    <dgm:txEffectClrLst/>
+  </dgm:styleLbl>
+  <dgm:styleLbl name="asst0">
+    <dgm:fillClrLst meth="repeat">
+      <a:schemeClr val="accent1"/>
+    </dgm:fillClrLst>
+    <dgm:linClrLst meth="repeat">
+      <a:schemeClr val="lt1"/>
+    </dgm:linClrLst>
+    <dgm:effectClrLst/>
+    <dgm:txLinClrLst/>
+    <dgm:txFillClrLst/>
+    <dgm:txEffectClrLst/>
+  </dgm:styleLbl>
+  <dgm:styleLbl name="asst1">
+    <dgm:fillClrLst meth="repeat">
+      <a:schemeClr val="accent2"/>
+    </dgm:fillClrLst>
+    <dgm:linClrLst meth="repeat">
+      <a:schemeClr val="lt1"/>
+    </dgm:linClrLst>
+    <dgm:effectClrLst/>
+    <dgm:txLinClrLst/>
+    <dgm:txFillClrLst/>
+    <dgm:txEffectClrLst/>
+  </dgm:styleLbl>
+  <dgm:styleLbl name="asst2">
+    <dgm:fillClrLst>
+      <a:schemeClr val="accent3"/>
+    </dgm:fillClrLst>
+    <dgm:linClrLst meth="repeat">
+      <a:schemeClr val="lt1"/>
+    </dgm:linClrLst>
+    <dgm:effectClrLst/>
+    <dgm:txLinClrLst/>
+    <dgm:txFillClrLst/>
+    <dgm:txEffectClrLst/>
+  </dgm:styleLbl>
+  <dgm:styleLbl name="asst3">
+    <dgm:fillClrLst>
+      <a:schemeClr val="accent4"/>
+    </dgm:fillClrLst>
+    <dgm:linClrLst meth="repeat">
+      <a:schemeClr val="lt1"/>
+    </dgm:linClrLst>
+    <dgm:effectClrLst/>
+    <dgm:txLinClrLst/>
+    <dgm:txFillClrLst/>
+    <dgm:txEffectClrLst/>
+  </dgm:styleLbl>
+  <dgm:styleLbl name="asst4">
+    <dgm:fillClrLst>
+      <a:schemeClr val="accent5"/>
+    </dgm:fillClrLst>
+    <dgm:linClrLst meth="repeat">
+      <a:schemeClr val="lt1"/>
+    </dgm:linClrLst>
+    <dgm:effectClrLst/>
+    <dgm:txLinClrLst/>
+    <dgm:txFillClrLst/>
+    <dgm:txEffectClrLst/>
+  </dgm:styleLbl>
+  <dgm:styleLbl name="parChTrans2D1">
+    <dgm:fillClrLst meth="repeat">
+      <a:schemeClr val="accent2"/>
+    </dgm:fillClrLst>
+    <dgm:linClrLst meth="repeat">
+      <a:schemeClr val="lt1"/>
+    </dgm:linClrLst>
+    <dgm:effectClrLst/>
+    <dgm:txLinClrLst/>
+    <dgm:txFillClrLst meth="repeat">
+      <a:schemeClr val="lt1"/>
+    </dgm:txFillClrLst>
+    <dgm:txEffectClrLst/>
+  </dgm:styleLbl>
+  <dgm:styleLbl name="parChTrans2D2">
+    <dgm:fillClrLst meth="repeat">
+      <a:schemeClr val="accent3"/>
+    </dgm:fillClrLst>
+    <dgm:linClrLst meth="repeat">
+      <a:schemeClr val="lt1"/>
+    </dgm:linClrLst>
+    <dgm:effectClrLst/>
+    <dgm:txLinClrLst/>
+    <dgm:txFillClrLst/>
+    <dgm:txEffectClrLst/>
+  </dgm:styleLbl>
+  <dgm:styleLbl name="parChTrans2D3">
+    <dgm:fillClrLst meth="repeat">
+      <a:schemeClr val="accent4"/>
+    </dgm:fillClrLst>
+    <dgm:linClrLst meth="repeat">
+      <a:schemeClr val="lt1"/>
+    </dgm:linClrLst>
+    <dgm:effectClrLst/>
+    <dgm:txLinClrLst/>
+    <dgm:txFillClrLst/>
+    <dgm:txEffectClrLst/>
+  </dgm:styleLbl>
+  <dgm:styleLbl name="parChTrans2D4">
+    <dgm:fillClrLst meth="repeat">
+      <a:schemeClr val="accent5"/>
+    </dgm:fillClrLst>
+    <dgm:linClrLst meth="repeat">
+      <a:schemeClr val="lt1"/>
+    </dgm:linClrLst>
+    <dgm:effectClrLst/>
+    <dgm:txLinClrLst/>
+    <dgm:txFillClrLst meth="repeat">
+      <a:schemeClr val="lt1"/>
+    </dgm:txFillClrLst>
+    <dgm:txEffectClrLst/>
+  </dgm:styleLbl>
+  <dgm:styleLbl name="parChTrans1D1">
+    <dgm:fillClrLst meth="repeat">
+      <a:schemeClr val="accent2"/>
+    </dgm:fillClrLst>
+    <dgm:linClrLst meth="repeat">
+      <a:schemeClr val="accent1"/>
+    </dgm:linClrLst>
+    <dgm:effectClrLst/>
+    <dgm:txLinClrLst/>
+    <dgm:txFillClrLst meth="repeat">
+      <a:schemeClr val="tx1"/>
+    </dgm:txFillClrLst>
+    <dgm:txEffectClrLst/>
+  </dgm:styleLbl>
+  <dgm:styleLbl name="parChTrans1D2">
+    <dgm:fillClrLst meth="repeat">
+      <a:schemeClr val="accent3">
+        <a:tint val="90000"/>
+      </a:schemeClr>
+    </dgm:fillClrLst>
+    <dgm:linClrLst meth="repeat">
+      <a:schemeClr val="accent2"/>
+    </dgm:linClrLst>
+    <dgm:effectClrLst/>
+    <dgm:txLinClrLst/>
+    <dgm:txFillClrLst meth="repeat">
+      <a:schemeClr val="tx1"/>
+    </dgm:txFillClrLst>
+    <dgm:txEffectClrLst/>
+  </dgm:styleLbl>
+  <dgm:styleLbl name="parChTrans1D3">
+    <dgm:fillClrLst meth="repeat">
+      <a:schemeClr val="accent4">
+        <a:tint val="70000"/>
+      </a:schemeClr>
+    </dgm:fillClrLst>
+    <dgm:linClrLst meth="repeat">
+      <a:schemeClr val="accent3"/>
+    </dgm:linClrLst>
+    <dgm:effectClrLst/>
+    <dgm:txLinClrLst/>
+    <dgm:txFillClrLst meth="repeat">
+      <a:schemeClr val="tx1"/>
+    </dgm:txFillClrLst>
+    <dgm:txEffectClrLst/>
+  </dgm:styleLbl>
+  <dgm:styleLbl name="parChTrans1D4">
+    <dgm:fillClrLst meth="repeat">
+      <a:schemeClr val="accent5">
+        <a:tint val="50000"/>
+      </a:schemeClr>
+    </dgm:fillClrLst>
+    <dgm:linClrLst meth="repeat">
+      <a:schemeClr val="accent4"/>
+    </dgm:linClrLst>
+    <dgm:effectClrLst/>
+    <dgm:txLinClrLst/>
+    <dgm:txFillClrLst meth="repeat">
+      <a:schemeClr val="tx1"/>
+    </dgm:txFillClrLst>
+    <dgm:txEffectClrLst/>
+  </dgm:styleLbl>
+  <dgm:styleLbl name="fgAcc1">
+    <dgm:fillClrLst meth="repeat">
+      <a:schemeClr val="lt1">
+        <a:alpha val="90000"/>
+      </a:schemeClr>
+    </dgm:fillClrLst>
+    <dgm:linClrLst meth="repeat">
+      <a:schemeClr val="accent2"/>
+      <a:schemeClr val="accent3"/>
+      <a:schemeClr val="accent4"/>
+      <a:schemeClr val="accent5"/>
+      <a:schemeClr val="accent6"/>
+    </dgm:linClrLst>
+    <dgm:effectClrLst/>
+    <dgm:txLinClrLst/>
+    <dgm:txFillClrLst meth="repeat">
+      <a:schemeClr val="dk1"/>
+    </dgm:txFillClrLst>
+    <dgm:txEffectClrLst/>
+  </dgm:styleLbl>
+  <dgm:styleLbl name="conFgAcc1">
+    <dgm:fillClrLst meth="repeat">
+      <a:schemeClr val="lt1">
+        <a:alpha val="90000"/>
+      </a:schemeClr>
+    </dgm:fillClrLst>
+    <dgm:linClrLst meth="repeat">
+      <a:schemeClr val="accent2"/>
+      <a:schemeClr val="accent3"/>
+      <a:schemeClr val="accent4"/>
+      <a:schemeClr val="accent5"/>
+      <a:schemeClr val="accent6"/>
+    </dgm:linClrLst>
+    <dgm:effectClrLst/>
+    <dgm:txLinClrLst/>
+    <dgm:txFillClrLst meth="repeat">
+      <a:schemeClr val="dk1"/>
+    </dgm:txFillClrLst>
+    <dgm:txEffectClrLst/>
+  </dgm:styleLbl>
+  <dgm:styleLbl name="alignAcc1">
+    <dgm:fillClrLst meth="repeat">
+      <a:schemeClr val="lt1">
+        <a:alpha val="90000"/>
+      </a:schemeClr>
+    </dgm:fillClrLst>
+    <dgm:linClrLst meth="repeat">
+      <a:schemeClr val="accent2"/>
+      <a:schemeClr val="accent3"/>
+      <a:schemeClr val="accent4"/>
+      <a:schemeClr val="accent5"/>
+      <a:schemeClr val="accent6"/>
+    </dgm:linClrLst>
+    <dgm:effectClrLst/>
+    <dgm:txLinClrLst/>
+    <dgm:txFillClrLst meth="repeat">
+      <a:schemeClr val="dk1"/>
+    </dgm:txFillClrLst>
+    <dgm:txEffectClrLst/>
+  </dgm:styleLbl>
+  <dgm:styleLbl name="trAlignAcc1">
+    <dgm:fillClrLst meth="repeat">
+      <a:schemeClr val="lt1">
+        <a:alpha val="40000"/>
+      </a:schemeClr>
+    </dgm:fillClrLst>
+    <dgm:linClrLst meth="repeat">
+      <a:schemeClr val="accent1"/>
+    </dgm:linClrLst>
+    <dgm:effectClrLst/>
+    <dgm:txLinClrLst/>
+    <dgm:txFillClrLst meth="repeat">
+      <a:schemeClr val="dk1"/>
+    </dgm:txFillClrLst>
+    <dgm:txEffectClrLst/>
+  </dgm:styleLbl>
+  <dgm:styleLbl name="bgAcc1">
+    <dgm:fillClrLst meth="repeat">
+      <a:schemeClr val="lt1">
+        <a:alpha val="90000"/>
+      </a:schemeClr>
+    </dgm:fillClrLst>
+    <dgm:linClrLst meth="repeat">
+      <a:schemeClr val="accent2"/>
+      <a:schemeClr val="accent3"/>
+      <a:schemeClr val="accent4"/>
+      <a:schemeClr val="accent5"/>
+      <a:schemeClr val="accent6"/>
+    </dgm:linClrLst>
+    <dgm:effectClrLst/>
+    <dgm:txLinClrLst/>
+    <dgm:txFillClrLst meth="repeat">
+      <a:schemeClr val="dk1"/>
+    </dgm:txFillClrLst>
+    <dgm:txEffectClrLst/>
+  </dgm:styleLbl>
+  <dgm:styleLbl name="solidFgAcc1">
+    <dgm:fillClrLst meth="repeat">
+      <a:schemeClr val="lt1"/>
+    </dgm:fillClrLst>
+    <dgm:linClrLst meth="repeat">
+      <a:schemeClr val="accent2"/>
+      <a:schemeClr val="accent3"/>
+      <a:schemeClr val="accent4"/>
+      <a:schemeClr val="accent5"/>
+      <a:schemeClr val="accent6"/>
+    </dgm:linClrLst>
+    <dgm:effectClrLst/>
+    <dgm:txLinClrLst/>
+    <dgm:txFillClrLst meth="repeat">
+      <a:schemeClr val="dk1"/>
+    </dgm:txFillClrLst>
+    <dgm:txEffectClrLst/>
+  </dgm:styleLbl>
+  <dgm:styleLbl name="solidAlignAcc1">
+    <dgm:fillClrLst meth="repeat">
+      <a:schemeClr val="lt1"/>
+    </dgm:fillClrLst>
+    <dgm:linClrLst meth="repeat">
+      <a:schemeClr val="accent2"/>
+      <a:schemeClr val="accent3"/>
+      <a:schemeClr val="accent4"/>
+      <a:schemeClr val="accent5"/>
+      <a:schemeClr val="accent6"/>
+    </dgm:linClrLst>
+    <dgm:effectClrLst/>
+    <dgm:txLinClrLst/>
+    <dgm:txFillClrLst meth="repeat">
+      <a:schemeClr val="dk1"/>
+    </dgm:txFillClrLst>
+    <dgm:txEffectClrLst/>
+  </dgm:styleLbl>
+  <dgm:styleLbl name="solidBgAcc1">
+    <dgm:fillClrLst meth="repeat">
+      <a:schemeClr val="lt1"/>
+    </dgm:fillClrLst>
+    <dgm:linClrLst meth="repeat">
+      <a:schemeClr val="accent2"/>
+      <a:schemeClr val="accent3"/>
+      <a:schemeClr val="accent4"/>
+      <a:schemeClr val="accent5"/>
+      <a:schemeClr val="accent6"/>
+    </dgm:linClrLst>
+    <dgm:effectClrLst/>
+    <dgm:txLinClrLst/>
+    <dgm:txFillClrLst meth="repeat">
+      <a:schemeClr val="dk1"/>
+    </dgm:txFillClrLst>
+    <dgm:txEffectClrLst/>
+  </dgm:styleLbl>
+  <dgm:styleLbl name="fgAccFollowNode1">
+    <dgm:fillClrLst meth="repeat">
+      <a:schemeClr val="accent2">
+        <a:tint val="40000"/>
+        <a:alpha val="90000"/>
+      </a:schemeClr>
+      <a:schemeClr val="accent3">
+        <a:tint val="40000"/>
+        <a:alpha val="90000"/>
+      </a:schemeClr>
+      <a:schemeClr val="accent4">
+        <a:tint val="40000"/>
+        <a:alpha val="90000"/>
+      </a:schemeClr>
+      <a:schemeClr val="accent5">
+        <a:tint val="40000"/>
+        <a:alpha val="90000"/>
+      </a:schemeClr>
+      <a:schemeClr val="accent6">
+        <a:tint val="40000"/>
+        <a:alpha val="90000"/>
+      </a:schemeClr>
+    </dgm:fillClrLst>
+    <dgm:linClrLst meth="repeat">
+      <a:schemeClr val="accent2">
+        <a:tint val="40000"/>
+        <a:alpha val="90000"/>
+      </a:schemeClr>
+      <a:schemeClr val="accent3">
+        <a:tint val="40000"/>
+        <a:alpha val="90000"/>
+      </a:schemeClr>
+      <a:schemeClr val="accent4">
+        <a:tint val="40000"/>
+        <a:alpha val="90000"/>
+      </a:schemeClr>
+      <a:schemeClr val="accent5">
+        <a:tint val="40000"/>
+        <a:alpha val="90000"/>
+      </a:schemeClr>
+      <a:schemeClr val="accent6">
+        <a:tint val="40000"/>
+        <a:alpha val="90000"/>
+      </a:schemeClr>
+    </dgm:linClrLst>
+    <dgm:effectClrLst/>
+    <dgm:txLinClrLst/>
+    <dgm:txFillClrLst meth="repeat">
+      <a:schemeClr val="dk1"/>
+    </dgm:txFillClrLst>
+    <dgm:txEffectClrLst/>
+  </dgm:styleLbl>
+  <dgm:styleLbl name="alignAccFollowNode1">
+    <dgm:fillClrLst meth="repeat">
+      <a:schemeClr val="accent2">
+        <a:tint val="40000"/>
+        <a:alpha val="90000"/>
+      </a:schemeClr>
+      <a:schemeClr val="accent3">
+        <a:tint val="40000"/>
+        <a:alpha val="90000"/>
+      </a:schemeClr>
+      <a:schemeClr val="accent4">
+        <a:tint val="40000"/>
+        <a:alpha val="90000"/>
+      </a:schemeClr>
+      <a:schemeClr val="accent5">
+        <a:tint val="40000"/>
+        <a:alpha val="90000"/>
+      </a:schemeClr>
+      <a:schemeClr val="accent6">
+        <a:tint val="40000"/>
+        <a:alpha val="90000"/>
+      </a:schemeClr>
+    </dgm:fillClrLst>
+    <dgm:linClrLst meth="repeat">
+      <a:schemeClr val="accent2">
+        <a:tint val="40000"/>
+        <a:alpha val="90000"/>
+      </a:schemeClr>
+      <a:schemeClr val="accent3">
+        <a:tint val="40000"/>
+        <a:alpha val="90000"/>
+      </a:schemeClr>
+      <a:schemeClr val="accent4">
+        <a:tint val="40000"/>
+        <a:alpha val="90000"/>
+      </a:schemeClr>
+      <a:schemeClr val="accent5">
+        <a:tint val="40000"/>
+        <a:alpha val="90000"/>
+      </a:schemeClr>
+      <a:schemeClr val="accent6">
+        <a:tint val="40000"/>
+        <a:alpha val="90000"/>
+      </a:schemeClr>
+    </dgm:linClrLst>
+    <dgm:effectClrLst/>
+    <dgm:txLinClrLst/>
+    <dgm:txFillClrLst meth="repeat">
+      <a:schemeClr val="dk1"/>
+    </dgm:txFillClrLst>
+    <dgm:txEffectClrLst/>
+  </dgm:styleLbl>
+  <dgm:styleLbl name="bgAccFollowNode1">
+    <dgm:fillClrLst meth="repeat">
+      <a:schemeClr val="accent2">
+        <a:tint val="40000"/>
+        <a:alpha val="90000"/>
+      </a:schemeClr>
+      <a:schemeClr val="accent3">
+        <a:tint val="40000"/>
+        <a:alpha val="90000"/>
+      </a:schemeClr>
+      <a:schemeClr val="accent4">
+        <a:tint val="40000"/>
+        <a:alpha val="90000"/>
+      </a:schemeClr>
+      <a:schemeClr val="accent5">
+        <a:tint val="40000"/>
+        <a:alpha val="90000"/>
+      </a:schemeClr>
+      <a:schemeClr val="accent6">
+        <a:tint val="40000"/>
+        <a:alpha val="90000"/>
+      </a:schemeClr>
+    </dgm:fillClrLst>
+    <dgm:linClrLst meth="repeat">
+      <a:schemeClr val="accent2">
+        <a:tint val="40000"/>
+        <a:alpha val="90000"/>
+      </a:schemeClr>
+      <a:schemeClr val="accent3">
+        <a:tint val="40000"/>
+        <a:alpha val="90000"/>
+      </a:schemeClr>
+      <a:schemeClr val="accent4">
+        <a:tint val="40000"/>
+        <a:alpha val="90000"/>
+      </a:schemeClr>
+      <a:schemeClr val="accent5">
+        <a:tint val="40000"/>
+        <a:alpha val="90000"/>
+      </a:schemeClr>
+      <a:schemeClr val="accent6">
+        <a:tint val="40000"/>
+        <a:alpha val="90000"/>
+      </a:schemeClr>
+    </dgm:linClrLst>
+    <dgm:effectClrLst/>
+    <dgm:txLinClrLst/>
+    <dgm:txFillClrLst meth="repeat">
+      <a:schemeClr val="dk1"/>
+    </dgm:txFillClrLst>
+    <dgm:txEffectClrLst/>
+  </dgm:styleLbl>
+  <dgm:styleLbl name="fgAcc0">
+    <dgm:fillClrLst meth="repeat">
+      <a:schemeClr val="lt1">
+        <a:alpha val="90000"/>
+      </a:schemeClr>
+    </dgm:fillClrLst>
+    <dgm:linClrLst>
+      <a:schemeClr val="accent1"/>
+    </dgm:linClrLst>
+    <dgm:effectClrLst/>
+    <dgm:txLinClrLst/>
+    <dgm:txFillClrLst meth="repeat">
+      <a:schemeClr val="dk1"/>
+    </dgm:txFillClrLst>
+    <dgm:txEffectClrLst/>
+  </dgm:styleLbl>
+  <dgm:styleLbl name="fgAcc2">
+    <dgm:fillClrLst meth="repeat">
+      <a:schemeClr val="lt1">
+        <a:alpha val="90000"/>
+      </a:schemeClr>
+    </dgm:fillClrLst>
+    <dgm:linClrLst>
+      <a:schemeClr val="accent2"/>
+    </dgm:linClrLst>
+    <dgm:effectClrLst/>
+    <dgm:txLinClrLst/>
+    <dgm:txFillClrLst meth="repeat">
+      <a:schemeClr val="dk1"/>
+    </dgm:txFillClrLst>
+    <dgm:txEffectClrLst/>
+  </dgm:styleLbl>
+  <dgm:styleLbl name="fgAcc3">
+    <dgm:fillClrLst meth="repeat">
+      <a:schemeClr val="lt1">
+        <a:alpha val="90000"/>
+      </a:schemeClr>
+    </dgm:fillClrLst>
+    <dgm:linClrLst>
+      <a:schemeClr val="accent3"/>
+    </dgm:linClrLst>
+    <dgm:effectClrLst/>
+    <dgm:txLinClrLst/>
+    <dgm:txFillClrLst meth="repeat">
+      <a:schemeClr val="dk1"/>
+    </dgm:txFillClrLst>
+    <dgm:txEffectClrLst/>
+  </dgm:styleLbl>
+  <dgm:styleLbl name="fgAcc4">
+    <dgm:fillClrLst meth="repeat">
+      <a:schemeClr val="lt1">
+        <a:alpha val="90000"/>
+      </a:schemeClr>
+    </dgm:fillClrLst>
+    <dgm:linClrLst>
+      <a:schemeClr val="accent4"/>
+    </dgm:linClrLst>
+    <dgm:effectClrLst/>
+    <dgm:txLinClrLst/>
+    <dgm:txFillClrLst meth="repeat">
+      <a:schemeClr val="dk1"/>
+    </dgm:txFillClrLst>
+    <dgm:txEffectClrLst/>
+  </dgm:styleLbl>
+  <dgm:styleLbl name="bgShp">
+    <dgm:fillClrLst meth="repeat">
+      <a:schemeClr val="accent2">
+        <a:tint val="40000"/>
+      </a:schemeClr>
+    </dgm:fillClrLst>
+    <dgm:linClrLst meth="repeat">
+      <a:schemeClr val="dk1"/>
+    </dgm:linClrLst>
+    <dgm:effectClrLst/>
+    <dgm:txLinClrLst/>
+    <dgm:txFillClrLst meth="repeat">
+      <a:schemeClr val="dk1"/>
+    </dgm:txFillClrLst>
+    <dgm:txEffectClrLst/>
+  </dgm:styleLbl>
+  <dgm:styleLbl name="dkBgShp">
+    <dgm:fillClrLst meth="repeat">
+      <a:schemeClr val="accent2">
+        <a:shade val="90000"/>
+      </a:schemeClr>
+    </dgm:fillClrLst>
+    <dgm:linClrLst meth="repeat">
+      <a:schemeClr val="dk1"/>
+    </dgm:linClrLst>
+    <dgm:effectClrLst/>
+    <dgm:txLinClrLst/>
+    <dgm:txFillClrLst meth="repeat">
+      <a:schemeClr val="lt1"/>
+    </dgm:txFillClrLst>
+    <dgm:txEffectClrLst/>
+  </dgm:styleLbl>
+  <dgm:styleLbl name="trBgShp">
+    <dgm:fillClrLst meth="repeat">
+      <a:schemeClr val="accent1">
+        <a:tint val="50000"/>
+        <a:alpha val="40000"/>
+      </a:schemeClr>
+    </dgm:fillClrLst>
+    <dgm:linClrLst meth="repeat">
+      <a:schemeClr val="accent2"/>
+    </dgm:linClrLst>
+    <dgm:effectClrLst/>
+    <dgm:txLinClrLst/>
+    <dgm:txFillClrLst meth="repeat">
+      <a:schemeClr val="lt1"/>
+    </dgm:txFillClrLst>
+    <dgm:txEffectClrLst/>
+  </dgm:styleLbl>
+  <dgm:styleLbl name="fgShp">
+    <dgm:fillClrLst meth="repeat">
+      <a:schemeClr val="accent2">
+        <a:tint val="40000"/>
+      </a:schemeClr>
+    </dgm:fillClrLst>
+    <dgm:linClrLst meth="repeat">
+      <a:schemeClr val="lt1"/>
+    </dgm:linClrLst>
+    <dgm:effectClrLst/>
+    <dgm:txLinClrLst/>
+    <dgm:txFillClrLst meth="repeat">
+      <a:schemeClr val="dk1"/>
+    </dgm:txFillClrLst>
+    <dgm:txEffectClrLst/>
+  </dgm:styleLbl>
+  <dgm:styleLbl name="revTx">
+    <dgm:fillClrLst meth="repeat">
+      <a:schemeClr val="lt1">
+        <a:alpha val="0"/>
+      </a:schemeClr>
+    </dgm:fillClrLst>
+    <dgm:linClrLst meth="repeat">
+      <a:schemeClr val="dk1">
+        <a:alpha val="0"/>
+      </a:schemeClr>
+    </dgm:linClrLst>
+    <dgm:effectClrLst/>
+    <dgm:txLinClrLst/>
+    <dgm:txFillClrLst meth="repeat">
+      <a:schemeClr val="tx1"/>
+    </dgm:txFillClrLst>
+    <dgm:txEffectClrLst/>
+  </dgm:styleLbl>
+</dgm:colorsDef>
+</file>
+
+<file path=ppt/diagrams/colors4.xml><?xml version="1.0" encoding="utf-8"?>
+<dgm:colorsDef xmlns:dgm="http://schemas.openxmlformats.org/drawingml/2006/diagram" xmlns:a="http://schemas.openxmlformats.org/drawingml/2006/main" uniqueId="urn:microsoft.com/office/officeart/2005/8/colors/colorful1">
+  <dgm:title val=""/>
+  <dgm:desc val=""/>
+  <dgm:catLst>
+    <dgm:cat type="colorful" pri="10100"/>
+  </dgm:catLst>
+  <dgm:styleLbl name="node0">
+    <dgm:fillClrLst meth="repeat">
+      <a:schemeClr val="accent1"/>
+    </dgm:fillClrLst>
+    <dgm:linClrLst meth="repeat">
+      <a:schemeClr val="lt1"/>
+    </dgm:linClrLst>
+    <dgm:effectClrLst/>
+    <dgm:txLinClrLst/>
+    <dgm:txFillClrLst/>
+    <dgm:txEffectClrLst/>
+  </dgm:styleLbl>
+  <dgm:styleLbl name="node1">
+    <dgm:fillClrLst meth="repeat">
+      <a:schemeClr val="accent2"/>
+      <a:schemeClr val="accent3"/>
+      <a:schemeClr val="accent4"/>
+      <a:schemeClr val="accent5"/>
+      <a:schemeClr val="accent6"/>
+    </dgm:fillClrLst>
+    <dgm:linClrLst meth="repeat">
+      <a:schemeClr val="lt1"/>
+    </dgm:linClrLst>
+    <dgm:effectClrLst/>
+    <dgm:txLinClrLst/>
+    <dgm:txFillClrLst/>
+    <dgm:txEffectClrLst/>
+  </dgm:styleLbl>
+  <dgm:styleLbl name="alignNode1">
+    <dgm:fillClrLst meth="repeat">
+      <a:schemeClr val="accent2"/>
+      <a:schemeClr val="accent3"/>
+      <a:schemeClr val="accent4"/>
+      <a:schemeClr val="accent5"/>
+      <a:schemeClr val="accent6"/>
+    </dgm:fillClrLst>
+    <dgm:linClrLst meth="repeat">
+      <a:schemeClr val="accent2"/>
+      <a:schemeClr val="accent3"/>
+      <a:schemeClr val="accent4"/>
+      <a:schemeClr val="accent5"/>
+      <a:schemeClr val="accent6"/>
+    </dgm:linClrLst>
+    <dgm:effectClrLst/>
+    <dgm:txLinClrLst/>
+    <dgm:txFillClrLst/>
+    <dgm:txEffectClrLst/>
+  </dgm:styleLbl>
+  <dgm:styleLbl name="lnNode1">
+    <dgm:fillClrLst meth="repeat">
+      <a:schemeClr val="accent2"/>
+      <a:schemeClr val="accent3"/>
+      <a:schemeClr val="accent4"/>
+      <a:schemeClr val="accent5"/>
+      <a:schemeClr val="accent6"/>
+    </dgm:fillClrLst>
+    <dgm:linClrLst meth="repeat">
+      <a:schemeClr val="lt1"/>
+    </dgm:linClrLst>
+    <dgm:effectClrLst/>
+    <dgm:txLinClrLst/>
+    <dgm:txFillClrLst/>
+    <dgm:txEffectClrLst/>
+  </dgm:styleLbl>
+  <dgm:styleLbl name="vennNode1">
+    <dgm:fillClrLst meth="repeat">
+      <a:schemeClr val="accent2">
+        <a:alpha val="50000"/>
+      </a:schemeClr>
+      <a:schemeClr val="accent3">
+        <a:alpha val="50000"/>
+      </a:schemeClr>
+      <a:schemeClr val="accent4">
+        <a:alpha val="50000"/>
+      </a:schemeClr>
+      <a:schemeClr val="accent5">
+        <a:alpha val="50000"/>
+      </a:schemeClr>
+      <a:schemeClr val="accent6">
+        <a:alpha val="50000"/>
+      </a:schemeClr>
+    </dgm:fillClrLst>
+    <dgm:linClrLst meth="repeat">
+      <a:schemeClr val="lt1"/>
+    </dgm:linClrLst>
+    <dgm:effectClrLst/>
+    <dgm:txLinClrLst/>
+    <dgm:txFillClrLst/>
+    <dgm:txEffectClrLst/>
+  </dgm:styleLbl>
+  <dgm:styleLbl name="node2">
+    <dgm:fillClrLst>
+      <a:schemeClr val="accent2"/>
+    </dgm:fillClrLst>
+    <dgm:linClrLst meth="repeat">
+      <a:schemeClr val="lt1"/>
+    </dgm:linClrLst>
+    <dgm:effectClrLst/>
+    <dgm:txLinClrLst/>
+    <dgm:txFillClrLst/>
+    <dgm:txEffectClrLst/>
+  </dgm:styleLbl>
+  <dgm:styleLbl name="node3">
+    <dgm:fillClrLst>
+      <a:schemeClr val="accent3"/>
+    </dgm:fillClrLst>
+    <dgm:linClrLst meth="repeat">
+      <a:schemeClr val="lt1"/>
+    </dgm:linClrLst>
+    <dgm:effectClrLst/>
+    <dgm:txLinClrLst/>
+    <dgm:txFillClrLst/>
+    <dgm:txEffectClrLst/>
+  </dgm:styleLbl>
+  <dgm:styleLbl name="node4">
+    <dgm:fillClrLst>
+      <a:schemeClr val="accent4"/>
+    </dgm:fillClrLst>
+    <dgm:linClrLst meth="repeat">
+      <a:schemeClr val="lt1"/>
+    </dgm:linClrLst>
+    <dgm:effectClrLst/>
+    <dgm:txLinClrLst/>
+    <dgm:txFillClrLst/>
+    <dgm:txEffectClrLst/>
+  </dgm:styleLbl>
+  <dgm:styleLbl name="fgImgPlace1">
+    <dgm:fillClrLst meth="repeat">
+      <a:schemeClr val="accent2">
+        <a:tint val="50000"/>
+      </a:schemeClr>
+      <a:schemeClr val="accent3">
+        <a:tint val="50000"/>
+      </a:schemeClr>
+      <a:schemeClr val="accent4">
+        <a:tint val="50000"/>
+      </a:schemeClr>
+      <a:schemeClr val="accent5">
+        <a:tint val="50000"/>
+      </a:schemeClr>
+      <a:schemeClr val="accent6">
+        <a:tint val="50000"/>
+      </a:schemeClr>
+    </dgm:fillClrLst>
+    <dgm:linClrLst meth="repeat">
+      <a:schemeClr val="lt1"/>
+    </dgm:linClrLst>
+    <dgm:effectClrLst/>
+    <dgm:txLinClrLst/>
+    <dgm:txFillClrLst meth="repeat">
+      <a:schemeClr val="lt1"/>
+    </dgm:txFillClrLst>
+    <dgm:txEffectClrLst/>
+  </dgm:styleLbl>
+  <dgm:styleLbl name="alignImgPlace1">
+    <dgm:fillClrLst>
+      <a:schemeClr val="accent1">
+        <a:tint val="50000"/>
+      </a:schemeClr>
+      <a:schemeClr val="accent2">
+        <a:tint val="20000"/>
+      </a:schemeClr>
+    </dgm:fillClrLst>
+    <dgm:linClrLst meth="repeat">
+      <a:schemeClr val="lt1"/>
+    </dgm:linClrLst>
+    <dgm:effectClrLst/>
+    <dgm:txLinClrLst/>
+    <dgm:txFillClrLst meth="repeat">
+      <a:schemeClr val="lt1"/>
+    </dgm:txFillClrLst>
+    <dgm:txEffectClrLst/>
+  </dgm:styleLbl>
+  <dgm:styleLbl name="bgImgPlace1">
+    <dgm:fillClrLst>
+      <a:schemeClr val="accent1">
+        <a:tint val="50000"/>
+      </a:schemeClr>
+      <a:schemeClr val="accent2">
+        <a:tint val="20000"/>
+      </a:schemeClr>
+    </dgm:fillClrLst>
+    <dgm:linClrLst meth="repeat">
+      <a:schemeClr val="lt1"/>
+    </dgm:linClrLst>
+    <dgm:effectClrLst/>
+    <dgm:txLinClrLst/>
+    <dgm:txFillClrLst meth="repeat">
+      <a:schemeClr val="lt1"/>
+    </dgm:txFillClrLst>
+    <dgm:txEffectClrLst/>
+  </dgm:styleLbl>
+  <dgm:styleLbl name="sibTrans2D1">
+    <dgm:fillClrLst meth="repeat">
+      <a:schemeClr val="accent2"/>
+      <a:schemeClr val="accent3"/>
+      <a:schemeClr val="accent4"/>
+      <a:schemeClr val="accent5"/>
+      <a:schemeClr val="accent6"/>
+    </dgm:fillClrLst>
+    <dgm:linClrLst meth="cycle">
+      <a:schemeClr val="lt1"/>
+    </dgm:linClrLst>
+    <dgm:effectClrLst/>
+    <dgm:txLinClrLst/>
+    <dgm:txFillClrLst/>
+    <dgm:txEffectClrLst/>
+  </dgm:styleLbl>
+  <dgm:styleLbl name="fgSibTrans2D1">
+    <dgm:fillClrLst meth="repeat">
+      <a:schemeClr val="accent2"/>
+      <a:schemeClr val="accent3"/>
+      <a:schemeClr val="accent4"/>
+      <a:schemeClr val="accent5"/>
+      <a:schemeClr val="accent6"/>
+    </dgm:fillClrLst>
+    <dgm:linClrLst meth="cycle">
+      <a:schemeClr val="lt1"/>
+    </dgm:linClrLst>
+    <dgm:effectClrLst/>
+    <dgm:txLinClrLst/>
+    <dgm:txFillClrLst meth="repeat">
+      <a:schemeClr val="lt1"/>
+    </dgm:txFillClrLst>
+    <dgm:txEffectClrLst/>
+  </dgm:styleLbl>
+  <dgm:styleLbl name="bgSibTrans2D1">
+    <dgm:fillClrLst meth="repeat">
+      <a:schemeClr val="accent2"/>
+      <a:schemeClr val="accent3"/>
+      <a:schemeClr val="accent4"/>
+      <a:schemeClr val="accent5"/>
+      <a:schemeClr val="accent6"/>
+    </dgm:fillClrLst>
+    <dgm:linClrLst meth="cycle">
+      <a:schemeClr val="lt1"/>
+    </dgm:linClrLst>
+    <dgm:effectClrLst/>
+    <dgm:txLinClrLst/>
+    <dgm:txFillClrLst meth="repeat">
+      <a:schemeClr val="lt1"/>
+    </dgm:txFillClrLst>
+    <dgm:txEffectClrLst/>
+  </dgm:styleLbl>
+  <dgm:styleLbl name="sibTrans1D1">
+    <dgm:fillClrLst meth="repeat">
+      <a:schemeClr val="accent2"/>
+      <a:schemeClr val="accent3"/>
+      <a:schemeClr val="accent4"/>
+      <a:schemeClr val="accent5"/>
+      <a:schemeClr val="accent6"/>
+    </dgm:fillClrLst>
+    <dgm:linClrLst meth="repeat">
+      <a:schemeClr val="accent2"/>
+      <a:schemeClr val="accent3"/>
+      <a:schemeClr val="accent4"/>
+      <a:schemeClr val="accent5"/>
+      <a:schemeClr val="accent6"/>
+    </dgm:linClrLst>
+    <dgm:effectClrLst/>
+    <dgm:txLinClrLst/>
+    <dgm:txFillClrLst meth="repeat">
+      <a:schemeClr val="tx1"/>
+    </dgm:txFillClrLst>
+    <dgm:txEffectClrLst/>
+  </dgm:styleLbl>
+  <dgm:styleLbl name="callout">
+    <dgm:fillClrLst meth="repeat">
+      <a:schemeClr val="accent2"/>
+    </dgm:fillClrLst>
+    <dgm:linClrLst meth="repeat">
+      <a:schemeClr val="accent2">
+        <a:tint val="50000"/>
+      </a:schemeClr>
+    </dgm:linClrLst>
+    <dgm:effectClrLst/>
+    <dgm:txLinClrLst/>
+    <dgm:txFillClrLst meth="repeat">
+      <a:schemeClr val="tx1"/>
+    </dgm:txFillClrLst>
+    <dgm:txEffectClrLst/>
+  </dgm:styleLbl>
+  <dgm:styleLbl name="asst0">
+    <dgm:fillClrLst meth="repeat">
+      <a:schemeClr val="accent1"/>
+    </dgm:fillClrLst>
+    <dgm:linClrLst meth="repeat">
+      <a:schemeClr val="lt1"/>
+    </dgm:linClrLst>
+    <dgm:effectClrLst/>
+    <dgm:txLinClrLst/>
+    <dgm:txFillClrLst/>
+    <dgm:txEffectClrLst/>
+  </dgm:styleLbl>
+  <dgm:styleLbl name="asst1">
+    <dgm:fillClrLst meth="repeat">
+      <a:schemeClr val="accent2"/>
+    </dgm:fillClrLst>
+    <dgm:linClrLst meth="repeat">
+      <a:schemeClr val="lt1"/>
+    </dgm:linClrLst>
+    <dgm:effectClrLst/>
+    <dgm:txLinClrLst/>
+    <dgm:txFillClrLst/>
+    <dgm:txEffectClrLst/>
+  </dgm:styleLbl>
+  <dgm:styleLbl name="asst2">
+    <dgm:fillClrLst>
+      <a:schemeClr val="accent3"/>
+    </dgm:fillClrLst>
+    <dgm:linClrLst meth="repeat">
+      <a:schemeClr val="lt1"/>
+    </dgm:linClrLst>
+    <dgm:effectClrLst/>
+    <dgm:txLinClrLst/>
+    <dgm:txFillClrLst/>
+    <dgm:txEffectClrLst/>
+  </dgm:styleLbl>
+  <dgm:styleLbl name="asst3">
+    <dgm:fillClrLst>
+      <a:schemeClr val="accent4"/>
+    </dgm:fillClrLst>
+    <dgm:linClrLst meth="repeat">
+      <a:schemeClr val="lt1"/>
+    </dgm:linClrLst>
+    <dgm:effectClrLst/>
+    <dgm:txLinClrLst/>
+    <dgm:txFillClrLst/>
+    <dgm:txEffectClrLst/>
+  </dgm:styleLbl>
+  <dgm:styleLbl name="asst4">
+    <dgm:fillClrLst>
+      <a:schemeClr val="accent5"/>
+    </dgm:fillClrLst>
+    <dgm:linClrLst meth="repeat">
+      <a:schemeClr val="lt1"/>
+    </dgm:linClrLst>
+    <dgm:effectClrLst/>
+    <dgm:txLinClrLst/>
+    <dgm:txFillClrLst/>
+    <dgm:txEffectClrLst/>
+  </dgm:styleLbl>
+  <dgm:styleLbl name="parChTrans2D1">
+    <dgm:fillClrLst meth="repeat">
+      <a:schemeClr val="accent2"/>
+    </dgm:fillClrLst>
+    <dgm:linClrLst meth="repeat">
+      <a:schemeClr val="lt1"/>
+    </dgm:linClrLst>
+    <dgm:effectClrLst/>
+    <dgm:txLinClrLst/>
+    <dgm:txFillClrLst meth="repeat">
+      <a:schemeClr val="lt1"/>
+    </dgm:txFillClrLst>
+    <dgm:txEffectClrLst/>
+  </dgm:styleLbl>
+  <dgm:styleLbl name="parChTrans2D2">
+    <dgm:fillClrLst meth="repeat">
+      <a:schemeClr val="accent3"/>
+    </dgm:fillClrLst>
+    <dgm:linClrLst meth="repeat">
+      <a:schemeClr val="lt1"/>
+    </dgm:linClrLst>
+    <dgm:effectClrLst/>
+    <dgm:txLinClrLst/>
+    <dgm:txFillClrLst/>
+    <dgm:txEffectClrLst/>
+  </dgm:styleLbl>
+  <dgm:styleLbl name="parChTrans2D3">
+    <dgm:fillClrLst meth="repeat">
+      <a:schemeClr val="accent4"/>
+    </dgm:fillClrLst>
+    <dgm:linClrLst meth="repeat">
+      <a:schemeClr val="lt1"/>
+    </dgm:linClrLst>
+    <dgm:effectClrLst/>
+    <dgm:txLinClrLst/>
+    <dgm:txFillClrLst/>
+    <dgm:txEffectClrLst/>
+  </dgm:styleLbl>
+  <dgm:styleLbl name="parChTrans2D4">
+    <dgm:fillClrLst meth="repeat">
+      <a:schemeClr val="accent5"/>
+    </dgm:fillClrLst>
+    <dgm:linClrLst meth="repeat">
+      <a:schemeClr val="lt1"/>
+    </dgm:linClrLst>
+    <dgm:effectClrLst/>
+    <dgm:txLinClrLst/>
+    <dgm:txFillClrLst meth="repeat">
+      <a:schemeClr val="lt1"/>
+    </dgm:txFillClrLst>
+    <dgm:txEffectClrLst/>
+  </dgm:styleLbl>
+  <dgm:styleLbl name="parChTrans1D1">
+    <dgm:fillClrLst meth="repeat">
+      <a:schemeClr val="accent2"/>
+    </dgm:fillClrLst>
+    <dgm:linClrLst meth="repeat">
+      <a:schemeClr val="accent1"/>
+    </dgm:linClrLst>
+    <dgm:effectClrLst/>
+    <dgm:txLinClrLst/>
+    <dgm:txFillClrLst meth="repeat">
+      <a:schemeClr val="tx1"/>
+    </dgm:txFillClrLst>
+    <dgm:txEffectClrLst/>
+  </dgm:styleLbl>
+  <dgm:styleLbl name="parChTrans1D2">
+    <dgm:fillClrLst meth="repeat">
+      <a:schemeClr val="accent3">
+        <a:tint val="90000"/>
+      </a:schemeClr>
+    </dgm:fillClrLst>
+    <dgm:linClrLst meth="repeat">
+      <a:schemeClr val="accent2"/>
+    </dgm:linClrLst>
+    <dgm:effectClrLst/>
+    <dgm:txLinClrLst/>
+    <dgm:txFillClrLst meth="repeat">
+      <a:schemeClr val="tx1"/>
+    </dgm:txFillClrLst>
+    <dgm:txEffectClrLst/>
+  </dgm:styleLbl>
+  <dgm:styleLbl name="parChTrans1D3">
+    <dgm:fillClrLst meth="repeat">
+      <a:schemeClr val="accent4">
+        <a:tint val="70000"/>
+      </a:schemeClr>
+    </dgm:fillClrLst>
+    <dgm:linClrLst meth="repeat">
+      <a:schemeClr val="accent3"/>
+    </dgm:linClrLst>
+    <dgm:effectClrLst/>
+    <dgm:txLinClrLst/>
+    <dgm:txFillClrLst meth="repeat">
+      <a:schemeClr val="tx1"/>
+    </dgm:txFillClrLst>
+    <dgm:txEffectClrLst/>
+  </dgm:styleLbl>
+  <dgm:styleLbl name="parChTrans1D4">
+    <dgm:fillClrLst meth="repeat">
+      <a:schemeClr val="accent5">
+        <a:tint val="50000"/>
+      </a:schemeClr>
+    </dgm:fillClrLst>
+    <dgm:linClrLst meth="repeat">
+      <a:schemeClr val="accent4"/>
+    </dgm:linClrLst>
+    <dgm:effectClrLst/>
+    <dgm:txLinClrLst/>
+    <dgm:txFillClrLst meth="repeat">
+      <a:schemeClr val="tx1"/>
+    </dgm:txFillClrLst>
+    <dgm:txEffectClrLst/>
+  </dgm:styleLbl>
+  <dgm:styleLbl name="fgAcc1">
+    <dgm:fillClrLst meth="repeat">
+      <a:schemeClr val="lt1">
+        <a:alpha val="90000"/>
+      </a:schemeClr>
+    </dgm:fillClrLst>
+    <dgm:linClrLst meth="repeat">
+      <a:schemeClr val="accent2"/>
+      <a:schemeClr val="accent3"/>
+      <a:schemeClr val="accent4"/>
+      <a:schemeClr val="accent5"/>
+      <a:schemeClr val="accent6"/>
+    </dgm:linClrLst>
+    <dgm:effectClrLst/>
+    <dgm:txLinClrLst/>
+    <dgm:txFillClrLst meth="repeat">
+      <a:schemeClr val="dk1"/>
+    </dgm:txFillClrLst>
+    <dgm:txEffectClrLst/>
+  </dgm:styleLbl>
+  <dgm:styleLbl name="conFgAcc1">
+    <dgm:fillClrLst meth="repeat">
+      <a:schemeClr val="lt1">
+        <a:alpha val="90000"/>
+      </a:schemeClr>
+    </dgm:fillClrLst>
+    <dgm:linClrLst meth="repeat">
+      <a:schemeClr val="accent2"/>
+      <a:schemeClr val="accent3"/>
+      <a:schemeClr val="accent4"/>
+      <a:schemeClr val="accent5"/>
+      <a:schemeClr val="accent6"/>
+    </dgm:linClrLst>
+    <dgm:effectClrLst/>
+    <dgm:txLinClrLst/>
+    <dgm:txFillClrLst meth="repeat">
+      <a:schemeClr val="dk1"/>
+    </dgm:txFillClrLst>
+    <dgm:txEffectClrLst/>
+  </dgm:styleLbl>
+  <dgm:styleLbl name="alignAcc1">
+    <dgm:fillClrLst meth="repeat">
+      <a:schemeClr val="lt1">
+        <a:alpha val="90000"/>
+      </a:schemeClr>
+    </dgm:fillClrLst>
+    <dgm:linClrLst meth="repeat">
+      <a:schemeClr val="accent2"/>
+      <a:schemeClr val="accent3"/>
+      <a:schemeClr val="accent4"/>
+      <a:schemeClr val="accent5"/>
+      <a:schemeClr val="accent6"/>
+    </dgm:linClrLst>
+    <dgm:effectClrLst/>
+    <dgm:txLinClrLst/>
+    <dgm:txFillClrLst meth="repeat">
+      <a:schemeClr val="dk1"/>
+    </dgm:txFillClrLst>
+    <dgm:txEffectClrLst/>
+  </dgm:styleLbl>
+  <dgm:styleLbl name="trAlignAcc1">
+    <dgm:fillClrLst meth="repeat">
+      <a:schemeClr val="lt1">
+        <a:alpha val="40000"/>
+      </a:schemeClr>
+    </dgm:fillClrLst>
+    <dgm:linClrLst meth="repeat">
+      <a:schemeClr val="accent1"/>
+    </dgm:linClrLst>
+    <dgm:effectClrLst/>
+    <dgm:txLinClrLst/>
+    <dgm:txFillClrLst meth="repeat">
+      <a:schemeClr val="dk1"/>
+    </dgm:txFillClrLst>
+    <dgm:txEffectClrLst/>
+  </dgm:styleLbl>
+  <dgm:styleLbl name="bgAcc1">
+    <dgm:fillClrLst meth="repeat">
+      <a:schemeClr val="lt1">
+        <a:alpha val="90000"/>
+      </a:schemeClr>
+    </dgm:fillClrLst>
+    <dgm:linClrLst meth="repeat">
+      <a:schemeClr val="accent2"/>
+      <a:schemeClr val="accent3"/>
+      <a:schemeClr val="accent4"/>
+      <a:schemeClr val="accent5"/>
+      <a:schemeClr val="accent6"/>
+    </dgm:linClrLst>
+    <dgm:effectClrLst/>
+    <dgm:txLinClrLst/>
+    <dgm:txFillClrLst meth="repeat">
+      <a:schemeClr val="dk1"/>
+    </dgm:txFillClrLst>
+    <dgm:txEffectClrLst/>
+  </dgm:styleLbl>
+  <dgm:styleLbl name="solidFgAcc1">
+    <dgm:fillClrLst meth="repeat">
+      <a:schemeClr val="lt1"/>
+    </dgm:fillClrLst>
+    <dgm:linClrLst meth="repeat">
+      <a:schemeClr val="accent2"/>
+      <a:schemeClr val="accent3"/>
+      <a:schemeClr val="accent4"/>
+      <a:schemeClr val="accent5"/>
+      <a:schemeClr val="accent6"/>
+    </dgm:linClrLst>
+    <dgm:effectClrLst/>
+    <dgm:txLinClrLst/>
+    <dgm:txFillClrLst meth="repeat">
+      <a:schemeClr val="dk1"/>
+    </dgm:txFillClrLst>
+    <dgm:txEffectClrLst/>
+  </dgm:styleLbl>
+  <dgm:styleLbl name="solidAlignAcc1">
+    <dgm:fillClrLst meth="repeat">
+      <a:schemeClr val="lt1"/>
+    </dgm:fillClrLst>
+    <dgm:linClrLst meth="repeat">
+      <a:schemeClr val="accent2"/>
+      <a:schemeClr val="accent3"/>
+      <a:schemeClr val="accent4"/>
+      <a:schemeClr val="accent5"/>
+      <a:schemeClr val="accent6"/>
+    </dgm:linClrLst>
+    <dgm:effectClrLst/>
+    <dgm:txLinClrLst/>
+    <dgm:txFillClrLst meth="repeat">
+      <a:schemeClr val="dk1"/>
+    </dgm:txFillClrLst>
+    <dgm:txEffectClrLst/>
+  </dgm:styleLbl>
+  <dgm:styleLbl name="solidBgAcc1">
+    <dgm:fillClrLst meth="repeat">
+      <a:schemeClr val="lt1"/>
+    </dgm:fillClrLst>
+    <dgm:linClrLst meth="repeat">
+      <a:schemeClr val="accent2"/>
+      <a:schemeClr val="accent3"/>
+      <a:schemeClr val="accent4"/>
+      <a:schemeClr val="accent5"/>
+      <a:schemeClr val="accent6"/>
+    </dgm:linClrLst>
+    <dgm:effectClrLst/>
+    <dgm:txLinClrLst/>
+    <dgm:txFillClrLst meth="repeat">
+      <a:schemeClr val="dk1"/>
+    </dgm:txFillClrLst>
+    <dgm:txEffectClrLst/>
+  </dgm:styleLbl>
+  <dgm:styleLbl name="fgAccFollowNode1">
+    <dgm:fillClrLst meth="repeat">
+      <a:schemeClr val="accent2">
+        <a:tint val="40000"/>
+        <a:alpha val="90000"/>
+      </a:schemeClr>
+      <a:schemeClr val="accent3">
+        <a:tint val="40000"/>
+        <a:alpha val="90000"/>
+      </a:schemeClr>
+      <a:schemeClr val="accent4">
+        <a:tint val="40000"/>
+        <a:alpha val="90000"/>
+      </a:schemeClr>
+      <a:schemeClr val="accent5">
+        <a:tint val="40000"/>
+        <a:alpha val="90000"/>
+      </a:schemeClr>
+      <a:schemeClr val="accent6">
+        <a:tint val="40000"/>
+        <a:alpha val="90000"/>
+      </a:schemeClr>
+    </dgm:fillClrLst>
+    <dgm:linClrLst meth="repeat">
+      <a:schemeClr val="accent2">
+        <a:tint val="40000"/>
+        <a:alpha val="90000"/>
+      </a:schemeClr>
+      <a:schemeClr val="accent3">
+        <a:tint val="40000"/>
+        <a:alpha val="90000"/>
+      </a:schemeClr>
+      <a:schemeClr val="accent4">
+        <a:tint val="40000"/>
+        <a:alpha val="90000"/>
+      </a:schemeClr>
+      <a:schemeClr val="accent5">
+        <a:tint val="40000"/>
+        <a:alpha val="90000"/>
+      </a:schemeClr>
+      <a:schemeClr val="accent6">
+        <a:tint val="40000"/>
+        <a:alpha val="90000"/>
+      </a:schemeClr>
+    </dgm:linClrLst>
+    <dgm:effectClrLst/>
+    <dgm:txLinClrLst/>
+    <dgm:txFillClrLst meth="repeat">
+      <a:schemeClr val="dk1"/>
+    </dgm:txFillClrLst>
+    <dgm:txEffectClrLst/>
+  </dgm:styleLbl>
+  <dgm:styleLbl name="alignAccFollowNode1">
+    <dgm:fillClrLst meth="repeat">
+      <a:schemeClr val="accent2">
+        <a:tint val="40000"/>
+        <a:alpha val="90000"/>
+      </a:schemeClr>
+      <a:schemeClr val="accent3">
+        <a:tint val="40000"/>
+        <a:alpha val="90000"/>
+      </a:schemeClr>
+      <a:schemeClr val="accent4">
+        <a:tint val="40000"/>
+        <a:alpha val="90000"/>
+      </a:schemeClr>
+      <a:schemeClr val="accent5">
+        <a:tint val="40000"/>
+        <a:alpha val="90000"/>
+      </a:schemeClr>
+      <a:schemeClr val="accent6">
+        <a:tint val="40000"/>
+        <a:alpha val="90000"/>
+      </a:schemeClr>
+    </dgm:fillClrLst>
+    <dgm:linClrLst meth="repeat">
+      <a:schemeClr val="accent2">
+        <a:tint val="40000"/>
+        <a:alpha val="90000"/>
+      </a:schemeClr>
+      <a:schemeClr val="accent3">
+        <a:tint val="40000"/>
+        <a:alpha val="90000"/>
+      </a:schemeClr>
+      <a:schemeClr val="accent4">
+        <a:tint val="40000"/>
+        <a:alpha val="90000"/>
+      </a:schemeClr>
+      <a:schemeClr val="accent5">
+        <a:tint val="40000"/>
+        <a:alpha val="90000"/>
+      </a:schemeClr>
+      <a:schemeClr val="accent6">
+        <a:tint val="40000"/>
+        <a:alpha val="90000"/>
+      </a:schemeClr>
+    </dgm:linClrLst>
+    <dgm:effectClrLst/>
+    <dgm:txLinClrLst/>
+    <dgm:txFillClrLst meth="repeat">
+      <a:schemeClr val="dk1"/>
+    </dgm:txFillClrLst>
+    <dgm:txEffectClrLst/>
+  </dgm:styleLbl>
+  <dgm:styleLbl name="bgAccFollowNode1">
+    <dgm:fillClrLst meth="repeat">
+      <a:schemeClr val="accent2">
+        <a:tint val="40000"/>
+        <a:alpha val="90000"/>
+      </a:schemeClr>
+      <a:schemeClr val="accent3">
+        <a:tint val="40000"/>
+        <a:alpha val="90000"/>
+      </a:schemeClr>
+      <a:schemeClr val="accent4">
+        <a:tint val="40000"/>
+        <a:alpha val="90000"/>
+      </a:schemeClr>
+      <a:schemeClr val="accent5">
+        <a:tint val="40000"/>
+        <a:alpha val="90000"/>
+      </a:schemeClr>
+      <a:schemeClr val="accent6">
+        <a:tint val="40000"/>
+        <a:alpha val="90000"/>
+      </a:schemeClr>
+    </dgm:fillClrLst>
+    <dgm:linClrLst meth="repeat">
+      <a:schemeClr val="accent2">
+        <a:tint val="40000"/>
+        <a:alpha val="90000"/>
+      </a:schemeClr>
+      <a:schemeClr val="accent3">
+        <a:tint val="40000"/>
+        <a:alpha val="90000"/>
+      </a:schemeClr>
+      <a:schemeClr val="accent4">
+        <a:tint val="40000"/>
+        <a:alpha val="90000"/>
+      </a:schemeClr>
+      <a:schemeClr val="accent5">
+        <a:tint val="40000"/>
+        <a:alpha val="90000"/>
+      </a:schemeClr>
+      <a:schemeClr val="accent6">
+        <a:tint val="40000"/>
+        <a:alpha val="90000"/>
+      </a:schemeClr>
+    </dgm:linClrLst>
+    <dgm:effectClrLst/>
+    <dgm:txLinClrLst/>
+    <dgm:txFillClrLst meth="repeat">
+      <a:schemeClr val="dk1"/>
+    </dgm:txFillClrLst>
+    <dgm:txEffectClrLst/>
+  </dgm:styleLbl>
+  <dgm:styleLbl name="fgAcc0">
+    <dgm:fillClrLst meth="repeat">
+      <a:schemeClr val="lt1">
+        <a:alpha val="90000"/>
+      </a:schemeClr>
+    </dgm:fillClrLst>
+    <dgm:linClrLst>
+      <a:schemeClr val="accent1"/>
+    </dgm:linClrLst>
+    <dgm:effectClrLst/>
+    <dgm:txLinClrLst/>
+    <dgm:txFillClrLst meth="repeat">
+      <a:schemeClr val="dk1"/>
+    </dgm:txFillClrLst>
+    <dgm:txEffectClrLst/>
+  </dgm:styleLbl>
+  <dgm:styleLbl name="fgAcc2">
+    <dgm:fillClrLst meth="repeat">
+      <a:schemeClr val="lt1">
+        <a:alpha val="90000"/>
+      </a:schemeClr>
+    </dgm:fillClrLst>
+    <dgm:linClrLst>
+      <a:schemeClr val="accent2"/>
+    </dgm:linClrLst>
+    <dgm:effectClrLst/>
+    <dgm:txLinClrLst/>
+    <dgm:txFillClrLst meth="repeat">
+      <a:schemeClr val="dk1"/>
+    </dgm:txFillClrLst>
+    <dgm:txEffectClrLst/>
+  </dgm:styleLbl>
+  <dgm:styleLbl name="fgAcc3">
+    <dgm:fillClrLst meth="repeat">
+      <a:schemeClr val="lt1">
+        <a:alpha val="90000"/>
+      </a:schemeClr>
+    </dgm:fillClrLst>
+    <dgm:linClrLst>
+      <a:schemeClr val="accent3"/>
+    </dgm:linClrLst>
+    <dgm:effectClrLst/>
+    <dgm:txLinClrLst/>
+    <dgm:txFillClrLst meth="repeat">
+      <a:schemeClr val="dk1"/>
+    </dgm:txFillClrLst>
+    <dgm:txEffectClrLst/>
+  </dgm:styleLbl>
+  <dgm:styleLbl name="fgAcc4">
+    <dgm:fillClrLst meth="repeat">
+      <a:schemeClr val="lt1">
+        <a:alpha val="90000"/>
+      </a:schemeClr>
+    </dgm:fillClrLst>
+    <dgm:linClrLst>
+      <a:schemeClr val="accent4"/>
+    </dgm:linClrLst>
+    <dgm:effectClrLst/>
+    <dgm:txLinClrLst/>
+    <dgm:txFillClrLst meth="repeat">
+      <a:schemeClr val="dk1"/>
+    </dgm:txFillClrLst>
+    <dgm:txEffectClrLst/>
+  </dgm:styleLbl>
+  <dgm:styleLbl name="bgShp">
+    <dgm:fillClrLst meth="repeat">
+      <a:schemeClr val="accent2">
+        <a:tint val="40000"/>
+      </a:schemeClr>
+    </dgm:fillClrLst>
+    <dgm:linClrLst meth="repeat">
+      <a:schemeClr val="dk1"/>
+    </dgm:linClrLst>
+    <dgm:effectClrLst/>
+    <dgm:txLinClrLst/>
+    <dgm:txFillClrLst meth="repeat">
+      <a:schemeClr val="dk1"/>
+    </dgm:txFillClrLst>
+    <dgm:txEffectClrLst/>
+  </dgm:styleLbl>
+  <dgm:styleLbl name="dkBgShp">
+    <dgm:fillClrLst meth="repeat">
+      <a:schemeClr val="accent2">
+        <a:shade val="90000"/>
+      </a:schemeClr>
+    </dgm:fillClrLst>
+    <dgm:linClrLst meth="repeat">
+      <a:schemeClr val="dk1"/>
+    </dgm:linClrLst>
+    <dgm:effectClrLst/>
+    <dgm:txLinClrLst/>
+    <dgm:txFillClrLst meth="repeat">
+      <a:schemeClr val="lt1"/>
+    </dgm:txFillClrLst>
+    <dgm:txEffectClrLst/>
+  </dgm:styleLbl>
+  <dgm:styleLbl name="trBgShp">
+    <dgm:fillClrLst meth="repeat">
+      <a:schemeClr val="accent1">
+        <a:tint val="50000"/>
+        <a:alpha val="40000"/>
+      </a:schemeClr>
+    </dgm:fillClrLst>
+    <dgm:linClrLst meth="repeat">
+      <a:schemeClr val="accent2"/>
+    </dgm:linClrLst>
+    <dgm:effectClrLst/>
+    <dgm:txLinClrLst/>
+    <dgm:txFillClrLst meth="repeat">
+      <a:schemeClr val="lt1"/>
+    </dgm:txFillClrLst>
+    <dgm:txEffectClrLst/>
+  </dgm:styleLbl>
+  <dgm:styleLbl name="fgShp">
+    <dgm:fillClrLst meth="repeat">
+      <a:schemeClr val="accent2">
+        <a:tint val="40000"/>
+      </a:schemeClr>
+    </dgm:fillClrLst>
+    <dgm:linClrLst meth="repeat">
+      <a:schemeClr val="lt1"/>
+    </dgm:linClrLst>
+    <dgm:effectClrLst/>
+    <dgm:txLinClrLst/>
+    <dgm:txFillClrLst meth="repeat">
+      <a:schemeClr val="dk1"/>
+    </dgm:txFillClrLst>
+    <dgm:txEffectClrLst/>
+  </dgm:styleLbl>
+  <dgm:styleLbl name="revTx">
+    <dgm:fillClrLst meth="repeat">
+      <a:schemeClr val="lt1">
+        <a:alpha val="0"/>
+      </a:schemeClr>
+    </dgm:fillClrLst>
+    <dgm:linClrLst meth="repeat">
+      <a:schemeClr val="dk1">
+        <a:alpha val="0"/>
+      </a:schemeClr>
+    </dgm:linClrLst>
+    <dgm:effectClrLst/>
+    <dgm:txLinClrLst/>
+    <dgm:txFillClrLst meth="repeat">
+      <a:schemeClr val="tx1"/>
+    </dgm:txFillClrLst>
+    <dgm:txEffectClrLst/>
+  </dgm:styleLbl>
+</dgm:colorsDef>
+</file>
+
+<file path=ppt/diagrams/colors5.xml><?xml version="1.0" encoding="utf-8"?>
 <dgm:colorsDef xmlns:dgm="http://schemas.openxmlformats.org/drawingml/2006/diagram" xmlns:a="http://schemas.openxmlformats.org/drawingml/2006/main" uniqueId="urn:microsoft.com/office/officeart/2005/8/colors/colorful1">
   <dgm:title val=""/>
   <dgm:desc val=""/>
@@ -2339,7 +5104,7 @@
         <a:p>
           <a:r>
             <a:rPr lang="ja-JP" altLang="en-US" dirty="0"/>
-            <a:t>大規模のプロジェクトのため学ぶことが多かった。</a:t>
+            <a:t>大規模のプロジェクトの経験</a:t>
           </a:r>
           <a:endParaRPr lang="en-US" dirty="0"/>
         </a:p>
@@ -2376,7 +5141,7 @@
         <a:p>
           <a:r>
             <a:rPr kumimoji="1" lang="ja-JP" altLang="en-US" dirty="0"/>
-            <a:t>自分の強みを活かすことができた。</a:t>
+            <a:t>自分の強みを活かす</a:t>
           </a:r>
           <a:endParaRPr lang="en-US" dirty="0"/>
         </a:p>
@@ -2413,7 +5178,7 @@
         <a:p>
           <a:r>
             <a:rPr kumimoji="1" lang="ja-JP" altLang="en-US" dirty="0"/>
-            <a:t>競馬のことが分かって体験の機会にもなりました。</a:t>
+            <a:t>新しい分野の体験</a:t>
           </a:r>
           <a:endParaRPr lang="en-US" dirty="0"/>
         </a:p>
@@ -2499,6 +5264,504 @@
     <dgm:cxn modelId="{E3B71015-D2BA-4A21-9BF7-5C06ACD8F96E}" type="presParOf" srcId="{BB3F3F63-8412-4D44-945B-3919047CE98B}" destId="{D9D8919D-4964-422E-93D9-E0CB6631D225}" srcOrd="2" destOrd="0" presId="urn:microsoft.com/office/officeart/2005/8/layout/vList2"/>
     <dgm:cxn modelId="{B6890352-71D8-4938-B256-0AE7D2CA596E}" type="presParOf" srcId="{BB3F3F63-8412-4D44-945B-3919047CE98B}" destId="{256ABB0F-D850-4522-9866-E0CCC38D8D7C}" srcOrd="3" destOrd="0" presId="urn:microsoft.com/office/officeart/2005/8/layout/vList2"/>
     <dgm:cxn modelId="{E32E6663-396D-4291-9588-BB088AF6F21D}" type="presParOf" srcId="{BB3F3F63-8412-4D44-945B-3919047CE98B}" destId="{BF06347B-C393-498D-9869-AF6C5832D8CF}" srcOrd="4" destOrd="0" presId="urn:microsoft.com/office/officeart/2005/8/layout/vList2"/>
+  </dgm:cxnLst>
+  <dgm:bg/>
+  <dgm:whole/>
+  <dgm:extLst>
+    <a:ext uri="http://schemas.microsoft.com/office/drawing/2008/diagram">
+      <dsp:dataModelExt xmlns:dsp="http://schemas.microsoft.com/office/drawing/2008/diagram" relId="rId6" minVer="http://schemas.openxmlformats.org/drawingml/2006/diagram"/>
+    </a:ext>
+  </dgm:extLst>
+</dgm:dataModel>
+</file>
+
+<file path=ppt/diagrams/data3.xml><?xml version="1.0" encoding="utf-8"?>
+<dgm:dataModel xmlns:dgm="http://schemas.openxmlformats.org/drawingml/2006/diagram" xmlns:a="http://schemas.openxmlformats.org/drawingml/2006/main">
+  <dgm:ptLst>
+    <dgm:pt modelId="{F518915B-EEED-4481-B870-BC8353F3AD83}" type="doc">
+      <dgm:prSet loTypeId="urn:microsoft.com/office/officeart/2005/8/layout/vList2" loCatId="list" qsTypeId="urn:microsoft.com/office/officeart/2005/8/quickstyle/simple1" qsCatId="simple" csTypeId="urn:microsoft.com/office/officeart/2005/8/colors/colorful1" csCatId="colorful" phldr="1"/>
+      <dgm:spPr/>
+      <dgm:t>
+        <a:bodyPr/>
+        <a:lstStyle/>
+        <a:p>
+          <a:endParaRPr lang="en-US"/>
+        </a:p>
+      </dgm:t>
+    </dgm:pt>
+    <dgm:pt modelId="{70F49290-B56D-4421-BDDA-2147614601EF}">
+      <dgm:prSet/>
+      <dgm:spPr/>
+      <dgm:t>
+        <a:bodyPr/>
+        <a:lstStyle/>
+        <a:p>
+          <a:r>
+            <a:rPr lang="ja-JP" altLang="en-US" dirty="0"/>
+            <a:t>コミュニケーション能力不足</a:t>
+          </a:r>
+          <a:endParaRPr lang="en-US" dirty="0"/>
+        </a:p>
+      </dgm:t>
+    </dgm:pt>
+    <dgm:pt modelId="{41FABAC6-F953-4F4E-A105-A54F5A61CF71}" type="parTrans" cxnId="{28A60EE1-B2FC-4F9F-A180-72A60CC478CD}">
+      <dgm:prSet/>
+      <dgm:spPr/>
+      <dgm:t>
+        <a:bodyPr/>
+        <a:lstStyle/>
+        <a:p>
+          <a:endParaRPr lang="en-US"/>
+        </a:p>
+      </dgm:t>
+    </dgm:pt>
+    <dgm:pt modelId="{906AFE62-2F60-42E4-8C86-D0010441173A}" type="sibTrans" cxnId="{28A60EE1-B2FC-4F9F-A180-72A60CC478CD}">
+      <dgm:prSet phldrT="02" phldr="0"/>
+      <dgm:spPr/>
+      <dgm:t>
+        <a:bodyPr/>
+        <a:lstStyle/>
+        <a:p>
+          <a:endParaRPr lang="en-US"/>
+        </a:p>
+      </dgm:t>
+    </dgm:pt>
+    <dgm:pt modelId="{99F2A24E-FEA5-4640-AD1A-EE44A6BED39D}">
+      <dgm:prSet/>
+      <dgm:spPr/>
+      <dgm:t>
+        <a:bodyPr/>
+        <a:lstStyle/>
+        <a:p>
+          <a:r>
+            <a:rPr kumimoji="1" lang="en-US" altLang="ja-JP" dirty="0"/>
+            <a:t>CSS</a:t>
+          </a:r>
+          <a:r>
+            <a:rPr kumimoji="1" lang="ja-JP" altLang="en-US" dirty="0"/>
+            <a:t>と</a:t>
+          </a:r>
+          <a:r>
+            <a:rPr kumimoji="1" lang="en-US" altLang="ja-JP" dirty="0"/>
+            <a:t>HTML</a:t>
+          </a:r>
+          <a:r>
+            <a:rPr kumimoji="1" lang="ja-JP" altLang="en-US" dirty="0"/>
+            <a:t>の知識の薄さ</a:t>
+          </a:r>
+          <a:endParaRPr lang="en-US" dirty="0"/>
+        </a:p>
+      </dgm:t>
+    </dgm:pt>
+    <dgm:pt modelId="{26BCA351-B558-43DF-8B93-FAE45BF275C1}" type="sibTrans" cxnId="{E8035DE8-B244-4340-9CEA-04F4CEABB40C}">
+      <dgm:prSet phldrT="01" phldr="0"/>
+      <dgm:spPr/>
+      <dgm:t>
+        <a:bodyPr/>
+        <a:lstStyle/>
+        <a:p>
+          <a:endParaRPr lang="en-US"/>
+        </a:p>
+      </dgm:t>
+    </dgm:pt>
+    <dgm:pt modelId="{B0211FCD-FFCF-4CE4-B171-740BC8F0B42D}" type="parTrans" cxnId="{E8035DE8-B244-4340-9CEA-04F4CEABB40C}">
+      <dgm:prSet/>
+      <dgm:spPr/>
+      <dgm:t>
+        <a:bodyPr/>
+        <a:lstStyle/>
+        <a:p>
+          <a:endParaRPr lang="en-US"/>
+        </a:p>
+      </dgm:t>
+    </dgm:pt>
+    <dgm:pt modelId="{BB3F3F63-8412-4D44-945B-3919047CE98B}" type="pres">
+      <dgm:prSet presAssocID="{F518915B-EEED-4481-B870-BC8353F3AD83}" presName="linear" presStyleCnt="0">
+        <dgm:presLayoutVars>
+          <dgm:animLvl val="lvl"/>
+          <dgm:resizeHandles val="exact"/>
+        </dgm:presLayoutVars>
+      </dgm:prSet>
+      <dgm:spPr/>
+    </dgm:pt>
+    <dgm:pt modelId="{56BBFB4E-6696-41D7-9B03-2A7643B81B05}" type="pres">
+      <dgm:prSet presAssocID="{99F2A24E-FEA5-4640-AD1A-EE44A6BED39D}" presName="parentText" presStyleLbl="node1" presStyleIdx="0" presStyleCnt="2" custScaleY="33988" custLinFactY="-5031" custLinFactNeighborY="-100000">
+        <dgm:presLayoutVars>
+          <dgm:chMax val="0"/>
+          <dgm:bulletEnabled val="1"/>
+        </dgm:presLayoutVars>
+      </dgm:prSet>
+      <dgm:spPr/>
+    </dgm:pt>
+    <dgm:pt modelId="{B792D685-1FDC-4DA3-9276-2B5E15F59FDE}" type="pres">
+      <dgm:prSet presAssocID="{26BCA351-B558-43DF-8B93-FAE45BF275C1}" presName="spacer" presStyleCnt="0"/>
+      <dgm:spPr/>
+    </dgm:pt>
+    <dgm:pt modelId="{D9D8919D-4964-422E-93D9-E0CB6631D225}" type="pres">
+      <dgm:prSet presAssocID="{70F49290-B56D-4421-BDDA-2147614601EF}" presName="parentText" presStyleLbl="node1" presStyleIdx="1" presStyleCnt="2" custScaleY="29634" custLinFactY="-9243" custLinFactNeighborY="-100000">
+        <dgm:presLayoutVars>
+          <dgm:chMax val="0"/>
+          <dgm:bulletEnabled val="1"/>
+        </dgm:presLayoutVars>
+      </dgm:prSet>
+      <dgm:spPr/>
+    </dgm:pt>
+  </dgm:ptLst>
+  <dgm:cxnLst>
+    <dgm:cxn modelId="{0185468C-E8CE-4EF0-A0C3-3358653C20ED}" type="presOf" srcId="{70F49290-B56D-4421-BDDA-2147614601EF}" destId="{D9D8919D-4964-422E-93D9-E0CB6631D225}" srcOrd="0" destOrd="0" presId="urn:microsoft.com/office/officeart/2005/8/layout/vList2"/>
+    <dgm:cxn modelId="{BEE60FA0-41FF-4CCF-9408-8F206A13A934}" type="presOf" srcId="{99F2A24E-FEA5-4640-AD1A-EE44A6BED39D}" destId="{56BBFB4E-6696-41D7-9B03-2A7643B81B05}" srcOrd="0" destOrd="0" presId="urn:microsoft.com/office/officeart/2005/8/layout/vList2"/>
+    <dgm:cxn modelId="{C1551DD2-7F63-4B12-BAD0-935E080F5C62}" type="presOf" srcId="{F518915B-EEED-4481-B870-BC8353F3AD83}" destId="{BB3F3F63-8412-4D44-945B-3919047CE98B}" srcOrd="0" destOrd="0" presId="urn:microsoft.com/office/officeart/2005/8/layout/vList2"/>
+    <dgm:cxn modelId="{28A60EE1-B2FC-4F9F-A180-72A60CC478CD}" srcId="{F518915B-EEED-4481-B870-BC8353F3AD83}" destId="{70F49290-B56D-4421-BDDA-2147614601EF}" srcOrd="1" destOrd="0" parTransId="{41FABAC6-F953-4F4E-A105-A54F5A61CF71}" sibTransId="{906AFE62-2F60-42E4-8C86-D0010441173A}"/>
+    <dgm:cxn modelId="{E8035DE8-B244-4340-9CEA-04F4CEABB40C}" srcId="{F518915B-EEED-4481-B870-BC8353F3AD83}" destId="{99F2A24E-FEA5-4640-AD1A-EE44A6BED39D}" srcOrd="0" destOrd="0" parTransId="{B0211FCD-FFCF-4CE4-B171-740BC8F0B42D}" sibTransId="{26BCA351-B558-43DF-8B93-FAE45BF275C1}"/>
+    <dgm:cxn modelId="{E7C06862-6A70-4269-B3F6-88732EA55C2A}" type="presParOf" srcId="{BB3F3F63-8412-4D44-945B-3919047CE98B}" destId="{56BBFB4E-6696-41D7-9B03-2A7643B81B05}" srcOrd="0" destOrd="0" presId="urn:microsoft.com/office/officeart/2005/8/layout/vList2"/>
+    <dgm:cxn modelId="{876ED616-BA0C-4A3E-AAAA-5BC8D83F56F6}" type="presParOf" srcId="{BB3F3F63-8412-4D44-945B-3919047CE98B}" destId="{B792D685-1FDC-4DA3-9276-2B5E15F59FDE}" srcOrd="1" destOrd="0" presId="urn:microsoft.com/office/officeart/2005/8/layout/vList2"/>
+    <dgm:cxn modelId="{E3B71015-D2BA-4A21-9BF7-5C06ACD8F96E}" type="presParOf" srcId="{BB3F3F63-8412-4D44-945B-3919047CE98B}" destId="{D9D8919D-4964-422E-93D9-E0CB6631D225}" srcOrd="2" destOrd="0" presId="urn:microsoft.com/office/officeart/2005/8/layout/vList2"/>
+  </dgm:cxnLst>
+  <dgm:bg/>
+  <dgm:whole/>
+  <dgm:extLst>
+    <a:ext uri="http://schemas.microsoft.com/office/drawing/2008/diagram">
+      <dsp:dataModelExt xmlns:dsp="http://schemas.microsoft.com/office/drawing/2008/diagram" relId="rId6" minVer="http://schemas.openxmlformats.org/drawingml/2006/diagram"/>
+    </a:ext>
+  </dgm:extLst>
+</dgm:dataModel>
+</file>
+
+<file path=ppt/diagrams/data4.xml><?xml version="1.0" encoding="utf-8"?>
+<dgm:dataModel xmlns:dgm="http://schemas.openxmlformats.org/drawingml/2006/diagram" xmlns:a="http://schemas.openxmlformats.org/drawingml/2006/main">
+  <dgm:ptLst>
+    <dgm:pt modelId="{F518915B-EEED-4481-B870-BC8353F3AD83}" type="doc">
+      <dgm:prSet loTypeId="urn:microsoft.com/office/officeart/2005/8/layout/vList2" loCatId="list" qsTypeId="urn:microsoft.com/office/officeart/2005/8/quickstyle/simple1" qsCatId="simple" csTypeId="urn:microsoft.com/office/officeart/2005/8/colors/colorful1" csCatId="colorful" phldr="1"/>
+      <dgm:spPr/>
+      <dgm:t>
+        <a:bodyPr/>
+        <a:lstStyle/>
+        <a:p>
+          <a:endParaRPr lang="en-US"/>
+        </a:p>
+      </dgm:t>
+    </dgm:pt>
+    <dgm:pt modelId="{70F49290-B56D-4421-BDDA-2147614601EF}">
+      <dgm:prSet/>
+      <dgm:spPr/>
+      <dgm:t>
+        <a:bodyPr/>
+        <a:lstStyle/>
+        <a:p>
+          <a:r>
+            <a:rPr lang="ja-JP" altLang="en-US" dirty="0"/>
+            <a:t>ネックになるような技術は少しずつ学習してリスクを減らす</a:t>
+          </a:r>
+          <a:endParaRPr lang="en-US" dirty="0"/>
+        </a:p>
+      </dgm:t>
+    </dgm:pt>
+    <dgm:pt modelId="{41FABAC6-F953-4F4E-A105-A54F5A61CF71}" type="parTrans" cxnId="{28A60EE1-B2FC-4F9F-A180-72A60CC478CD}">
+      <dgm:prSet/>
+      <dgm:spPr/>
+      <dgm:t>
+        <a:bodyPr/>
+        <a:lstStyle/>
+        <a:p>
+          <a:endParaRPr lang="en-US"/>
+        </a:p>
+      </dgm:t>
+    </dgm:pt>
+    <dgm:pt modelId="{906AFE62-2F60-42E4-8C86-D0010441173A}" type="sibTrans" cxnId="{28A60EE1-B2FC-4F9F-A180-72A60CC478CD}">
+      <dgm:prSet phldrT="02" phldr="0"/>
+      <dgm:spPr/>
+      <dgm:t>
+        <a:bodyPr/>
+        <a:lstStyle/>
+        <a:p>
+          <a:endParaRPr lang="en-US"/>
+        </a:p>
+      </dgm:t>
+    </dgm:pt>
+    <dgm:pt modelId="{FDAB8D80-D7CE-48A0-A625-4B978B8FA085}">
+      <dgm:prSet/>
+      <dgm:spPr/>
+      <dgm:t>
+        <a:bodyPr/>
+        <a:lstStyle/>
+        <a:p>
+          <a:r>
+            <a:rPr lang="ja-JP" altLang="en-US" dirty="0"/>
+            <a:t>先人のコミュニケーション能力見習う</a:t>
+          </a:r>
+          <a:endParaRPr lang="en-US" dirty="0"/>
+        </a:p>
+      </dgm:t>
+    </dgm:pt>
+    <dgm:pt modelId="{9E3E876E-2FF9-4B9A-B43A-95054D81B1E9}" type="parTrans" cxnId="{A9FC85F8-1FFE-4B83-8B1C-F29038998D35}">
+      <dgm:prSet/>
+      <dgm:spPr/>
+      <dgm:t>
+        <a:bodyPr/>
+        <a:lstStyle/>
+        <a:p>
+          <a:endParaRPr lang="en-US"/>
+        </a:p>
+      </dgm:t>
+    </dgm:pt>
+    <dgm:pt modelId="{C9552546-7137-4EEC-8BCC-02392046259E}" type="sibTrans" cxnId="{A9FC85F8-1FFE-4B83-8B1C-F29038998D35}">
+      <dgm:prSet phldrT="03" phldr="0"/>
+      <dgm:spPr/>
+      <dgm:t>
+        <a:bodyPr/>
+        <a:lstStyle/>
+        <a:p>
+          <a:endParaRPr lang="en-US"/>
+        </a:p>
+      </dgm:t>
+    </dgm:pt>
+    <dgm:pt modelId="{99F2A24E-FEA5-4640-AD1A-EE44A6BED39D}">
+      <dgm:prSet/>
+      <dgm:spPr/>
+      <dgm:t>
+        <a:bodyPr/>
+        <a:lstStyle/>
+        <a:p>
+          <a:r>
+            <a:rPr lang="ja-JP" altLang="en-US" dirty="0"/>
+            <a:t>大規模のプロジェクトの経験を活かしていく</a:t>
+          </a:r>
+          <a:endParaRPr lang="en-US" dirty="0"/>
+        </a:p>
+      </dgm:t>
+    </dgm:pt>
+    <dgm:pt modelId="{26BCA351-B558-43DF-8B93-FAE45BF275C1}" type="sibTrans" cxnId="{E8035DE8-B244-4340-9CEA-04F4CEABB40C}">
+      <dgm:prSet phldrT="01" phldr="0"/>
+      <dgm:spPr/>
+      <dgm:t>
+        <a:bodyPr/>
+        <a:lstStyle/>
+        <a:p>
+          <a:endParaRPr lang="en-US"/>
+        </a:p>
+      </dgm:t>
+    </dgm:pt>
+    <dgm:pt modelId="{B0211FCD-FFCF-4CE4-B171-740BC8F0B42D}" type="parTrans" cxnId="{E8035DE8-B244-4340-9CEA-04F4CEABB40C}">
+      <dgm:prSet/>
+      <dgm:spPr/>
+      <dgm:t>
+        <a:bodyPr/>
+        <a:lstStyle/>
+        <a:p>
+          <a:endParaRPr lang="en-US"/>
+        </a:p>
+      </dgm:t>
+    </dgm:pt>
+    <dgm:pt modelId="{BB3F3F63-8412-4D44-945B-3919047CE98B}" type="pres">
+      <dgm:prSet presAssocID="{F518915B-EEED-4481-B870-BC8353F3AD83}" presName="linear" presStyleCnt="0">
+        <dgm:presLayoutVars>
+          <dgm:animLvl val="lvl"/>
+          <dgm:resizeHandles val="exact"/>
+        </dgm:presLayoutVars>
+      </dgm:prSet>
+      <dgm:spPr/>
+    </dgm:pt>
+    <dgm:pt modelId="{56BBFB4E-6696-41D7-9B03-2A7643B81B05}" type="pres">
+      <dgm:prSet presAssocID="{99F2A24E-FEA5-4640-AD1A-EE44A6BED39D}" presName="parentText" presStyleLbl="node1" presStyleIdx="0" presStyleCnt="3">
+        <dgm:presLayoutVars>
+          <dgm:chMax val="0"/>
+          <dgm:bulletEnabled val="1"/>
+        </dgm:presLayoutVars>
+      </dgm:prSet>
+      <dgm:spPr/>
+    </dgm:pt>
+    <dgm:pt modelId="{B792D685-1FDC-4DA3-9276-2B5E15F59FDE}" type="pres">
+      <dgm:prSet presAssocID="{26BCA351-B558-43DF-8B93-FAE45BF275C1}" presName="spacer" presStyleCnt="0"/>
+      <dgm:spPr/>
+    </dgm:pt>
+    <dgm:pt modelId="{D9D8919D-4964-422E-93D9-E0CB6631D225}" type="pres">
+      <dgm:prSet presAssocID="{70F49290-B56D-4421-BDDA-2147614601EF}" presName="parentText" presStyleLbl="node1" presStyleIdx="1" presStyleCnt="3">
+        <dgm:presLayoutVars>
+          <dgm:chMax val="0"/>
+          <dgm:bulletEnabled val="1"/>
+        </dgm:presLayoutVars>
+      </dgm:prSet>
+      <dgm:spPr/>
+    </dgm:pt>
+    <dgm:pt modelId="{256ABB0F-D850-4522-9866-E0CCC38D8D7C}" type="pres">
+      <dgm:prSet presAssocID="{906AFE62-2F60-42E4-8C86-D0010441173A}" presName="spacer" presStyleCnt="0"/>
+      <dgm:spPr/>
+    </dgm:pt>
+    <dgm:pt modelId="{BF06347B-C393-498D-9869-AF6C5832D8CF}" type="pres">
+      <dgm:prSet presAssocID="{FDAB8D80-D7CE-48A0-A625-4B978B8FA085}" presName="parentText" presStyleLbl="node1" presStyleIdx="2" presStyleCnt="3">
+        <dgm:presLayoutVars>
+          <dgm:chMax val="0"/>
+          <dgm:bulletEnabled val="1"/>
+        </dgm:presLayoutVars>
+      </dgm:prSet>
+      <dgm:spPr/>
+    </dgm:pt>
+  </dgm:ptLst>
+  <dgm:cxnLst>
+    <dgm:cxn modelId="{CAFC4A15-A167-4200-8CF9-DDABED2AEF45}" type="presOf" srcId="{FDAB8D80-D7CE-48A0-A625-4B978B8FA085}" destId="{BF06347B-C393-498D-9869-AF6C5832D8CF}" srcOrd="0" destOrd="0" presId="urn:microsoft.com/office/officeart/2005/8/layout/vList2"/>
+    <dgm:cxn modelId="{0185468C-E8CE-4EF0-A0C3-3358653C20ED}" type="presOf" srcId="{70F49290-B56D-4421-BDDA-2147614601EF}" destId="{D9D8919D-4964-422E-93D9-E0CB6631D225}" srcOrd="0" destOrd="0" presId="urn:microsoft.com/office/officeart/2005/8/layout/vList2"/>
+    <dgm:cxn modelId="{BEE60FA0-41FF-4CCF-9408-8F206A13A934}" type="presOf" srcId="{99F2A24E-FEA5-4640-AD1A-EE44A6BED39D}" destId="{56BBFB4E-6696-41D7-9B03-2A7643B81B05}" srcOrd="0" destOrd="0" presId="urn:microsoft.com/office/officeart/2005/8/layout/vList2"/>
+    <dgm:cxn modelId="{C1551DD2-7F63-4B12-BAD0-935E080F5C62}" type="presOf" srcId="{F518915B-EEED-4481-B870-BC8353F3AD83}" destId="{BB3F3F63-8412-4D44-945B-3919047CE98B}" srcOrd="0" destOrd="0" presId="urn:microsoft.com/office/officeart/2005/8/layout/vList2"/>
+    <dgm:cxn modelId="{28A60EE1-B2FC-4F9F-A180-72A60CC478CD}" srcId="{F518915B-EEED-4481-B870-BC8353F3AD83}" destId="{70F49290-B56D-4421-BDDA-2147614601EF}" srcOrd="1" destOrd="0" parTransId="{41FABAC6-F953-4F4E-A105-A54F5A61CF71}" sibTransId="{906AFE62-2F60-42E4-8C86-D0010441173A}"/>
+    <dgm:cxn modelId="{E8035DE8-B244-4340-9CEA-04F4CEABB40C}" srcId="{F518915B-EEED-4481-B870-BC8353F3AD83}" destId="{99F2A24E-FEA5-4640-AD1A-EE44A6BED39D}" srcOrd="0" destOrd="0" parTransId="{B0211FCD-FFCF-4CE4-B171-740BC8F0B42D}" sibTransId="{26BCA351-B558-43DF-8B93-FAE45BF275C1}"/>
+    <dgm:cxn modelId="{A9FC85F8-1FFE-4B83-8B1C-F29038998D35}" srcId="{F518915B-EEED-4481-B870-BC8353F3AD83}" destId="{FDAB8D80-D7CE-48A0-A625-4B978B8FA085}" srcOrd="2" destOrd="0" parTransId="{9E3E876E-2FF9-4B9A-B43A-95054D81B1E9}" sibTransId="{C9552546-7137-4EEC-8BCC-02392046259E}"/>
+    <dgm:cxn modelId="{E7C06862-6A70-4269-B3F6-88732EA55C2A}" type="presParOf" srcId="{BB3F3F63-8412-4D44-945B-3919047CE98B}" destId="{56BBFB4E-6696-41D7-9B03-2A7643B81B05}" srcOrd="0" destOrd="0" presId="urn:microsoft.com/office/officeart/2005/8/layout/vList2"/>
+    <dgm:cxn modelId="{876ED616-BA0C-4A3E-AAAA-5BC8D83F56F6}" type="presParOf" srcId="{BB3F3F63-8412-4D44-945B-3919047CE98B}" destId="{B792D685-1FDC-4DA3-9276-2B5E15F59FDE}" srcOrd="1" destOrd="0" presId="urn:microsoft.com/office/officeart/2005/8/layout/vList2"/>
+    <dgm:cxn modelId="{E3B71015-D2BA-4A21-9BF7-5C06ACD8F96E}" type="presParOf" srcId="{BB3F3F63-8412-4D44-945B-3919047CE98B}" destId="{D9D8919D-4964-422E-93D9-E0CB6631D225}" srcOrd="2" destOrd="0" presId="urn:microsoft.com/office/officeart/2005/8/layout/vList2"/>
+    <dgm:cxn modelId="{B6890352-71D8-4938-B256-0AE7D2CA596E}" type="presParOf" srcId="{BB3F3F63-8412-4D44-945B-3919047CE98B}" destId="{256ABB0F-D850-4522-9866-E0CCC38D8D7C}" srcOrd="3" destOrd="0" presId="urn:microsoft.com/office/officeart/2005/8/layout/vList2"/>
+    <dgm:cxn modelId="{E32E6663-396D-4291-9588-BB088AF6F21D}" type="presParOf" srcId="{BB3F3F63-8412-4D44-945B-3919047CE98B}" destId="{BF06347B-C393-498D-9869-AF6C5832D8CF}" srcOrd="4" destOrd="0" presId="urn:microsoft.com/office/officeart/2005/8/layout/vList2"/>
+  </dgm:cxnLst>
+  <dgm:bg/>
+  <dgm:whole/>
+  <dgm:extLst>
+    <a:ext uri="http://schemas.microsoft.com/office/drawing/2008/diagram">
+      <dsp:dataModelExt xmlns:dsp="http://schemas.microsoft.com/office/drawing/2008/diagram" relId="rId6" minVer="http://schemas.openxmlformats.org/drawingml/2006/diagram"/>
+    </a:ext>
+  </dgm:extLst>
+</dgm:dataModel>
+</file>
+
+<file path=ppt/diagrams/data5.xml><?xml version="1.0" encoding="utf-8"?>
+<dgm:dataModel xmlns:dgm="http://schemas.openxmlformats.org/drawingml/2006/diagram" xmlns:a="http://schemas.openxmlformats.org/drawingml/2006/main">
+  <dgm:ptLst>
+    <dgm:pt modelId="{F518915B-EEED-4481-B870-BC8353F3AD83}" type="doc">
+      <dgm:prSet loTypeId="urn:microsoft.com/office/officeart/2005/8/layout/vList2" loCatId="list" qsTypeId="urn:microsoft.com/office/officeart/2005/8/quickstyle/simple1" qsCatId="simple" csTypeId="urn:microsoft.com/office/officeart/2005/8/colors/colorful1" csCatId="colorful" phldr="1"/>
+      <dgm:spPr/>
+      <dgm:t>
+        <a:bodyPr/>
+        <a:lstStyle/>
+        <a:p>
+          <a:endParaRPr lang="en-US"/>
+        </a:p>
+      </dgm:t>
+    </dgm:pt>
+    <dgm:pt modelId="{70F49290-B56D-4421-BDDA-2147614601EF}">
+      <dgm:prSet/>
+      <dgm:spPr/>
+      <dgm:t>
+        <a:bodyPr/>
+        <a:lstStyle/>
+        <a:p>
+          <a:r>
+            <a:rPr lang="ja-JP" altLang="en-US" dirty="0"/>
+            <a:t>コミュニケーション能力不足</a:t>
+          </a:r>
+          <a:endParaRPr lang="en-US" dirty="0"/>
+        </a:p>
+      </dgm:t>
+    </dgm:pt>
+    <dgm:pt modelId="{41FABAC6-F953-4F4E-A105-A54F5A61CF71}" type="parTrans" cxnId="{28A60EE1-B2FC-4F9F-A180-72A60CC478CD}">
+      <dgm:prSet/>
+      <dgm:spPr/>
+      <dgm:t>
+        <a:bodyPr/>
+        <a:lstStyle/>
+        <a:p>
+          <a:endParaRPr lang="en-US"/>
+        </a:p>
+      </dgm:t>
+    </dgm:pt>
+    <dgm:pt modelId="{906AFE62-2F60-42E4-8C86-D0010441173A}" type="sibTrans" cxnId="{28A60EE1-B2FC-4F9F-A180-72A60CC478CD}">
+      <dgm:prSet phldrT="02" phldr="0"/>
+      <dgm:spPr/>
+      <dgm:t>
+        <a:bodyPr/>
+        <a:lstStyle/>
+        <a:p>
+          <a:endParaRPr lang="en-US"/>
+        </a:p>
+      </dgm:t>
+    </dgm:pt>
+    <dgm:pt modelId="{99F2A24E-FEA5-4640-AD1A-EE44A6BED39D}">
+      <dgm:prSet/>
+      <dgm:spPr/>
+      <dgm:t>
+        <a:bodyPr/>
+        <a:lstStyle/>
+        <a:p>
+          <a:r>
+            <a:rPr kumimoji="1" lang="en-US" altLang="ja-JP" dirty="0"/>
+            <a:t>CSS</a:t>
+          </a:r>
+          <a:r>
+            <a:rPr kumimoji="1" lang="ja-JP" altLang="en-US" dirty="0"/>
+            <a:t>と</a:t>
+          </a:r>
+          <a:r>
+            <a:rPr kumimoji="1" lang="en-US" altLang="ja-JP" dirty="0"/>
+            <a:t>HTML</a:t>
+          </a:r>
+          <a:r>
+            <a:rPr kumimoji="1" lang="ja-JP" altLang="en-US" dirty="0"/>
+            <a:t>の知識の薄さ</a:t>
+          </a:r>
+          <a:endParaRPr lang="en-US" dirty="0"/>
+        </a:p>
+      </dgm:t>
+    </dgm:pt>
+    <dgm:pt modelId="{26BCA351-B558-43DF-8B93-FAE45BF275C1}" type="sibTrans" cxnId="{E8035DE8-B244-4340-9CEA-04F4CEABB40C}">
+      <dgm:prSet phldrT="01" phldr="0"/>
+      <dgm:spPr/>
+      <dgm:t>
+        <a:bodyPr/>
+        <a:lstStyle/>
+        <a:p>
+          <a:endParaRPr lang="en-US"/>
+        </a:p>
+      </dgm:t>
+    </dgm:pt>
+    <dgm:pt modelId="{B0211FCD-FFCF-4CE4-B171-740BC8F0B42D}" type="parTrans" cxnId="{E8035DE8-B244-4340-9CEA-04F4CEABB40C}">
+      <dgm:prSet/>
+      <dgm:spPr/>
+      <dgm:t>
+        <a:bodyPr/>
+        <a:lstStyle/>
+        <a:p>
+          <a:endParaRPr lang="en-US"/>
+        </a:p>
+      </dgm:t>
+    </dgm:pt>
+    <dgm:pt modelId="{BB3F3F63-8412-4D44-945B-3919047CE98B}" type="pres">
+      <dgm:prSet presAssocID="{F518915B-EEED-4481-B870-BC8353F3AD83}" presName="linear" presStyleCnt="0">
+        <dgm:presLayoutVars>
+          <dgm:animLvl val="lvl"/>
+          <dgm:resizeHandles val="exact"/>
+        </dgm:presLayoutVars>
+      </dgm:prSet>
+      <dgm:spPr/>
+    </dgm:pt>
+    <dgm:pt modelId="{56BBFB4E-6696-41D7-9B03-2A7643B81B05}" type="pres">
+      <dgm:prSet presAssocID="{99F2A24E-FEA5-4640-AD1A-EE44A6BED39D}" presName="parentText" presStyleLbl="node1" presStyleIdx="0" presStyleCnt="2" custScaleY="33988" custLinFactY="-5031" custLinFactNeighborY="-100000">
+        <dgm:presLayoutVars>
+          <dgm:chMax val="0"/>
+          <dgm:bulletEnabled val="1"/>
+        </dgm:presLayoutVars>
+      </dgm:prSet>
+      <dgm:spPr/>
+    </dgm:pt>
+    <dgm:pt modelId="{B792D685-1FDC-4DA3-9276-2B5E15F59FDE}" type="pres">
+      <dgm:prSet presAssocID="{26BCA351-B558-43DF-8B93-FAE45BF275C1}" presName="spacer" presStyleCnt="0"/>
+      <dgm:spPr/>
+    </dgm:pt>
+    <dgm:pt modelId="{D9D8919D-4964-422E-93D9-E0CB6631D225}" type="pres">
+      <dgm:prSet presAssocID="{70F49290-B56D-4421-BDDA-2147614601EF}" presName="parentText" presStyleLbl="node1" presStyleIdx="1" presStyleCnt="2" custScaleY="29634" custLinFactY="-9243" custLinFactNeighborY="-100000">
+        <dgm:presLayoutVars>
+          <dgm:chMax val="0"/>
+          <dgm:bulletEnabled val="1"/>
+        </dgm:presLayoutVars>
+      </dgm:prSet>
+      <dgm:spPr/>
+    </dgm:pt>
+  </dgm:ptLst>
+  <dgm:cxnLst>
+    <dgm:cxn modelId="{0185468C-E8CE-4EF0-A0C3-3358653C20ED}" type="presOf" srcId="{70F49290-B56D-4421-BDDA-2147614601EF}" destId="{D9D8919D-4964-422E-93D9-E0CB6631D225}" srcOrd="0" destOrd="0" presId="urn:microsoft.com/office/officeart/2005/8/layout/vList2"/>
+    <dgm:cxn modelId="{BEE60FA0-41FF-4CCF-9408-8F206A13A934}" type="presOf" srcId="{99F2A24E-FEA5-4640-AD1A-EE44A6BED39D}" destId="{56BBFB4E-6696-41D7-9B03-2A7643B81B05}" srcOrd="0" destOrd="0" presId="urn:microsoft.com/office/officeart/2005/8/layout/vList2"/>
+    <dgm:cxn modelId="{C1551DD2-7F63-4B12-BAD0-935E080F5C62}" type="presOf" srcId="{F518915B-EEED-4481-B870-BC8353F3AD83}" destId="{BB3F3F63-8412-4D44-945B-3919047CE98B}" srcOrd="0" destOrd="0" presId="urn:microsoft.com/office/officeart/2005/8/layout/vList2"/>
+    <dgm:cxn modelId="{28A60EE1-B2FC-4F9F-A180-72A60CC478CD}" srcId="{F518915B-EEED-4481-B870-BC8353F3AD83}" destId="{70F49290-B56D-4421-BDDA-2147614601EF}" srcOrd="1" destOrd="0" parTransId="{41FABAC6-F953-4F4E-A105-A54F5A61CF71}" sibTransId="{906AFE62-2F60-42E4-8C86-D0010441173A}"/>
+    <dgm:cxn modelId="{E8035DE8-B244-4340-9CEA-04F4CEABB40C}" srcId="{F518915B-EEED-4481-B870-BC8353F3AD83}" destId="{99F2A24E-FEA5-4640-AD1A-EE44A6BED39D}" srcOrd="0" destOrd="0" parTransId="{B0211FCD-FFCF-4CE4-B171-740BC8F0B42D}" sibTransId="{26BCA351-B558-43DF-8B93-FAE45BF275C1}"/>
+    <dgm:cxn modelId="{E7C06862-6A70-4269-B3F6-88732EA55C2A}" type="presParOf" srcId="{BB3F3F63-8412-4D44-945B-3919047CE98B}" destId="{56BBFB4E-6696-41D7-9B03-2A7643B81B05}" srcOrd="0" destOrd="0" presId="urn:microsoft.com/office/officeart/2005/8/layout/vList2"/>
+    <dgm:cxn modelId="{876ED616-BA0C-4A3E-AAAA-5BC8D83F56F6}" type="presParOf" srcId="{BB3F3F63-8412-4D44-945B-3919047CE98B}" destId="{B792D685-1FDC-4DA3-9276-2B5E15F59FDE}" srcOrd="1" destOrd="0" presId="urn:microsoft.com/office/officeart/2005/8/layout/vList2"/>
+    <dgm:cxn modelId="{E3B71015-D2BA-4A21-9BF7-5C06ACD8F96E}" type="presParOf" srcId="{BB3F3F63-8412-4D44-945B-3919047CE98B}" destId="{D9D8919D-4964-422E-93D9-E0CB6631D225}" srcOrd="2" destOrd="0" presId="urn:microsoft.com/office/officeart/2005/8/layout/vList2"/>
   </dgm:cxnLst>
   <dgm:bg/>
   <dgm:whole/>
@@ -3105,8 +6368,8 @@
       </dsp:nvSpPr>
       <dsp:spPr>
         <a:xfrm>
-          <a:off x="0" y="260783"/>
-          <a:ext cx="9604375" cy="1003860"/>
+          <a:off x="0" y="18233"/>
+          <a:ext cx="9604375" cy="1155960"/>
         </a:xfrm>
         <a:prstGeom prst="roundRect">
           <a:avLst/>
@@ -3147,12 +6410,12 @@
         </a:fontRef>
       </dsp:style>
       <dsp:txBody>
-        <a:bodyPr spcFirstLastPara="0" vert="horz" wrap="square" lIns="125730" tIns="125730" rIns="125730" bIns="125730" numCol="1" spcCol="1270" anchor="ctr" anchorCtr="0">
+        <a:bodyPr spcFirstLastPara="0" vert="horz" wrap="square" lIns="144780" tIns="144780" rIns="144780" bIns="144780" numCol="1" spcCol="1270" anchor="ctr" anchorCtr="0">
           <a:noAutofit/>
         </a:bodyPr>
         <a:lstStyle/>
         <a:p>
-          <a:pPr marL="0" lvl="0" indent="0" algn="l" defTabSz="1466850">
+          <a:pPr marL="0" lvl="0" indent="0" algn="l" defTabSz="1689100">
             <a:lnSpc>
               <a:spcPct val="90000"/>
             </a:lnSpc>
@@ -3165,15 +6428,15 @@
             <a:buNone/>
           </a:pPr>
           <a:r>
-            <a:rPr kumimoji="1" lang="ja-JP" altLang="en-US" sz="3300" kern="1200" dirty="0"/>
-            <a:t>競馬のことが分かって体験の機会にもなりました。</a:t>
+            <a:rPr kumimoji="1" lang="ja-JP" altLang="en-US" sz="3800" kern="1200" dirty="0"/>
+            <a:t>新しい分野の体験</a:t>
           </a:r>
-          <a:endParaRPr lang="en-US" sz="3300" kern="1200" dirty="0"/>
+          <a:endParaRPr lang="en-US" sz="3800" kern="1200" dirty="0"/>
         </a:p>
       </dsp:txBody>
       <dsp:txXfrm>
-        <a:off x="49004" y="309787"/>
-        <a:ext cx="9506367" cy="905852"/>
+        <a:off x="56429" y="74662"/>
+        <a:ext cx="9491517" cy="1043102"/>
       </dsp:txXfrm>
     </dsp:sp>
     <dsp:sp modelId="{D9D8919D-4964-422E-93D9-E0CB6631D225}">
@@ -3183,8 +6446,8 @@
       </dsp:nvSpPr>
       <dsp:spPr>
         <a:xfrm>
-          <a:off x="0" y="1359683"/>
-          <a:ext cx="9604375" cy="1003860"/>
+          <a:off x="0" y="1283633"/>
+          <a:ext cx="9604375" cy="1155960"/>
         </a:xfrm>
         <a:prstGeom prst="roundRect">
           <a:avLst/>
@@ -3225,12 +6488,12 @@
         </a:fontRef>
       </dsp:style>
       <dsp:txBody>
-        <a:bodyPr spcFirstLastPara="0" vert="horz" wrap="square" lIns="125730" tIns="125730" rIns="125730" bIns="125730" numCol="1" spcCol="1270" anchor="ctr" anchorCtr="0">
+        <a:bodyPr spcFirstLastPara="0" vert="horz" wrap="square" lIns="144780" tIns="144780" rIns="144780" bIns="144780" numCol="1" spcCol="1270" anchor="ctr" anchorCtr="0">
           <a:noAutofit/>
         </a:bodyPr>
         <a:lstStyle/>
         <a:p>
-          <a:pPr marL="0" lvl="0" indent="0" algn="l" defTabSz="1466850">
+          <a:pPr marL="0" lvl="0" indent="0" algn="l" defTabSz="1689100">
             <a:lnSpc>
               <a:spcPct val="90000"/>
             </a:lnSpc>
@@ -3243,15 +6506,15 @@
             <a:buNone/>
           </a:pPr>
           <a:r>
-            <a:rPr lang="ja-JP" altLang="en-US" sz="3300" kern="1200" dirty="0"/>
-            <a:t>大規模のプロジェクトのため学ぶことが多かった。</a:t>
+            <a:rPr lang="ja-JP" altLang="en-US" sz="3800" kern="1200" dirty="0"/>
+            <a:t>大規模のプロジェクトの経験</a:t>
           </a:r>
-          <a:endParaRPr lang="en-US" sz="3300" kern="1200" dirty="0"/>
+          <a:endParaRPr lang="en-US" sz="3800" kern="1200" dirty="0"/>
         </a:p>
       </dsp:txBody>
       <dsp:txXfrm>
-        <a:off x="49004" y="1408687"/>
-        <a:ext cx="9506367" cy="905852"/>
+        <a:off x="56429" y="1340062"/>
+        <a:ext cx="9491517" cy="1043102"/>
       </dsp:txXfrm>
     </dsp:sp>
     <dsp:sp modelId="{BF06347B-C393-498D-9869-AF6C5832D8CF}">
@@ -3261,8 +6524,8 @@
       </dsp:nvSpPr>
       <dsp:spPr>
         <a:xfrm>
-          <a:off x="0" y="2458583"/>
-          <a:ext cx="9604375" cy="1003860"/>
+          <a:off x="0" y="2549033"/>
+          <a:ext cx="9604375" cy="1155960"/>
         </a:xfrm>
         <a:prstGeom prst="roundRect">
           <a:avLst/>
@@ -3303,12 +6566,12 @@
         </a:fontRef>
       </dsp:style>
       <dsp:txBody>
-        <a:bodyPr spcFirstLastPara="0" vert="horz" wrap="square" lIns="125730" tIns="125730" rIns="125730" bIns="125730" numCol="1" spcCol="1270" anchor="ctr" anchorCtr="0">
+        <a:bodyPr spcFirstLastPara="0" vert="horz" wrap="square" lIns="144780" tIns="144780" rIns="144780" bIns="144780" numCol="1" spcCol="1270" anchor="ctr" anchorCtr="0">
           <a:noAutofit/>
         </a:bodyPr>
         <a:lstStyle/>
         <a:p>
-          <a:pPr marL="0" lvl="0" indent="0" algn="l" defTabSz="1466850">
+          <a:pPr marL="0" lvl="0" indent="0" algn="l" defTabSz="1689100">
             <a:lnSpc>
               <a:spcPct val="90000"/>
             </a:lnSpc>
@@ -3321,15 +6584,621 @@
             <a:buNone/>
           </a:pPr>
           <a:r>
-            <a:rPr kumimoji="1" lang="ja-JP" altLang="en-US" sz="3300" kern="1200" dirty="0"/>
-            <a:t>自分の強みを活かすことができた。</a:t>
+            <a:rPr kumimoji="1" lang="ja-JP" altLang="en-US" sz="3800" kern="1200" dirty="0"/>
+            <a:t>自分の強みを活かす</a:t>
           </a:r>
-          <a:endParaRPr lang="en-US" sz="3300" kern="1200" dirty="0"/>
+          <a:endParaRPr lang="en-US" sz="3800" kern="1200" dirty="0"/>
         </a:p>
       </dsp:txBody>
       <dsp:txXfrm>
-        <a:off x="49004" y="2507587"/>
-        <a:ext cx="9506367" cy="905852"/>
+        <a:off x="56429" y="2605462"/>
+        <a:ext cx="9491517" cy="1043102"/>
+      </dsp:txXfrm>
+    </dsp:sp>
+  </dsp:spTree>
+</dsp:drawing>
+</file>
+
+<file path=ppt/diagrams/drawing3.xml><?xml version="1.0" encoding="utf-8"?>
+<dsp:drawing xmlns:dgm="http://schemas.openxmlformats.org/drawingml/2006/diagram" xmlns:dsp="http://schemas.microsoft.com/office/drawing/2008/diagram" xmlns:a="http://schemas.openxmlformats.org/drawingml/2006/main">
+  <dsp:spTree>
+    <dsp:nvGrpSpPr>
+      <dsp:cNvPr id="0" name=""/>
+      <dsp:cNvGrpSpPr/>
+    </dsp:nvGrpSpPr>
+    <dsp:grpSpPr/>
+    <dsp:sp modelId="{56BBFB4E-6696-41D7-9B03-2A7643B81B05}">
+      <dsp:nvSpPr>
+        <dsp:cNvPr id="0" name=""/>
+        <dsp:cNvSpPr/>
+      </dsp:nvSpPr>
+      <dsp:spPr>
+        <a:xfrm>
+          <a:off x="0" y="371292"/>
+          <a:ext cx="9604375" cy="1119809"/>
+        </a:xfrm>
+        <a:prstGeom prst="roundRect">
+          <a:avLst/>
+        </a:prstGeom>
+        <a:solidFill>
+          <a:schemeClr val="accent2">
+            <a:hueOff val="0"/>
+            <a:satOff val="0"/>
+            <a:lumOff val="0"/>
+            <a:alphaOff val="0"/>
+          </a:schemeClr>
+        </a:solidFill>
+        <a:ln w="15875" cap="flat" cmpd="sng" algn="ctr">
+          <a:solidFill>
+            <a:schemeClr val="lt1">
+              <a:hueOff val="0"/>
+              <a:satOff val="0"/>
+              <a:lumOff val="0"/>
+              <a:alphaOff val="0"/>
+            </a:schemeClr>
+          </a:solidFill>
+          <a:prstDash val="solid"/>
+        </a:ln>
+        <a:effectLst/>
+      </dsp:spPr>
+      <dsp:style>
+        <a:lnRef idx="2">
+          <a:scrgbClr r="0" g="0" b="0"/>
+        </a:lnRef>
+        <a:fillRef idx="1">
+          <a:scrgbClr r="0" g="0" b="0"/>
+        </a:fillRef>
+        <a:effectRef idx="0">
+          <a:scrgbClr r="0" g="0" b="0"/>
+        </a:effectRef>
+        <a:fontRef idx="minor">
+          <a:schemeClr val="lt1"/>
+        </a:fontRef>
+      </dsp:style>
+      <dsp:txBody>
+        <a:bodyPr spcFirstLastPara="0" vert="horz" wrap="square" lIns="121920" tIns="121920" rIns="121920" bIns="121920" numCol="1" spcCol="1270" anchor="ctr" anchorCtr="0">
+          <a:noAutofit/>
+        </a:bodyPr>
+        <a:lstStyle/>
+        <a:p>
+          <a:pPr marL="0" lvl="0" indent="0" algn="l" defTabSz="1422400">
+            <a:lnSpc>
+              <a:spcPct val="90000"/>
+            </a:lnSpc>
+            <a:spcBef>
+              <a:spcPct val="0"/>
+            </a:spcBef>
+            <a:spcAft>
+              <a:spcPct val="35000"/>
+            </a:spcAft>
+            <a:buNone/>
+          </a:pPr>
+          <a:r>
+            <a:rPr kumimoji="1" lang="en-US" altLang="ja-JP" sz="3200" kern="1200" dirty="0"/>
+            <a:t>CSS</a:t>
+          </a:r>
+          <a:r>
+            <a:rPr kumimoji="1" lang="ja-JP" altLang="en-US" sz="3200" kern="1200" dirty="0"/>
+            <a:t>と</a:t>
+          </a:r>
+          <a:r>
+            <a:rPr kumimoji="1" lang="en-US" altLang="ja-JP" sz="3200" kern="1200" dirty="0"/>
+            <a:t>HTML</a:t>
+          </a:r>
+          <a:r>
+            <a:rPr kumimoji="1" lang="ja-JP" altLang="en-US" sz="3200" kern="1200" dirty="0"/>
+            <a:t>の知識の薄さ</a:t>
+          </a:r>
+          <a:endParaRPr lang="en-US" sz="3200" kern="1200" dirty="0"/>
+        </a:p>
+      </dsp:txBody>
+      <dsp:txXfrm>
+        <a:off x="54665" y="425957"/>
+        <a:ext cx="9495045" cy="1010479"/>
+      </dsp:txXfrm>
+    </dsp:sp>
+    <dsp:sp modelId="{D9D8919D-4964-422E-93D9-E0CB6631D225}">
+      <dsp:nvSpPr>
+        <dsp:cNvPr id="0" name=""/>
+        <dsp:cNvSpPr/>
+      </dsp:nvSpPr>
+      <dsp:spPr>
+        <a:xfrm>
+          <a:off x="0" y="1536648"/>
+          <a:ext cx="9604375" cy="976357"/>
+        </a:xfrm>
+        <a:prstGeom prst="roundRect">
+          <a:avLst/>
+        </a:prstGeom>
+        <a:solidFill>
+          <a:schemeClr val="accent3">
+            <a:hueOff val="0"/>
+            <a:satOff val="0"/>
+            <a:lumOff val="0"/>
+            <a:alphaOff val="0"/>
+          </a:schemeClr>
+        </a:solidFill>
+        <a:ln w="15875" cap="flat" cmpd="sng" algn="ctr">
+          <a:solidFill>
+            <a:schemeClr val="lt1">
+              <a:hueOff val="0"/>
+              <a:satOff val="0"/>
+              <a:lumOff val="0"/>
+              <a:alphaOff val="0"/>
+            </a:schemeClr>
+          </a:solidFill>
+          <a:prstDash val="solid"/>
+        </a:ln>
+        <a:effectLst/>
+      </dsp:spPr>
+      <dsp:style>
+        <a:lnRef idx="2">
+          <a:scrgbClr r="0" g="0" b="0"/>
+        </a:lnRef>
+        <a:fillRef idx="1">
+          <a:scrgbClr r="0" g="0" b="0"/>
+        </a:fillRef>
+        <a:effectRef idx="0">
+          <a:scrgbClr r="0" g="0" b="0"/>
+        </a:effectRef>
+        <a:fontRef idx="minor">
+          <a:schemeClr val="lt1"/>
+        </a:fontRef>
+      </dsp:style>
+      <dsp:txBody>
+        <a:bodyPr spcFirstLastPara="0" vert="horz" wrap="square" lIns="121920" tIns="121920" rIns="121920" bIns="121920" numCol="1" spcCol="1270" anchor="ctr" anchorCtr="0">
+          <a:noAutofit/>
+        </a:bodyPr>
+        <a:lstStyle/>
+        <a:p>
+          <a:pPr marL="0" lvl="0" indent="0" algn="l" defTabSz="1422400">
+            <a:lnSpc>
+              <a:spcPct val="90000"/>
+            </a:lnSpc>
+            <a:spcBef>
+              <a:spcPct val="0"/>
+            </a:spcBef>
+            <a:spcAft>
+              <a:spcPct val="35000"/>
+            </a:spcAft>
+            <a:buNone/>
+          </a:pPr>
+          <a:r>
+            <a:rPr lang="ja-JP" altLang="en-US" sz="3200" kern="1200" dirty="0"/>
+            <a:t>コミュニケーション能力不足</a:t>
+          </a:r>
+          <a:endParaRPr lang="en-US" sz="3200" kern="1200" dirty="0"/>
+        </a:p>
+      </dsp:txBody>
+      <dsp:txXfrm>
+        <a:off x="47662" y="1584310"/>
+        <a:ext cx="9509051" cy="881033"/>
+      </dsp:txXfrm>
+    </dsp:sp>
+  </dsp:spTree>
+</dsp:drawing>
+</file>
+
+<file path=ppt/diagrams/drawing4.xml><?xml version="1.0" encoding="utf-8"?>
+<dsp:drawing xmlns:dgm="http://schemas.openxmlformats.org/drawingml/2006/diagram" xmlns:dsp="http://schemas.microsoft.com/office/drawing/2008/diagram" xmlns:a="http://schemas.openxmlformats.org/drawingml/2006/main">
+  <dsp:spTree>
+    <dsp:nvGrpSpPr>
+      <dsp:cNvPr id="0" name=""/>
+      <dsp:cNvGrpSpPr/>
+    </dsp:nvGrpSpPr>
+    <dsp:grpSpPr/>
+    <dsp:sp modelId="{56BBFB4E-6696-41D7-9B03-2A7643B81B05}">
+      <dsp:nvSpPr>
+        <dsp:cNvPr id="0" name=""/>
+        <dsp:cNvSpPr/>
+      </dsp:nvSpPr>
+      <dsp:spPr>
+        <a:xfrm>
+          <a:off x="0" y="551843"/>
+          <a:ext cx="9604375" cy="821340"/>
+        </a:xfrm>
+        <a:prstGeom prst="roundRect">
+          <a:avLst/>
+        </a:prstGeom>
+        <a:solidFill>
+          <a:schemeClr val="accent2">
+            <a:hueOff val="0"/>
+            <a:satOff val="0"/>
+            <a:lumOff val="0"/>
+            <a:alphaOff val="0"/>
+          </a:schemeClr>
+        </a:solidFill>
+        <a:ln w="15875" cap="flat" cmpd="sng" algn="ctr">
+          <a:solidFill>
+            <a:schemeClr val="lt1">
+              <a:hueOff val="0"/>
+              <a:satOff val="0"/>
+              <a:lumOff val="0"/>
+              <a:alphaOff val="0"/>
+            </a:schemeClr>
+          </a:solidFill>
+          <a:prstDash val="solid"/>
+        </a:ln>
+        <a:effectLst/>
+      </dsp:spPr>
+      <dsp:style>
+        <a:lnRef idx="2">
+          <a:scrgbClr r="0" g="0" b="0"/>
+        </a:lnRef>
+        <a:fillRef idx="1">
+          <a:scrgbClr r="0" g="0" b="0"/>
+        </a:fillRef>
+        <a:effectRef idx="0">
+          <a:scrgbClr r="0" g="0" b="0"/>
+        </a:effectRef>
+        <a:fontRef idx="minor">
+          <a:schemeClr val="lt1"/>
+        </a:fontRef>
+      </dsp:style>
+      <dsp:txBody>
+        <a:bodyPr spcFirstLastPara="0" vert="horz" wrap="square" lIns="102870" tIns="102870" rIns="102870" bIns="102870" numCol="1" spcCol="1270" anchor="ctr" anchorCtr="0">
+          <a:noAutofit/>
+        </a:bodyPr>
+        <a:lstStyle/>
+        <a:p>
+          <a:pPr marL="0" lvl="0" indent="0" algn="l" defTabSz="1200150">
+            <a:lnSpc>
+              <a:spcPct val="90000"/>
+            </a:lnSpc>
+            <a:spcBef>
+              <a:spcPct val="0"/>
+            </a:spcBef>
+            <a:spcAft>
+              <a:spcPct val="35000"/>
+            </a:spcAft>
+            <a:buNone/>
+          </a:pPr>
+          <a:r>
+            <a:rPr lang="ja-JP" altLang="en-US" sz="2700" kern="1200" dirty="0"/>
+            <a:t>大規模のプロジェクトの経験を活かしていく</a:t>
+          </a:r>
+          <a:endParaRPr lang="en-US" sz="2700" kern="1200" dirty="0"/>
+        </a:p>
+      </dsp:txBody>
+      <dsp:txXfrm>
+        <a:off x="40095" y="591938"/>
+        <a:ext cx="9524185" cy="741150"/>
+      </dsp:txXfrm>
+    </dsp:sp>
+    <dsp:sp modelId="{D9D8919D-4964-422E-93D9-E0CB6631D225}">
+      <dsp:nvSpPr>
+        <dsp:cNvPr id="0" name=""/>
+        <dsp:cNvSpPr/>
+      </dsp:nvSpPr>
+      <dsp:spPr>
+        <a:xfrm>
+          <a:off x="0" y="1450943"/>
+          <a:ext cx="9604375" cy="821340"/>
+        </a:xfrm>
+        <a:prstGeom prst="roundRect">
+          <a:avLst/>
+        </a:prstGeom>
+        <a:solidFill>
+          <a:schemeClr val="accent3">
+            <a:hueOff val="0"/>
+            <a:satOff val="0"/>
+            <a:lumOff val="0"/>
+            <a:alphaOff val="0"/>
+          </a:schemeClr>
+        </a:solidFill>
+        <a:ln w="15875" cap="flat" cmpd="sng" algn="ctr">
+          <a:solidFill>
+            <a:schemeClr val="lt1">
+              <a:hueOff val="0"/>
+              <a:satOff val="0"/>
+              <a:lumOff val="0"/>
+              <a:alphaOff val="0"/>
+            </a:schemeClr>
+          </a:solidFill>
+          <a:prstDash val="solid"/>
+        </a:ln>
+        <a:effectLst/>
+      </dsp:spPr>
+      <dsp:style>
+        <a:lnRef idx="2">
+          <a:scrgbClr r="0" g="0" b="0"/>
+        </a:lnRef>
+        <a:fillRef idx="1">
+          <a:scrgbClr r="0" g="0" b="0"/>
+        </a:fillRef>
+        <a:effectRef idx="0">
+          <a:scrgbClr r="0" g="0" b="0"/>
+        </a:effectRef>
+        <a:fontRef idx="minor">
+          <a:schemeClr val="lt1"/>
+        </a:fontRef>
+      </dsp:style>
+      <dsp:txBody>
+        <a:bodyPr spcFirstLastPara="0" vert="horz" wrap="square" lIns="102870" tIns="102870" rIns="102870" bIns="102870" numCol="1" spcCol="1270" anchor="ctr" anchorCtr="0">
+          <a:noAutofit/>
+        </a:bodyPr>
+        <a:lstStyle/>
+        <a:p>
+          <a:pPr marL="0" lvl="0" indent="0" algn="l" defTabSz="1200150">
+            <a:lnSpc>
+              <a:spcPct val="90000"/>
+            </a:lnSpc>
+            <a:spcBef>
+              <a:spcPct val="0"/>
+            </a:spcBef>
+            <a:spcAft>
+              <a:spcPct val="35000"/>
+            </a:spcAft>
+            <a:buNone/>
+          </a:pPr>
+          <a:r>
+            <a:rPr lang="ja-JP" altLang="en-US" sz="2700" kern="1200" dirty="0"/>
+            <a:t>ネックになるような技術は少しずつ学習してリスクを減らす</a:t>
+          </a:r>
+          <a:endParaRPr lang="en-US" sz="2700" kern="1200" dirty="0"/>
+        </a:p>
+      </dsp:txBody>
+      <dsp:txXfrm>
+        <a:off x="40095" y="1491038"/>
+        <a:ext cx="9524185" cy="741150"/>
+      </dsp:txXfrm>
+    </dsp:sp>
+    <dsp:sp modelId="{BF06347B-C393-498D-9869-AF6C5832D8CF}">
+      <dsp:nvSpPr>
+        <dsp:cNvPr id="0" name=""/>
+        <dsp:cNvSpPr/>
+      </dsp:nvSpPr>
+      <dsp:spPr>
+        <a:xfrm>
+          <a:off x="0" y="2350043"/>
+          <a:ext cx="9604375" cy="821340"/>
+        </a:xfrm>
+        <a:prstGeom prst="roundRect">
+          <a:avLst/>
+        </a:prstGeom>
+        <a:solidFill>
+          <a:schemeClr val="accent4">
+            <a:hueOff val="0"/>
+            <a:satOff val="0"/>
+            <a:lumOff val="0"/>
+            <a:alphaOff val="0"/>
+          </a:schemeClr>
+        </a:solidFill>
+        <a:ln w="15875" cap="flat" cmpd="sng" algn="ctr">
+          <a:solidFill>
+            <a:schemeClr val="lt1">
+              <a:hueOff val="0"/>
+              <a:satOff val="0"/>
+              <a:lumOff val="0"/>
+              <a:alphaOff val="0"/>
+            </a:schemeClr>
+          </a:solidFill>
+          <a:prstDash val="solid"/>
+        </a:ln>
+        <a:effectLst/>
+      </dsp:spPr>
+      <dsp:style>
+        <a:lnRef idx="2">
+          <a:scrgbClr r="0" g="0" b="0"/>
+        </a:lnRef>
+        <a:fillRef idx="1">
+          <a:scrgbClr r="0" g="0" b="0"/>
+        </a:fillRef>
+        <a:effectRef idx="0">
+          <a:scrgbClr r="0" g="0" b="0"/>
+        </a:effectRef>
+        <a:fontRef idx="minor">
+          <a:schemeClr val="lt1"/>
+        </a:fontRef>
+      </dsp:style>
+      <dsp:txBody>
+        <a:bodyPr spcFirstLastPara="0" vert="horz" wrap="square" lIns="102870" tIns="102870" rIns="102870" bIns="102870" numCol="1" spcCol="1270" anchor="ctr" anchorCtr="0">
+          <a:noAutofit/>
+        </a:bodyPr>
+        <a:lstStyle/>
+        <a:p>
+          <a:pPr marL="0" lvl="0" indent="0" algn="l" defTabSz="1200150">
+            <a:lnSpc>
+              <a:spcPct val="90000"/>
+            </a:lnSpc>
+            <a:spcBef>
+              <a:spcPct val="0"/>
+            </a:spcBef>
+            <a:spcAft>
+              <a:spcPct val="35000"/>
+            </a:spcAft>
+            <a:buNone/>
+          </a:pPr>
+          <a:r>
+            <a:rPr lang="ja-JP" altLang="en-US" sz="2700" kern="1200" dirty="0"/>
+            <a:t>先人のコミュニケーション能力見習う</a:t>
+          </a:r>
+          <a:endParaRPr lang="en-US" sz="2700" kern="1200" dirty="0"/>
+        </a:p>
+      </dsp:txBody>
+      <dsp:txXfrm>
+        <a:off x="40095" y="2390138"/>
+        <a:ext cx="9524185" cy="741150"/>
+      </dsp:txXfrm>
+    </dsp:sp>
+  </dsp:spTree>
+</dsp:drawing>
+</file>
+
+<file path=ppt/diagrams/drawing5.xml><?xml version="1.0" encoding="utf-8"?>
+<dsp:drawing xmlns:dgm="http://schemas.openxmlformats.org/drawingml/2006/diagram" xmlns:dsp="http://schemas.microsoft.com/office/drawing/2008/diagram" xmlns:a="http://schemas.openxmlformats.org/drawingml/2006/main">
+  <dsp:spTree>
+    <dsp:nvGrpSpPr>
+      <dsp:cNvPr id="0" name=""/>
+      <dsp:cNvGrpSpPr/>
+    </dsp:nvGrpSpPr>
+    <dsp:grpSpPr/>
+    <dsp:sp modelId="{56BBFB4E-6696-41D7-9B03-2A7643B81B05}">
+      <dsp:nvSpPr>
+        <dsp:cNvPr id="0" name=""/>
+        <dsp:cNvSpPr/>
+      </dsp:nvSpPr>
+      <dsp:spPr>
+        <a:xfrm>
+          <a:off x="0" y="371292"/>
+          <a:ext cx="9604375" cy="1119809"/>
+        </a:xfrm>
+        <a:prstGeom prst="roundRect">
+          <a:avLst/>
+        </a:prstGeom>
+        <a:solidFill>
+          <a:schemeClr val="accent2">
+            <a:hueOff val="0"/>
+            <a:satOff val="0"/>
+            <a:lumOff val="0"/>
+            <a:alphaOff val="0"/>
+          </a:schemeClr>
+        </a:solidFill>
+        <a:ln w="15875" cap="flat" cmpd="sng" algn="ctr">
+          <a:solidFill>
+            <a:schemeClr val="lt1">
+              <a:hueOff val="0"/>
+              <a:satOff val="0"/>
+              <a:lumOff val="0"/>
+              <a:alphaOff val="0"/>
+            </a:schemeClr>
+          </a:solidFill>
+          <a:prstDash val="solid"/>
+        </a:ln>
+        <a:effectLst/>
+      </dsp:spPr>
+      <dsp:style>
+        <a:lnRef idx="2">
+          <a:scrgbClr r="0" g="0" b="0"/>
+        </a:lnRef>
+        <a:fillRef idx="1">
+          <a:scrgbClr r="0" g="0" b="0"/>
+        </a:fillRef>
+        <a:effectRef idx="0">
+          <a:scrgbClr r="0" g="0" b="0"/>
+        </a:effectRef>
+        <a:fontRef idx="minor">
+          <a:schemeClr val="lt1"/>
+        </a:fontRef>
+      </dsp:style>
+      <dsp:txBody>
+        <a:bodyPr spcFirstLastPara="0" vert="horz" wrap="square" lIns="121920" tIns="121920" rIns="121920" bIns="121920" numCol="1" spcCol="1270" anchor="ctr" anchorCtr="0">
+          <a:noAutofit/>
+        </a:bodyPr>
+        <a:lstStyle/>
+        <a:p>
+          <a:pPr marL="0" lvl="0" indent="0" algn="l" defTabSz="1422400">
+            <a:lnSpc>
+              <a:spcPct val="90000"/>
+            </a:lnSpc>
+            <a:spcBef>
+              <a:spcPct val="0"/>
+            </a:spcBef>
+            <a:spcAft>
+              <a:spcPct val="35000"/>
+            </a:spcAft>
+            <a:buNone/>
+          </a:pPr>
+          <a:r>
+            <a:rPr kumimoji="1" lang="en-US" altLang="ja-JP" sz="3200" kern="1200" dirty="0"/>
+            <a:t>CSS</a:t>
+          </a:r>
+          <a:r>
+            <a:rPr kumimoji="1" lang="ja-JP" altLang="en-US" sz="3200" kern="1200" dirty="0"/>
+            <a:t>と</a:t>
+          </a:r>
+          <a:r>
+            <a:rPr kumimoji="1" lang="en-US" altLang="ja-JP" sz="3200" kern="1200" dirty="0"/>
+            <a:t>HTML</a:t>
+          </a:r>
+          <a:r>
+            <a:rPr kumimoji="1" lang="ja-JP" altLang="en-US" sz="3200" kern="1200" dirty="0"/>
+            <a:t>の知識の薄さ</a:t>
+          </a:r>
+          <a:endParaRPr lang="en-US" sz="3200" kern="1200" dirty="0"/>
+        </a:p>
+      </dsp:txBody>
+      <dsp:txXfrm>
+        <a:off x="54665" y="425957"/>
+        <a:ext cx="9495045" cy="1010479"/>
+      </dsp:txXfrm>
+    </dsp:sp>
+    <dsp:sp modelId="{D9D8919D-4964-422E-93D9-E0CB6631D225}">
+      <dsp:nvSpPr>
+        <dsp:cNvPr id="0" name=""/>
+        <dsp:cNvSpPr/>
+      </dsp:nvSpPr>
+      <dsp:spPr>
+        <a:xfrm>
+          <a:off x="0" y="1536648"/>
+          <a:ext cx="9604375" cy="976357"/>
+        </a:xfrm>
+        <a:prstGeom prst="roundRect">
+          <a:avLst/>
+        </a:prstGeom>
+        <a:solidFill>
+          <a:schemeClr val="accent3">
+            <a:hueOff val="0"/>
+            <a:satOff val="0"/>
+            <a:lumOff val="0"/>
+            <a:alphaOff val="0"/>
+          </a:schemeClr>
+        </a:solidFill>
+        <a:ln w="15875" cap="flat" cmpd="sng" algn="ctr">
+          <a:solidFill>
+            <a:schemeClr val="lt1">
+              <a:hueOff val="0"/>
+              <a:satOff val="0"/>
+              <a:lumOff val="0"/>
+              <a:alphaOff val="0"/>
+            </a:schemeClr>
+          </a:solidFill>
+          <a:prstDash val="solid"/>
+        </a:ln>
+        <a:effectLst/>
+      </dsp:spPr>
+      <dsp:style>
+        <a:lnRef idx="2">
+          <a:scrgbClr r="0" g="0" b="0"/>
+        </a:lnRef>
+        <a:fillRef idx="1">
+          <a:scrgbClr r="0" g="0" b="0"/>
+        </a:fillRef>
+        <a:effectRef idx="0">
+          <a:scrgbClr r="0" g="0" b="0"/>
+        </a:effectRef>
+        <a:fontRef idx="minor">
+          <a:schemeClr val="lt1"/>
+        </a:fontRef>
+      </dsp:style>
+      <dsp:txBody>
+        <a:bodyPr spcFirstLastPara="0" vert="horz" wrap="square" lIns="121920" tIns="121920" rIns="121920" bIns="121920" numCol="1" spcCol="1270" anchor="ctr" anchorCtr="0">
+          <a:noAutofit/>
+        </a:bodyPr>
+        <a:lstStyle/>
+        <a:p>
+          <a:pPr marL="0" lvl="0" indent="0" algn="l" defTabSz="1422400">
+            <a:lnSpc>
+              <a:spcPct val="90000"/>
+            </a:lnSpc>
+            <a:spcBef>
+              <a:spcPct val="0"/>
+            </a:spcBef>
+            <a:spcAft>
+              <a:spcPct val="35000"/>
+            </a:spcAft>
+            <a:buNone/>
+          </a:pPr>
+          <a:r>
+            <a:rPr lang="ja-JP" altLang="en-US" sz="3200" kern="1200" dirty="0"/>
+            <a:t>コミュニケーション能力不足</a:t>
+          </a:r>
+          <a:endParaRPr lang="en-US" sz="3200" kern="1200" dirty="0"/>
+        </a:p>
+      </dsp:txBody>
+      <dsp:txXfrm>
+        <a:off x="47662" y="1584310"/>
+        <a:ext cx="9509051" cy="881033"/>
       </dsp:txXfrm>
     </dsp:sp>
   </dsp:spTree>
@@ -3769,6 +7638,507 @@
 </dgm:layoutDef>
 </file>
 
+<file path=ppt/diagrams/layout3.xml><?xml version="1.0" encoding="utf-8"?>
+<dgm:layoutDef xmlns:dgm="http://schemas.openxmlformats.org/drawingml/2006/diagram" xmlns:a="http://schemas.openxmlformats.org/drawingml/2006/main" uniqueId="urn:microsoft.com/office/officeart/2005/8/layout/vList2">
+  <dgm:title val=""/>
+  <dgm:desc val=""/>
+  <dgm:catLst>
+    <dgm:cat type="list" pri="3000"/>
+    <dgm:cat type="convert" pri="1000"/>
+  </dgm:catLst>
+  <dgm:sampData>
+    <dgm:dataModel>
+      <dgm:ptLst>
+        <dgm:pt modelId="0" type="doc"/>
+        <dgm:pt modelId="1">
+          <dgm:prSet phldr="1"/>
+        </dgm:pt>
+        <dgm:pt modelId="11">
+          <dgm:prSet phldr="1"/>
+        </dgm:pt>
+        <dgm:pt modelId="2">
+          <dgm:prSet phldr="1"/>
+        </dgm:pt>
+        <dgm:pt modelId="21">
+          <dgm:prSet phldr="1"/>
+        </dgm:pt>
+      </dgm:ptLst>
+      <dgm:cxnLst>
+        <dgm:cxn modelId="4" srcId="0" destId="1" srcOrd="0" destOrd="0"/>
+        <dgm:cxn modelId="5" srcId="0" destId="2" srcOrd="1" destOrd="0"/>
+        <dgm:cxn modelId="12" srcId="1" destId="11" srcOrd="0" destOrd="0"/>
+        <dgm:cxn modelId="23" srcId="2" destId="21" srcOrd="0" destOrd="0"/>
+      </dgm:cxnLst>
+      <dgm:bg/>
+      <dgm:whole/>
+    </dgm:dataModel>
+  </dgm:sampData>
+  <dgm:styleData>
+    <dgm:dataModel>
+      <dgm:ptLst>
+        <dgm:pt modelId="0" type="doc"/>
+        <dgm:pt modelId="1"/>
+        <dgm:pt modelId="2"/>
+      </dgm:ptLst>
+      <dgm:cxnLst>
+        <dgm:cxn modelId="3" srcId="0" destId="1" srcOrd="0" destOrd="0"/>
+        <dgm:cxn modelId="4" srcId="0" destId="2" srcOrd="1" destOrd="0"/>
+      </dgm:cxnLst>
+      <dgm:bg/>
+      <dgm:whole/>
+    </dgm:dataModel>
+  </dgm:styleData>
+  <dgm:clrData>
+    <dgm:dataModel>
+      <dgm:ptLst>
+        <dgm:pt modelId="0" type="doc"/>
+        <dgm:pt modelId="1"/>
+        <dgm:pt modelId="2"/>
+        <dgm:pt modelId="3"/>
+        <dgm:pt modelId="4"/>
+      </dgm:ptLst>
+      <dgm:cxnLst>
+        <dgm:cxn modelId="5" srcId="0" destId="1" srcOrd="0" destOrd="0"/>
+        <dgm:cxn modelId="6" srcId="0" destId="2" srcOrd="1" destOrd="0"/>
+        <dgm:cxn modelId="7" srcId="0" destId="3" srcOrd="2" destOrd="0"/>
+        <dgm:cxn modelId="8" srcId="0" destId="4" srcOrd="3" destOrd="0"/>
+      </dgm:cxnLst>
+      <dgm:bg/>
+      <dgm:whole/>
+    </dgm:dataModel>
+  </dgm:clrData>
+  <dgm:layoutNode name="linear">
+    <dgm:varLst>
+      <dgm:animLvl val="lvl"/>
+      <dgm:resizeHandles val="exact"/>
+    </dgm:varLst>
+    <dgm:alg type="lin">
+      <dgm:param type="linDir" val="fromT"/>
+      <dgm:param type="vertAlign" val="mid"/>
+    </dgm:alg>
+    <dgm:shape xmlns:r="http://schemas.openxmlformats.org/officeDocument/2006/relationships" r:blip="">
+      <dgm:adjLst/>
+    </dgm:shape>
+    <dgm:presOf/>
+    <dgm:constrLst>
+      <dgm:constr type="w" for="ch" forName="parentText" refType="w"/>
+      <dgm:constr type="h" for="ch" forName="parentText" refType="primFontSz" refFor="ch" refForName="parentText" fact="0.52"/>
+      <dgm:constr type="w" for="ch" forName="childText" refType="w"/>
+      <dgm:constr type="h" for="ch" forName="childText" refType="primFontSz" refFor="ch" refForName="parentText" fact="0.46"/>
+      <dgm:constr type="h" for="ch" forName="parentText" op="equ"/>
+      <dgm:constr type="primFontSz" for="ch" forName="parentText" op="equ" val="65"/>
+      <dgm:constr type="primFontSz" for="ch" forName="childText" refType="primFontSz" refFor="ch" refForName="parentText" op="equ"/>
+      <dgm:constr type="h" for="ch" forName="spacer" refType="primFontSz" refFor="ch" refForName="parentText" fact="0.08"/>
+    </dgm:constrLst>
+    <dgm:ruleLst>
+      <dgm:rule type="primFontSz" for="ch" forName="parentText" val="5" fact="NaN" max="NaN"/>
+    </dgm:ruleLst>
+    <dgm:forEach name="Name0" axis="ch" ptType="node">
+      <dgm:layoutNode name="parentText" styleLbl="node1">
+        <dgm:varLst>
+          <dgm:chMax val="0"/>
+          <dgm:bulletEnabled val="1"/>
+        </dgm:varLst>
+        <dgm:alg type="tx">
+          <dgm:param type="parTxLTRAlign" val="l"/>
+          <dgm:param type="parTxRTLAlign" val="r"/>
+        </dgm:alg>
+        <dgm:shape xmlns:r="http://schemas.openxmlformats.org/officeDocument/2006/relationships" type="roundRect" r:blip="">
+          <dgm:adjLst/>
+        </dgm:shape>
+        <dgm:presOf axis="self"/>
+        <dgm:constrLst>
+          <dgm:constr type="tMarg" refType="primFontSz" fact="0.3"/>
+          <dgm:constr type="bMarg" refType="primFontSz" fact="0.3"/>
+          <dgm:constr type="lMarg" refType="primFontSz" fact="0.3"/>
+          <dgm:constr type="rMarg" refType="primFontSz" fact="0.3"/>
+        </dgm:constrLst>
+        <dgm:ruleLst>
+          <dgm:rule type="h" val="INF" fact="NaN" max="NaN"/>
+        </dgm:ruleLst>
+      </dgm:layoutNode>
+      <dgm:choose name="Name1">
+        <dgm:if name="Name2" axis="ch" ptType="node" func="cnt" op="gte" val="1">
+          <dgm:layoutNode name="childText" styleLbl="revTx">
+            <dgm:varLst>
+              <dgm:bulletEnabled val="1"/>
+            </dgm:varLst>
+            <dgm:alg type="tx">
+              <dgm:param type="stBulletLvl" val="1"/>
+              <dgm:param type="lnSpAfChP" val="20"/>
+            </dgm:alg>
+            <dgm:shape xmlns:r="http://schemas.openxmlformats.org/officeDocument/2006/relationships" type="rect" r:blip="">
+              <dgm:adjLst/>
+            </dgm:shape>
+            <dgm:presOf axis="des" ptType="node"/>
+            <dgm:constrLst>
+              <dgm:constr type="tMarg" refType="primFontSz" fact="0.1"/>
+              <dgm:constr type="bMarg" refType="primFontSz" fact="0.1"/>
+              <dgm:constr type="lMarg" refType="w" fact="0.09"/>
+            </dgm:constrLst>
+            <dgm:ruleLst>
+              <dgm:rule type="h" val="INF" fact="NaN" max="NaN"/>
+            </dgm:ruleLst>
+          </dgm:layoutNode>
+        </dgm:if>
+        <dgm:else name="Name3">
+          <dgm:choose name="Name4">
+            <dgm:if name="Name5" axis="par ch" ptType="doc node" func="cnt" op="gte" val="2">
+              <dgm:forEach name="Name6" axis="followSib" ptType="sibTrans" cnt="1">
+                <dgm:layoutNode name="spacer">
+                  <dgm:alg type="sp"/>
+                  <dgm:shape xmlns:r="http://schemas.openxmlformats.org/officeDocument/2006/relationships" r:blip="">
+                    <dgm:adjLst/>
+                  </dgm:shape>
+                  <dgm:presOf/>
+                  <dgm:constrLst/>
+                  <dgm:ruleLst/>
+                </dgm:layoutNode>
+              </dgm:forEach>
+            </dgm:if>
+            <dgm:else name="Name7"/>
+          </dgm:choose>
+        </dgm:else>
+      </dgm:choose>
+    </dgm:forEach>
+  </dgm:layoutNode>
+</dgm:layoutDef>
+</file>
+
+<file path=ppt/diagrams/layout4.xml><?xml version="1.0" encoding="utf-8"?>
+<dgm:layoutDef xmlns:dgm="http://schemas.openxmlformats.org/drawingml/2006/diagram" xmlns:a="http://schemas.openxmlformats.org/drawingml/2006/main" uniqueId="urn:microsoft.com/office/officeart/2005/8/layout/vList2">
+  <dgm:title val=""/>
+  <dgm:desc val=""/>
+  <dgm:catLst>
+    <dgm:cat type="list" pri="3000"/>
+    <dgm:cat type="convert" pri="1000"/>
+  </dgm:catLst>
+  <dgm:sampData>
+    <dgm:dataModel>
+      <dgm:ptLst>
+        <dgm:pt modelId="0" type="doc"/>
+        <dgm:pt modelId="1">
+          <dgm:prSet phldr="1"/>
+        </dgm:pt>
+        <dgm:pt modelId="11">
+          <dgm:prSet phldr="1"/>
+        </dgm:pt>
+        <dgm:pt modelId="2">
+          <dgm:prSet phldr="1"/>
+        </dgm:pt>
+        <dgm:pt modelId="21">
+          <dgm:prSet phldr="1"/>
+        </dgm:pt>
+      </dgm:ptLst>
+      <dgm:cxnLst>
+        <dgm:cxn modelId="4" srcId="0" destId="1" srcOrd="0" destOrd="0"/>
+        <dgm:cxn modelId="5" srcId="0" destId="2" srcOrd="1" destOrd="0"/>
+        <dgm:cxn modelId="12" srcId="1" destId="11" srcOrd="0" destOrd="0"/>
+        <dgm:cxn modelId="23" srcId="2" destId="21" srcOrd="0" destOrd="0"/>
+      </dgm:cxnLst>
+      <dgm:bg/>
+      <dgm:whole/>
+    </dgm:dataModel>
+  </dgm:sampData>
+  <dgm:styleData>
+    <dgm:dataModel>
+      <dgm:ptLst>
+        <dgm:pt modelId="0" type="doc"/>
+        <dgm:pt modelId="1"/>
+        <dgm:pt modelId="2"/>
+      </dgm:ptLst>
+      <dgm:cxnLst>
+        <dgm:cxn modelId="3" srcId="0" destId="1" srcOrd="0" destOrd="0"/>
+        <dgm:cxn modelId="4" srcId="0" destId="2" srcOrd="1" destOrd="0"/>
+      </dgm:cxnLst>
+      <dgm:bg/>
+      <dgm:whole/>
+    </dgm:dataModel>
+  </dgm:styleData>
+  <dgm:clrData>
+    <dgm:dataModel>
+      <dgm:ptLst>
+        <dgm:pt modelId="0" type="doc"/>
+        <dgm:pt modelId="1"/>
+        <dgm:pt modelId="2"/>
+        <dgm:pt modelId="3"/>
+        <dgm:pt modelId="4"/>
+      </dgm:ptLst>
+      <dgm:cxnLst>
+        <dgm:cxn modelId="5" srcId="0" destId="1" srcOrd="0" destOrd="0"/>
+        <dgm:cxn modelId="6" srcId="0" destId="2" srcOrd="1" destOrd="0"/>
+        <dgm:cxn modelId="7" srcId="0" destId="3" srcOrd="2" destOrd="0"/>
+        <dgm:cxn modelId="8" srcId="0" destId="4" srcOrd="3" destOrd="0"/>
+      </dgm:cxnLst>
+      <dgm:bg/>
+      <dgm:whole/>
+    </dgm:dataModel>
+  </dgm:clrData>
+  <dgm:layoutNode name="linear">
+    <dgm:varLst>
+      <dgm:animLvl val="lvl"/>
+      <dgm:resizeHandles val="exact"/>
+    </dgm:varLst>
+    <dgm:alg type="lin">
+      <dgm:param type="linDir" val="fromT"/>
+      <dgm:param type="vertAlign" val="mid"/>
+    </dgm:alg>
+    <dgm:shape xmlns:r="http://schemas.openxmlformats.org/officeDocument/2006/relationships" r:blip="">
+      <dgm:adjLst/>
+    </dgm:shape>
+    <dgm:presOf/>
+    <dgm:constrLst>
+      <dgm:constr type="w" for="ch" forName="parentText" refType="w"/>
+      <dgm:constr type="h" for="ch" forName="parentText" refType="primFontSz" refFor="ch" refForName="parentText" fact="0.52"/>
+      <dgm:constr type="w" for="ch" forName="childText" refType="w"/>
+      <dgm:constr type="h" for="ch" forName="childText" refType="primFontSz" refFor="ch" refForName="parentText" fact="0.46"/>
+      <dgm:constr type="h" for="ch" forName="parentText" op="equ"/>
+      <dgm:constr type="primFontSz" for="ch" forName="parentText" op="equ" val="65"/>
+      <dgm:constr type="primFontSz" for="ch" forName="childText" refType="primFontSz" refFor="ch" refForName="parentText" op="equ"/>
+      <dgm:constr type="h" for="ch" forName="spacer" refType="primFontSz" refFor="ch" refForName="parentText" fact="0.08"/>
+    </dgm:constrLst>
+    <dgm:ruleLst>
+      <dgm:rule type="primFontSz" for="ch" forName="parentText" val="5" fact="NaN" max="NaN"/>
+    </dgm:ruleLst>
+    <dgm:forEach name="Name0" axis="ch" ptType="node">
+      <dgm:layoutNode name="parentText" styleLbl="node1">
+        <dgm:varLst>
+          <dgm:chMax val="0"/>
+          <dgm:bulletEnabled val="1"/>
+        </dgm:varLst>
+        <dgm:alg type="tx">
+          <dgm:param type="parTxLTRAlign" val="l"/>
+          <dgm:param type="parTxRTLAlign" val="r"/>
+        </dgm:alg>
+        <dgm:shape xmlns:r="http://schemas.openxmlformats.org/officeDocument/2006/relationships" type="roundRect" r:blip="">
+          <dgm:adjLst/>
+        </dgm:shape>
+        <dgm:presOf axis="self"/>
+        <dgm:constrLst>
+          <dgm:constr type="tMarg" refType="primFontSz" fact="0.3"/>
+          <dgm:constr type="bMarg" refType="primFontSz" fact="0.3"/>
+          <dgm:constr type="lMarg" refType="primFontSz" fact="0.3"/>
+          <dgm:constr type="rMarg" refType="primFontSz" fact="0.3"/>
+        </dgm:constrLst>
+        <dgm:ruleLst>
+          <dgm:rule type="h" val="INF" fact="NaN" max="NaN"/>
+        </dgm:ruleLst>
+      </dgm:layoutNode>
+      <dgm:choose name="Name1">
+        <dgm:if name="Name2" axis="ch" ptType="node" func="cnt" op="gte" val="1">
+          <dgm:layoutNode name="childText" styleLbl="revTx">
+            <dgm:varLst>
+              <dgm:bulletEnabled val="1"/>
+            </dgm:varLst>
+            <dgm:alg type="tx">
+              <dgm:param type="stBulletLvl" val="1"/>
+              <dgm:param type="lnSpAfChP" val="20"/>
+            </dgm:alg>
+            <dgm:shape xmlns:r="http://schemas.openxmlformats.org/officeDocument/2006/relationships" type="rect" r:blip="">
+              <dgm:adjLst/>
+            </dgm:shape>
+            <dgm:presOf axis="des" ptType="node"/>
+            <dgm:constrLst>
+              <dgm:constr type="tMarg" refType="primFontSz" fact="0.1"/>
+              <dgm:constr type="bMarg" refType="primFontSz" fact="0.1"/>
+              <dgm:constr type="lMarg" refType="w" fact="0.09"/>
+            </dgm:constrLst>
+            <dgm:ruleLst>
+              <dgm:rule type="h" val="INF" fact="NaN" max="NaN"/>
+            </dgm:ruleLst>
+          </dgm:layoutNode>
+        </dgm:if>
+        <dgm:else name="Name3">
+          <dgm:choose name="Name4">
+            <dgm:if name="Name5" axis="par ch" ptType="doc node" func="cnt" op="gte" val="2">
+              <dgm:forEach name="Name6" axis="followSib" ptType="sibTrans" cnt="1">
+                <dgm:layoutNode name="spacer">
+                  <dgm:alg type="sp"/>
+                  <dgm:shape xmlns:r="http://schemas.openxmlformats.org/officeDocument/2006/relationships" r:blip="">
+                    <dgm:adjLst/>
+                  </dgm:shape>
+                  <dgm:presOf/>
+                  <dgm:constrLst/>
+                  <dgm:ruleLst/>
+                </dgm:layoutNode>
+              </dgm:forEach>
+            </dgm:if>
+            <dgm:else name="Name7"/>
+          </dgm:choose>
+        </dgm:else>
+      </dgm:choose>
+    </dgm:forEach>
+  </dgm:layoutNode>
+</dgm:layoutDef>
+</file>
+
+<file path=ppt/diagrams/layout5.xml><?xml version="1.0" encoding="utf-8"?>
+<dgm:layoutDef xmlns:dgm="http://schemas.openxmlformats.org/drawingml/2006/diagram" xmlns:a="http://schemas.openxmlformats.org/drawingml/2006/main" uniqueId="urn:microsoft.com/office/officeart/2005/8/layout/vList2">
+  <dgm:title val=""/>
+  <dgm:desc val=""/>
+  <dgm:catLst>
+    <dgm:cat type="list" pri="3000"/>
+    <dgm:cat type="convert" pri="1000"/>
+  </dgm:catLst>
+  <dgm:sampData>
+    <dgm:dataModel>
+      <dgm:ptLst>
+        <dgm:pt modelId="0" type="doc"/>
+        <dgm:pt modelId="1">
+          <dgm:prSet phldr="1"/>
+        </dgm:pt>
+        <dgm:pt modelId="11">
+          <dgm:prSet phldr="1"/>
+        </dgm:pt>
+        <dgm:pt modelId="2">
+          <dgm:prSet phldr="1"/>
+        </dgm:pt>
+        <dgm:pt modelId="21">
+          <dgm:prSet phldr="1"/>
+        </dgm:pt>
+      </dgm:ptLst>
+      <dgm:cxnLst>
+        <dgm:cxn modelId="4" srcId="0" destId="1" srcOrd="0" destOrd="0"/>
+        <dgm:cxn modelId="5" srcId="0" destId="2" srcOrd="1" destOrd="0"/>
+        <dgm:cxn modelId="12" srcId="1" destId="11" srcOrd="0" destOrd="0"/>
+        <dgm:cxn modelId="23" srcId="2" destId="21" srcOrd="0" destOrd="0"/>
+      </dgm:cxnLst>
+      <dgm:bg/>
+      <dgm:whole/>
+    </dgm:dataModel>
+  </dgm:sampData>
+  <dgm:styleData>
+    <dgm:dataModel>
+      <dgm:ptLst>
+        <dgm:pt modelId="0" type="doc"/>
+        <dgm:pt modelId="1"/>
+        <dgm:pt modelId="2"/>
+      </dgm:ptLst>
+      <dgm:cxnLst>
+        <dgm:cxn modelId="3" srcId="0" destId="1" srcOrd="0" destOrd="0"/>
+        <dgm:cxn modelId="4" srcId="0" destId="2" srcOrd="1" destOrd="0"/>
+      </dgm:cxnLst>
+      <dgm:bg/>
+      <dgm:whole/>
+    </dgm:dataModel>
+  </dgm:styleData>
+  <dgm:clrData>
+    <dgm:dataModel>
+      <dgm:ptLst>
+        <dgm:pt modelId="0" type="doc"/>
+        <dgm:pt modelId="1"/>
+        <dgm:pt modelId="2"/>
+        <dgm:pt modelId="3"/>
+        <dgm:pt modelId="4"/>
+      </dgm:ptLst>
+      <dgm:cxnLst>
+        <dgm:cxn modelId="5" srcId="0" destId="1" srcOrd="0" destOrd="0"/>
+        <dgm:cxn modelId="6" srcId="0" destId="2" srcOrd="1" destOrd="0"/>
+        <dgm:cxn modelId="7" srcId="0" destId="3" srcOrd="2" destOrd="0"/>
+        <dgm:cxn modelId="8" srcId="0" destId="4" srcOrd="3" destOrd="0"/>
+      </dgm:cxnLst>
+      <dgm:bg/>
+      <dgm:whole/>
+    </dgm:dataModel>
+  </dgm:clrData>
+  <dgm:layoutNode name="linear">
+    <dgm:varLst>
+      <dgm:animLvl val="lvl"/>
+      <dgm:resizeHandles val="exact"/>
+    </dgm:varLst>
+    <dgm:alg type="lin">
+      <dgm:param type="linDir" val="fromT"/>
+      <dgm:param type="vertAlign" val="mid"/>
+    </dgm:alg>
+    <dgm:shape xmlns:r="http://schemas.openxmlformats.org/officeDocument/2006/relationships" r:blip="">
+      <dgm:adjLst/>
+    </dgm:shape>
+    <dgm:presOf/>
+    <dgm:constrLst>
+      <dgm:constr type="w" for="ch" forName="parentText" refType="w"/>
+      <dgm:constr type="h" for="ch" forName="parentText" refType="primFontSz" refFor="ch" refForName="parentText" fact="0.52"/>
+      <dgm:constr type="w" for="ch" forName="childText" refType="w"/>
+      <dgm:constr type="h" for="ch" forName="childText" refType="primFontSz" refFor="ch" refForName="parentText" fact="0.46"/>
+      <dgm:constr type="h" for="ch" forName="parentText" op="equ"/>
+      <dgm:constr type="primFontSz" for="ch" forName="parentText" op="equ" val="65"/>
+      <dgm:constr type="primFontSz" for="ch" forName="childText" refType="primFontSz" refFor="ch" refForName="parentText" op="equ"/>
+      <dgm:constr type="h" for="ch" forName="spacer" refType="primFontSz" refFor="ch" refForName="parentText" fact="0.08"/>
+    </dgm:constrLst>
+    <dgm:ruleLst>
+      <dgm:rule type="primFontSz" for="ch" forName="parentText" val="5" fact="NaN" max="NaN"/>
+    </dgm:ruleLst>
+    <dgm:forEach name="Name0" axis="ch" ptType="node">
+      <dgm:layoutNode name="parentText" styleLbl="node1">
+        <dgm:varLst>
+          <dgm:chMax val="0"/>
+          <dgm:bulletEnabled val="1"/>
+        </dgm:varLst>
+        <dgm:alg type="tx">
+          <dgm:param type="parTxLTRAlign" val="l"/>
+          <dgm:param type="parTxRTLAlign" val="r"/>
+        </dgm:alg>
+        <dgm:shape xmlns:r="http://schemas.openxmlformats.org/officeDocument/2006/relationships" type="roundRect" r:blip="">
+          <dgm:adjLst/>
+        </dgm:shape>
+        <dgm:presOf axis="self"/>
+        <dgm:constrLst>
+          <dgm:constr type="tMarg" refType="primFontSz" fact="0.3"/>
+          <dgm:constr type="bMarg" refType="primFontSz" fact="0.3"/>
+          <dgm:constr type="lMarg" refType="primFontSz" fact="0.3"/>
+          <dgm:constr type="rMarg" refType="primFontSz" fact="0.3"/>
+        </dgm:constrLst>
+        <dgm:ruleLst>
+          <dgm:rule type="h" val="INF" fact="NaN" max="NaN"/>
+        </dgm:ruleLst>
+      </dgm:layoutNode>
+      <dgm:choose name="Name1">
+        <dgm:if name="Name2" axis="ch" ptType="node" func="cnt" op="gte" val="1">
+          <dgm:layoutNode name="childText" styleLbl="revTx">
+            <dgm:varLst>
+              <dgm:bulletEnabled val="1"/>
+            </dgm:varLst>
+            <dgm:alg type="tx">
+              <dgm:param type="stBulletLvl" val="1"/>
+              <dgm:param type="lnSpAfChP" val="20"/>
+            </dgm:alg>
+            <dgm:shape xmlns:r="http://schemas.openxmlformats.org/officeDocument/2006/relationships" type="rect" r:blip="">
+              <dgm:adjLst/>
+            </dgm:shape>
+            <dgm:presOf axis="des" ptType="node"/>
+            <dgm:constrLst>
+              <dgm:constr type="tMarg" refType="primFontSz" fact="0.1"/>
+              <dgm:constr type="bMarg" refType="primFontSz" fact="0.1"/>
+              <dgm:constr type="lMarg" refType="w" fact="0.09"/>
+            </dgm:constrLst>
+            <dgm:ruleLst>
+              <dgm:rule type="h" val="INF" fact="NaN" max="NaN"/>
+            </dgm:ruleLst>
+          </dgm:layoutNode>
+        </dgm:if>
+        <dgm:else name="Name3">
+          <dgm:choose name="Name4">
+            <dgm:if name="Name5" axis="par ch" ptType="doc node" func="cnt" op="gte" val="2">
+              <dgm:forEach name="Name6" axis="followSib" ptType="sibTrans" cnt="1">
+                <dgm:layoutNode name="spacer">
+                  <dgm:alg type="sp"/>
+                  <dgm:shape xmlns:r="http://schemas.openxmlformats.org/officeDocument/2006/relationships" r:blip="">
+                    <dgm:adjLst/>
+                  </dgm:shape>
+                  <dgm:presOf/>
+                  <dgm:constrLst/>
+                  <dgm:ruleLst/>
+                </dgm:layoutNode>
+              </dgm:forEach>
+            </dgm:if>
+            <dgm:else name="Name7"/>
+          </dgm:choose>
+        </dgm:else>
+      </dgm:choose>
+    </dgm:forEach>
+  </dgm:layoutNode>
+</dgm:layoutDef>
+</file>
+
 <file path=ppt/diagrams/quickStyle1.xml><?xml version="1.0" encoding="utf-8"?>
 <dgm:styleDef xmlns:dgm="http://schemas.openxmlformats.org/drawingml/2006/diagram" xmlns:a="http://schemas.openxmlformats.org/drawingml/2006/main" uniqueId="urn:microsoft.com/office/officeart/2005/8/quickstyle/simple1">
   <dgm:title val=""/>
@@ -5835,6 +10205,3717 @@
     </dgm:style>
   </dgm:styleLbl>
 </dgm:styleDef>
+</file>
+
+<file path=ppt/diagrams/quickStyle3.xml><?xml version="1.0" encoding="utf-8"?>
+<dgm:styleDef xmlns:dgm="http://schemas.openxmlformats.org/drawingml/2006/diagram" xmlns:a="http://schemas.openxmlformats.org/drawingml/2006/main" uniqueId="urn:microsoft.com/office/officeart/2005/8/quickstyle/simple1">
+  <dgm:title val=""/>
+  <dgm:desc val=""/>
+  <dgm:catLst>
+    <dgm:cat type="simple" pri="10100"/>
+  </dgm:catLst>
+  <dgm:scene3d>
+    <a:camera prst="orthographicFront"/>
+    <a:lightRig rig="threePt" dir="t"/>
+  </dgm:scene3d>
+  <dgm:styleLbl name="node0">
+    <dgm:scene3d>
+      <a:camera prst="orthographicFront"/>
+      <a:lightRig rig="threePt" dir="t"/>
+    </dgm:scene3d>
+    <dgm:sp3d/>
+    <dgm:txPr/>
+    <dgm:style>
+      <a:lnRef idx="2">
+        <a:scrgbClr r="0" g="0" b="0"/>
+      </a:lnRef>
+      <a:fillRef idx="1">
+        <a:scrgbClr r="0" g="0" b="0"/>
+      </a:fillRef>
+      <a:effectRef idx="0">
+        <a:scrgbClr r="0" g="0" b="0"/>
+      </a:effectRef>
+      <a:fontRef idx="minor">
+        <a:schemeClr val="lt1"/>
+      </a:fontRef>
+    </dgm:style>
+  </dgm:styleLbl>
+  <dgm:styleLbl name="lnNode1">
+    <dgm:scene3d>
+      <a:camera prst="orthographicFront"/>
+      <a:lightRig rig="threePt" dir="t"/>
+    </dgm:scene3d>
+    <dgm:sp3d/>
+    <dgm:txPr/>
+    <dgm:style>
+      <a:lnRef idx="2">
+        <a:scrgbClr r="0" g="0" b="0"/>
+      </a:lnRef>
+      <a:fillRef idx="1">
+        <a:scrgbClr r="0" g="0" b="0"/>
+      </a:fillRef>
+      <a:effectRef idx="0">
+        <a:scrgbClr r="0" g="0" b="0"/>
+      </a:effectRef>
+      <a:fontRef idx="minor">
+        <a:schemeClr val="lt1"/>
+      </a:fontRef>
+    </dgm:style>
+  </dgm:styleLbl>
+  <dgm:styleLbl name="vennNode1">
+    <dgm:scene3d>
+      <a:camera prst="orthographicFront"/>
+      <a:lightRig rig="threePt" dir="t"/>
+    </dgm:scene3d>
+    <dgm:sp3d/>
+    <dgm:txPr/>
+    <dgm:style>
+      <a:lnRef idx="2">
+        <a:scrgbClr r="0" g="0" b="0"/>
+      </a:lnRef>
+      <a:fillRef idx="1">
+        <a:scrgbClr r="0" g="0" b="0"/>
+      </a:fillRef>
+      <a:effectRef idx="0">
+        <a:scrgbClr r="0" g="0" b="0"/>
+      </a:effectRef>
+      <a:fontRef idx="minor">
+        <a:schemeClr val="tx1"/>
+      </a:fontRef>
+    </dgm:style>
+  </dgm:styleLbl>
+  <dgm:styleLbl name="alignNode1">
+    <dgm:scene3d>
+      <a:camera prst="orthographicFront"/>
+      <a:lightRig rig="threePt" dir="t"/>
+    </dgm:scene3d>
+    <dgm:sp3d/>
+    <dgm:txPr/>
+    <dgm:style>
+      <a:lnRef idx="2">
+        <a:scrgbClr r="0" g="0" b="0"/>
+      </a:lnRef>
+      <a:fillRef idx="1">
+        <a:scrgbClr r="0" g="0" b="0"/>
+      </a:fillRef>
+      <a:effectRef idx="0">
+        <a:scrgbClr r="0" g="0" b="0"/>
+      </a:effectRef>
+      <a:fontRef idx="minor">
+        <a:schemeClr val="lt1"/>
+      </a:fontRef>
+    </dgm:style>
+  </dgm:styleLbl>
+  <dgm:styleLbl name="node1">
+    <dgm:scene3d>
+      <a:camera prst="orthographicFront"/>
+      <a:lightRig rig="threePt" dir="t"/>
+    </dgm:scene3d>
+    <dgm:sp3d/>
+    <dgm:txPr/>
+    <dgm:style>
+      <a:lnRef idx="2">
+        <a:scrgbClr r="0" g="0" b="0"/>
+      </a:lnRef>
+      <a:fillRef idx="1">
+        <a:scrgbClr r="0" g="0" b="0"/>
+      </a:fillRef>
+      <a:effectRef idx="0">
+        <a:scrgbClr r="0" g="0" b="0"/>
+      </a:effectRef>
+      <a:fontRef idx="minor">
+        <a:schemeClr val="lt1"/>
+      </a:fontRef>
+    </dgm:style>
+  </dgm:styleLbl>
+  <dgm:styleLbl name="node2">
+    <dgm:scene3d>
+      <a:camera prst="orthographicFront"/>
+      <a:lightRig rig="threePt" dir="t"/>
+    </dgm:scene3d>
+    <dgm:sp3d/>
+    <dgm:txPr/>
+    <dgm:style>
+      <a:lnRef idx="2">
+        <a:scrgbClr r="0" g="0" b="0"/>
+      </a:lnRef>
+      <a:fillRef idx="1">
+        <a:scrgbClr r="0" g="0" b="0"/>
+      </a:fillRef>
+      <a:effectRef idx="0">
+        <a:scrgbClr r="0" g="0" b="0"/>
+      </a:effectRef>
+      <a:fontRef idx="minor">
+        <a:schemeClr val="lt1"/>
+      </a:fontRef>
+    </dgm:style>
+  </dgm:styleLbl>
+  <dgm:styleLbl name="node3">
+    <dgm:scene3d>
+      <a:camera prst="orthographicFront"/>
+      <a:lightRig rig="threePt" dir="t"/>
+    </dgm:scene3d>
+    <dgm:sp3d/>
+    <dgm:txPr/>
+    <dgm:style>
+      <a:lnRef idx="2">
+        <a:scrgbClr r="0" g="0" b="0"/>
+      </a:lnRef>
+      <a:fillRef idx="1">
+        <a:scrgbClr r="0" g="0" b="0"/>
+      </a:fillRef>
+      <a:effectRef idx="0">
+        <a:scrgbClr r="0" g="0" b="0"/>
+      </a:effectRef>
+      <a:fontRef idx="minor">
+        <a:schemeClr val="lt1"/>
+      </a:fontRef>
+    </dgm:style>
+  </dgm:styleLbl>
+  <dgm:styleLbl name="node4">
+    <dgm:scene3d>
+      <a:camera prst="orthographicFront"/>
+      <a:lightRig rig="threePt" dir="t"/>
+    </dgm:scene3d>
+    <dgm:sp3d/>
+    <dgm:txPr/>
+    <dgm:style>
+      <a:lnRef idx="2">
+        <a:scrgbClr r="0" g="0" b="0"/>
+      </a:lnRef>
+      <a:fillRef idx="1">
+        <a:scrgbClr r="0" g="0" b="0"/>
+      </a:fillRef>
+      <a:effectRef idx="0">
+        <a:scrgbClr r="0" g="0" b="0"/>
+      </a:effectRef>
+      <a:fontRef idx="minor">
+        <a:schemeClr val="lt1"/>
+      </a:fontRef>
+    </dgm:style>
+  </dgm:styleLbl>
+  <dgm:styleLbl name="fgImgPlace1">
+    <dgm:scene3d>
+      <a:camera prst="orthographicFront"/>
+      <a:lightRig rig="threePt" dir="t"/>
+    </dgm:scene3d>
+    <dgm:sp3d/>
+    <dgm:txPr/>
+    <dgm:style>
+      <a:lnRef idx="2">
+        <a:scrgbClr r="0" g="0" b="0"/>
+      </a:lnRef>
+      <a:fillRef idx="1">
+        <a:scrgbClr r="0" g="0" b="0"/>
+      </a:fillRef>
+      <a:effectRef idx="0">
+        <a:scrgbClr r="0" g="0" b="0"/>
+      </a:effectRef>
+      <a:fontRef idx="minor"/>
+    </dgm:style>
+  </dgm:styleLbl>
+  <dgm:styleLbl name="alignImgPlace1">
+    <dgm:scene3d>
+      <a:camera prst="orthographicFront"/>
+      <a:lightRig rig="threePt" dir="t"/>
+    </dgm:scene3d>
+    <dgm:sp3d/>
+    <dgm:txPr/>
+    <dgm:style>
+      <a:lnRef idx="2">
+        <a:scrgbClr r="0" g="0" b="0"/>
+      </a:lnRef>
+      <a:fillRef idx="1">
+        <a:scrgbClr r="0" g="0" b="0"/>
+      </a:fillRef>
+      <a:effectRef idx="0">
+        <a:scrgbClr r="0" g="0" b="0"/>
+      </a:effectRef>
+      <a:fontRef idx="minor"/>
+    </dgm:style>
+  </dgm:styleLbl>
+  <dgm:styleLbl name="bgImgPlace1">
+    <dgm:scene3d>
+      <a:camera prst="orthographicFront"/>
+      <a:lightRig rig="threePt" dir="t"/>
+    </dgm:scene3d>
+    <dgm:sp3d/>
+    <dgm:txPr/>
+    <dgm:style>
+      <a:lnRef idx="2">
+        <a:scrgbClr r="0" g="0" b="0"/>
+      </a:lnRef>
+      <a:fillRef idx="1">
+        <a:scrgbClr r="0" g="0" b="0"/>
+      </a:fillRef>
+      <a:effectRef idx="0">
+        <a:scrgbClr r="0" g="0" b="0"/>
+      </a:effectRef>
+      <a:fontRef idx="minor"/>
+    </dgm:style>
+  </dgm:styleLbl>
+  <dgm:styleLbl name="sibTrans2D1">
+    <dgm:scene3d>
+      <a:camera prst="orthographicFront"/>
+      <a:lightRig rig="threePt" dir="t"/>
+    </dgm:scene3d>
+    <dgm:sp3d/>
+    <dgm:txPr/>
+    <dgm:style>
+      <a:lnRef idx="0">
+        <a:scrgbClr r="0" g="0" b="0"/>
+      </a:lnRef>
+      <a:fillRef idx="1">
+        <a:scrgbClr r="0" g="0" b="0"/>
+      </a:fillRef>
+      <a:effectRef idx="0">
+        <a:scrgbClr r="0" g="0" b="0"/>
+      </a:effectRef>
+      <a:fontRef idx="minor">
+        <a:schemeClr val="lt1"/>
+      </a:fontRef>
+    </dgm:style>
+  </dgm:styleLbl>
+  <dgm:styleLbl name="fgSibTrans2D1">
+    <dgm:scene3d>
+      <a:camera prst="orthographicFront"/>
+      <a:lightRig rig="threePt" dir="t"/>
+    </dgm:scene3d>
+    <dgm:sp3d/>
+    <dgm:txPr/>
+    <dgm:style>
+      <a:lnRef idx="0">
+        <a:scrgbClr r="0" g="0" b="0"/>
+      </a:lnRef>
+      <a:fillRef idx="1">
+        <a:scrgbClr r="0" g="0" b="0"/>
+      </a:fillRef>
+      <a:effectRef idx="0">
+        <a:scrgbClr r="0" g="0" b="0"/>
+      </a:effectRef>
+      <a:fontRef idx="minor">
+        <a:schemeClr val="lt1"/>
+      </a:fontRef>
+    </dgm:style>
+  </dgm:styleLbl>
+  <dgm:styleLbl name="bgSibTrans2D1">
+    <dgm:scene3d>
+      <a:camera prst="orthographicFront"/>
+      <a:lightRig rig="threePt" dir="t"/>
+    </dgm:scene3d>
+    <dgm:sp3d/>
+    <dgm:txPr/>
+    <dgm:style>
+      <a:lnRef idx="0">
+        <a:scrgbClr r="0" g="0" b="0"/>
+      </a:lnRef>
+      <a:fillRef idx="1">
+        <a:scrgbClr r="0" g="0" b="0"/>
+      </a:fillRef>
+      <a:effectRef idx="0">
+        <a:scrgbClr r="0" g="0" b="0"/>
+      </a:effectRef>
+      <a:fontRef idx="minor">
+        <a:schemeClr val="lt1"/>
+      </a:fontRef>
+    </dgm:style>
+  </dgm:styleLbl>
+  <dgm:styleLbl name="sibTrans1D1">
+    <dgm:scene3d>
+      <a:camera prst="orthographicFront"/>
+      <a:lightRig rig="threePt" dir="t"/>
+    </dgm:scene3d>
+    <dgm:sp3d/>
+    <dgm:txPr/>
+    <dgm:style>
+      <a:lnRef idx="1">
+        <a:scrgbClr r="0" g="0" b="0"/>
+      </a:lnRef>
+      <a:fillRef idx="0">
+        <a:scrgbClr r="0" g="0" b="0"/>
+      </a:fillRef>
+      <a:effectRef idx="0">
+        <a:scrgbClr r="0" g="0" b="0"/>
+      </a:effectRef>
+      <a:fontRef idx="minor"/>
+    </dgm:style>
+  </dgm:styleLbl>
+  <dgm:styleLbl name="callout">
+    <dgm:scene3d>
+      <a:camera prst="orthographicFront"/>
+      <a:lightRig rig="threePt" dir="t"/>
+    </dgm:scene3d>
+    <dgm:sp3d/>
+    <dgm:txPr/>
+    <dgm:style>
+      <a:lnRef idx="2">
+        <a:scrgbClr r="0" g="0" b="0"/>
+      </a:lnRef>
+      <a:fillRef idx="1">
+        <a:scrgbClr r="0" g="0" b="0"/>
+      </a:fillRef>
+      <a:effectRef idx="0">
+        <a:scrgbClr r="0" g="0" b="0"/>
+      </a:effectRef>
+      <a:fontRef idx="minor"/>
+    </dgm:style>
+  </dgm:styleLbl>
+  <dgm:styleLbl name="asst0">
+    <dgm:scene3d>
+      <a:camera prst="orthographicFront"/>
+      <a:lightRig rig="threePt" dir="t"/>
+    </dgm:scene3d>
+    <dgm:sp3d/>
+    <dgm:txPr/>
+    <dgm:style>
+      <a:lnRef idx="2">
+        <a:scrgbClr r="0" g="0" b="0"/>
+      </a:lnRef>
+      <a:fillRef idx="1">
+        <a:scrgbClr r="0" g="0" b="0"/>
+      </a:fillRef>
+      <a:effectRef idx="0">
+        <a:scrgbClr r="0" g="0" b="0"/>
+      </a:effectRef>
+      <a:fontRef idx="minor">
+        <a:schemeClr val="lt1"/>
+      </a:fontRef>
+    </dgm:style>
+  </dgm:styleLbl>
+  <dgm:styleLbl name="asst1">
+    <dgm:scene3d>
+      <a:camera prst="orthographicFront"/>
+      <a:lightRig rig="threePt" dir="t"/>
+    </dgm:scene3d>
+    <dgm:sp3d/>
+    <dgm:txPr/>
+    <dgm:style>
+      <a:lnRef idx="2">
+        <a:scrgbClr r="0" g="0" b="0"/>
+      </a:lnRef>
+      <a:fillRef idx="1">
+        <a:scrgbClr r="0" g="0" b="0"/>
+      </a:fillRef>
+      <a:effectRef idx="0">
+        <a:scrgbClr r="0" g="0" b="0"/>
+      </a:effectRef>
+      <a:fontRef idx="minor">
+        <a:schemeClr val="lt1"/>
+      </a:fontRef>
+    </dgm:style>
+  </dgm:styleLbl>
+  <dgm:styleLbl name="asst2">
+    <dgm:scene3d>
+      <a:camera prst="orthographicFront"/>
+      <a:lightRig rig="threePt" dir="t"/>
+    </dgm:scene3d>
+    <dgm:sp3d/>
+    <dgm:txPr/>
+    <dgm:style>
+      <a:lnRef idx="2">
+        <a:scrgbClr r="0" g="0" b="0"/>
+      </a:lnRef>
+      <a:fillRef idx="1">
+        <a:scrgbClr r="0" g="0" b="0"/>
+      </a:fillRef>
+      <a:effectRef idx="0">
+        <a:scrgbClr r="0" g="0" b="0"/>
+      </a:effectRef>
+      <a:fontRef idx="minor">
+        <a:schemeClr val="lt1"/>
+      </a:fontRef>
+    </dgm:style>
+  </dgm:styleLbl>
+  <dgm:styleLbl name="asst3">
+    <dgm:scene3d>
+      <a:camera prst="orthographicFront"/>
+      <a:lightRig rig="threePt" dir="t"/>
+    </dgm:scene3d>
+    <dgm:sp3d/>
+    <dgm:txPr/>
+    <dgm:style>
+      <a:lnRef idx="2">
+        <a:scrgbClr r="0" g="0" b="0"/>
+      </a:lnRef>
+      <a:fillRef idx="1">
+        <a:scrgbClr r="0" g="0" b="0"/>
+      </a:fillRef>
+      <a:effectRef idx="0">
+        <a:scrgbClr r="0" g="0" b="0"/>
+      </a:effectRef>
+      <a:fontRef idx="minor">
+        <a:schemeClr val="lt1"/>
+      </a:fontRef>
+    </dgm:style>
+  </dgm:styleLbl>
+  <dgm:styleLbl name="asst4">
+    <dgm:scene3d>
+      <a:camera prst="orthographicFront"/>
+      <a:lightRig rig="threePt" dir="t"/>
+    </dgm:scene3d>
+    <dgm:sp3d/>
+    <dgm:txPr/>
+    <dgm:style>
+      <a:lnRef idx="2">
+        <a:scrgbClr r="0" g="0" b="0"/>
+      </a:lnRef>
+      <a:fillRef idx="1">
+        <a:scrgbClr r="0" g="0" b="0"/>
+      </a:fillRef>
+      <a:effectRef idx="0">
+        <a:scrgbClr r="0" g="0" b="0"/>
+      </a:effectRef>
+      <a:fontRef idx="minor">
+        <a:schemeClr val="lt1"/>
+      </a:fontRef>
+    </dgm:style>
+  </dgm:styleLbl>
+  <dgm:styleLbl name="parChTrans2D1">
+    <dgm:scene3d>
+      <a:camera prst="orthographicFront"/>
+      <a:lightRig rig="threePt" dir="t"/>
+    </dgm:scene3d>
+    <dgm:sp3d/>
+    <dgm:txPr/>
+    <dgm:style>
+      <a:lnRef idx="2">
+        <a:scrgbClr r="0" g="0" b="0"/>
+      </a:lnRef>
+      <a:fillRef idx="1">
+        <a:scrgbClr r="0" g="0" b="0"/>
+      </a:fillRef>
+      <a:effectRef idx="0">
+        <a:scrgbClr r="0" g="0" b="0"/>
+      </a:effectRef>
+      <a:fontRef idx="minor">
+        <a:schemeClr val="lt1"/>
+      </a:fontRef>
+    </dgm:style>
+  </dgm:styleLbl>
+  <dgm:styleLbl name="parChTrans2D2">
+    <dgm:scene3d>
+      <a:camera prst="orthographicFront"/>
+      <a:lightRig rig="threePt" dir="t"/>
+    </dgm:scene3d>
+    <dgm:sp3d/>
+    <dgm:txPr/>
+    <dgm:style>
+      <a:lnRef idx="2">
+        <a:scrgbClr r="0" g="0" b="0"/>
+      </a:lnRef>
+      <a:fillRef idx="1">
+        <a:scrgbClr r="0" g="0" b="0"/>
+      </a:fillRef>
+      <a:effectRef idx="0">
+        <a:scrgbClr r="0" g="0" b="0"/>
+      </a:effectRef>
+      <a:fontRef idx="minor">
+        <a:schemeClr val="lt1"/>
+      </a:fontRef>
+    </dgm:style>
+  </dgm:styleLbl>
+  <dgm:styleLbl name="parChTrans2D3">
+    <dgm:scene3d>
+      <a:camera prst="orthographicFront"/>
+      <a:lightRig rig="threePt" dir="t"/>
+    </dgm:scene3d>
+    <dgm:sp3d/>
+    <dgm:txPr/>
+    <dgm:style>
+      <a:lnRef idx="2">
+        <a:scrgbClr r="0" g="0" b="0"/>
+      </a:lnRef>
+      <a:fillRef idx="1">
+        <a:scrgbClr r="0" g="0" b="0"/>
+      </a:fillRef>
+      <a:effectRef idx="0">
+        <a:scrgbClr r="0" g="0" b="0"/>
+      </a:effectRef>
+      <a:fontRef idx="minor">
+        <a:schemeClr val="lt1"/>
+      </a:fontRef>
+    </dgm:style>
+  </dgm:styleLbl>
+  <dgm:styleLbl name="parChTrans2D4">
+    <dgm:scene3d>
+      <a:camera prst="orthographicFront"/>
+      <a:lightRig rig="threePt" dir="t"/>
+    </dgm:scene3d>
+    <dgm:sp3d/>
+    <dgm:txPr/>
+    <dgm:style>
+      <a:lnRef idx="2">
+        <a:scrgbClr r="0" g="0" b="0"/>
+      </a:lnRef>
+      <a:fillRef idx="1">
+        <a:scrgbClr r="0" g="0" b="0"/>
+      </a:fillRef>
+      <a:effectRef idx="0">
+        <a:scrgbClr r="0" g="0" b="0"/>
+      </a:effectRef>
+      <a:fontRef idx="minor">
+        <a:schemeClr val="lt1"/>
+      </a:fontRef>
+    </dgm:style>
+  </dgm:styleLbl>
+  <dgm:styleLbl name="parChTrans1D1">
+    <dgm:scene3d>
+      <a:camera prst="orthographicFront"/>
+      <a:lightRig rig="threePt" dir="t"/>
+    </dgm:scene3d>
+    <dgm:sp3d/>
+    <dgm:txPr/>
+    <dgm:style>
+      <a:lnRef idx="2">
+        <a:scrgbClr r="0" g="0" b="0"/>
+      </a:lnRef>
+      <a:fillRef idx="0">
+        <a:scrgbClr r="0" g="0" b="0"/>
+      </a:fillRef>
+      <a:effectRef idx="0">
+        <a:scrgbClr r="0" g="0" b="0"/>
+      </a:effectRef>
+      <a:fontRef idx="minor"/>
+    </dgm:style>
+  </dgm:styleLbl>
+  <dgm:styleLbl name="parChTrans1D2">
+    <dgm:scene3d>
+      <a:camera prst="orthographicFront"/>
+      <a:lightRig rig="threePt" dir="t"/>
+    </dgm:scene3d>
+    <dgm:sp3d/>
+    <dgm:txPr/>
+    <dgm:style>
+      <a:lnRef idx="2">
+        <a:scrgbClr r="0" g="0" b="0"/>
+      </a:lnRef>
+      <a:fillRef idx="0">
+        <a:scrgbClr r="0" g="0" b="0"/>
+      </a:fillRef>
+      <a:effectRef idx="0">
+        <a:scrgbClr r="0" g="0" b="0"/>
+      </a:effectRef>
+      <a:fontRef idx="minor"/>
+    </dgm:style>
+  </dgm:styleLbl>
+  <dgm:styleLbl name="parChTrans1D3">
+    <dgm:scene3d>
+      <a:camera prst="orthographicFront"/>
+      <a:lightRig rig="threePt" dir="t"/>
+    </dgm:scene3d>
+    <dgm:sp3d/>
+    <dgm:txPr/>
+    <dgm:style>
+      <a:lnRef idx="2">
+        <a:scrgbClr r="0" g="0" b="0"/>
+      </a:lnRef>
+      <a:fillRef idx="0">
+        <a:scrgbClr r="0" g="0" b="0"/>
+      </a:fillRef>
+      <a:effectRef idx="0">
+        <a:scrgbClr r="0" g="0" b="0"/>
+      </a:effectRef>
+      <a:fontRef idx="minor"/>
+    </dgm:style>
+  </dgm:styleLbl>
+  <dgm:styleLbl name="parChTrans1D4">
+    <dgm:scene3d>
+      <a:camera prst="orthographicFront"/>
+      <a:lightRig rig="threePt" dir="t"/>
+    </dgm:scene3d>
+    <dgm:sp3d/>
+    <dgm:txPr/>
+    <dgm:style>
+      <a:lnRef idx="2">
+        <a:scrgbClr r="0" g="0" b="0"/>
+      </a:lnRef>
+      <a:fillRef idx="0">
+        <a:scrgbClr r="0" g="0" b="0"/>
+      </a:fillRef>
+      <a:effectRef idx="0">
+        <a:scrgbClr r="0" g="0" b="0"/>
+      </a:effectRef>
+      <a:fontRef idx="minor"/>
+    </dgm:style>
+  </dgm:styleLbl>
+  <dgm:styleLbl name="fgAcc1">
+    <dgm:scene3d>
+      <a:camera prst="orthographicFront"/>
+      <a:lightRig rig="threePt" dir="t"/>
+    </dgm:scene3d>
+    <dgm:sp3d/>
+    <dgm:txPr/>
+    <dgm:style>
+      <a:lnRef idx="2">
+        <a:scrgbClr r="0" g="0" b="0"/>
+      </a:lnRef>
+      <a:fillRef idx="1">
+        <a:scrgbClr r="0" g="0" b="0"/>
+      </a:fillRef>
+      <a:effectRef idx="0">
+        <a:scrgbClr r="0" g="0" b="0"/>
+      </a:effectRef>
+      <a:fontRef idx="minor"/>
+    </dgm:style>
+  </dgm:styleLbl>
+  <dgm:styleLbl name="conFgAcc1">
+    <dgm:scene3d>
+      <a:camera prst="orthographicFront"/>
+      <a:lightRig rig="threePt" dir="t"/>
+    </dgm:scene3d>
+    <dgm:sp3d/>
+    <dgm:txPr/>
+    <dgm:style>
+      <a:lnRef idx="2">
+        <a:scrgbClr r="0" g="0" b="0"/>
+      </a:lnRef>
+      <a:fillRef idx="1">
+        <a:scrgbClr r="0" g="0" b="0"/>
+      </a:fillRef>
+      <a:effectRef idx="0">
+        <a:scrgbClr r="0" g="0" b="0"/>
+      </a:effectRef>
+      <a:fontRef idx="minor"/>
+    </dgm:style>
+  </dgm:styleLbl>
+  <dgm:styleLbl name="alignAcc1">
+    <dgm:scene3d>
+      <a:camera prst="orthographicFront"/>
+      <a:lightRig rig="threePt" dir="t"/>
+    </dgm:scene3d>
+    <dgm:sp3d/>
+    <dgm:txPr/>
+    <dgm:style>
+      <a:lnRef idx="2">
+        <a:scrgbClr r="0" g="0" b="0"/>
+      </a:lnRef>
+      <a:fillRef idx="1">
+        <a:scrgbClr r="0" g="0" b="0"/>
+      </a:fillRef>
+      <a:effectRef idx="0">
+        <a:scrgbClr r="0" g="0" b="0"/>
+      </a:effectRef>
+      <a:fontRef idx="minor"/>
+    </dgm:style>
+  </dgm:styleLbl>
+  <dgm:styleLbl name="trAlignAcc1">
+    <dgm:scene3d>
+      <a:camera prst="orthographicFront"/>
+      <a:lightRig rig="threePt" dir="t"/>
+    </dgm:scene3d>
+    <dgm:sp3d/>
+    <dgm:txPr/>
+    <dgm:style>
+      <a:lnRef idx="1">
+        <a:scrgbClr r="0" g="0" b="0"/>
+      </a:lnRef>
+      <a:fillRef idx="1">
+        <a:scrgbClr r="0" g="0" b="0"/>
+      </a:fillRef>
+      <a:effectRef idx="0">
+        <a:scrgbClr r="0" g="0" b="0"/>
+      </a:effectRef>
+      <a:fontRef idx="minor"/>
+    </dgm:style>
+  </dgm:styleLbl>
+  <dgm:styleLbl name="bgAcc1">
+    <dgm:scene3d>
+      <a:camera prst="orthographicFront"/>
+      <a:lightRig rig="threePt" dir="t"/>
+    </dgm:scene3d>
+    <dgm:sp3d/>
+    <dgm:txPr/>
+    <dgm:style>
+      <a:lnRef idx="2">
+        <a:scrgbClr r="0" g="0" b="0"/>
+      </a:lnRef>
+      <a:fillRef idx="1">
+        <a:scrgbClr r="0" g="0" b="0"/>
+      </a:fillRef>
+      <a:effectRef idx="0">
+        <a:scrgbClr r="0" g="0" b="0"/>
+      </a:effectRef>
+      <a:fontRef idx="minor"/>
+    </dgm:style>
+  </dgm:styleLbl>
+  <dgm:styleLbl name="solidFgAcc1">
+    <dgm:scene3d>
+      <a:camera prst="orthographicFront"/>
+      <a:lightRig rig="threePt" dir="t"/>
+    </dgm:scene3d>
+    <dgm:sp3d/>
+    <dgm:txPr/>
+    <dgm:style>
+      <a:lnRef idx="2">
+        <a:scrgbClr r="0" g="0" b="0"/>
+      </a:lnRef>
+      <a:fillRef idx="1">
+        <a:scrgbClr r="0" g="0" b="0"/>
+      </a:fillRef>
+      <a:effectRef idx="0">
+        <a:scrgbClr r="0" g="0" b="0"/>
+      </a:effectRef>
+      <a:fontRef idx="minor"/>
+    </dgm:style>
+  </dgm:styleLbl>
+  <dgm:styleLbl name="solidAlignAcc1">
+    <dgm:scene3d>
+      <a:camera prst="orthographicFront"/>
+      <a:lightRig rig="threePt" dir="t"/>
+    </dgm:scene3d>
+    <dgm:sp3d/>
+    <dgm:txPr/>
+    <dgm:style>
+      <a:lnRef idx="2">
+        <a:scrgbClr r="0" g="0" b="0"/>
+      </a:lnRef>
+      <a:fillRef idx="1">
+        <a:scrgbClr r="0" g="0" b="0"/>
+      </a:fillRef>
+      <a:effectRef idx="0">
+        <a:scrgbClr r="0" g="0" b="0"/>
+      </a:effectRef>
+      <a:fontRef idx="minor"/>
+    </dgm:style>
+  </dgm:styleLbl>
+  <dgm:styleLbl name="solidBgAcc1">
+    <dgm:scene3d>
+      <a:camera prst="orthographicFront"/>
+      <a:lightRig rig="threePt" dir="t"/>
+    </dgm:scene3d>
+    <dgm:sp3d/>
+    <dgm:txPr/>
+    <dgm:style>
+      <a:lnRef idx="2">
+        <a:scrgbClr r="0" g="0" b="0"/>
+      </a:lnRef>
+      <a:fillRef idx="1">
+        <a:scrgbClr r="0" g="0" b="0"/>
+      </a:fillRef>
+      <a:effectRef idx="0">
+        <a:scrgbClr r="0" g="0" b="0"/>
+      </a:effectRef>
+      <a:fontRef idx="minor"/>
+    </dgm:style>
+  </dgm:styleLbl>
+  <dgm:styleLbl name="fgAccFollowNode1">
+    <dgm:scene3d>
+      <a:camera prst="orthographicFront"/>
+      <a:lightRig rig="threePt" dir="t"/>
+    </dgm:scene3d>
+    <dgm:sp3d/>
+    <dgm:txPr/>
+    <dgm:style>
+      <a:lnRef idx="2">
+        <a:scrgbClr r="0" g="0" b="0"/>
+      </a:lnRef>
+      <a:fillRef idx="1">
+        <a:scrgbClr r="0" g="0" b="0"/>
+      </a:fillRef>
+      <a:effectRef idx="0">
+        <a:scrgbClr r="0" g="0" b="0"/>
+      </a:effectRef>
+      <a:fontRef idx="minor"/>
+    </dgm:style>
+  </dgm:styleLbl>
+  <dgm:styleLbl name="alignAccFollowNode1">
+    <dgm:scene3d>
+      <a:camera prst="orthographicFront"/>
+      <a:lightRig rig="threePt" dir="t"/>
+    </dgm:scene3d>
+    <dgm:sp3d/>
+    <dgm:txPr/>
+    <dgm:style>
+      <a:lnRef idx="2">
+        <a:scrgbClr r="0" g="0" b="0"/>
+      </a:lnRef>
+      <a:fillRef idx="1">
+        <a:scrgbClr r="0" g="0" b="0"/>
+      </a:fillRef>
+      <a:effectRef idx="0">
+        <a:scrgbClr r="0" g="0" b="0"/>
+      </a:effectRef>
+      <a:fontRef idx="minor"/>
+    </dgm:style>
+  </dgm:styleLbl>
+  <dgm:styleLbl name="bgAccFollowNode1">
+    <dgm:scene3d>
+      <a:camera prst="orthographicFront"/>
+      <a:lightRig rig="threePt" dir="t"/>
+    </dgm:scene3d>
+    <dgm:sp3d/>
+    <dgm:txPr/>
+    <dgm:style>
+      <a:lnRef idx="2">
+        <a:scrgbClr r="0" g="0" b="0"/>
+      </a:lnRef>
+      <a:fillRef idx="1">
+        <a:scrgbClr r="0" g="0" b="0"/>
+      </a:fillRef>
+      <a:effectRef idx="0">
+        <a:scrgbClr r="0" g="0" b="0"/>
+      </a:effectRef>
+      <a:fontRef idx="minor"/>
+    </dgm:style>
+  </dgm:styleLbl>
+  <dgm:styleLbl name="fgAcc0">
+    <dgm:scene3d>
+      <a:camera prst="orthographicFront"/>
+      <a:lightRig rig="threePt" dir="t"/>
+    </dgm:scene3d>
+    <dgm:sp3d/>
+    <dgm:txPr/>
+    <dgm:style>
+      <a:lnRef idx="2">
+        <a:scrgbClr r="0" g="0" b="0"/>
+      </a:lnRef>
+      <a:fillRef idx="1">
+        <a:scrgbClr r="0" g="0" b="0"/>
+      </a:fillRef>
+      <a:effectRef idx="0">
+        <a:scrgbClr r="0" g="0" b="0"/>
+      </a:effectRef>
+      <a:fontRef idx="minor"/>
+    </dgm:style>
+  </dgm:styleLbl>
+  <dgm:styleLbl name="fgAcc2">
+    <dgm:scene3d>
+      <a:camera prst="orthographicFront"/>
+      <a:lightRig rig="threePt" dir="t"/>
+    </dgm:scene3d>
+    <dgm:sp3d/>
+    <dgm:txPr/>
+    <dgm:style>
+      <a:lnRef idx="2">
+        <a:scrgbClr r="0" g="0" b="0"/>
+      </a:lnRef>
+      <a:fillRef idx="1">
+        <a:scrgbClr r="0" g="0" b="0"/>
+      </a:fillRef>
+      <a:effectRef idx="0">
+        <a:scrgbClr r="0" g="0" b="0"/>
+      </a:effectRef>
+      <a:fontRef idx="minor"/>
+    </dgm:style>
+  </dgm:styleLbl>
+  <dgm:styleLbl name="fgAcc3">
+    <dgm:scene3d>
+      <a:camera prst="orthographicFront"/>
+      <a:lightRig rig="threePt" dir="t"/>
+    </dgm:scene3d>
+    <dgm:sp3d/>
+    <dgm:txPr/>
+    <dgm:style>
+      <a:lnRef idx="2">
+        <a:scrgbClr r="0" g="0" b="0"/>
+      </a:lnRef>
+      <a:fillRef idx="1">
+        <a:scrgbClr r="0" g="0" b="0"/>
+      </a:fillRef>
+      <a:effectRef idx="0">
+        <a:scrgbClr r="0" g="0" b="0"/>
+      </a:effectRef>
+      <a:fontRef idx="minor"/>
+    </dgm:style>
+  </dgm:styleLbl>
+  <dgm:styleLbl name="fgAcc4">
+    <dgm:scene3d>
+      <a:camera prst="orthographicFront"/>
+      <a:lightRig rig="threePt" dir="t"/>
+    </dgm:scene3d>
+    <dgm:sp3d/>
+    <dgm:txPr/>
+    <dgm:style>
+      <a:lnRef idx="2">
+        <a:scrgbClr r="0" g="0" b="0"/>
+      </a:lnRef>
+      <a:fillRef idx="1">
+        <a:scrgbClr r="0" g="0" b="0"/>
+      </a:fillRef>
+      <a:effectRef idx="0">
+        <a:scrgbClr r="0" g="0" b="0"/>
+      </a:effectRef>
+      <a:fontRef idx="minor"/>
+    </dgm:style>
+  </dgm:styleLbl>
+  <dgm:styleLbl name="bgShp">
+    <dgm:scene3d>
+      <a:camera prst="orthographicFront"/>
+      <a:lightRig rig="threePt" dir="t"/>
+    </dgm:scene3d>
+    <dgm:sp3d/>
+    <dgm:txPr/>
+    <dgm:style>
+      <a:lnRef idx="0">
+        <a:scrgbClr r="0" g="0" b="0"/>
+      </a:lnRef>
+      <a:fillRef idx="1">
+        <a:scrgbClr r="0" g="0" b="0"/>
+      </a:fillRef>
+      <a:effectRef idx="0">
+        <a:scrgbClr r="0" g="0" b="0"/>
+      </a:effectRef>
+      <a:fontRef idx="minor"/>
+    </dgm:style>
+  </dgm:styleLbl>
+  <dgm:styleLbl name="dkBgShp">
+    <dgm:scene3d>
+      <a:camera prst="orthographicFront"/>
+      <a:lightRig rig="threePt" dir="t"/>
+    </dgm:scene3d>
+    <dgm:sp3d/>
+    <dgm:txPr/>
+    <dgm:style>
+      <a:lnRef idx="0">
+        <a:scrgbClr r="0" g="0" b="0"/>
+      </a:lnRef>
+      <a:fillRef idx="1">
+        <a:scrgbClr r="0" g="0" b="0"/>
+      </a:fillRef>
+      <a:effectRef idx="0">
+        <a:scrgbClr r="0" g="0" b="0"/>
+      </a:effectRef>
+      <a:fontRef idx="minor"/>
+    </dgm:style>
+  </dgm:styleLbl>
+  <dgm:styleLbl name="trBgShp">
+    <dgm:scene3d>
+      <a:camera prst="orthographicFront"/>
+      <a:lightRig rig="threePt" dir="t"/>
+    </dgm:scene3d>
+    <dgm:sp3d/>
+    <dgm:txPr/>
+    <dgm:style>
+      <a:lnRef idx="0">
+        <a:scrgbClr r="0" g="0" b="0"/>
+      </a:lnRef>
+      <a:fillRef idx="1">
+        <a:scrgbClr r="0" g="0" b="0"/>
+      </a:fillRef>
+      <a:effectRef idx="0">
+        <a:scrgbClr r="0" g="0" b="0"/>
+      </a:effectRef>
+      <a:fontRef idx="minor"/>
+    </dgm:style>
+  </dgm:styleLbl>
+  <dgm:styleLbl name="fgShp">
+    <dgm:scene3d>
+      <a:camera prst="orthographicFront"/>
+      <a:lightRig rig="threePt" dir="t"/>
+    </dgm:scene3d>
+    <dgm:sp3d/>
+    <dgm:txPr/>
+    <dgm:style>
+      <a:lnRef idx="2">
+        <a:scrgbClr r="0" g="0" b="0"/>
+      </a:lnRef>
+      <a:fillRef idx="1">
+        <a:scrgbClr r="0" g="0" b="0"/>
+      </a:fillRef>
+      <a:effectRef idx="0">
+        <a:scrgbClr r="0" g="0" b="0"/>
+      </a:effectRef>
+      <a:fontRef idx="minor"/>
+    </dgm:style>
+  </dgm:styleLbl>
+  <dgm:styleLbl name="revTx">
+    <dgm:scene3d>
+      <a:camera prst="orthographicFront"/>
+      <a:lightRig rig="threePt" dir="t"/>
+    </dgm:scene3d>
+    <dgm:sp3d/>
+    <dgm:txPr/>
+    <dgm:style>
+      <a:lnRef idx="0">
+        <a:scrgbClr r="0" g="0" b="0"/>
+      </a:lnRef>
+      <a:fillRef idx="0">
+        <a:scrgbClr r="0" g="0" b="0"/>
+      </a:fillRef>
+      <a:effectRef idx="0">
+        <a:scrgbClr r="0" g="0" b="0"/>
+      </a:effectRef>
+      <a:fontRef idx="minor"/>
+    </dgm:style>
+  </dgm:styleLbl>
+</dgm:styleDef>
+</file>
+
+<file path=ppt/diagrams/quickStyle4.xml><?xml version="1.0" encoding="utf-8"?>
+<dgm:styleDef xmlns:dgm="http://schemas.openxmlformats.org/drawingml/2006/diagram" xmlns:a="http://schemas.openxmlformats.org/drawingml/2006/main" uniqueId="urn:microsoft.com/office/officeart/2005/8/quickstyle/simple1">
+  <dgm:title val=""/>
+  <dgm:desc val=""/>
+  <dgm:catLst>
+    <dgm:cat type="simple" pri="10100"/>
+  </dgm:catLst>
+  <dgm:scene3d>
+    <a:camera prst="orthographicFront"/>
+    <a:lightRig rig="threePt" dir="t"/>
+  </dgm:scene3d>
+  <dgm:styleLbl name="node0">
+    <dgm:scene3d>
+      <a:camera prst="orthographicFront"/>
+      <a:lightRig rig="threePt" dir="t"/>
+    </dgm:scene3d>
+    <dgm:sp3d/>
+    <dgm:txPr/>
+    <dgm:style>
+      <a:lnRef idx="2">
+        <a:scrgbClr r="0" g="0" b="0"/>
+      </a:lnRef>
+      <a:fillRef idx="1">
+        <a:scrgbClr r="0" g="0" b="0"/>
+      </a:fillRef>
+      <a:effectRef idx="0">
+        <a:scrgbClr r="0" g="0" b="0"/>
+      </a:effectRef>
+      <a:fontRef idx="minor">
+        <a:schemeClr val="lt1"/>
+      </a:fontRef>
+    </dgm:style>
+  </dgm:styleLbl>
+  <dgm:styleLbl name="lnNode1">
+    <dgm:scene3d>
+      <a:camera prst="orthographicFront"/>
+      <a:lightRig rig="threePt" dir="t"/>
+    </dgm:scene3d>
+    <dgm:sp3d/>
+    <dgm:txPr/>
+    <dgm:style>
+      <a:lnRef idx="2">
+        <a:scrgbClr r="0" g="0" b="0"/>
+      </a:lnRef>
+      <a:fillRef idx="1">
+        <a:scrgbClr r="0" g="0" b="0"/>
+      </a:fillRef>
+      <a:effectRef idx="0">
+        <a:scrgbClr r="0" g="0" b="0"/>
+      </a:effectRef>
+      <a:fontRef idx="minor">
+        <a:schemeClr val="lt1"/>
+      </a:fontRef>
+    </dgm:style>
+  </dgm:styleLbl>
+  <dgm:styleLbl name="vennNode1">
+    <dgm:scene3d>
+      <a:camera prst="orthographicFront"/>
+      <a:lightRig rig="threePt" dir="t"/>
+    </dgm:scene3d>
+    <dgm:sp3d/>
+    <dgm:txPr/>
+    <dgm:style>
+      <a:lnRef idx="2">
+        <a:scrgbClr r="0" g="0" b="0"/>
+      </a:lnRef>
+      <a:fillRef idx="1">
+        <a:scrgbClr r="0" g="0" b="0"/>
+      </a:fillRef>
+      <a:effectRef idx="0">
+        <a:scrgbClr r="0" g="0" b="0"/>
+      </a:effectRef>
+      <a:fontRef idx="minor">
+        <a:schemeClr val="tx1"/>
+      </a:fontRef>
+    </dgm:style>
+  </dgm:styleLbl>
+  <dgm:styleLbl name="alignNode1">
+    <dgm:scene3d>
+      <a:camera prst="orthographicFront"/>
+      <a:lightRig rig="threePt" dir="t"/>
+    </dgm:scene3d>
+    <dgm:sp3d/>
+    <dgm:txPr/>
+    <dgm:style>
+      <a:lnRef idx="2">
+        <a:scrgbClr r="0" g="0" b="0"/>
+      </a:lnRef>
+      <a:fillRef idx="1">
+        <a:scrgbClr r="0" g="0" b="0"/>
+      </a:fillRef>
+      <a:effectRef idx="0">
+        <a:scrgbClr r="0" g="0" b="0"/>
+      </a:effectRef>
+      <a:fontRef idx="minor">
+        <a:schemeClr val="lt1"/>
+      </a:fontRef>
+    </dgm:style>
+  </dgm:styleLbl>
+  <dgm:styleLbl name="node1">
+    <dgm:scene3d>
+      <a:camera prst="orthographicFront"/>
+      <a:lightRig rig="threePt" dir="t"/>
+    </dgm:scene3d>
+    <dgm:sp3d/>
+    <dgm:txPr/>
+    <dgm:style>
+      <a:lnRef idx="2">
+        <a:scrgbClr r="0" g="0" b="0"/>
+      </a:lnRef>
+      <a:fillRef idx="1">
+        <a:scrgbClr r="0" g="0" b="0"/>
+      </a:fillRef>
+      <a:effectRef idx="0">
+        <a:scrgbClr r="0" g="0" b="0"/>
+      </a:effectRef>
+      <a:fontRef idx="minor">
+        <a:schemeClr val="lt1"/>
+      </a:fontRef>
+    </dgm:style>
+  </dgm:styleLbl>
+  <dgm:styleLbl name="node2">
+    <dgm:scene3d>
+      <a:camera prst="orthographicFront"/>
+      <a:lightRig rig="threePt" dir="t"/>
+    </dgm:scene3d>
+    <dgm:sp3d/>
+    <dgm:txPr/>
+    <dgm:style>
+      <a:lnRef idx="2">
+        <a:scrgbClr r="0" g="0" b="0"/>
+      </a:lnRef>
+      <a:fillRef idx="1">
+        <a:scrgbClr r="0" g="0" b="0"/>
+      </a:fillRef>
+      <a:effectRef idx="0">
+        <a:scrgbClr r="0" g="0" b="0"/>
+      </a:effectRef>
+      <a:fontRef idx="minor">
+        <a:schemeClr val="lt1"/>
+      </a:fontRef>
+    </dgm:style>
+  </dgm:styleLbl>
+  <dgm:styleLbl name="node3">
+    <dgm:scene3d>
+      <a:camera prst="orthographicFront"/>
+      <a:lightRig rig="threePt" dir="t"/>
+    </dgm:scene3d>
+    <dgm:sp3d/>
+    <dgm:txPr/>
+    <dgm:style>
+      <a:lnRef idx="2">
+        <a:scrgbClr r="0" g="0" b="0"/>
+      </a:lnRef>
+      <a:fillRef idx="1">
+        <a:scrgbClr r="0" g="0" b="0"/>
+      </a:fillRef>
+      <a:effectRef idx="0">
+        <a:scrgbClr r="0" g="0" b="0"/>
+      </a:effectRef>
+      <a:fontRef idx="minor">
+        <a:schemeClr val="lt1"/>
+      </a:fontRef>
+    </dgm:style>
+  </dgm:styleLbl>
+  <dgm:styleLbl name="node4">
+    <dgm:scene3d>
+      <a:camera prst="orthographicFront"/>
+      <a:lightRig rig="threePt" dir="t"/>
+    </dgm:scene3d>
+    <dgm:sp3d/>
+    <dgm:txPr/>
+    <dgm:style>
+      <a:lnRef idx="2">
+        <a:scrgbClr r="0" g="0" b="0"/>
+      </a:lnRef>
+      <a:fillRef idx="1">
+        <a:scrgbClr r="0" g="0" b="0"/>
+      </a:fillRef>
+      <a:effectRef idx="0">
+        <a:scrgbClr r="0" g="0" b="0"/>
+      </a:effectRef>
+      <a:fontRef idx="minor">
+        <a:schemeClr val="lt1"/>
+      </a:fontRef>
+    </dgm:style>
+  </dgm:styleLbl>
+  <dgm:styleLbl name="fgImgPlace1">
+    <dgm:scene3d>
+      <a:camera prst="orthographicFront"/>
+      <a:lightRig rig="threePt" dir="t"/>
+    </dgm:scene3d>
+    <dgm:sp3d/>
+    <dgm:txPr/>
+    <dgm:style>
+      <a:lnRef idx="2">
+        <a:scrgbClr r="0" g="0" b="0"/>
+      </a:lnRef>
+      <a:fillRef idx="1">
+        <a:scrgbClr r="0" g="0" b="0"/>
+      </a:fillRef>
+      <a:effectRef idx="0">
+        <a:scrgbClr r="0" g="0" b="0"/>
+      </a:effectRef>
+      <a:fontRef idx="minor"/>
+    </dgm:style>
+  </dgm:styleLbl>
+  <dgm:styleLbl name="alignImgPlace1">
+    <dgm:scene3d>
+      <a:camera prst="orthographicFront"/>
+      <a:lightRig rig="threePt" dir="t"/>
+    </dgm:scene3d>
+    <dgm:sp3d/>
+    <dgm:txPr/>
+    <dgm:style>
+      <a:lnRef idx="2">
+        <a:scrgbClr r="0" g="0" b="0"/>
+      </a:lnRef>
+      <a:fillRef idx="1">
+        <a:scrgbClr r="0" g="0" b="0"/>
+      </a:fillRef>
+      <a:effectRef idx="0">
+        <a:scrgbClr r="0" g="0" b="0"/>
+      </a:effectRef>
+      <a:fontRef idx="minor"/>
+    </dgm:style>
+  </dgm:styleLbl>
+  <dgm:styleLbl name="bgImgPlace1">
+    <dgm:scene3d>
+      <a:camera prst="orthographicFront"/>
+      <a:lightRig rig="threePt" dir="t"/>
+    </dgm:scene3d>
+    <dgm:sp3d/>
+    <dgm:txPr/>
+    <dgm:style>
+      <a:lnRef idx="2">
+        <a:scrgbClr r="0" g="0" b="0"/>
+      </a:lnRef>
+      <a:fillRef idx="1">
+        <a:scrgbClr r="0" g="0" b="0"/>
+      </a:fillRef>
+      <a:effectRef idx="0">
+        <a:scrgbClr r="0" g="0" b="0"/>
+      </a:effectRef>
+      <a:fontRef idx="minor"/>
+    </dgm:style>
+  </dgm:styleLbl>
+  <dgm:styleLbl name="sibTrans2D1">
+    <dgm:scene3d>
+      <a:camera prst="orthographicFront"/>
+      <a:lightRig rig="threePt" dir="t"/>
+    </dgm:scene3d>
+    <dgm:sp3d/>
+    <dgm:txPr/>
+    <dgm:style>
+      <a:lnRef idx="0">
+        <a:scrgbClr r="0" g="0" b="0"/>
+      </a:lnRef>
+      <a:fillRef idx="1">
+        <a:scrgbClr r="0" g="0" b="0"/>
+      </a:fillRef>
+      <a:effectRef idx="0">
+        <a:scrgbClr r="0" g="0" b="0"/>
+      </a:effectRef>
+      <a:fontRef idx="minor">
+        <a:schemeClr val="lt1"/>
+      </a:fontRef>
+    </dgm:style>
+  </dgm:styleLbl>
+  <dgm:styleLbl name="fgSibTrans2D1">
+    <dgm:scene3d>
+      <a:camera prst="orthographicFront"/>
+      <a:lightRig rig="threePt" dir="t"/>
+    </dgm:scene3d>
+    <dgm:sp3d/>
+    <dgm:txPr/>
+    <dgm:style>
+      <a:lnRef idx="0">
+        <a:scrgbClr r="0" g="0" b="0"/>
+      </a:lnRef>
+      <a:fillRef idx="1">
+        <a:scrgbClr r="0" g="0" b="0"/>
+      </a:fillRef>
+      <a:effectRef idx="0">
+        <a:scrgbClr r="0" g="0" b="0"/>
+      </a:effectRef>
+      <a:fontRef idx="minor">
+        <a:schemeClr val="lt1"/>
+      </a:fontRef>
+    </dgm:style>
+  </dgm:styleLbl>
+  <dgm:styleLbl name="bgSibTrans2D1">
+    <dgm:scene3d>
+      <a:camera prst="orthographicFront"/>
+      <a:lightRig rig="threePt" dir="t"/>
+    </dgm:scene3d>
+    <dgm:sp3d/>
+    <dgm:txPr/>
+    <dgm:style>
+      <a:lnRef idx="0">
+        <a:scrgbClr r="0" g="0" b="0"/>
+      </a:lnRef>
+      <a:fillRef idx="1">
+        <a:scrgbClr r="0" g="0" b="0"/>
+      </a:fillRef>
+      <a:effectRef idx="0">
+        <a:scrgbClr r="0" g="0" b="0"/>
+      </a:effectRef>
+      <a:fontRef idx="minor">
+        <a:schemeClr val="lt1"/>
+      </a:fontRef>
+    </dgm:style>
+  </dgm:styleLbl>
+  <dgm:styleLbl name="sibTrans1D1">
+    <dgm:scene3d>
+      <a:camera prst="orthographicFront"/>
+      <a:lightRig rig="threePt" dir="t"/>
+    </dgm:scene3d>
+    <dgm:sp3d/>
+    <dgm:txPr/>
+    <dgm:style>
+      <a:lnRef idx="1">
+        <a:scrgbClr r="0" g="0" b="0"/>
+      </a:lnRef>
+      <a:fillRef idx="0">
+        <a:scrgbClr r="0" g="0" b="0"/>
+      </a:fillRef>
+      <a:effectRef idx="0">
+        <a:scrgbClr r="0" g="0" b="0"/>
+      </a:effectRef>
+      <a:fontRef idx="minor"/>
+    </dgm:style>
+  </dgm:styleLbl>
+  <dgm:styleLbl name="callout">
+    <dgm:scene3d>
+      <a:camera prst="orthographicFront"/>
+      <a:lightRig rig="threePt" dir="t"/>
+    </dgm:scene3d>
+    <dgm:sp3d/>
+    <dgm:txPr/>
+    <dgm:style>
+      <a:lnRef idx="2">
+        <a:scrgbClr r="0" g="0" b="0"/>
+      </a:lnRef>
+      <a:fillRef idx="1">
+        <a:scrgbClr r="0" g="0" b="0"/>
+      </a:fillRef>
+      <a:effectRef idx="0">
+        <a:scrgbClr r="0" g="0" b="0"/>
+      </a:effectRef>
+      <a:fontRef idx="minor"/>
+    </dgm:style>
+  </dgm:styleLbl>
+  <dgm:styleLbl name="asst0">
+    <dgm:scene3d>
+      <a:camera prst="orthographicFront"/>
+      <a:lightRig rig="threePt" dir="t"/>
+    </dgm:scene3d>
+    <dgm:sp3d/>
+    <dgm:txPr/>
+    <dgm:style>
+      <a:lnRef idx="2">
+        <a:scrgbClr r="0" g="0" b="0"/>
+      </a:lnRef>
+      <a:fillRef idx="1">
+        <a:scrgbClr r="0" g="0" b="0"/>
+      </a:fillRef>
+      <a:effectRef idx="0">
+        <a:scrgbClr r="0" g="0" b="0"/>
+      </a:effectRef>
+      <a:fontRef idx="minor">
+        <a:schemeClr val="lt1"/>
+      </a:fontRef>
+    </dgm:style>
+  </dgm:styleLbl>
+  <dgm:styleLbl name="asst1">
+    <dgm:scene3d>
+      <a:camera prst="orthographicFront"/>
+      <a:lightRig rig="threePt" dir="t"/>
+    </dgm:scene3d>
+    <dgm:sp3d/>
+    <dgm:txPr/>
+    <dgm:style>
+      <a:lnRef idx="2">
+        <a:scrgbClr r="0" g="0" b="0"/>
+      </a:lnRef>
+      <a:fillRef idx="1">
+        <a:scrgbClr r="0" g="0" b="0"/>
+      </a:fillRef>
+      <a:effectRef idx="0">
+        <a:scrgbClr r="0" g="0" b="0"/>
+      </a:effectRef>
+      <a:fontRef idx="minor">
+        <a:schemeClr val="lt1"/>
+      </a:fontRef>
+    </dgm:style>
+  </dgm:styleLbl>
+  <dgm:styleLbl name="asst2">
+    <dgm:scene3d>
+      <a:camera prst="orthographicFront"/>
+      <a:lightRig rig="threePt" dir="t"/>
+    </dgm:scene3d>
+    <dgm:sp3d/>
+    <dgm:txPr/>
+    <dgm:style>
+      <a:lnRef idx="2">
+        <a:scrgbClr r="0" g="0" b="0"/>
+      </a:lnRef>
+      <a:fillRef idx="1">
+        <a:scrgbClr r="0" g="0" b="0"/>
+      </a:fillRef>
+      <a:effectRef idx="0">
+        <a:scrgbClr r="0" g="0" b="0"/>
+      </a:effectRef>
+      <a:fontRef idx="minor">
+        <a:schemeClr val="lt1"/>
+      </a:fontRef>
+    </dgm:style>
+  </dgm:styleLbl>
+  <dgm:styleLbl name="asst3">
+    <dgm:scene3d>
+      <a:camera prst="orthographicFront"/>
+      <a:lightRig rig="threePt" dir="t"/>
+    </dgm:scene3d>
+    <dgm:sp3d/>
+    <dgm:txPr/>
+    <dgm:style>
+      <a:lnRef idx="2">
+        <a:scrgbClr r="0" g="0" b="0"/>
+      </a:lnRef>
+      <a:fillRef idx="1">
+        <a:scrgbClr r="0" g="0" b="0"/>
+      </a:fillRef>
+      <a:effectRef idx="0">
+        <a:scrgbClr r="0" g="0" b="0"/>
+      </a:effectRef>
+      <a:fontRef idx="minor">
+        <a:schemeClr val="lt1"/>
+      </a:fontRef>
+    </dgm:style>
+  </dgm:styleLbl>
+  <dgm:styleLbl name="asst4">
+    <dgm:scene3d>
+      <a:camera prst="orthographicFront"/>
+      <a:lightRig rig="threePt" dir="t"/>
+    </dgm:scene3d>
+    <dgm:sp3d/>
+    <dgm:txPr/>
+    <dgm:style>
+      <a:lnRef idx="2">
+        <a:scrgbClr r="0" g="0" b="0"/>
+      </a:lnRef>
+      <a:fillRef idx="1">
+        <a:scrgbClr r="0" g="0" b="0"/>
+      </a:fillRef>
+      <a:effectRef idx="0">
+        <a:scrgbClr r="0" g="0" b="0"/>
+      </a:effectRef>
+      <a:fontRef idx="minor">
+        <a:schemeClr val="lt1"/>
+      </a:fontRef>
+    </dgm:style>
+  </dgm:styleLbl>
+  <dgm:styleLbl name="parChTrans2D1">
+    <dgm:scene3d>
+      <a:camera prst="orthographicFront"/>
+      <a:lightRig rig="threePt" dir="t"/>
+    </dgm:scene3d>
+    <dgm:sp3d/>
+    <dgm:txPr/>
+    <dgm:style>
+      <a:lnRef idx="2">
+        <a:scrgbClr r="0" g="0" b="0"/>
+      </a:lnRef>
+      <a:fillRef idx="1">
+        <a:scrgbClr r="0" g="0" b="0"/>
+      </a:fillRef>
+      <a:effectRef idx="0">
+        <a:scrgbClr r="0" g="0" b="0"/>
+      </a:effectRef>
+      <a:fontRef idx="minor">
+        <a:schemeClr val="lt1"/>
+      </a:fontRef>
+    </dgm:style>
+  </dgm:styleLbl>
+  <dgm:styleLbl name="parChTrans2D2">
+    <dgm:scene3d>
+      <a:camera prst="orthographicFront"/>
+      <a:lightRig rig="threePt" dir="t"/>
+    </dgm:scene3d>
+    <dgm:sp3d/>
+    <dgm:txPr/>
+    <dgm:style>
+      <a:lnRef idx="2">
+        <a:scrgbClr r="0" g="0" b="0"/>
+      </a:lnRef>
+      <a:fillRef idx="1">
+        <a:scrgbClr r="0" g="0" b="0"/>
+      </a:fillRef>
+      <a:effectRef idx="0">
+        <a:scrgbClr r="0" g="0" b="0"/>
+      </a:effectRef>
+      <a:fontRef idx="minor">
+        <a:schemeClr val="lt1"/>
+      </a:fontRef>
+    </dgm:style>
+  </dgm:styleLbl>
+  <dgm:styleLbl name="parChTrans2D3">
+    <dgm:scene3d>
+      <a:camera prst="orthographicFront"/>
+      <a:lightRig rig="threePt" dir="t"/>
+    </dgm:scene3d>
+    <dgm:sp3d/>
+    <dgm:txPr/>
+    <dgm:style>
+      <a:lnRef idx="2">
+        <a:scrgbClr r="0" g="0" b="0"/>
+      </a:lnRef>
+      <a:fillRef idx="1">
+        <a:scrgbClr r="0" g="0" b="0"/>
+      </a:fillRef>
+      <a:effectRef idx="0">
+        <a:scrgbClr r="0" g="0" b="0"/>
+      </a:effectRef>
+      <a:fontRef idx="minor">
+        <a:schemeClr val="lt1"/>
+      </a:fontRef>
+    </dgm:style>
+  </dgm:styleLbl>
+  <dgm:styleLbl name="parChTrans2D4">
+    <dgm:scene3d>
+      <a:camera prst="orthographicFront"/>
+      <a:lightRig rig="threePt" dir="t"/>
+    </dgm:scene3d>
+    <dgm:sp3d/>
+    <dgm:txPr/>
+    <dgm:style>
+      <a:lnRef idx="2">
+        <a:scrgbClr r="0" g="0" b="0"/>
+      </a:lnRef>
+      <a:fillRef idx="1">
+        <a:scrgbClr r="0" g="0" b="0"/>
+      </a:fillRef>
+      <a:effectRef idx="0">
+        <a:scrgbClr r="0" g="0" b="0"/>
+      </a:effectRef>
+      <a:fontRef idx="minor">
+        <a:schemeClr val="lt1"/>
+      </a:fontRef>
+    </dgm:style>
+  </dgm:styleLbl>
+  <dgm:styleLbl name="parChTrans1D1">
+    <dgm:scene3d>
+      <a:camera prst="orthographicFront"/>
+      <a:lightRig rig="threePt" dir="t"/>
+    </dgm:scene3d>
+    <dgm:sp3d/>
+    <dgm:txPr/>
+    <dgm:style>
+      <a:lnRef idx="2">
+        <a:scrgbClr r="0" g="0" b="0"/>
+      </a:lnRef>
+      <a:fillRef idx="0">
+        <a:scrgbClr r="0" g="0" b="0"/>
+      </a:fillRef>
+      <a:effectRef idx="0">
+        <a:scrgbClr r="0" g="0" b="0"/>
+      </a:effectRef>
+      <a:fontRef idx="minor"/>
+    </dgm:style>
+  </dgm:styleLbl>
+  <dgm:styleLbl name="parChTrans1D2">
+    <dgm:scene3d>
+      <a:camera prst="orthographicFront"/>
+      <a:lightRig rig="threePt" dir="t"/>
+    </dgm:scene3d>
+    <dgm:sp3d/>
+    <dgm:txPr/>
+    <dgm:style>
+      <a:lnRef idx="2">
+        <a:scrgbClr r="0" g="0" b="0"/>
+      </a:lnRef>
+      <a:fillRef idx="0">
+        <a:scrgbClr r="0" g="0" b="0"/>
+      </a:fillRef>
+      <a:effectRef idx="0">
+        <a:scrgbClr r="0" g="0" b="0"/>
+      </a:effectRef>
+      <a:fontRef idx="minor"/>
+    </dgm:style>
+  </dgm:styleLbl>
+  <dgm:styleLbl name="parChTrans1D3">
+    <dgm:scene3d>
+      <a:camera prst="orthographicFront"/>
+      <a:lightRig rig="threePt" dir="t"/>
+    </dgm:scene3d>
+    <dgm:sp3d/>
+    <dgm:txPr/>
+    <dgm:style>
+      <a:lnRef idx="2">
+        <a:scrgbClr r="0" g="0" b="0"/>
+      </a:lnRef>
+      <a:fillRef idx="0">
+        <a:scrgbClr r="0" g="0" b="0"/>
+      </a:fillRef>
+      <a:effectRef idx="0">
+        <a:scrgbClr r="0" g="0" b="0"/>
+      </a:effectRef>
+      <a:fontRef idx="minor"/>
+    </dgm:style>
+  </dgm:styleLbl>
+  <dgm:styleLbl name="parChTrans1D4">
+    <dgm:scene3d>
+      <a:camera prst="orthographicFront"/>
+      <a:lightRig rig="threePt" dir="t"/>
+    </dgm:scene3d>
+    <dgm:sp3d/>
+    <dgm:txPr/>
+    <dgm:style>
+      <a:lnRef idx="2">
+        <a:scrgbClr r="0" g="0" b="0"/>
+      </a:lnRef>
+      <a:fillRef idx="0">
+        <a:scrgbClr r="0" g="0" b="0"/>
+      </a:fillRef>
+      <a:effectRef idx="0">
+        <a:scrgbClr r="0" g="0" b="0"/>
+      </a:effectRef>
+      <a:fontRef idx="minor"/>
+    </dgm:style>
+  </dgm:styleLbl>
+  <dgm:styleLbl name="fgAcc1">
+    <dgm:scene3d>
+      <a:camera prst="orthographicFront"/>
+      <a:lightRig rig="threePt" dir="t"/>
+    </dgm:scene3d>
+    <dgm:sp3d/>
+    <dgm:txPr/>
+    <dgm:style>
+      <a:lnRef idx="2">
+        <a:scrgbClr r="0" g="0" b="0"/>
+      </a:lnRef>
+      <a:fillRef idx="1">
+        <a:scrgbClr r="0" g="0" b="0"/>
+      </a:fillRef>
+      <a:effectRef idx="0">
+        <a:scrgbClr r="0" g="0" b="0"/>
+      </a:effectRef>
+      <a:fontRef idx="minor"/>
+    </dgm:style>
+  </dgm:styleLbl>
+  <dgm:styleLbl name="conFgAcc1">
+    <dgm:scene3d>
+      <a:camera prst="orthographicFront"/>
+      <a:lightRig rig="threePt" dir="t"/>
+    </dgm:scene3d>
+    <dgm:sp3d/>
+    <dgm:txPr/>
+    <dgm:style>
+      <a:lnRef idx="2">
+        <a:scrgbClr r="0" g="0" b="0"/>
+      </a:lnRef>
+      <a:fillRef idx="1">
+        <a:scrgbClr r="0" g="0" b="0"/>
+      </a:fillRef>
+      <a:effectRef idx="0">
+        <a:scrgbClr r="0" g="0" b="0"/>
+      </a:effectRef>
+      <a:fontRef idx="minor"/>
+    </dgm:style>
+  </dgm:styleLbl>
+  <dgm:styleLbl name="alignAcc1">
+    <dgm:scene3d>
+      <a:camera prst="orthographicFront"/>
+      <a:lightRig rig="threePt" dir="t"/>
+    </dgm:scene3d>
+    <dgm:sp3d/>
+    <dgm:txPr/>
+    <dgm:style>
+      <a:lnRef idx="2">
+        <a:scrgbClr r="0" g="0" b="0"/>
+      </a:lnRef>
+      <a:fillRef idx="1">
+        <a:scrgbClr r="0" g="0" b="0"/>
+      </a:fillRef>
+      <a:effectRef idx="0">
+        <a:scrgbClr r="0" g="0" b="0"/>
+      </a:effectRef>
+      <a:fontRef idx="minor"/>
+    </dgm:style>
+  </dgm:styleLbl>
+  <dgm:styleLbl name="trAlignAcc1">
+    <dgm:scene3d>
+      <a:camera prst="orthographicFront"/>
+      <a:lightRig rig="threePt" dir="t"/>
+    </dgm:scene3d>
+    <dgm:sp3d/>
+    <dgm:txPr/>
+    <dgm:style>
+      <a:lnRef idx="1">
+        <a:scrgbClr r="0" g="0" b="0"/>
+      </a:lnRef>
+      <a:fillRef idx="1">
+        <a:scrgbClr r="0" g="0" b="0"/>
+      </a:fillRef>
+      <a:effectRef idx="0">
+        <a:scrgbClr r="0" g="0" b="0"/>
+      </a:effectRef>
+      <a:fontRef idx="minor"/>
+    </dgm:style>
+  </dgm:styleLbl>
+  <dgm:styleLbl name="bgAcc1">
+    <dgm:scene3d>
+      <a:camera prst="orthographicFront"/>
+      <a:lightRig rig="threePt" dir="t"/>
+    </dgm:scene3d>
+    <dgm:sp3d/>
+    <dgm:txPr/>
+    <dgm:style>
+      <a:lnRef idx="2">
+        <a:scrgbClr r="0" g="0" b="0"/>
+      </a:lnRef>
+      <a:fillRef idx="1">
+        <a:scrgbClr r="0" g="0" b="0"/>
+      </a:fillRef>
+      <a:effectRef idx="0">
+        <a:scrgbClr r="0" g="0" b="0"/>
+      </a:effectRef>
+      <a:fontRef idx="minor"/>
+    </dgm:style>
+  </dgm:styleLbl>
+  <dgm:styleLbl name="solidFgAcc1">
+    <dgm:scene3d>
+      <a:camera prst="orthographicFront"/>
+      <a:lightRig rig="threePt" dir="t"/>
+    </dgm:scene3d>
+    <dgm:sp3d/>
+    <dgm:txPr/>
+    <dgm:style>
+      <a:lnRef idx="2">
+        <a:scrgbClr r="0" g="0" b="0"/>
+      </a:lnRef>
+      <a:fillRef idx="1">
+        <a:scrgbClr r="0" g="0" b="0"/>
+      </a:fillRef>
+      <a:effectRef idx="0">
+        <a:scrgbClr r="0" g="0" b="0"/>
+      </a:effectRef>
+      <a:fontRef idx="minor"/>
+    </dgm:style>
+  </dgm:styleLbl>
+  <dgm:styleLbl name="solidAlignAcc1">
+    <dgm:scene3d>
+      <a:camera prst="orthographicFront"/>
+      <a:lightRig rig="threePt" dir="t"/>
+    </dgm:scene3d>
+    <dgm:sp3d/>
+    <dgm:txPr/>
+    <dgm:style>
+      <a:lnRef idx="2">
+        <a:scrgbClr r="0" g="0" b="0"/>
+      </a:lnRef>
+      <a:fillRef idx="1">
+        <a:scrgbClr r="0" g="0" b="0"/>
+      </a:fillRef>
+      <a:effectRef idx="0">
+        <a:scrgbClr r="0" g="0" b="0"/>
+      </a:effectRef>
+      <a:fontRef idx="minor"/>
+    </dgm:style>
+  </dgm:styleLbl>
+  <dgm:styleLbl name="solidBgAcc1">
+    <dgm:scene3d>
+      <a:camera prst="orthographicFront"/>
+      <a:lightRig rig="threePt" dir="t"/>
+    </dgm:scene3d>
+    <dgm:sp3d/>
+    <dgm:txPr/>
+    <dgm:style>
+      <a:lnRef idx="2">
+        <a:scrgbClr r="0" g="0" b="0"/>
+      </a:lnRef>
+      <a:fillRef idx="1">
+        <a:scrgbClr r="0" g="0" b="0"/>
+      </a:fillRef>
+      <a:effectRef idx="0">
+        <a:scrgbClr r="0" g="0" b="0"/>
+      </a:effectRef>
+      <a:fontRef idx="minor"/>
+    </dgm:style>
+  </dgm:styleLbl>
+  <dgm:styleLbl name="fgAccFollowNode1">
+    <dgm:scene3d>
+      <a:camera prst="orthographicFront"/>
+      <a:lightRig rig="threePt" dir="t"/>
+    </dgm:scene3d>
+    <dgm:sp3d/>
+    <dgm:txPr/>
+    <dgm:style>
+      <a:lnRef idx="2">
+        <a:scrgbClr r="0" g="0" b="0"/>
+      </a:lnRef>
+      <a:fillRef idx="1">
+        <a:scrgbClr r="0" g="0" b="0"/>
+      </a:fillRef>
+      <a:effectRef idx="0">
+        <a:scrgbClr r="0" g="0" b="0"/>
+      </a:effectRef>
+      <a:fontRef idx="minor"/>
+    </dgm:style>
+  </dgm:styleLbl>
+  <dgm:styleLbl name="alignAccFollowNode1">
+    <dgm:scene3d>
+      <a:camera prst="orthographicFront"/>
+      <a:lightRig rig="threePt" dir="t"/>
+    </dgm:scene3d>
+    <dgm:sp3d/>
+    <dgm:txPr/>
+    <dgm:style>
+      <a:lnRef idx="2">
+        <a:scrgbClr r="0" g="0" b="0"/>
+      </a:lnRef>
+      <a:fillRef idx="1">
+        <a:scrgbClr r="0" g="0" b="0"/>
+      </a:fillRef>
+      <a:effectRef idx="0">
+        <a:scrgbClr r="0" g="0" b="0"/>
+      </a:effectRef>
+      <a:fontRef idx="minor"/>
+    </dgm:style>
+  </dgm:styleLbl>
+  <dgm:styleLbl name="bgAccFollowNode1">
+    <dgm:scene3d>
+      <a:camera prst="orthographicFront"/>
+      <a:lightRig rig="threePt" dir="t"/>
+    </dgm:scene3d>
+    <dgm:sp3d/>
+    <dgm:txPr/>
+    <dgm:style>
+      <a:lnRef idx="2">
+        <a:scrgbClr r="0" g="0" b="0"/>
+      </a:lnRef>
+      <a:fillRef idx="1">
+        <a:scrgbClr r="0" g="0" b="0"/>
+      </a:fillRef>
+      <a:effectRef idx="0">
+        <a:scrgbClr r="0" g="0" b="0"/>
+      </a:effectRef>
+      <a:fontRef idx="minor"/>
+    </dgm:style>
+  </dgm:styleLbl>
+  <dgm:styleLbl name="fgAcc0">
+    <dgm:scene3d>
+      <a:camera prst="orthographicFront"/>
+      <a:lightRig rig="threePt" dir="t"/>
+    </dgm:scene3d>
+    <dgm:sp3d/>
+    <dgm:txPr/>
+    <dgm:style>
+      <a:lnRef idx="2">
+        <a:scrgbClr r="0" g="0" b="0"/>
+      </a:lnRef>
+      <a:fillRef idx="1">
+        <a:scrgbClr r="0" g="0" b="0"/>
+      </a:fillRef>
+      <a:effectRef idx="0">
+        <a:scrgbClr r="0" g="0" b="0"/>
+      </a:effectRef>
+      <a:fontRef idx="minor"/>
+    </dgm:style>
+  </dgm:styleLbl>
+  <dgm:styleLbl name="fgAcc2">
+    <dgm:scene3d>
+      <a:camera prst="orthographicFront"/>
+      <a:lightRig rig="threePt" dir="t"/>
+    </dgm:scene3d>
+    <dgm:sp3d/>
+    <dgm:txPr/>
+    <dgm:style>
+      <a:lnRef idx="2">
+        <a:scrgbClr r="0" g="0" b="0"/>
+      </a:lnRef>
+      <a:fillRef idx="1">
+        <a:scrgbClr r="0" g="0" b="0"/>
+      </a:fillRef>
+      <a:effectRef idx="0">
+        <a:scrgbClr r="0" g="0" b="0"/>
+      </a:effectRef>
+      <a:fontRef idx="minor"/>
+    </dgm:style>
+  </dgm:styleLbl>
+  <dgm:styleLbl name="fgAcc3">
+    <dgm:scene3d>
+      <a:camera prst="orthographicFront"/>
+      <a:lightRig rig="threePt" dir="t"/>
+    </dgm:scene3d>
+    <dgm:sp3d/>
+    <dgm:txPr/>
+    <dgm:style>
+      <a:lnRef idx="2">
+        <a:scrgbClr r="0" g="0" b="0"/>
+      </a:lnRef>
+      <a:fillRef idx="1">
+        <a:scrgbClr r="0" g="0" b="0"/>
+      </a:fillRef>
+      <a:effectRef idx="0">
+        <a:scrgbClr r="0" g="0" b="0"/>
+      </a:effectRef>
+      <a:fontRef idx="minor"/>
+    </dgm:style>
+  </dgm:styleLbl>
+  <dgm:styleLbl name="fgAcc4">
+    <dgm:scene3d>
+      <a:camera prst="orthographicFront"/>
+      <a:lightRig rig="threePt" dir="t"/>
+    </dgm:scene3d>
+    <dgm:sp3d/>
+    <dgm:txPr/>
+    <dgm:style>
+      <a:lnRef idx="2">
+        <a:scrgbClr r="0" g="0" b="0"/>
+      </a:lnRef>
+      <a:fillRef idx="1">
+        <a:scrgbClr r="0" g="0" b="0"/>
+      </a:fillRef>
+      <a:effectRef idx="0">
+        <a:scrgbClr r="0" g="0" b="0"/>
+      </a:effectRef>
+      <a:fontRef idx="minor"/>
+    </dgm:style>
+  </dgm:styleLbl>
+  <dgm:styleLbl name="bgShp">
+    <dgm:scene3d>
+      <a:camera prst="orthographicFront"/>
+      <a:lightRig rig="threePt" dir="t"/>
+    </dgm:scene3d>
+    <dgm:sp3d/>
+    <dgm:txPr/>
+    <dgm:style>
+      <a:lnRef idx="0">
+        <a:scrgbClr r="0" g="0" b="0"/>
+      </a:lnRef>
+      <a:fillRef idx="1">
+        <a:scrgbClr r="0" g="0" b="0"/>
+      </a:fillRef>
+      <a:effectRef idx="0">
+        <a:scrgbClr r="0" g="0" b="0"/>
+      </a:effectRef>
+      <a:fontRef idx="minor"/>
+    </dgm:style>
+  </dgm:styleLbl>
+  <dgm:styleLbl name="dkBgShp">
+    <dgm:scene3d>
+      <a:camera prst="orthographicFront"/>
+      <a:lightRig rig="threePt" dir="t"/>
+    </dgm:scene3d>
+    <dgm:sp3d/>
+    <dgm:txPr/>
+    <dgm:style>
+      <a:lnRef idx="0">
+        <a:scrgbClr r="0" g="0" b="0"/>
+      </a:lnRef>
+      <a:fillRef idx="1">
+        <a:scrgbClr r="0" g="0" b="0"/>
+      </a:fillRef>
+      <a:effectRef idx="0">
+        <a:scrgbClr r="0" g="0" b="0"/>
+      </a:effectRef>
+      <a:fontRef idx="minor"/>
+    </dgm:style>
+  </dgm:styleLbl>
+  <dgm:styleLbl name="trBgShp">
+    <dgm:scene3d>
+      <a:camera prst="orthographicFront"/>
+      <a:lightRig rig="threePt" dir="t"/>
+    </dgm:scene3d>
+    <dgm:sp3d/>
+    <dgm:txPr/>
+    <dgm:style>
+      <a:lnRef idx="0">
+        <a:scrgbClr r="0" g="0" b="0"/>
+      </a:lnRef>
+      <a:fillRef idx="1">
+        <a:scrgbClr r="0" g="0" b="0"/>
+      </a:fillRef>
+      <a:effectRef idx="0">
+        <a:scrgbClr r="0" g="0" b="0"/>
+      </a:effectRef>
+      <a:fontRef idx="minor"/>
+    </dgm:style>
+  </dgm:styleLbl>
+  <dgm:styleLbl name="fgShp">
+    <dgm:scene3d>
+      <a:camera prst="orthographicFront"/>
+      <a:lightRig rig="threePt" dir="t"/>
+    </dgm:scene3d>
+    <dgm:sp3d/>
+    <dgm:txPr/>
+    <dgm:style>
+      <a:lnRef idx="2">
+        <a:scrgbClr r="0" g="0" b="0"/>
+      </a:lnRef>
+      <a:fillRef idx="1">
+        <a:scrgbClr r="0" g="0" b="0"/>
+      </a:fillRef>
+      <a:effectRef idx="0">
+        <a:scrgbClr r="0" g="0" b="0"/>
+      </a:effectRef>
+      <a:fontRef idx="minor"/>
+    </dgm:style>
+  </dgm:styleLbl>
+  <dgm:styleLbl name="revTx">
+    <dgm:scene3d>
+      <a:camera prst="orthographicFront"/>
+      <a:lightRig rig="threePt" dir="t"/>
+    </dgm:scene3d>
+    <dgm:sp3d/>
+    <dgm:txPr/>
+    <dgm:style>
+      <a:lnRef idx="0">
+        <a:scrgbClr r="0" g="0" b="0"/>
+      </a:lnRef>
+      <a:fillRef idx="0">
+        <a:scrgbClr r="0" g="0" b="0"/>
+      </a:fillRef>
+      <a:effectRef idx="0">
+        <a:scrgbClr r="0" g="0" b="0"/>
+      </a:effectRef>
+      <a:fontRef idx="minor"/>
+    </dgm:style>
+  </dgm:styleLbl>
+</dgm:styleDef>
+</file>
+
+<file path=ppt/diagrams/quickStyle5.xml><?xml version="1.0" encoding="utf-8"?>
+<dgm:styleDef xmlns:dgm="http://schemas.openxmlformats.org/drawingml/2006/diagram" xmlns:a="http://schemas.openxmlformats.org/drawingml/2006/main" uniqueId="urn:microsoft.com/office/officeart/2005/8/quickstyle/simple1">
+  <dgm:title val=""/>
+  <dgm:desc val=""/>
+  <dgm:catLst>
+    <dgm:cat type="simple" pri="10100"/>
+  </dgm:catLst>
+  <dgm:scene3d>
+    <a:camera prst="orthographicFront"/>
+    <a:lightRig rig="threePt" dir="t"/>
+  </dgm:scene3d>
+  <dgm:styleLbl name="node0">
+    <dgm:scene3d>
+      <a:camera prst="orthographicFront"/>
+      <a:lightRig rig="threePt" dir="t"/>
+    </dgm:scene3d>
+    <dgm:sp3d/>
+    <dgm:txPr/>
+    <dgm:style>
+      <a:lnRef idx="2">
+        <a:scrgbClr r="0" g="0" b="0"/>
+      </a:lnRef>
+      <a:fillRef idx="1">
+        <a:scrgbClr r="0" g="0" b="0"/>
+      </a:fillRef>
+      <a:effectRef idx="0">
+        <a:scrgbClr r="0" g="0" b="0"/>
+      </a:effectRef>
+      <a:fontRef idx="minor">
+        <a:schemeClr val="lt1"/>
+      </a:fontRef>
+    </dgm:style>
+  </dgm:styleLbl>
+  <dgm:styleLbl name="lnNode1">
+    <dgm:scene3d>
+      <a:camera prst="orthographicFront"/>
+      <a:lightRig rig="threePt" dir="t"/>
+    </dgm:scene3d>
+    <dgm:sp3d/>
+    <dgm:txPr/>
+    <dgm:style>
+      <a:lnRef idx="2">
+        <a:scrgbClr r="0" g="0" b="0"/>
+      </a:lnRef>
+      <a:fillRef idx="1">
+        <a:scrgbClr r="0" g="0" b="0"/>
+      </a:fillRef>
+      <a:effectRef idx="0">
+        <a:scrgbClr r="0" g="0" b="0"/>
+      </a:effectRef>
+      <a:fontRef idx="minor">
+        <a:schemeClr val="lt1"/>
+      </a:fontRef>
+    </dgm:style>
+  </dgm:styleLbl>
+  <dgm:styleLbl name="vennNode1">
+    <dgm:scene3d>
+      <a:camera prst="orthographicFront"/>
+      <a:lightRig rig="threePt" dir="t"/>
+    </dgm:scene3d>
+    <dgm:sp3d/>
+    <dgm:txPr/>
+    <dgm:style>
+      <a:lnRef idx="2">
+        <a:scrgbClr r="0" g="0" b="0"/>
+      </a:lnRef>
+      <a:fillRef idx="1">
+        <a:scrgbClr r="0" g="0" b="0"/>
+      </a:fillRef>
+      <a:effectRef idx="0">
+        <a:scrgbClr r="0" g="0" b="0"/>
+      </a:effectRef>
+      <a:fontRef idx="minor">
+        <a:schemeClr val="tx1"/>
+      </a:fontRef>
+    </dgm:style>
+  </dgm:styleLbl>
+  <dgm:styleLbl name="alignNode1">
+    <dgm:scene3d>
+      <a:camera prst="orthographicFront"/>
+      <a:lightRig rig="threePt" dir="t"/>
+    </dgm:scene3d>
+    <dgm:sp3d/>
+    <dgm:txPr/>
+    <dgm:style>
+      <a:lnRef idx="2">
+        <a:scrgbClr r="0" g="0" b="0"/>
+      </a:lnRef>
+      <a:fillRef idx="1">
+        <a:scrgbClr r="0" g="0" b="0"/>
+      </a:fillRef>
+      <a:effectRef idx="0">
+        <a:scrgbClr r="0" g="0" b="0"/>
+      </a:effectRef>
+      <a:fontRef idx="minor">
+        <a:schemeClr val="lt1"/>
+      </a:fontRef>
+    </dgm:style>
+  </dgm:styleLbl>
+  <dgm:styleLbl name="node1">
+    <dgm:scene3d>
+      <a:camera prst="orthographicFront"/>
+      <a:lightRig rig="threePt" dir="t"/>
+    </dgm:scene3d>
+    <dgm:sp3d/>
+    <dgm:txPr/>
+    <dgm:style>
+      <a:lnRef idx="2">
+        <a:scrgbClr r="0" g="0" b="0"/>
+      </a:lnRef>
+      <a:fillRef idx="1">
+        <a:scrgbClr r="0" g="0" b="0"/>
+      </a:fillRef>
+      <a:effectRef idx="0">
+        <a:scrgbClr r="0" g="0" b="0"/>
+      </a:effectRef>
+      <a:fontRef idx="minor">
+        <a:schemeClr val="lt1"/>
+      </a:fontRef>
+    </dgm:style>
+  </dgm:styleLbl>
+  <dgm:styleLbl name="node2">
+    <dgm:scene3d>
+      <a:camera prst="orthographicFront"/>
+      <a:lightRig rig="threePt" dir="t"/>
+    </dgm:scene3d>
+    <dgm:sp3d/>
+    <dgm:txPr/>
+    <dgm:style>
+      <a:lnRef idx="2">
+        <a:scrgbClr r="0" g="0" b="0"/>
+      </a:lnRef>
+      <a:fillRef idx="1">
+        <a:scrgbClr r="0" g="0" b="0"/>
+      </a:fillRef>
+      <a:effectRef idx="0">
+        <a:scrgbClr r="0" g="0" b="0"/>
+      </a:effectRef>
+      <a:fontRef idx="minor">
+        <a:schemeClr val="lt1"/>
+      </a:fontRef>
+    </dgm:style>
+  </dgm:styleLbl>
+  <dgm:styleLbl name="node3">
+    <dgm:scene3d>
+      <a:camera prst="orthographicFront"/>
+      <a:lightRig rig="threePt" dir="t"/>
+    </dgm:scene3d>
+    <dgm:sp3d/>
+    <dgm:txPr/>
+    <dgm:style>
+      <a:lnRef idx="2">
+        <a:scrgbClr r="0" g="0" b="0"/>
+      </a:lnRef>
+      <a:fillRef idx="1">
+        <a:scrgbClr r="0" g="0" b="0"/>
+      </a:fillRef>
+      <a:effectRef idx="0">
+        <a:scrgbClr r="0" g="0" b="0"/>
+      </a:effectRef>
+      <a:fontRef idx="minor">
+        <a:schemeClr val="lt1"/>
+      </a:fontRef>
+    </dgm:style>
+  </dgm:styleLbl>
+  <dgm:styleLbl name="node4">
+    <dgm:scene3d>
+      <a:camera prst="orthographicFront"/>
+      <a:lightRig rig="threePt" dir="t"/>
+    </dgm:scene3d>
+    <dgm:sp3d/>
+    <dgm:txPr/>
+    <dgm:style>
+      <a:lnRef idx="2">
+        <a:scrgbClr r="0" g="0" b="0"/>
+      </a:lnRef>
+      <a:fillRef idx="1">
+        <a:scrgbClr r="0" g="0" b="0"/>
+      </a:fillRef>
+      <a:effectRef idx="0">
+        <a:scrgbClr r="0" g="0" b="0"/>
+      </a:effectRef>
+      <a:fontRef idx="minor">
+        <a:schemeClr val="lt1"/>
+      </a:fontRef>
+    </dgm:style>
+  </dgm:styleLbl>
+  <dgm:styleLbl name="fgImgPlace1">
+    <dgm:scene3d>
+      <a:camera prst="orthographicFront"/>
+      <a:lightRig rig="threePt" dir="t"/>
+    </dgm:scene3d>
+    <dgm:sp3d/>
+    <dgm:txPr/>
+    <dgm:style>
+      <a:lnRef idx="2">
+        <a:scrgbClr r="0" g="0" b="0"/>
+      </a:lnRef>
+      <a:fillRef idx="1">
+        <a:scrgbClr r="0" g="0" b="0"/>
+      </a:fillRef>
+      <a:effectRef idx="0">
+        <a:scrgbClr r="0" g="0" b="0"/>
+      </a:effectRef>
+      <a:fontRef idx="minor"/>
+    </dgm:style>
+  </dgm:styleLbl>
+  <dgm:styleLbl name="alignImgPlace1">
+    <dgm:scene3d>
+      <a:camera prst="orthographicFront"/>
+      <a:lightRig rig="threePt" dir="t"/>
+    </dgm:scene3d>
+    <dgm:sp3d/>
+    <dgm:txPr/>
+    <dgm:style>
+      <a:lnRef idx="2">
+        <a:scrgbClr r="0" g="0" b="0"/>
+      </a:lnRef>
+      <a:fillRef idx="1">
+        <a:scrgbClr r="0" g="0" b="0"/>
+      </a:fillRef>
+      <a:effectRef idx="0">
+        <a:scrgbClr r="0" g="0" b="0"/>
+      </a:effectRef>
+      <a:fontRef idx="minor"/>
+    </dgm:style>
+  </dgm:styleLbl>
+  <dgm:styleLbl name="bgImgPlace1">
+    <dgm:scene3d>
+      <a:camera prst="orthographicFront"/>
+      <a:lightRig rig="threePt" dir="t"/>
+    </dgm:scene3d>
+    <dgm:sp3d/>
+    <dgm:txPr/>
+    <dgm:style>
+      <a:lnRef idx="2">
+        <a:scrgbClr r="0" g="0" b="0"/>
+      </a:lnRef>
+      <a:fillRef idx="1">
+        <a:scrgbClr r="0" g="0" b="0"/>
+      </a:fillRef>
+      <a:effectRef idx="0">
+        <a:scrgbClr r="0" g="0" b="0"/>
+      </a:effectRef>
+      <a:fontRef idx="minor"/>
+    </dgm:style>
+  </dgm:styleLbl>
+  <dgm:styleLbl name="sibTrans2D1">
+    <dgm:scene3d>
+      <a:camera prst="orthographicFront"/>
+      <a:lightRig rig="threePt" dir="t"/>
+    </dgm:scene3d>
+    <dgm:sp3d/>
+    <dgm:txPr/>
+    <dgm:style>
+      <a:lnRef idx="0">
+        <a:scrgbClr r="0" g="0" b="0"/>
+      </a:lnRef>
+      <a:fillRef idx="1">
+        <a:scrgbClr r="0" g="0" b="0"/>
+      </a:fillRef>
+      <a:effectRef idx="0">
+        <a:scrgbClr r="0" g="0" b="0"/>
+      </a:effectRef>
+      <a:fontRef idx="minor">
+        <a:schemeClr val="lt1"/>
+      </a:fontRef>
+    </dgm:style>
+  </dgm:styleLbl>
+  <dgm:styleLbl name="fgSibTrans2D1">
+    <dgm:scene3d>
+      <a:camera prst="orthographicFront"/>
+      <a:lightRig rig="threePt" dir="t"/>
+    </dgm:scene3d>
+    <dgm:sp3d/>
+    <dgm:txPr/>
+    <dgm:style>
+      <a:lnRef idx="0">
+        <a:scrgbClr r="0" g="0" b="0"/>
+      </a:lnRef>
+      <a:fillRef idx="1">
+        <a:scrgbClr r="0" g="0" b="0"/>
+      </a:fillRef>
+      <a:effectRef idx="0">
+        <a:scrgbClr r="0" g="0" b="0"/>
+      </a:effectRef>
+      <a:fontRef idx="minor">
+        <a:schemeClr val="lt1"/>
+      </a:fontRef>
+    </dgm:style>
+  </dgm:styleLbl>
+  <dgm:styleLbl name="bgSibTrans2D1">
+    <dgm:scene3d>
+      <a:camera prst="orthographicFront"/>
+      <a:lightRig rig="threePt" dir="t"/>
+    </dgm:scene3d>
+    <dgm:sp3d/>
+    <dgm:txPr/>
+    <dgm:style>
+      <a:lnRef idx="0">
+        <a:scrgbClr r="0" g="0" b="0"/>
+      </a:lnRef>
+      <a:fillRef idx="1">
+        <a:scrgbClr r="0" g="0" b="0"/>
+      </a:fillRef>
+      <a:effectRef idx="0">
+        <a:scrgbClr r="0" g="0" b="0"/>
+      </a:effectRef>
+      <a:fontRef idx="minor">
+        <a:schemeClr val="lt1"/>
+      </a:fontRef>
+    </dgm:style>
+  </dgm:styleLbl>
+  <dgm:styleLbl name="sibTrans1D1">
+    <dgm:scene3d>
+      <a:camera prst="orthographicFront"/>
+      <a:lightRig rig="threePt" dir="t"/>
+    </dgm:scene3d>
+    <dgm:sp3d/>
+    <dgm:txPr/>
+    <dgm:style>
+      <a:lnRef idx="1">
+        <a:scrgbClr r="0" g="0" b="0"/>
+      </a:lnRef>
+      <a:fillRef idx="0">
+        <a:scrgbClr r="0" g="0" b="0"/>
+      </a:fillRef>
+      <a:effectRef idx="0">
+        <a:scrgbClr r="0" g="0" b="0"/>
+      </a:effectRef>
+      <a:fontRef idx="minor"/>
+    </dgm:style>
+  </dgm:styleLbl>
+  <dgm:styleLbl name="callout">
+    <dgm:scene3d>
+      <a:camera prst="orthographicFront"/>
+      <a:lightRig rig="threePt" dir="t"/>
+    </dgm:scene3d>
+    <dgm:sp3d/>
+    <dgm:txPr/>
+    <dgm:style>
+      <a:lnRef idx="2">
+        <a:scrgbClr r="0" g="0" b="0"/>
+      </a:lnRef>
+      <a:fillRef idx="1">
+        <a:scrgbClr r="0" g="0" b="0"/>
+      </a:fillRef>
+      <a:effectRef idx="0">
+        <a:scrgbClr r="0" g="0" b="0"/>
+      </a:effectRef>
+      <a:fontRef idx="minor"/>
+    </dgm:style>
+  </dgm:styleLbl>
+  <dgm:styleLbl name="asst0">
+    <dgm:scene3d>
+      <a:camera prst="orthographicFront"/>
+      <a:lightRig rig="threePt" dir="t"/>
+    </dgm:scene3d>
+    <dgm:sp3d/>
+    <dgm:txPr/>
+    <dgm:style>
+      <a:lnRef idx="2">
+        <a:scrgbClr r="0" g="0" b="0"/>
+      </a:lnRef>
+      <a:fillRef idx="1">
+        <a:scrgbClr r="0" g="0" b="0"/>
+      </a:fillRef>
+      <a:effectRef idx="0">
+        <a:scrgbClr r="0" g="0" b="0"/>
+      </a:effectRef>
+      <a:fontRef idx="minor">
+        <a:schemeClr val="lt1"/>
+      </a:fontRef>
+    </dgm:style>
+  </dgm:styleLbl>
+  <dgm:styleLbl name="asst1">
+    <dgm:scene3d>
+      <a:camera prst="orthographicFront"/>
+      <a:lightRig rig="threePt" dir="t"/>
+    </dgm:scene3d>
+    <dgm:sp3d/>
+    <dgm:txPr/>
+    <dgm:style>
+      <a:lnRef idx="2">
+        <a:scrgbClr r="0" g="0" b="0"/>
+      </a:lnRef>
+      <a:fillRef idx="1">
+        <a:scrgbClr r="0" g="0" b="0"/>
+      </a:fillRef>
+      <a:effectRef idx="0">
+        <a:scrgbClr r="0" g="0" b="0"/>
+      </a:effectRef>
+      <a:fontRef idx="minor">
+        <a:schemeClr val="lt1"/>
+      </a:fontRef>
+    </dgm:style>
+  </dgm:styleLbl>
+  <dgm:styleLbl name="asst2">
+    <dgm:scene3d>
+      <a:camera prst="orthographicFront"/>
+      <a:lightRig rig="threePt" dir="t"/>
+    </dgm:scene3d>
+    <dgm:sp3d/>
+    <dgm:txPr/>
+    <dgm:style>
+      <a:lnRef idx="2">
+        <a:scrgbClr r="0" g="0" b="0"/>
+      </a:lnRef>
+      <a:fillRef idx="1">
+        <a:scrgbClr r="0" g="0" b="0"/>
+      </a:fillRef>
+      <a:effectRef idx="0">
+        <a:scrgbClr r="0" g="0" b="0"/>
+      </a:effectRef>
+      <a:fontRef idx="minor">
+        <a:schemeClr val="lt1"/>
+      </a:fontRef>
+    </dgm:style>
+  </dgm:styleLbl>
+  <dgm:styleLbl name="asst3">
+    <dgm:scene3d>
+      <a:camera prst="orthographicFront"/>
+      <a:lightRig rig="threePt" dir="t"/>
+    </dgm:scene3d>
+    <dgm:sp3d/>
+    <dgm:txPr/>
+    <dgm:style>
+      <a:lnRef idx="2">
+        <a:scrgbClr r="0" g="0" b="0"/>
+      </a:lnRef>
+      <a:fillRef idx="1">
+        <a:scrgbClr r="0" g="0" b="0"/>
+      </a:fillRef>
+      <a:effectRef idx="0">
+        <a:scrgbClr r="0" g="0" b="0"/>
+      </a:effectRef>
+      <a:fontRef idx="minor">
+        <a:schemeClr val="lt1"/>
+      </a:fontRef>
+    </dgm:style>
+  </dgm:styleLbl>
+  <dgm:styleLbl name="asst4">
+    <dgm:scene3d>
+      <a:camera prst="orthographicFront"/>
+      <a:lightRig rig="threePt" dir="t"/>
+    </dgm:scene3d>
+    <dgm:sp3d/>
+    <dgm:txPr/>
+    <dgm:style>
+      <a:lnRef idx="2">
+        <a:scrgbClr r="0" g="0" b="0"/>
+      </a:lnRef>
+      <a:fillRef idx="1">
+        <a:scrgbClr r="0" g="0" b="0"/>
+      </a:fillRef>
+      <a:effectRef idx="0">
+        <a:scrgbClr r="0" g="0" b="0"/>
+      </a:effectRef>
+      <a:fontRef idx="minor">
+        <a:schemeClr val="lt1"/>
+      </a:fontRef>
+    </dgm:style>
+  </dgm:styleLbl>
+  <dgm:styleLbl name="parChTrans2D1">
+    <dgm:scene3d>
+      <a:camera prst="orthographicFront"/>
+      <a:lightRig rig="threePt" dir="t"/>
+    </dgm:scene3d>
+    <dgm:sp3d/>
+    <dgm:txPr/>
+    <dgm:style>
+      <a:lnRef idx="2">
+        <a:scrgbClr r="0" g="0" b="0"/>
+      </a:lnRef>
+      <a:fillRef idx="1">
+        <a:scrgbClr r="0" g="0" b="0"/>
+      </a:fillRef>
+      <a:effectRef idx="0">
+        <a:scrgbClr r="0" g="0" b="0"/>
+      </a:effectRef>
+      <a:fontRef idx="minor">
+        <a:schemeClr val="lt1"/>
+      </a:fontRef>
+    </dgm:style>
+  </dgm:styleLbl>
+  <dgm:styleLbl name="parChTrans2D2">
+    <dgm:scene3d>
+      <a:camera prst="orthographicFront"/>
+      <a:lightRig rig="threePt" dir="t"/>
+    </dgm:scene3d>
+    <dgm:sp3d/>
+    <dgm:txPr/>
+    <dgm:style>
+      <a:lnRef idx="2">
+        <a:scrgbClr r="0" g="0" b="0"/>
+      </a:lnRef>
+      <a:fillRef idx="1">
+        <a:scrgbClr r="0" g="0" b="0"/>
+      </a:fillRef>
+      <a:effectRef idx="0">
+        <a:scrgbClr r="0" g="0" b="0"/>
+      </a:effectRef>
+      <a:fontRef idx="minor">
+        <a:schemeClr val="lt1"/>
+      </a:fontRef>
+    </dgm:style>
+  </dgm:styleLbl>
+  <dgm:styleLbl name="parChTrans2D3">
+    <dgm:scene3d>
+      <a:camera prst="orthographicFront"/>
+      <a:lightRig rig="threePt" dir="t"/>
+    </dgm:scene3d>
+    <dgm:sp3d/>
+    <dgm:txPr/>
+    <dgm:style>
+      <a:lnRef idx="2">
+        <a:scrgbClr r="0" g="0" b="0"/>
+      </a:lnRef>
+      <a:fillRef idx="1">
+        <a:scrgbClr r="0" g="0" b="0"/>
+      </a:fillRef>
+      <a:effectRef idx="0">
+        <a:scrgbClr r="0" g="0" b="0"/>
+      </a:effectRef>
+      <a:fontRef idx="minor">
+        <a:schemeClr val="lt1"/>
+      </a:fontRef>
+    </dgm:style>
+  </dgm:styleLbl>
+  <dgm:styleLbl name="parChTrans2D4">
+    <dgm:scene3d>
+      <a:camera prst="orthographicFront"/>
+      <a:lightRig rig="threePt" dir="t"/>
+    </dgm:scene3d>
+    <dgm:sp3d/>
+    <dgm:txPr/>
+    <dgm:style>
+      <a:lnRef idx="2">
+        <a:scrgbClr r="0" g="0" b="0"/>
+      </a:lnRef>
+      <a:fillRef idx="1">
+        <a:scrgbClr r="0" g="0" b="0"/>
+      </a:fillRef>
+      <a:effectRef idx="0">
+        <a:scrgbClr r="0" g="0" b="0"/>
+      </a:effectRef>
+      <a:fontRef idx="minor">
+        <a:schemeClr val="lt1"/>
+      </a:fontRef>
+    </dgm:style>
+  </dgm:styleLbl>
+  <dgm:styleLbl name="parChTrans1D1">
+    <dgm:scene3d>
+      <a:camera prst="orthographicFront"/>
+      <a:lightRig rig="threePt" dir="t"/>
+    </dgm:scene3d>
+    <dgm:sp3d/>
+    <dgm:txPr/>
+    <dgm:style>
+      <a:lnRef idx="2">
+        <a:scrgbClr r="0" g="0" b="0"/>
+      </a:lnRef>
+      <a:fillRef idx="0">
+        <a:scrgbClr r="0" g="0" b="0"/>
+      </a:fillRef>
+      <a:effectRef idx="0">
+        <a:scrgbClr r="0" g="0" b="0"/>
+      </a:effectRef>
+      <a:fontRef idx="minor"/>
+    </dgm:style>
+  </dgm:styleLbl>
+  <dgm:styleLbl name="parChTrans1D2">
+    <dgm:scene3d>
+      <a:camera prst="orthographicFront"/>
+      <a:lightRig rig="threePt" dir="t"/>
+    </dgm:scene3d>
+    <dgm:sp3d/>
+    <dgm:txPr/>
+    <dgm:style>
+      <a:lnRef idx="2">
+        <a:scrgbClr r="0" g="0" b="0"/>
+      </a:lnRef>
+      <a:fillRef idx="0">
+        <a:scrgbClr r="0" g="0" b="0"/>
+      </a:fillRef>
+      <a:effectRef idx="0">
+        <a:scrgbClr r="0" g="0" b="0"/>
+      </a:effectRef>
+      <a:fontRef idx="minor"/>
+    </dgm:style>
+  </dgm:styleLbl>
+  <dgm:styleLbl name="parChTrans1D3">
+    <dgm:scene3d>
+      <a:camera prst="orthographicFront"/>
+      <a:lightRig rig="threePt" dir="t"/>
+    </dgm:scene3d>
+    <dgm:sp3d/>
+    <dgm:txPr/>
+    <dgm:style>
+      <a:lnRef idx="2">
+        <a:scrgbClr r="0" g="0" b="0"/>
+      </a:lnRef>
+      <a:fillRef idx="0">
+        <a:scrgbClr r="0" g="0" b="0"/>
+      </a:fillRef>
+      <a:effectRef idx="0">
+        <a:scrgbClr r="0" g="0" b="0"/>
+      </a:effectRef>
+      <a:fontRef idx="minor"/>
+    </dgm:style>
+  </dgm:styleLbl>
+  <dgm:styleLbl name="parChTrans1D4">
+    <dgm:scene3d>
+      <a:camera prst="orthographicFront"/>
+      <a:lightRig rig="threePt" dir="t"/>
+    </dgm:scene3d>
+    <dgm:sp3d/>
+    <dgm:txPr/>
+    <dgm:style>
+      <a:lnRef idx="2">
+        <a:scrgbClr r="0" g="0" b="0"/>
+      </a:lnRef>
+      <a:fillRef idx="0">
+        <a:scrgbClr r="0" g="0" b="0"/>
+      </a:fillRef>
+      <a:effectRef idx="0">
+        <a:scrgbClr r="0" g="0" b="0"/>
+      </a:effectRef>
+      <a:fontRef idx="minor"/>
+    </dgm:style>
+  </dgm:styleLbl>
+  <dgm:styleLbl name="fgAcc1">
+    <dgm:scene3d>
+      <a:camera prst="orthographicFront"/>
+      <a:lightRig rig="threePt" dir="t"/>
+    </dgm:scene3d>
+    <dgm:sp3d/>
+    <dgm:txPr/>
+    <dgm:style>
+      <a:lnRef idx="2">
+        <a:scrgbClr r="0" g="0" b="0"/>
+      </a:lnRef>
+      <a:fillRef idx="1">
+        <a:scrgbClr r="0" g="0" b="0"/>
+      </a:fillRef>
+      <a:effectRef idx="0">
+        <a:scrgbClr r="0" g="0" b="0"/>
+      </a:effectRef>
+      <a:fontRef idx="minor"/>
+    </dgm:style>
+  </dgm:styleLbl>
+  <dgm:styleLbl name="conFgAcc1">
+    <dgm:scene3d>
+      <a:camera prst="orthographicFront"/>
+      <a:lightRig rig="threePt" dir="t"/>
+    </dgm:scene3d>
+    <dgm:sp3d/>
+    <dgm:txPr/>
+    <dgm:style>
+      <a:lnRef idx="2">
+        <a:scrgbClr r="0" g="0" b="0"/>
+      </a:lnRef>
+      <a:fillRef idx="1">
+        <a:scrgbClr r="0" g="0" b="0"/>
+      </a:fillRef>
+      <a:effectRef idx="0">
+        <a:scrgbClr r="0" g="0" b="0"/>
+      </a:effectRef>
+      <a:fontRef idx="minor"/>
+    </dgm:style>
+  </dgm:styleLbl>
+  <dgm:styleLbl name="alignAcc1">
+    <dgm:scene3d>
+      <a:camera prst="orthographicFront"/>
+      <a:lightRig rig="threePt" dir="t"/>
+    </dgm:scene3d>
+    <dgm:sp3d/>
+    <dgm:txPr/>
+    <dgm:style>
+      <a:lnRef idx="2">
+        <a:scrgbClr r="0" g="0" b="0"/>
+      </a:lnRef>
+      <a:fillRef idx="1">
+        <a:scrgbClr r="0" g="0" b="0"/>
+      </a:fillRef>
+      <a:effectRef idx="0">
+        <a:scrgbClr r="0" g="0" b="0"/>
+      </a:effectRef>
+      <a:fontRef idx="minor"/>
+    </dgm:style>
+  </dgm:styleLbl>
+  <dgm:styleLbl name="trAlignAcc1">
+    <dgm:scene3d>
+      <a:camera prst="orthographicFront"/>
+      <a:lightRig rig="threePt" dir="t"/>
+    </dgm:scene3d>
+    <dgm:sp3d/>
+    <dgm:txPr/>
+    <dgm:style>
+      <a:lnRef idx="1">
+        <a:scrgbClr r="0" g="0" b="0"/>
+      </a:lnRef>
+      <a:fillRef idx="1">
+        <a:scrgbClr r="0" g="0" b="0"/>
+      </a:fillRef>
+      <a:effectRef idx="0">
+        <a:scrgbClr r="0" g="0" b="0"/>
+      </a:effectRef>
+      <a:fontRef idx="minor"/>
+    </dgm:style>
+  </dgm:styleLbl>
+  <dgm:styleLbl name="bgAcc1">
+    <dgm:scene3d>
+      <a:camera prst="orthographicFront"/>
+      <a:lightRig rig="threePt" dir="t"/>
+    </dgm:scene3d>
+    <dgm:sp3d/>
+    <dgm:txPr/>
+    <dgm:style>
+      <a:lnRef idx="2">
+        <a:scrgbClr r="0" g="0" b="0"/>
+      </a:lnRef>
+      <a:fillRef idx="1">
+        <a:scrgbClr r="0" g="0" b="0"/>
+      </a:fillRef>
+      <a:effectRef idx="0">
+        <a:scrgbClr r="0" g="0" b="0"/>
+      </a:effectRef>
+      <a:fontRef idx="minor"/>
+    </dgm:style>
+  </dgm:styleLbl>
+  <dgm:styleLbl name="solidFgAcc1">
+    <dgm:scene3d>
+      <a:camera prst="orthographicFront"/>
+      <a:lightRig rig="threePt" dir="t"/>
+    </dgm:scene3d>
+    <dgm:sp3d/>
+    <dgm:txPr/>
+    <dgm:style>
+      <a:lnRef idx="2">
+        <a:scrgbClr r="0" g="0" b="0"/>
+      </a:lnRef>
+      <a:fillRef idx="1">
+        <a:scrgbClr r="0" g="0" b="0"/>
+      </a:fillRef>
+      <a:effectRef idx="0">
+        <a:scrgbClr r="0" g="0" b="0"/>
+      </a:effectRef>
+      <a:fontRef idx="minor"/>
+    </dgm:style>
+  </dgm:styleLbl>
+  <dgm:styleLbl name="solidAlignAcc1">
+    <dgm:scene3d>
+      <a:camera prst="orthographicFront"/>
+      <a:lightRig rig="threePt" dir="t"/>
+    </dgm:scene3d>
+    <dgm:sp3d/>
+    <dgm:txPr/>
+    <dgm:style>
+      <a:lnRef idx="2">
+        <a:scrgbClr r="0" g="0" b="0"/>
+      </a:lnRef>
+      <a:fillRef idx="1">
+        <a:scrgbClr r="0" g="0" b="0"/>
+      </a:fillRef>
+      <a:effectRef idx="0">
+        <a:scrgbClr r="0" g="0" b="0"/>
+      </a:effectRef>
+      <a:fontRef idx="minor"/>
+    </dgm:style>
+  </dgm:styleLbl>
+  <dgm:styleLbl name="solidBgAcc1">
+    <dgm:scene3d>
+      <a:camera prst="orthographicFront"/>
+      <a:lightRig rig="threePt" dir="t"/>
+    </dgm:scene3d>
+    <dgm:sp3d/>
+    <dgm:txPr/>
+    <dgm:style>
+      <a:lnRef idx="2">
+        <a:scrgbClr r="0" g="0" b="0"/>
+      </a:lnRef>
+      <a:fillRef idx="1">
+        <a:scrgbClr r="0" g="0" b="0"/>
+      </a:fillRef>
+      <a:effectRef idx="0">
+        <a:scrgbClr r="0" g="0" b="0"/>
+      </a:effectRef>
+      <a:fontRef idx="minor"/>
+    </dgm:style>
+  </dgm:styleLbl>
+  <dgm:styleLbl name="fgAccFollowNode1">
+    <dgm:scene3d>
+      <a:camera prst="orthographicFront"/>
+      <a:lightRig rig="threePt" dir="t"/>
+    </dgm:scene3d>
+    <dgm:sp3d/>
+    <dgm:txPr/>
+    <dgm:style>
+      <a:lnRef idx="2">
+        <a:scrgbClr r="0" g="0" b="0"/>
+      </a:lnRef>
+      <a:fillRef idx="1">
+        <a:scrgbClr r="0" g="0" b="0"/>
+      </a:fillRef>
+      <a:effectRef idx="0">
+        <a:scrgbClr r="0" g="0" b="0"/>
+      </a:effectRef>
+      <a:fontRef idx="minor"/>
+    </dgm:style>
+  </dgm:styleLbl>
+  <dgm:styleLbl name="alignAccFollowNode1">
+    <dgm:scene3d>
+      <a:camera prst="orthographicFront"/>
+      <a:lightRig rig="threePt" dir="t"/>
+    </dgm:scene3d>
+    <dgm:sp3d/>
+    <dgm:txPr/>
+    <dgm:style>
+      <a:lnRef idx="2">
+        <a:scrgbClr r="0" g="0" b="0"/>
+      </a:lnRef>
+      <a:fillRef idx="1">
+        <a:scrgbClr r="0" g="0" b="0"/>
+      </a:fillRef>
+      <a:effectRef idx="0">
+        <a:scrgbClr r="0" g="0" b="0"/>
+      </a:effectRef>
+      <a:fontRef idx="minor"/>
+    </dgm:style>
+  </dgm:styleLbl>
+  <dgm:styleLbl name="bgAccFollowNode1">
+    <dgm:scene3d>
+      <a:camera prst="orthographicFront"/>
+      <a:lightRig rig="threePt" dir="t"/>
+    </dgm:scene3d>
+    <dgm:sp3d/>
+    <dgm:txPr/>
+    <dgm:style>
+      <a:lnRef idx="2">
+        <a:scrgbClr r="0" g="0" b="0"/>
+      </a:lnRef>
+      <a:fillRef idx="1">
+        <a:scrgbClr r="0" g="0" b="0"/>
+      </a:fillRef>
+      <a:effectRef idx="0">
+        <a:scrgbClr r="0" g="0" b="0"/>
+      </a:effectRef>
+      <a:fontRef idx="minor"/>
+    </dgm:style>
+  </dgm:styleLbl>
+  <dgm:styleLbl name="fgAcc0">
+    <dgm:scene3d>
+      <a:camera prst="orthographicFront"/>
+      <a:lightRig rig="threePt" dir="t"/>
+    </dgm:scene3d>
+    <dgm:sp3d/>
+    <dgm:txPr/>
+    <dgm:style>
+      <a:lnRef idx="2">
+        <a:scrgbClr r="0" g="0" b="0"/>
+      </a:lnRef>
+      <a:fillRef idx="1">
+        <a:scrgbClr r="0" g="0" b="0"/>
+      </a:fillRef>
+      <a:effectRef idx="0">
+        <a:scrgbClr r="0" g="0" b="0"/>
+      </a:effectRef>
+      <a:fontRef idx="minor"/>
+    </dgm:style>
+  </dgm:styleLbl>
+  <dgm:styleLbl name="fgAcc2">
+    <dgm:scene3d>
+      <a:camera prst="orthographicFront"/>
+      <a:lightRig rig="threePt" dir="t"/>
+    </dgm:scene3d>
+    <dgm:sp3d/>
+    <dgm:txPr/>
+    <dgm:style>
+      <a:lnRef idx="2">
+        <a:scrgbClr r="0" g="0" b="0"/>
+      </a:lnRef>
+      <a:fillRef idx="1">
+        <a:scrgbClr r="0" g="0" b="0"/>
+      </a:fillRef>
+      <a:effectRef idx="0">
+        <a:scrgbClr r="0" g="0" b="0"/>
+      </a:effectRef>
+      <a:fontRef idx="minor"/>
+    </dgm:style>
+  </dgm:styleLbl>
+  <dgm:styleLbl name="fgAcc3">
+    <dgm:scene3d>
+      <a:camera prst="orthographicFront"/>
+      <a:lightRig rig="threePt" dir="t"/>
+    </dgm:scene3d>
+    <dgm:sp3d/>
+    <dgm:txPr/>
+    <dgm:style>
+      <a:lnRef idx="2">
+        <a:scrgbClr r="0" g="0" b="0"/>
+      </a:lnRef>
+      <a:fillRef idx="1">
+        <a:scrgbClr r="0" g="0" b="0"/>
+      </a:fillRef>
+      <a:effectRef idx="0">
+        <a:scrgbClr r="0" g="0" b="0"/>
+      </a:effectRef>
+      <a:fontRef idx="minor"/>
+    </dgm:style>
+  </dgm:styleLbl>
+  <dgm:styleLbl name="fgAcc4">
+    <dgm:scene3d>
+      <a:camera prst="orthographicFront"/>
+      <a:lightRig rig="threePt" dir="t"/>
+    </dgm:scene3d>
+    <dgm:sp3d/>
+    <dgm:txPr/>
+    <dgm:style>
+      <a:lnRef idx="2">
+        <a:scrgbClr r="0" g="0" b="0"/>
+      </a:lnRef>
+      <a:fillRef idx="1">
+        <a:scrgbClr r="0" g="0" b="0"/>
+      </a:fillRef>
+      <a:effectRef idx="0">
+        <a:scrgbClr r="0" g="0" b="0"/>
+      </a:effectRef>
+      <a:fontRef idx="minor"/>
+    </dgm:style>
+  </dgm:styleLbl>
+  <dgm:styleLbl name="bgShp">
+    <dgm:scene3d>
+      <a:camera prst="orthographicFront"/>
+      <a:lightRig rig="threePt" dir="t"/>
+    </dgm:scene3d>
+    <dgm:sp3d/>
+    <dgm:txPr/>
+    <dgm:style>
+      <a:lnRef idx="0">
+        <a:scrgbClr r="0" g="0" b="0"/>
+      </a:lnRef>
+      <a:fillRef idx="1">
+        <a:scrgbClr r="0" g="0" b="0"/>
+      </a:fillRef>
+      <a:effectRef idx="0">
+        <a:scrgbClr r="0" g="0" b="0"/>
+      </a:effectRef>
+      <a:fontRef idx="minor"/>
+    </dgm:style>
+  </dgm:styleLbl>
+  <dgm:styleLbl name="dkBgShp">
+    <dgm:scene3d>
+      <a:camera prst="orthographicFront"/>
+      <a:lightRig rig="threePt" dir="t"/>
+    </dgm:scene3d>
+    <dgm:sp3d/>
+    <dgm:txPr/>
+    <dgm:style>
+      <a:lnRef idx="0">
+        <a:scrgbClr r="0" g="0" b="0"/>
+      </a:lnRef>
+      <a:fillRef idx="1">
+        <a:scrgbClr r="0" g="0" b="0"/>
+      </a:fillRef>
+      <a:effectRef idx="0">
+        <a:scrgbClr r="0" g="0" b="0"/>
+      </a:effectRef>
+      <a:fontRef idx="minor"/>
+    </dgm:style>
+  </dgm:styleLbl>
+  <dgm:styleLbl name="trBgShp">
+    <dgm:scene3d>
+      <a:camera prst="orthographicFront"/>
+      <a:lightRig rig="threePt" dir="t"/>
+    </dgm:scene3d>
+    <dgm:sp3d/>
+    <dgm:txPr/>
+    <dgm:style>
+      <a:lnRef idx="0">
+        <a:scrgbClr r="0" g="0" b="0"/>
+      </a:lnRef>
+      <a:fillRef idx="1">
+        <a:scrgbClr r="0" g="0" b="0"/>
+      </a:fillRef>
+      <a:effectRef idx="0">
+        <a:scrgbClr r="0" g="0" b="0"/>
+      </a:effectRef>
+      <a:fontRef idx="minor"/>
+    </dgm:style>
+  </dgm:styleLbl>
+  <dgm:styleLbl name="fgShp">
+    <dgm:scene3d>
+      <a:camera prst="orthographicFront"/>
+      <a:lightRig rig="threePt" dir="t"/>
+    </dgm:scene3d>
+    <dgm:sp3d/>
+    <dgm:txPr/>
+    <dgm:style>
+      <a:lnRef idx="2">
+        <a:scrgbClr r="0" g="0" b="0"/>
+      </a:lnRef>
+      <a:fillRef idx="1">
+        <a:scrgbClr r="0" g="0" b="0"/>
+      </a:fillRef>
+      <a:effectRef idx="0">
+        <a:scrgbClr r="0" g="0" b="0"/>
+      </a:effectRef>
+      <a:fontRef idx="minor"/>
+    </dgm:style>
+  </dgm:styleLbl>
+  <dgm:styleLbl name="revTx">
+    <dgm:scene3d>
+      <a:camera prst="orthographicFront"/>
+      <a:lightRig rig="threePt" dir="t"/>
+    </dgm:scene3d>
+    <dgm:sp3d/>
+    <dgm:txPr/>
+    <dgm:style>
+      <a:lnRef idx="0">
+        <a:scrgbClr r="0" g="0" b="0"/>
+      </a:lnRef>
+      <a:fillRef idx="0">
+        <a:scrgbClr r="0" g="0" b="0"/>
+      </a:fillRef>
+      <a:effectRef idx="0">
+        <a:scrgbClr r="0" g="0" b="0"/>
+      </a:effectRef>
+      <a:fontRef idx="minor"/>
+    </dgm:style>
+  </dgm:styleLbl>
+</dgm:styleDef>
+</file>
+
+<file path=ppt/notesMasters/notesMaster1.xml><?xml version="1.0" encoding="utf-8"?>
+<p:notesMaster xmlns:a="http://schemas.openxmlformats.org/drawingml/2006/main" xmlns:r="http://schemas.openxmlformats.org/officeDocument/2006/relationships" xmlns:p="http://schemas.openxmlformats.org/presentationml/2006/main">
+  <p:cSld>
+    <p:bg>
+      <p:bgRef idx="1001">
+        <a:schemeClr val="bg1"/>
+      </p:bgRef>
+    </p:bg>
+    <p:spTree>
+      <p:nvGrpSpPr>
+        <p:cNvPr id="1" name=""/>
+        <p:cNvGrpSpPr/>
+        <p:nvPr/>
+      </p:nvGrpSpPr>
+      <p:grpSpPr>
+        <a:xfrm>
+          <a:off x="0" y="0"/>
+          <a:ext cx="0" cy="0"/>
+          <a:chOff x="0" y="0"/>
+          <a:chExt cx="0" cy="0"/>
+        </a:xfrm>
+      </p:grpSpPr>
+      <p:sp>
+        <p:nvSpPr>
+          <p:cNvPr id="2" name="Header Placeholder 1"/>
+          <p:cNvSpPr>
+            <a:spLocks noGrp="1"/>
+          </p:cNvSpPr>
+          <p:nvPr>
+            <p:ph type="hdr" sz="quarter"/>
+          </p:nvPr>
+        </p:nvSpPr>
+        <p:spPr>
+          <a:xfrm>
+            <a:off x="0" y="0"/>
+            <a:ext cx="2971800" cy="458788"/>
+          </a:xfrm>
+          <a:prstGeom prst="rect">
+            <a:avLst/>
+          </a:prstGeom>
+        </p:spPr>
+        <p:txBody>
+          <a:bodyPr vert="horz" lIns="91440" tIns="45720" rIns="91440" bIns="45720" rtlCol="0"/>
+          <a:lstStyle>
+            <a:lvl1pPr algn="l">
+              <a:defRPr sz="1200"/>
+            </a:lvl1pPr>
+          </a:lstStyle>
+          <a:p>
+            <a:endParaRPr kumimoji="1" lang="ja-JP" altLang="en-US"/>
+          </a:p>
+        </p:txBody>
+      </p:sp>
+      <p:sp>
+        <p:nvSpPr>
+          <p:cNvPr id="3" name="Date Placeholder 2"/>
+          <p:cNvSpPr>
+            <a:spLocks noGrp="1"/>
+          </p:cNvSpPr>
+          <p:nvPr>
+            <p:ph type="dt" idx="1"/>
+          </p:nvPr>
+        </p:nvSpPr>
+        <p:spPr>
+          <a:xfrm>
+            <a:off x="3884613" y="0"/>
+            <a:ext cx="2971800" cy="458788"/>
+          </a:xfrm>
+          <a:prstGeom prst="rect">
+            <a:avLst/>
+          </a:prstGeom>
+        </p:spPr>
+        <p:txBody>
+          <a:bodyPr vert="horz" lIns="91440" tIns="45720" rIns="91440" bIns="45720" rtlCol="0"/>
+          <a:lstStyle>
+            <a:lvl1pPr algn="r">
+              <a:defRPr sz="1200"/>
+            </a:lvl1pPr>
+          </a:lstStyle>
+          <a:p>
+            <a:fld id="{D570FA05-B8DC-4DDC-BF2D-B88CC39FF737}" type="datetimeFigureOut">
+              <a:rPr kumimoji="1" lang="ja-JP" altLang="en-US" smtClean="0"/>
+              <a:t>2024/1/16</a:t>
+            </a:fld>
+            <a:endParaRPr kumimoji="1" lang="ja-JP" altLang="en-US"/>
+          </a:p>
+        </p:txBody>
+      </p:sp>
+      <p:sp>
+        <p:nvSpPr>
+          <p:cNvPr id="4" name="Slide Image Placeholder 3"/>
+          <p:cNvSpPr>
+            <a:spLocks noGrp="1" noRot="1" noChangeAspect="1"/>
+          </p:cNvSpPr>
+          <p:nvPr>
+            <p:ph type="sldImg" idx="2"/>
+          </p:nvPr>
+        </p:nvSpPr>
+        <p:spPr>
+          <a:xfrm>
+            <a:off x="685800" y="1143000"/>
+            <a:ext cx="5486400" cy="3086100"/>
+          </a:xfrm>
+          <a:prstGeom prst="rect">
+            <a:avLst/>
+          </a:prstGeom>
+          <a:noFill/>
+          <a:ln w="12700">
+            <a:solidFill>
+              <a:prstClr val="black"/>
+            </a:solidFill>
+          </a:ln>
+        </p:spPr>
+        <p:txBody>
+          <a:bodyPr vert="horz" lIns="91440" tIns="45720" rIns="91440" bIns="45720" rtlCol="0" anchor="ctr"/>
+          <a:lstStyle/>
+          <a:p>
+            <a:endParaRPr lang="ja-JP" altLang="en-US"/>
+          </a:p>
+        </p:txBody>
+      </p:sp>
+      <p:sp>
+        <p:nvSpPr>
+          <p:cNvPr id="5" name="Notes Placeholder 4"/>
+          <p:cNvSpPr>
+            <a:spLocks noGrp="1"/>
+          </p:cNvSpPr>
+          <p:nvPr>
+            <p:ph type="body" sz="quarter" idx="3"/>
+          </p:nvPr>
+        </p:nvSpPr>
+        <p:spPr>
+          <a:xfrm>
+            <a:off x="685800" y="4400550"/>
+            <a:ext cx="5486400" cy="3600450"/>
+          </a:xfrm>
+          <a:prstGeom prst="rect">
+            <a:avLst/>
+          </a:prstGeom>
+        </p:spPr>
+        <p:txBody>
+          <a:bodyPr vert="horz" lIns="91440" tIns="45720" rIns="91440" bIns="45720" rtlCol="0"/>
+          <a:lstStyle/>
+          <a:p>
+            <a:pPr lvl="0"/>
+            <a:r>
+              <a:rPr kumimoji="1" lang="en-US" altLang="ja-JP"/>
+              <a:t>Click to edit Master text styles</a:t>
+            </a:r>
+          </a:p>
+          <a:p>
+            <a:pPr lvl="1"/>
+            <a:r>
+              <a:rPr kumimoji="1" lang="en-US" altLang="ja-JP"/>
+              <a:t>Second level</a:t>
+            </a:r>
+          </a:p>
+          <a:p>
+            <a:pPr lvl="2"/>
+            <a:r>
+              <a:rPr kumimoji="1" lang="en-US" altLang="ja-JP"/>
+              <a:t>Third level</a:t>
+            </a:r>
+          </a:p>
+          <a:p>
+            <a:pPr lvl="3"/>
+            <a:r>
+              <a:rPr kumimoji="1" lang="en-US" altLang="ja-JP"/>
+              <a:t>Fourth level</a:t>
+            </a:r>
+          </a:p>
+          <a:p>
+            <a:pPr lvl="4"/>
+            <a:r>
+              <a:rPr kumimoji="1" lang="en-US" altLang="ja-JP"/>
+              <a:t>Fifth level</a:t>
+            </a:r>
+            <a:endParaRPr kumimoji="1" lang="ja-JP" altLang="en-US"/>
+          </a:p>
+        </p:txBody>
+      </p:sp>
+      <p:sp>
+        <p:nvSpPr>
+          <p:cNvPr id="6" name="Footer Placeholder 5"/>
+          <p:cNvSpPr>
+            <a:spLocks noGrp="1"/>
+          </p:cNvSpPr>
+          <p:nvPr>
+            <p:ph type="ftr" sz="quarter" idx="4"/>
+          </p:nvPr>
+        </p:nvSpPr>
+        <p:spPr>
+          <a:xfrm>
+            <a:off x="0" y="8685213"/>
+            <a:ext cx="2971800" cy="458787"/>
+          </a:xfrm>
+          <a:prstGeom prst="rect">
+            <a:avLst/>
+          </a:prstGeom>
+        </p:spPr>
+        <p:txBody>
+          <a:bodyPr vert="horz" lIns="91440" tIns="45720" rIns="91440" bIns="45720" rtlCol="0" anchor="b"/>
+          <a:lstStyle>
+            <a:lvl1pPr algn="l">
+              <a:defRPr sz="1200"/>
+            </a:lvl1pPr>
+          </a:lstStyle>
+          <a:p>
+            <a:endParaRPr kumimoji="1" lang="ja-JP" altLang="en-US"/>
+          </a:p>
+        </p:txBody>
+      </p:sp>
+      <p:sp>
+        <p:nvSpPr>
+          <p:cNvPr id="7" name="Slide Number Placeholder 6"/>
+          <p:cNvSpPr>
+            <a:spLocks noGrp="1"/>
+          </p:cNvSpPr>
+          <p:nvPr>
+            <p:ph type="sldNum" sz="quarter" idx="5"/>
+          </p:nvPr>
+        </p:nvSpPr>
+        <p:spPr>
+          <a:xfrm>
+            <a:off x="3884613" y="8685213"/>
+            <a:ext cx="2971800" cy="458787"/>
+          </a:xfrm>
+          <a:prstGeom prst="rect">
+            <a:avLst/>
+          </a:prstGeom>
+        </p:spPr>
+        <p:txBody>
+          <a:bodyPr vert="horz" lIns="91440" tIns="45720" rIns="91440" bIns="45720" rtlCol="0" anchor="b"/>
+          <a:lstStyle>
+            <a:lvl1pPr algn="r">
+              <a:defRPr sz="1200"/>
+            </a:lvl1pPr>
+          </a:lstStyle>
+          <a:p>
+            <a:fld id="{A4113915-157A-46D6-89E5-571F00C0AAEB}" type="slidenum">
+              <a:rPr kumimoji="1" lang="ja-JP" altLang="en-US" smtClean="0"/>
+              <a:t>‹#›</a:t>
+            </a:fld>
+            <a:endParaRPr kumimoji="1" lang="ja-JP" altLang="en-US"/>
+          </a:p>
+        </p:txBody>
+      </p:sp>
+    </p:spTree>
+    <p:extLst>
+      <p:ext uri="{BB962C8B-B14F-4D97-AF65-F5344CB8AC3E}">
+        <p14:creationId xmlns:p14="http://schemas.microsoft.com/office/powerpoint/2010/main" val="502650798"/>
+      </p:ext>
+    </p:extLst>
+  </p:cSld>
+  <p:clrMap bg1="lt1" tx1="dk1" bg2="lt2" tx2="dk2" accent1="accent1" accent2="accent2" accent3="accent3" accent4="accent4" accent5="accent5" accent6="accent6" hlink="hlink" folHlink="folHlink"/>
+  <p:notesStyle>
+    <a:lvl1pPr marL="0" algn="l" defTabSz="914400" rtl="0" eaLnBrk="1" latinLnBrk="0" hangingPunct="1">
+      <a:defRPr kumimoji="1" sz="1200" kern="1200">
+        <a:solidFill>
+          <a:schemeClr val="tx1"/>
+        </a:solidFill>
+        <a:latin typeface="+mn-lt"/>
+        <a:ea typeface="+mn-ea"/>
+        <a:cs typeface="+mn-cs"/>
+      </a:defRPr>
+    </a:lvl1pPr>
+    <a:lvl2pPr marL="457200" algn="l" defTabSz="914400" rtl="0" eaLnBrk="1" latinLnBrk="0" hangingPunct="1">
+      <a:defRPr kumimoji="1" sz="1200" kern="1200">
+        <a:solidFill>
+          <a:schemeClr val="tx1"/>
+        </a:solidFill>
+        <a:latin typeface="+mn-lt"/>
+        <a:ea typeface="+mn-ea"/>
+        <a:cs typeface="+mn-cs"/>
+      </a:defRPr>
+    </a:lvl2pPr>
+    <a:lvl3pPr marL="914400" algn="l" defTabSz="914400" rtl="0" eaLnBrk="1" latinLnBrk="0" hangingPunct="1">
+      <a:defRPr kumimoji="1" sz="1200" kern="1200">
+        <a:solidFill>
+          <a:schemeClr val="tx1"/>
+        </a:solidFill>
+        <a:latin typeface="+mn-lt"/>
+        <a:ea typeface="+mn-ea"/>
+        <a:cs typeface="+mn-cs"/>
+      </a:defRPr>
+    </a:lvl3pPr>
+    <a:lvl4pPr marL="1371600" algn="l" defTabSz="914400" rtl="0" eaLnBrk="1" latinLnBrk="0" hangingPunct="1">
+      <a:defRPr kumimoji="1" sz="1200" kern="1200">
+        <a:solidFill>
+          <a:schemeClr val="tx1"/>
+        </a:solidFill>
+        <a:latin typeface="+mn-lt"/>
+        <a:ea typeface="+mn-ea"/>
+        <a:cs typeface="+mn-cs"/>
+      </a:defRPr>
+    </a:lvl4pPr>
+    <a:lvl5pPr marL="1828800" algn="l" defTabSz="914400" rtl="0" eaLnBrk="1" latinLnBrk="0" hangingPunct="1">
+      <a:defRPr kumimoji="1" sz="1200" kern="1200">
+        <a:solidFill>
+          <a:schemeClr val="tx1"/>
+        </a:solidFill>
+        <a:latin typeface="+mn-lt"/>
+        <a:ea typeface="+mn-ea"/>
+        <a:cs typeface="+mn-cs"/>
+      </a:defRPr>
+    </a:lvl5pPr>
+    <a:lvl6pPr marL="2286000" algn="l" defTabSz="914400" rtl="0" eaLnBrk="1" latinLnBrk="0" hangingPunct="1">
+      <a:defRPr kumimoji="1" sz="1200" kern="1200">
+        <a:solidFill>
+          <a:schemeClr val="tx1"/>
+        </a:solidFill>
+        <a:latin typeface="+mn-lt"/>
+        <a:ea typeface="+mn-ea"/>
+        <a:cs typeface="+mn-cs"/>
+      </a:defRPr>
+    </a:lvl6pPr>
+    <a:lvl7pPr marL="2743200" algn="l" defTabSz="914400" rtl="0" eaLnBrk="1" latinLnBrk="0" hangingPunct="1">
+      <a:defRPr kumimoji="1" sz="1200" kern="1200">
+        <a:solidFill>
+          <a:schemeClr val="tx1"/>
+        </a:solidFill>
+        <a:latin typeface="+mn-lt"/>
+        <a:ea typeface="+mn-ea"/>
+        <a:cs typeface="+mn-cs"/>
+      </a:defRPr>
+    </a:lvl7pPr>
+    <a:lvl8pPr marL="3200400" algn="l" defTabSz="914400" rtl="0" eaLnBrk="1" latinLnBrk="0" hangingPunct="1">
+      <a:defRPr kumimoji="1" sz="1200" kern="1200">
+        <a:solidFill>
+          <a:schemeClr val="tx1"/>
+        </a:solidFill>
+        <a:latin typeface="+mn-lt"/>
+        <a:ea typeface="+mn-ea"/>
+        <a:cs typeface="+mn-cs"/>
+      </a:defRPr>
+    </a:lvl8pPr>
+    <a:lvl9pPr marL="3657600" algn="l" defTabSz="914400" rtl="0" eaLnBrk="1" latinLnBrk="0" hangingPunct="1">
+      <a:defRPr kumimoji="1" sz="1200" kern="1200">
+        <a:solidFill>
+          <a:schemeClr val="tx1"/>
+        </a:solidFill>
+        <a:latin typeface="+mn-lt"/>
+        <a:ea typeface="+mn-ea"/>
+        <a:cs typeface="+mn-cs"/>
+      </a:defRPr>
+    </a:lvl9pPr>
+  </p:notesStyle>
+</p:notesMaster>
+</file>
+
+<file path=ppt/notesSlides/notesSlide1.xml><?xml version="1.0" encoding="utf-8"?>
+<p:notes xmlns:a="http://schemas.openxmlformats.org/drawingml/2006/main" xmlns:r="http://schemas.openxmlformats.org/officeDocument/2006/relationships" xmlns:p="http://schemas.openxmlformats.org/presentationml/2006/main">
+  <p:cSld>
+    <p:spTree>
+      <p:nvGrpSpPr>
+        <p:cNvPr id="1" name=""/>
+        <p:cNvGrpSpPr/>
+        <p:nvPr/>
+      </p:nvGrpSpPr>
+      <p:grpSpPr>
+        <a:xfrm>
+          <a:off x="0" y="0"/>
+          <a:ext cx="0" cy="0"/>
+          <a:chOff x="0" y="0"/>
+          <a:chExt cx="0" cy="0"/>
+        </a:xfrm>
+      </p:grpSpPr>
+      <p:sp>
+        <p:nvSpPr>
+          <p:cNvPr id="2" name="Slide Image Placeholder 1"/>
+          <p:cNvSpPr>
+            <a:spLocks noGrp="1" noRot="1" noChangeAspect="1"/>
+          </p:cNvSpPr>
+          <p:nvPr>
+            <p:ph type="sldImg"/>
+          </p:nvPr>
+        </p:nvSpPr>
+        <p:spPr/>
+      </p:sp>
+      <p:sp>
+        <p:nvSpPr>
+          <p:cNvPr id="3" name="Notes Placeholder 2"/>
+          <p:cNvSpPr>
+            <a:spLocks noGrp="1"/>
+          </p:cNvSpPr>
+          <p:nvPr>
+            <p:ph type="body" idx="1"/>
+          </p:nvPr>
+        </p:nvSpPr>
+        <p:spPr/>
+        <p:txBody>
+          <a:bodyPr/>
+          <a:lstStyle/>
+          <a:p>
+            <a:pPr marL="0" marR="0" lvl="0" indent="0" algn="l" defTabSz="914400" rtl="0" eaLnBrk="1" fontAlgn="auto" latinLnBrk="0" hangingPunct="1">
+              <a:lnSpc>
+                <a:spcPct val="100000"/>
+              </a:lnSpc>
+              <a:spcBef>
+                <a:spcPts val="0"/>
+              </a:spcBef>
+              <a:spcAft>
+                <a:spcPts val="0"/>
+              </a:spcAft>
+              <a:buClrTx/>
+              <a:buSzTx/>
+              <a:buFontTx/>
+              <a:buNone/>
+              <a:tabLst/>
+              <a:defRPr/>
+            </a:pPr>
+            <a:r>
+              <a:rPr lang="ja-JP" altLang="en-US" dirty="0"/>
+              <a:t>プロジェクトを通じて他の分野の知識と経験ができるのはプログラマーという職業の大きな長所だと思います。</a:t>
+            </a:r>
+            <a:endParaRPr kumimoji="1" lang="ja-JP" altLang="en-US" dirty="0"/>
+          </a:p>
+          <a:p>
+            <a:endParaRPr kumimoji="1" lang="ja-JP" altLang="en-US" dirty="0"/>
+          </a:p>
+        </p:txBody>
+      </p:sp>
+      <p:sp>
+        <p:nvSpPr>
+          <p:cNvPr id="4" name="Slide Number Placeholder 3"/>
+          <p:cNvSpPr>
+            <a:spLocks noGrp="1"/>
+          </p:cNvSpPr>
+          <p:nvPr>
+            <p:ph type="sldNum" sz="quarter" idx="5"/>
+          </p:nvPr>
+        </p:nvSpPr>
+        <p:spPr/>
+        <p:txBody>
+          <a:bodyPr/>
+          <a:lstStyle/>
+          <a:p>
+            <a:fld id="{A4113915-157A-46D6-89E5-571F00C0AAEB}" type="slidenum">
+              <a:rPr kumimoji="1" lang="ja-JP" altLang="en-US" smtClean="0"/>
+              <a:t>5</a:t>
+            </a:fld>
+            <a:endParaRPr kumimoji="1" lang="ja-JP" altLang="en-US"/>
+          </a:p>
+        </p:txBody>
+      </p:sp>
+    </p:spTree>
+    <p:extLst>
+      <p:ext uri="{BB962C8B-B14F-4D97-AF65-F5344CB8AC3E}">
+        <p14:creationId xmlns:p14="http://schemas.microsoft.com/office/powerpoint/2010/main" val="2289681875"/>
+      </p:ext>
+    </p:extLst>
+  </p:cSld>
+  <p:clrMapOvr>
+    <a:masterClrMapping/>
+  </p:clrMapOvr>
+</p:notes>
+</file>
+
+<file path=ppt/notesSlides/notesSlide2.xml><?xml version="1.0" encoding="utf-8"?>
+<p:notes xmlns:a="http://schemas.openxmlformats.org/drawingml/2006/main" xmlns:r="http://schemas.openxmlformats.org/officeDocument/2006/relationships" xmlns:p="http://schemas.openxmlformats.org/presentationml/2006/main">
+  <p:cSld>
+    <p:spTree>
+      <p:nvGrpSpPr>
+        <p:cNvPr id="1" name=""/>
+        <p:cNvGrpSpPr/>
+        <p:nvPr/>
+      </p:nvGrpSpPr>
+      <p:grpSpPr>
+        <a:xfrm>
+          <a:off x="0" y="0"/>
+          <a:ext cx="0" cy="0"/>
+          <a:chOff x="0" y="0"/>
+          <a:chExt cx="0" cy="0"/>
+        </a:xfrm>
+      </p:grpSpPr>
+      <p:sp>
+        <p:nvSpPr>
+          <p:cNvPr id="2" name="Slide Image Placeholder 1"/>
+          <p:cNvSpPr>
+            <a:spLocks noGrp="1" noRot="1" noChangeAspect="1"/>
+          </p:cNvSpPr>
+          <p:nvPr>
+            <p:ph type="sldImg"/>
+          </p:nvPr>
+        </p:nvSpPr>
+        <p:spPr/>
+      </p:sp>
+      <p:sp>
+        <p:nvSpPr>
+          <p:cNvPr id="3" name="Notes Placeholder 2"/>
+          <p:cNvSpPr>
+            <a:spLocks noGrp="1"/>
+          </p:cNvSpPr>
+          <p:nvPr>
+            <p:ph type="body" idx="1"/>
+          </p:nvPr>
+        </p:nvSpPr>
+        <p:spPr/>
+        <p:txBody>
+          <a:bodyPr/>
+          <a:lstStyle/>
+          <a:p>
+            <a:pPr marL="0" indent="0">
+              <a:buNone/>
+            </a:pPr>
+            <a:r>
+              <a:rPr lang="ja-JP" altLang="en-US" dirty="0"/>
+              <a:t>今までのプロジェクトはインフラとアプリチーム二つのチームで構成されたプロジェクトが多かったため、あまりチーム間コミュニケーションなしで内部で解決できたものが多かったです。しかし、本プロジェクトは多くのチーム</a:t>
+            </a:r>
+            <a:r>
+              <a:rPr lang="en-US" altLang="ja-JP" dirty="0"/>
+              <a:t>(</a:t>
+            </a:r>
+            <a:r>
+              <a:rPr lang="ja-JP" altLang="en-US" dirty="0"/>
+              <a:t>基盤や運用、</a:t>
+            </a:r>
+            <a:r>
+              <a:rPr lang="en-US" altLang="ja-JP" dirty="0"/>
+              <a:t>DB</a:t>
+            </a:r>
+            <a:r>
+              <a:rPr lang="ja-JP" altLang="en-US" dirty="0"/>
+              <a:t>、アプリ等</a:t>
+            </a:r>
+            <a:r>
+              <a:rPr lang="en-US" altLang="ja-JP" dirty="0"/>
+              <a:t>)</a:t>
+            </a:r>
+            <a:r>
+              <a:rPr lang="ja-JP" altLang="en-US" dirty="0"/>
+              <a:t>で構成されていて聞いてみないと分からないことが多かったです。</a:t>
+            </a:r>
+            <a:endParaRPr lang="en-US" altLang="ja-JP" dirty="0"/>
+          </a:p>
+          <a:p>
+            <a:pPr marL="0" indent="0">
+              <a:buNone/>
+            </a:pPr>
+            <a:r>
+              <a:rPr lang="ja-JP" altLang="en-US" dirty="0"/>
+              <a:t>そのため、チーム間で活発なコミュニケーションが行われて上手く質問する方法や回答する方法を見習う機会が多かったです。</a:t>
+            </a:r>
+            <a:endParaRPr lang="en-US" altLang="ja-JP" dirty="0"/>
+          </a:p>
+          <a:p>
+            <a:endParaRPr kumimoji="1" lang="en-US" altLang="ja-JP" dirty="0"/>
+          </a:p>
+          <a:p>
+            <a:pPr marL="0" indent="0">
+              <a:buNone/>
+            </a:pPr>
+            <a:r>
+              <a:rPr lang="ja-JP" altLang="en-US" dirty="0"/>
+              <a:t>問題の原因だけではなく、同じことが繰り返されないように原因の深掘りや分析等ができるような仕組みなっていました。</a:t>
+            </a:r>
+            <a:endParaRPr lang="en-US" altLang="ja-JP" dirty="0"/>
+          </a:p>
+          <a:p>
+            <a:pPr marL="0" indent="0">
+              <a:buNone/>
+            </a:pPr>
+            <a:r>
+              <a:rPr lang="ja-JP" altLang="en-US" dirty="0"/>
+              <a:t>それにより問題の再発防止ができたのではないかと思います。</a:t>
+            </a:r>
+            <a:endParaRPr lang="en-US" altLang="ja-JP" dirty="0"/>
+          </a:p>
+          <a:p>
+            <a:endParaRPr kumimoji="1" lang="ja-JP" altLang="en-US" dirty="0"/>
+          </a:p>
+        </p:txBody>
+      </p:sp>
+      <p:sp>
+        <p:nvSpPr>
+          <p:cNvPr id="4" name="Slide Number Placeholder 3"/>
+          <p:cNvSpPr>
+            <a:spLocks noGrp="1"/>
+          </p:cNvSpPr>
+          <p:nvPr>
+            <p:ph type="sldNum" sz="quarter" idx="5"/>
+          </p:nvPr>
+        </p:nvSpPr>
+        <p:spPr/>
+        <p:txBody>
+          <a:bodyPr/>
+          <a:lstStyle/>
+          <a:p>
+            <a:fld id="{A4113915-157A-46D6-89E5-571F00C0AAEB}" type="slidenum">
+              <a:rPr kumimoji="1" lang="ja-JP" altLang="en-US" smtClean="0"/>
+              <a:t>6</a:t>
+            </a:fld>
+            <a:endParaRPr kumimoji="1" lang="ja-JP" altLang="en-US"/>
+          </a:p>
+        </p:txBody>
+      </p:sp>
+    </p:spTree>
+    <p:extLst>
+      <p:ext uri="{BB962C8B-B14F-4D97-AF65-F5344CB8AC3E}">
+        <p14:creationId xmlns:p14="http://schemas.microsoft.com/office/powerpoint/2010/main" val="1902503132"/>
+      </p:ext>
+    </p:extLst>
+  </p:cSld>
+  <p:clrMapOvr>
+    <a:masterClrMapping/>
+  </p:clrMapOvr>
+</p:notes>
 </file>
 
 <file path=ppt/slideLayouts/slideLayout1.xml><?xml version="1.0" encoding="utf-8"?>
@@ -5976,7 +14057,7 @@
           <a:p>
             <a:fld id="{E6171E64-FE02-4DE5-B72F-53C3706641C3}" type="datetimeFigureOut">
               <a:rPr lang="en-US" smtClean="0"/>
-              <a:t>1/13/2024</a:t>
+              <a:t>1/16/2024</a:t>
             </a:fld>
             <a:endParaRPr lang="en-US"/>
           </a:p>
@@ -6187,7 +14268,7 @@
           <a:p>
             <a:fld id="{E6171E64-FE02-4DE5-B72F-53C3706641C3}" type="datetimeFigureOut">
               <a:rPr lang="en-US" smtClean="0"/>
-              <a:t>1/13/2024</a:t>
+              <a:t>1/16/2024</a:t>
             </a:fld>
             <a:endParaRPr lang="en-US"/>
           </a:p>
@@ -6402,7 +14483,7 @@
           <a:p>
             <a:fld id="{E6171E64-FE02-4DE5-B72F-53C3706641C3}" type="datetimeFigureOut">
               <a:rPr lang="en-US" smtClean="0"/>
-              <a:t>1/13/2024</a:t>
+              <a:t>1/16/2024</a:t>
             </a:fld>
             <a:endParaRPr lang="en-US"/>
           </a:p>
@@ -6603,7 +14684,7 @@
           <a:p>
             <a:fld id="{E6171E64-FE02-4DE5-B72F-53C3706641C3}" type="datetimeFigureOut">
               <a:rPr lang="en-US" smtClean="0"/>
-              <a:t>1/13/2024</a:t>
+              <a:t>1/16/2024</a:t>
             </a:fld>
             <a:endParaRPr lang="en-US"/>
           </a:p>
@@ -6882,7 +14963,7 @@
           <a:p>
             <a:fld id="{E6171E64-FE02-4DE5-B72F-53C3706641C3}" type="datetimeFigureOut">
               <a:rPr lang="en-US" smtClean="0"/>
-              <a:t>1/13/2024</a:t>
+              <a:t>1/16/2024</a:t>
             </a:fld>
             <a:endParaRPr lang="en-US"/>
           </a:p>
@@ -7150,7 +15231,7 @@
           <a:p>
             <a:fld id="{E6171E64-FE02-4DE5-B72F-53C3706641C3}" type="datetimeFigureOut">
               <a:rPr lang="en-US" smtClean="0"/>
-              <a:t>1/13/2024</a:t>
+              <a:t>1/16/2024</a:t>
             </a:fld>
             <a:endParaRPr lang="en-US"/>
           </a:p>
@@ -7566,7 +15647,7 @@
           <a:p>
             <a:fld id="{E6171E64-FE02-4DE5-B72F-53C3706641C3}" type="datetimeFigureOut">
               <a:rPr lang="en-US" smtClean="0"/>
-              <a:t>1/13/2024</a:t>
+              <a:t>1/16/2024</a:t>
             </a:fld>
             <a:endParaRPr lang="en-US"/>
           </a:p>
@@ -7715,7 +15796,7 @@
           <a:p>
             <a:fld id="{E6171E64-FE02-4DE5-B72F-53C3706641C3}" type="datetimeFigureOut">
               <a:rPr lang="en-US" smtClean="0"/>
-              <a:t>1/13/2024</a:t>
+              <a:t>1/16/2024</a:t>
             </a:fld>
             <a:endParaRPr lang="en-US"/>
           </a:p>
@@ -7841,7 +15922,7 @@
           <a:p>
             <a:fld id="{E6171E64-FE02-4DE5-B72F-53C3706641C3}" type="datetimeFigureOut">
               <a:rPr lang="en-US" smtClean="0"/>
-              <a:t>1/13/2024</a:t>
+              <a:t>1/16/2024</a:t>
             </a:fld>
             <a:endParaRPr lang="en-US"/>
           </a:p>
@@ -8092,7 +16173,7 @@
           <a:p>
             <a:fld id="{E6171E64-FE02-4DE5-B72F-53C3706641C3}" type="datetimeFigureOut">
               <a:rPr lang="en-US" smtClean="0"/>
-              <a:t>1/13/2024</a:t>
+              <a:t>1/16/2024</a:t>
             </a:fld>
             <a:endParaRPr lang="en-US"/>
           </a:p>
@@ -8537,7 +16618,7 @@
           <a:p>
             <a:fld id="{E6171E64-FE02-4DE5-B72F-53C3706641C3}" type="datetimeFigureOut">
               <a:rPr lang="en-US" smtClean="0"/>
-              <a:t>1/13/2024</a:t>
+              <a:t>1/16/2024</a:t>
             </a:fld>
             <a:endParaRPr lang="en-US"/>
           </a:p>
@@ -8864,7 +16945,7 @@
           <a:p>
             <a:fld id="{E6171E64-FE02-4DE5-B72F-53C3706641C3}" type="datetimeFigureOut">
               <a:rPr lang="en-US" smtClean="0"/>
-              <a:t>1/13/2024</a:t>
+              <a:t>1/16/2024</a:t>
             </a:fld>
             <a:endParaRPr lang="en-US"/>
           </a:p>
@@ -9503,6 +17584,359 @@
     <p:extLst>
       <p:ext uri="{BB962C8B-B14F-4D97-AF65-F5344CB8AC3E}">
         <p14:creationId xmlns:p14="http://schemas.microsoft.com/office/powerpoint/2010/main" val="2382606557"/>
+      </p:ext>
+    </p:extLst>
+  </p:cSld>
+  <p:clrMapOvr>
+    <a:masterClrMapping/>
+  </p:clrMapOvr>
+</p:sld>
+</file>
+
+<file path=ppt/slides/slide10.xml><?xml version="1.0" encoding="utf-8"?>
+<p:sld xmlns:a="http://schemas.openxmlformats.org/drawingml/2006/main" xmlns:r="http://schemas.openxmlformats.org/officeDocument/2006/relationships" xmlns:p="http://schemas.openxmlformats.org/presentationml/2006/main">
+  <p:cSld>
+    <p:spTree>
+      <p:nvGrpSpPr>
+        <p:cNvPr id="1" name=""/>
+        <p:cNvGrpSpPr/>
+        <p:nvPr/>
+      </p:nvGrpSpPr>
+      <p:grpSpPr>
+        <a:xfrm>
+          <a:off x="0" y="0"/>
+          <a:ext cx="0" cy="0"/>
+          <a:chOff x="0" y="0"/>
+          <a:chExt cx="0" cy="0"/>
+        </a:xfrm>
+      </p:grpSpPr>
+      <p:sp>
+        <p:nvSpPr>
+          <p:cNvPr id="2" name="Title 1">
+            <a:extLst>
+              <a:ext uri="{FF2B5EF4-FFF2-40B4-BE49-F238E27FC236}">
+                <a16:creationId xmlns:a16="http://schemas.microsoft.com/office/drawing/2014/main" id="{F4C59AB5-6ACF-758D-0622-85E8364E9C29}"/>
+              </a:ext>
+            </a:extLst>
+          </p:cNvPr>
+          <p:cNvSpPr>
+            <a:spLocks noGrp="1"/>
+          </p:cNvSpPr>
+          <p:nvPr>
+            <p:ph type="title"/>
+          </p:nvPr>
+        </p:nvSpPr>
+        <p:spPr/>
+        <p:txBody>
+          <a:bodyPr>
+            <a:normAutofit/>
+          </a:bodyPr>
+          <a:lstStyle/>
+          <a:p>
+            <a:r>
+              <a:rPr lang="ja-JP" altLang="en-US" dirty="0"/>
+              <a:t>②コミュニケーション能力不足</a:t>
+            </a:r>
+            <a:br>
+              <a:rPr lang="en-US" altLang="ja-JP" dirty="0"/>
+            </a:br>
+            <a:endParaRPr kumimoji="1" lang="ja-JP" altLang="en-US" dirty="0">
+              <a:latin typeface="+mn-ea"/>
+              <a:ea typeface="+mn-ea"/>
+            </a:endParaRPr>
+          </a:p>
+        </p:txBody>
+      </p:sp>
+      <p:sp>
+        <p:nvSpPr>
+          <p:cNvPr id="3" name="Content Placeholder 2">
+            <a:extLst>
+              <a:ext uri="{FF2B5EF4-FFF2-40B4-BE49-F238E27FC236}">
+                <a16:creationId xmlns:a16="http://schemas.microsoft.com/office/drawing/2014/main" id="{FE31D3C4-4822-004F-E41E-97486650512F}"/>
+              </a:ext>
+            </a:extLst>
+          </p:cNvPr>
+          <p:cNvSpPr>
+            <a:spLocks noGrp="1"/>
+          </p:cNvSpPr>
+          <p:nvPr>
+            <p:ph idx="1"/>
+          </p:nvPr>
+        </p:nvSpPr>
+        <p:spPr/>
+        <p:txBody>
+          <a:bodyPr/>
+          <a:lstStyle/>
+          <a:p>
+            <a:pPr marL="0" indent="0">
+              <a:buNone/>
+            </a:pPr>
+            <a:r>
+              <a:rPr lang="ja-JP" altLang="en-US" dirty="0"/>
+              <a:t>以下の原因により本プロジェクトで上手くコミュニケーシを取りませんでした。</a:t>
+            </a:r>
+            <a:endParaRPr lang="en-US" altLang="ja-JP" dirty="0"/>
+          </a:p>
+          <a:p>
+            <a:pPr marL="0" indent="0">
+              <a:buNone/>
+            </a:pPr>
+            <a:r>
+              <a:rPr lang="ja-JP" altLang="en-US" dirty="0"/>
+              <a:t>①語彙力がない</a:t>
+            </a:r>
+            <a:endParaRPr lang="en-US" altLang="ja-JP" dirty="0"/>
+          </a:p>
+          <a:p>
+            <a:pPr marL="0" indent="0">
+              <a:buNone/>
+            </a:pPr>
+            <a:r>
+              <a:rPr lang="ja-JP" altLang="en-US" dirty="0"/>
+              <a:t>②①により</a:t>
+            </a:r>
+            <a:r>
+              <a:rPr lang="ja-JP" altLang="en-US" b="0" i="0" dirty="0">
+                <a:solidFill>
+                  <a:srgbClr val="374151"/>
+                </a:solidFill>
+                <a:effectLst/>
+                <a:latin typeface="Söhne"/>
+              </a:rPr>
+              <a:t>文章が冗長</a:t>
+            </a:r>
+            <a:endParaRPr lang="en-US" altLang="ja-JP" b="0" i="0" dirty="0">
+              <a:solidFill>
+                <a:srgbClr val="374151"/>
+              </a:solidFill>
+              <a:effectLst/>
+              <a:latin typeface="Söhne"/>
+            </a:endParaRPr>
+          </a:p>
+          <a:p>
+            <a:pPr marL="0" indent="0">
+              <a:buNone/>
+            </a:pPr>
+            <a:r>
+              <a:rPr lang="ja-JP" altLang="en-US" dirty="0">
+                <a:solidFill>
+                  <a:srgbClr val="374151"/>
+                </a:solidFill>
+                <a:latin typeface="Söhne"/>
+              </a:rPr>
+              <a:t>③文章がまとまっていない</a:t>
+            </a:r>
+            <a:endParaRPr lang="en-US" altLang="ja-JP" dirty="0">
+              <a:solidFill>
+                <a:srgbClr val="374151"/>
+              </a:solidFill>
+              <a:latin typeface="Söhne"/>
+            </a:endParaRPr>
+          </a:p>
+          <a:p>
+            <a:pPr marL="0" indent="0">
+              <a:buNone/>
+            </a:pPr>
+            <a:endParaRPr lang="en-US" altLang="ja-JP" dirty="0"/>
+          </a:p>
+        </p:txBody>
+      </p:sp>
+    </p:spTree>
+    <p:extLst>
+      <p:ext uri="{BB962C8B-B14F-4D97-AF65-F5344CB8AC3E}">
+        <p14:creationId xmlns:p14="http://schemas.microsoft.com/office/powerpoint/2010/main" val="2154950927"/>
+      </p:ext>
+    </p:extLst>
+  </p:cSld>
+  <p:clrMapOvr>
+    <a:masterClrMapping/>
+  </p:clrMapOvr>
+</p:sld>
+</file>
+
+<file path=ppt/slides/slide11.xml><?xml version="1.0" encoding="utf-8"?>
+<p:sld xmlns:a="http://schemas.openxmlformats.org/drawingml/2006/main" xmlns:r="http://schemas.openxmlformats.org/officeDocument/2006/relationships" xmlns:p="http://schemas.openxmlformats.org/presentationml/2006/main">
+  <p:cSld>
+    <p:spTree>
+      <p:nvGrpSpPr>
+        <p:cNvPr id="1" name=""/>
+        <p:cNvGrpSpPr/>
+        <p:nvPr/>
+      </p:nvGrpSpPr>
+      <p:grpSpPr>
+        <a:xfrm>
+          <a:off x="0" y="0"/>
+          <a:ext cx="0" cy="0"/>
+          <a:chOff x="0" y="0"/>
+          <a:chExt cx="0" cy="0"/>
+        </a:xfrm>
+      </p:grpSpPr>
+      <p:sp>
+        <p:nvSpPr>
+          <p:cNvPr id="4" name="Title 3">
+            <a:extLst>
+              <a:ext uri="{FF2B5EF4-FFF2-40B4-BE49-F238E27FC236}">
+                <a16:creationId xmlns:a16="http://schemas.microsoft.com/office/drawing/2014/main" id="{D29DE2ED-7259-77DA-5762-F6EC0C87101D}"/>
+              </a:ext>
+            </a:extLst>
+          </p:cNvPr>
+          <p:cNvSpPr>
+            <a:spLocks noGrp="1"/>
+          </p:cNvSpPr>
+          <p:nvPr>
+            <p:ph type="title"/>
+          </p:nvPr>
+        </p:nvSpPr>
+        <p:spPr>
+          <a:xfrm>
+            <a:off x="1451579" y="804519"/>
+            <a:ext cx="9603275" cy="1049235"/>
+          </a:xfrm>
+        </p:spPr>
+        <p:txBody>
+          <a:bodyPr>
+            <a:normAutofit/>
+          </a:bodyPr>
+          <a:lstStyle/>
+          <a:p>
+            <a:r>
+              <a:rPr lang="ja-JP" altLang="en-US" dirty="0"/>
+              <a:t>今後</a:t>
+            </a:r>
+          </a:p>
+        </p:txBody>
+      </p:sp>
+      <p:graphicFrame>
+        <p:nvGraphicFramePr>
+          <p:cNvPr id="7" name="Content Placeholder 4">
+            <a:extLst>
+              <a:ext uri="{FF2B5EF4-FFF2-40B4-BE49-F238E27FC236}">
+                <a16:creationId xmlns:a16="http://schemas.microsoft.com/office/drawing/2014/main" id="{F6491D39-C3F0-9FB9-D086-4AAF0ADC7359}"/>
+              </a:ext>
+            </a:extLst>
+          </p:cNvPr>
+          <p:cNvGraphicFramePr>
+            <a:graphicFrameLocks noGrp="1"/>
+          </p:cNvGraphicFramePr>
+          <p:nvPr>
+            <p:ph idx="1"/>
+            <p:extLst>
+              <p:ext uri="{D42A27DB-BD31-4B8C-83A1-F6EECF244321}">
+                <p14:modId xmlns:p14="http://schemas.microsoft.com/office/powerpoint/2010/main" val="1662926523"/>
+              </p:ext>
+            </p:extLst>
+          </p:nvPr>
+        </p:nvGraphicFramePr>
+        <p:xfrm>
+          <a:off x="1450975" y="2331497"/>
+          <a:ext cx="9604375" cy="3723227"/>
+        </p:xfrm>
+        <a:graphic>
+          <a:graphicData uri="http://schemas.openxmlformats.org/drawingml/2006/diagram">
+            <dgm:relIds xmlns:dgm="http://schemas.openxmlformats.org/drawingml/2006/diagram" xmlns:r="http://schemas.openxmlformats.org/officeDocument/2006/relationships" r:dm="rId2" r:lo="rId3" r:qs="rId4" r:cs="rId5"/>
+          </a:graphicData>
+        </a:graphic>
+      </p:graphicFrame>
+    </p:spTree>
+    <p:extLst>
+      <p:ext uri="{BB962C8B-B14F-4D97-AF65-F5344CB8AC3E}">
+        <p14:creationId xmlns:p14="http://schemas.microsoft.com/office/powerpoint/2010/main" val="988040770"/>
+      </p:ext>
+    </p:extLst>
+  </p:cSld>
+  <p:clrMapOvr>
+    <a:masterClrMapping/>
+  </p:clrMapOvr>
+</p:sld>
+</file>
+
+<file path=ppt/slides/slide12.xml><?xml version="1.0" encoding="utf-8"?>
+<p:sld xmlns:a="http://schemas.openxmlformats.org/drawingml/2006/main" xmlns:r="http://schemas.openxmlformats.org/officeDocument/2006/relationships" xmlns:p="http://schemas.openxmlformats.org/presentationml/2006/main">
+  <p:cSld>
+    <p:spTree>
+      <p:nvGrpSpPr>
+        <p:cNvPr id="1" name=""/>
+        <p:cNvGrpSpPr/>
+        <p:nvPr/>
+      </p:nvGrpSpPr>
+      <p:grpSpPr>
+        <a:xfrm>
+          <a:off x="0" y="0"/>
+          <a:ext cx="0" cy="0"/>
+          <a:chOff x="0" y="0"/>
+          <a:chExt cx="0" cy="0"/>
+        </a:xfrm>
+      </p:grpSpPr>
+      <p:sp>
+        <p:nvSpPr>
+          <p:cNvPr id="4" name="Title 3">
+            <a:extLst>
+              <a:ext uri="{FF2B5EF4-FFF2-40B4-BE49-F238E27FC236}">
+                <a16:creationId xmlns:a16="http://schemas.microsoft.com/office/drawing/2014/main" id="{D29DE2ED-7259-77DA-5762-F6EC0C87101D}"/>
+              </a:ext>
+            </a:extLst>
+          </p:cNvPr>
+          <p:cNvSpPr>
+            <a:spLocks noGrp="1"/>
+          </p:cNvSpPr>
+          <p:nvPr>
+            <p:ph type="title"/>
+          </p:nvPr>
+        </p:nvSpPr>
+        <p:spPr>
+          <a:xfrm>
+            <a:off x="1451579" y="804519"/>
+            <a:ext cx="9603275" cy="1049235"/>
+          </a:xfrm>
+        </p:spPr>
+        <p:txBody>
+          <a:bodyPr>
+            <a:normAutofit/>
+          </a:bodyPr>
+          <a:lstStyle/>
+          <a:p>
+            <a:r>
+              <a:rPr lang="ja-JP" altLang="en-US" dirty="0"/>
+              <a:t>今後</a:t>
+            </a:r>
+          </a:p>
+        </p:txBody>
+      </p:sp>
+      <p:graphicFrame>
+        <p:nvGraphicFramePr>
+          <p:cNvPr id="7" name="Content Placeholder 4">
+            <a:extLst>
+              <a:ext uri="{FF2B5EF4-FFF2-40B4-BE49-F238E27FC236}">
+                <a16:creationId xmlns:a16="http://schemas.microsoft.com/office/drawing/2014/main" id="{F6491D39-C3F0-9FB9-D086-4AAF0ADC7359}"/>
+              </a:ext>
+            </a:extLst>
+          </p:cNvPr>
+          <p:cNvGraphicFramePr>
+            <a:graphicFrameLocks noGrp="1"/>
+          </p:cNvGraphicFramePr>
+          <p:nvPr>
+            <p:ph idx="1"/>
+            <p:extLst>
+              <p:ext uri="{D42A27DB-BD31-4B8C-83A1-F6EECF244321}">
+                <p14:modId xmlns:p14="http://schemas.microsoft.com/office/powerpoint/2010/main" val="2776431085"/>
+              </p:ext>
+            </p:extLst>
+          </p:nvPr>
+        </p:nvGraphicFramePr>
+        <p:xfrm>
+          <a:off x="1450975" y="2331497"/>
+          <a:ext cx="9604375" cy="3723227"/>
+        </p:xfrm>
+        <a:graphic>
+          <a:graphicData uri="http://schemas.openxmlformats.org/drawingml/2006/diagram">
+            <dgm:relIds xmlns:dgm="http://schemas.openxmlformats.org/drawingml/2006/diagram" xmlns:r="http://schemas.openxmlformats.org/officeDocument/2006/relationships" r:dm="rId2" r:lo="rId3" r:qs="rId4" r:cs="rId5"/>
+          </a:graphicData>
+        </a:graphic>
+      </p:graphicFrame>
+    </p:spTree>
+    <p:extLst>
+      <p:ext uri="{BB962C8B-B14F-4D97-AF65-F5344CB8AC3E}">
+        <p14:creationId xmlns:p14="http://schemas.microsoft.com/office/powerpoint/2010/main" val="4069242129"/>
       </p:ext>
     </p:extLst>
   </p:cSld>
@@ -10747,7 +19181,7 @@
             <p:ph idx="1"/>
             <p:extLst>
               <p:ext uri="{D42A27DB-BD31-4B8C-83A1-F6EECF244321}">
-                <p14:modId xmlns:p14="http://schemas.microsoft.com/office/powerpoint/2010/main" val="579113083"/>
+                <p14:modId xmlns:p14="http://schemas.microsoft.com/office/powerpoint/2010/main" val="1575797869"/>
               </p:ext>
             </p:extLst>
           </p:nvPr>
@@ -10810,13 +19244,18 @@
         </p:nvSpPr>
         <p:spPr/>
         <p:txBody>
-          <a:bodyPr/>
+          <a:bodyPr>
+            <a:normAutofit fontScale="90000"/>
+          </a:bodyPr>
           <a:lstStyle/>
           <a:p>
             <a:r>
               <a:rPr kumimoji="1" lang="ja-JP" altLang="en-US" dirty="0"/>
-              <a:t>①競馬のことが分かって体験の機会にもなりました。</a:t>
+              <a:t>①新しい分野の体験</a:t>
             </a:r>
+            <a:br>
+              <a:rPr kumimoji="1" lang="ja-JP" altLang="en-US" dirty="0"/>
+            </a:br>
             <a:br>
               <a:rPr kumimoji="1" lang="ja-JP" altLang="en-US" dirty="0"/>
             </a:br>
@@ -10845,28 +19284,13 @@
           <a:bodyPr/>
           <a:lstStyle/>
           <a:p>
-            <a:pPr marL="0" indent="0">
-              <a:buNone/>
+            <a:pPr>
+              <a:buFont typeface="Wingdings" panose="05000000000000000000" pitchFamily="2" charset="2"/>
+              <a:buChar char="Ø"/>
             </a:pPr>
             <a:r>
               <a:rPr lang="ja-JP" altLang="en-US" dirty="0"/>
-              <a:t>競馬で使うオッズ、馬券</a:t>
-            </a:r>
-            <a:r>
-              <a:rPr lang="en-US" altLang="ja-JP" dirty="0"/>
-              <a:t>(</a:t>
-            </a:r>
-            <a:r>
-              <a:rPr lang="ja-JP" altLang="en-US" dirty="0"/>
-              <a:t>単勝や複勝、ワイド</a:t>
-            </a:r>
-            <a:r>
-              <a:rPr lang="en-US" altLang="ja-JP" dirty="0"/>
-              <a:t>)</a:t>
-            </a:r>
-            <a:r>
-              <a:rPr lang="ja-JP" altLang="en-US" dirty="0"/>
-              <a:t>等を学習する機会になりました。</a:t>
+              <a:t>競馬場の知識ができました。</a:t>
             </a:r>
             <a:endParaRPr lang="en-US" altLang="ja-JP" dirty="0"/>
           </a:p>
@@ -10874,24 +19298,183 @@
             <a:pPr marL="0" indent="0">
               <a:buNone/>
             </a:pPr>
+            <a:endParaRPr lang="en-US" altLang="ja-JP" dirty="0"/>
+          </a:p>
+          <a:p>
+            <a:pPr>
+              <a:buFont typeface="Wingdings" panose="05000000000000000000" pitchFamily="2" charset="2"/>
+              <a:buChar char="Ø"/>
+            </a:pPr>
+            <a:endParaRPr lang="en-US" altLang="ja-JP" dirty="0"/>
+          </a:p>
+          <a:p>
+            <a:pPr>
+              <a:buFont typeface="Wingdings" panose="05000000000000000000" pitchFamily="2" charset="2"/>
+              <a:buChar char="Ø"/>
+            </a:pPr>
+            <a:endParaRPr lang="en-US" altLang="ja-JP" dirty="0"/>
+          </a:p>
+          <a:p>
+            <a:pPr>
+              <a:buFont typeface="Wingdings" panose="05000000000000000000" pitchFamily="2" charset="2"/>
+              <a:buChar char="Ø"/>
+            </a:pPr>
+            <a:endParaRPr lang="en-US" altLang="ja-JP" dirty="0"/>
+          </a:p>
+          <a:p>
+            <a:pPr>
+              <a:buFont typeface="Wingdings" panose="05000000000000000000" pitchFamily="2" charset="2"/>
+              <a:buChar char="Ø"/>
+            </a:pPr>
             <a:r>
               <a:rPr lang="ja-JP" altLang="en-US" dirty="0"/>
-              <a:t>また、競馬のことに興味ができ初競馬場体験をしました。</a:t>
+              <a:t>初めて競馬場を体験しました。</a:t>
             </a:r>
             <a:endParaRPr lang="en-US" altLang="ja-JP" dirty="0"/>
           </a:p>
-          <a:p>
-            <a:pPr marL="0" indent="0">
-              <a:buNone/>
-            </a:pPr>
-            <a:r>
-              <a:rPr lang="ja-JP" altLang="en-US" dirty="0"/>
-              <a:t>⇒プロジェクトを通じて他の分野の知識と経験ができるのはプログラマーという職業の大きな長所だと思います。</a:t>
-            </a:r>
-            <a:endParaRPr kumimoji="1" lang="ja-JP" altLang="en-US" dirty="0"/>
-          </a:p>
         </p:txBody>
       </p:sp>
+      <p:pic>
+        <p:nvPicPr>
+          <p:cNvPr id="1026" name="Picture 2" descr="競馬のオッズとは？初心者 にも分かりやすく丁寧に用語解説！ - SIVA PRESS">
+            <a:extLst>
+              <a:ext uri="{FF2B5EF4-FFF2-40B4-BE49-F238E27FC236}">
+                <a16:creationId xmlns:a16="http://schemas.microsoft.com/office/drawing/2014/main" id="{29E6866E-5FE3-0A69-3D01-052526517DF6}"/>
+              </a:ext>
+            </a:extLst>
+          </p:cNvPr>
+          <p:cNvPicPr>
+            <a:picLocks noChangeAspect="1" noChangeArrowheads="1"/>
+          </p:cNvPicPr>
+          <p:nvPr/>
+        </p:nvPicPr>
+        <p:blipFill>
+          <a:blip r:embed="rId3">
+            <a:extLst>
+              <a:ext uri="{28A0092B-C50C-407E-A947-70E740481C1C}">
+                <a14:useLocalDpi xmlns:a14="http://schemas.microsoft.com/office/drawing/2010/main" val="0"/>
+              </a:ext>
+            </a:extLst>
+          </a:blip>
+          <a:srcRect/>
+          <a:stretch>
+            <a:fillRect/>
+          </a:stretch>
+        </p:blipFill>
+        <p:spPr bwMode="auto">
+          <a:xfrm>
+            <a:off x="1835636" y="2601390"/>
+            <a:ext cx="2478055" cy="1655218"/>
+          </a:xfrm>
+          <a:prstGeom prst="rect">
+            <a:avLst/>
+          </a:prstGeom>
+          <a:noFill/>
+          <a:extLst>
+            <a:ext uri="{909E8E84-426E-40DD-AFC4-6F175D3DCCD1}">
+              <a14:hiddenFill xmlns:a14="http://schemas.microsoft.com/office/drawing/2010/main">
+                <a:solidFill>
+                  <a:srgbClr val="FFFFFF"/>
+                </a:solidFill>
+              </a14:hiddenFill>
+            </a:ext>
+          </a:extLst>
+        </p:spPr>
+      </p:pic>
+      <p:pic>
+        <p:nvPicPr>
+          <p:cNvPr id="1034" name="Picture 10" descr="第59回日本ダービー - 出走表">
+            <a:extLst>
+              <a:ext uri="{FF2B5EF4-FFF2-40B4-BE49-F238E27FC236}">
+                <a16:creationId xmlns:a16="http://schemas.microsoft.com/office/drawing/2014/main" id="{08B6486C-199B-9B39-23C6-6E42C0C8A550}"/>
+              </a:ext>
+            </a:extLst>
+          </p:cNvPr>
+          <p:cNvPicPr>
+            <a:picLocks noChangeAspect="1" noChangeArrowheads="1"/>
+          </p:cNvPicPr>
+          <p:nvPr/>
+        </p:nvPicPr>
+        <p:blipFill>
+          <a:blip r:embed="rId4">
+            <a:extLst>
+              <a:ext uri="{28A0092B-C50C-407E-A947-70E740481C1C}">
+                <a14:useLocalDpi xmlns:a14="http://schemas.microsoft.com/office/drawing/2010/main" val="0"/>
+              </a:ext>
+            </a:extLst>
+          </a:blip>
+          <a:srcRect/>
+          <a:stretch>
+            <a:fillRect/>
+          </a:stretch>
+        </p:blipFill>
+        <p:spPr bwMode="auto">
+          <a:xfrm>
+            <a:off x="5097571" y="2601390"/>
+            <a:ext cx="4785210" cy="1655219"/>
+          </a:xfrm>
+          <a:prstGeom prst="rect">
+            <a:avLst/>
+          </a:prstGeom>
+          <a:noFill/>
+          <a:extLst>
+            <a:ext uri="{909E8E84-426E-40DD-AFC4-6F175D3DCCD1}">
+              <a14:hiddenFill xmlns:a14="http://schemas.microsoft.com/office/drawing/2010/main">
+                <a:solidFill>
+                  <a:srgbClr val="FFFFFF"/>
+                </a:solidFill>
+              </a14:hiddenFill>
+            </a:ext>
+          </a:extLst>
+        </p:spPr>
+      </p:pic>
+      <p:pic>
+        <p:nvPicPr>
+          <p:cNvPr id="1036" name="Picture 12" descr="府中競馬場へ | 富士宮やきそば-マルモ食品-">
+            <a:extLst>
+              <a:ext uri="{FF2B5EF4-FFF2-40B4-BE49-F238E27FC236}">
+                <a16:creationId xmlns:a16="http://schemas.microsoft.com/office/drawing/2014/main" id="{8DFF7EE3-A27E-05A4-0601-B1D9A840611B}"/>
+              </a:ext>
+            </a:extLst>
+          </p:cNvPr>
+          <p:cNvPicPr>
+            <a:picLocks noChangeAspect="1" noChangeArrowheads="1"/>
+          </p:cNvPicPr>
+          <p:nvPr/>
+        </p:nvPicPr>
+        <p:blipFill>
+          <a:blip r:embed="rId5">
+            <a:extLst>
+              <a:ext uri="{28A0092B-C50C-407E-A947-70E740481C1C}">
+                <a14:useLocalDpi xmlns:a14="http://schemas.microsoft.com/office/drawing/2010/main" val="0"/>
+              </a:ext>
+            </a:extLst>
+          </a:blip>
+          <a:srcRect/>
+          <a:stretch>
+            <a:fillRect/>
+          </a:stretch>
+        </p:blipFill>
+        <p:spPr bwMode="auto">
+          <a:xfrm>
+            <a:off x="1835636" y="4994963"/>
+            <a:ext cx="3261935" cy="988656"/>
+          </a:xfrm>
+          <a:prstGeom prst="rect">
+            <a:avLst/>
+          </a:prstGeom>
+          <a:noFill/>
+          <a:extLst>
+            <a:ext uri="{909E8E84-426E-40DD-AFC4-6F175D3DCCD1}">
+              <a14:hiddenFill xmlns:a14="http://schemas.microsoft.com/office/drawing/2010/main">
+                <a:solidFill>
+                  <a:srgbClr val="FFFFFF"/>
+                </a:solidFill>
+              </a14:hiddenFill>
+            </a:ext>
+          </a:extLst>
+        </p:spPr>
+      </p:pic>
     </p:spTree>
     <p:extLst>
       <p:ext uri="{BB962C8B-B14F-4D97-AF65-F5344CB8AC3E}">
@@ -10947,8 +19530,11 @@
           <a:p>
             <a:r>
               <a:rPr kumimoji="1" lang="ja-JP" altLang="en-US" dirty="0"/>
-              <a:t>②大規模のプロジェクトのため学ぶことが多かった。</a:t>
+              <a:t>②大規模のプロジェクトの経験</a:t>
             </a:r>
+            <a:br>
+              <a:rPr kumimoji="1" lang="ja-JP" altLang="en-US" dirty="0"/>
+            </a:br>
             <a:br>
               <a:rPr kumimoji="1" lang="ja-JP" altLang="en-US" dirty="0"/>
             </a:br>
@@ -10978,7 +19564,7 @@
         <p:spPr/>
         <p:txBody>
           <a:bodyPr>
-            <a:normAutofit fontScale="47500" lnSpcReduction="20000"/>
+            <a:normAutofit fontScale="92500" lnSpcReduction="20000"/>
           </a:bodyPr>
           <a:lstStyle/>
           <a:p>
@@ -10987,25 +19573,11 @@
             </a:pPr>
             <a:r>
               <a:rPr kumimoji="1" lang="ja-JP" altLang="en-US" dirty="0"/>
-              <a:t>①コミュニケーション能力</a:t>
-            </a:r>
-            <a:endParaRPr kumimoji="1" lang="en-US" altLang="ja-JP" dirty="0"/>
-          </a:p>
-          <a:p>
-            <a:pPr marL="0" indent="0">
-              <a:buNone/>
-            </a:pPr>
-            <a:r>
-              <a:rPr lang="ja-JP" altLang="en-US" dirty="0"/>
-              <a:t>今までのプロジェクトはインフラとアプリチーム二つのチームで構成されたプロジェクトが多かったため、あまりチーム間コミュニケーションなしで内部で解決できたものが多かったです。しかし、本プロジェクトは多くのチーム</a:t>
-            </a:r>
-            <a:r>
-              <a:rPr lang="en-US" altLang="ja-JP" dirty="0"/>
-              <a:t>(</a:t>
+              <a:t>①</a:t>
             </a:r>
             <a:r>
               <a:rPr lang="ja-JP" altLang="en-US" dirty="0"/>
-              <a:t>基盤や運用、</a:t>
+              <a:t>基盤や業務、</a:t>
             </a:r>
             <a:r>
               <a:rPr lang="en-US" altLang="ja-JP" dirty="0"/>
@@ -11013,25 +19585,7 @@
             </a:r>
             <a:r>
               <a:rPr lang="ja-JP" altLang="en-US" dirty="0"/>
-              <a:t>、アプリ等</a:t>
-            </a:r>
-            <a:r>
-              <a:rPr lang="en-US" altLang="ja-JP" dirty="0"/>
-              <a:t>)</a:t>
-            </a:r>
-            <a:r>
-              <a:rPr lang="ja-JP" altLang="en-US" dirty="0"/>
-              <a:t>で構成されていて聞いてみないと分からないことが多かったです。</a:t>
-            </a:r>
-            <a:endParaRPr lang="en-US" altLang="ja-JP" dirty="0"/>
-          </a:p>
-          <a:p>
-            <a:pPr marL="0" indent="0">
-              <a:buNone/>
-            </a:pPr>
-            <a:r>
-              <a:rPr lang="ja-JP" altLang="en-US" dirty="0"/>
-              <a:t>そのため、チーム間で活発なコミュニケーションが行われて上手く質問する方法や回答する方法を見習う機会が多かったです。</a:t>
+              <a:t>、アプリ、運用チーム等いろんなチームがあってチーム間のコミュニケーションの大切さを感じました。</a:t>
             </a:r>
             <a:endParaRPr lang="en-US" altLang="ja-JP" dirty="0"/>
           </a:p>
@@ -11064,36 +19618,6 @@
             <a:r>
               <a:rPr lang="ja-JP" altLang="en-US" dirty="0"/>
               <a:t>が起きた時の管理について</a:t>
-            </a:r>
-            <a:endParaRPr lang="en-US" altLang="ja-JP" dirty="0"/>
-          </a:p>
-          <a:p>
-            <a:pPr marL="0" indent="0">
-              <a:buNone/>
-            </a:pPr>
-            <a:r>
-              <a:rPr lang="ja-JP" altLang="en-US" dirty="0"/>
-              <a:t>問題の原因だけではなく、同じことが繰り返されないように原因の深掘りや分析等ができるような仕組みなっていました。</a:t>
-            </a:r>
-            <a:endParaRPr lang="en-US" altLang="ja-JP" dirty="0"/>
-          </a:p>
-          <a:p>
-            <a:pPr marL="0" indent="0">
-              <a:buNone/>
-            </a:pPr>
-            <a:r>
-              <a:rPr lang="ja-JP" altLang="en-US" dirty="0"/>
-              <a:t>それにより再発防止ができたのではないかと思います。</a:t>
-            </a:r>
-            <a:endParaRPr lang="en-US" altLang="ja-JP" dirty="0"/>
-          </a:p>
-          <a:p>
-            <a:pPr marL="0" indent="0">
-              <a:buNone/>
-            </a:pPr>
-            <a:r>
-              <a:rPr lang="ja-JP" altLang="en-US" dirty="0"/>
-              <a:t>正し、対象の項目やプロジェクト状況によってはその管理方法が逆に作業の効率性を下げるデメリットがあることも実感しました。</a:t>
             </a:r>
             <a:endParaRPr lang="en-US" altLang="ja-JP" dirty="0"/>
           </a:p>
@@ -11225,7 +19749,7 @@
         <p:spPr/>
         <p:txBody>
           <a:bodyPr>
-            <a:normAutofit fontScale="77500" lnSpcReduction="20000"/>
+            <a:normAutofit fontScale="55000" lnSpcReduction="20000"/>
           </a:bodyPr>
           <a:lstStyle/>
           <a:p>
@@ -11258,7 +19782,7 @@
             </a:pPr>
             <a:r>
               <a:rPr lang="ja-JP" altLang="en-US" dirty="0"/>
-              <a:t>新規のものに対する設計書の作成時にできれば詳細に書き込んで本来は実装で</a:t>
+              <a:t>新規のものに対する設計書の作成時にできれば詳細に書き込んで本来は実装で時間をかけるところを大幅激減し、詳細設計で実装のやり取りができました。また、それについてお客様から高評価も受けました。</a:t>
             </a:r>
             <a:endParaRPr lang="en-US" altLang="ja-JP" dirty="0"/>
           </a:p>
@@ -11286,7 +19810,35 @@
             <a:pPr marL="0" indent="0">
               <a:buNone/>
             </a:pPr>
-            <a:endParaRPr kumimoji="1" lang="en-US" altLang="ja-JP" dirty="0"/>
+            <a:r>
+              <a:rPr lang="ja-JP" altLang="en-US" dirty="0"/>
+              <a:t>現行では重複したコードや一つのクラスが</a:t>
+            </a:r>
+            <a:r>
+              <a:rPr lang="en-US" altLang="ja-JP" dirty="0"/>
+              <a:t>2000</a:t>
+            </a:r>
+            <a:r>
+              <a:rPr lang="ja-JP" altLang="en-US" dirty="0"/>
+              <a:t>行以上あるような不効率的に書いてあったコードが多かったです。</a:t>
+            </a:r>
+            <a:endParaRPr lang="en-US" altLang="ja-JP" dirty="0"/>
+          </a:p>
+          <a:p>
+            <a:pPr marL="0" indent="0">
+              <a:buNone/>
+            </a:pPr>
+            <a:r>
+              <a:rPr lang="ja-JP" altLang="en-US" dirty="0"/>
+              <a:t>改修する時に上記を解決する案をリーダーに提案して承認いただき、コードの効率性を上げました。</a:t>
+            </a:r>
+            <a:endParaRPr lang="en-US" altLang="ja-JP" dirty="0"/>
+          </a:p>
+          <a:p>
+            <a:pPr marL="0" indent="0">
+              <a:buNone/>
+            </a:pPr>
+            <a:endParaRPr lang="en-US" altLang="ja-JP" dirty="0"/>
           </a:p>
           <a:p>
             <a:pPr marL="0" indent="0">
@@ -11303,10 +19855,9 @@
               <a:buNone/>
             </a:pPr>
             <a:r>
-              <a:rPr kumimoji="1" lang="ja-JP" altLang="en-US"/>
+              <a:rPr kumimoji="1" lang="ja-JP" altLang="en-US" dirty="0"/>
               <a:t>プロジェクト中一番難しいところを任され何回かも諦めたいと思ったのですが、「僕しかできない」という思いで最後までやり続けて完成までやり遂げました。</a:t>
             </a:r>
-            <a:endParaRPr kumimoji="1" lang="ja-JP" altLang="en-US" dirty="0"/>
           </a:p>
         </p:txBody>
       </p:sp>
@@ -11314,6 +19865,318 @@
     <p:extLst>
       <p:ext uri="{BB962C8B-B14F-4D97-AF65-F5344CB8AC3E}">
         <p14:creationId xmlns:p14="http://schemas.microsoft.com/office/powerpoint/2010/main" val="2319827077"/>
+      </p:ext>
+    </p:extLst>
+  </p:cSld>
+  <p:clrMapOvr>
+    <a:masterClrMapping/>
+  </p:clrMapOvr>
+</p:sld>
+</file>
+
+<file path=ppt/slides/slide8.xml><?xml version="1.0" encoding="utf-8"?>
+<p:sld xmlns:a="http://schemas.openxmlformats.org/drawingml/2006/main" xmlns:r="http://schemas.openxmlformats.org/officeDocument/2006/relationships" xmlns:p="http://schemas.openxmlformats.org/presentationml/2006/main">
+  <p:cSld>
+    <p:spTree>
+      <p:nvGrpSpPr>
+        <p:cNvPr id="1" name=""/>
+        <p:cNvGrpSpPr/>
+        <p:nvPr/>
+      </p:nvGrpSpPr>
+      <p:grpSpPr>
+        <a:xfrm>
+          <a:off x="0" y="0"/>
+          <a:ext cx="0" cy="0"/>
+          <a:chOff x="0" y="0"/>
+          <a:chExt cx="0" cy="0"/>
+        </a:xfrm>
+      </p:grpSpPr>
+      <p:sp>
+        <p:nvSpPr>
+          <p:cNvPr id="4" name="Title 3">
+            <a:extLst>
+              <a:ext uri="{FF2B5EF4-FFF2-40B4-BE49-F238E27FC236}">
+                <a16:creationId xmlns:a16="http://schemas.microsoft.com/office/drawing/2014/main" id="{D29DE2ED-7259-77DA-5762-F6EC0C87101D}"/>
+              </a:ext>
+            </a:extLst>
+          </p:cNvPr>
+          <p:cNvSpPr>
+            <a:spLocks noGrp="1"/>
+          </p:cNvSpPr>
+          <p:nvPr>
+            <p:ph type="title"/>
+          </p:nvPr>
+        </p:nvSpPr>
+        <p:spPr>
+          <a:xfrm>
+            <a:off x="1451579" y="804519"/>
+            <a:ext cx="9603275" cy="1049235"/>
+          </a:xfrm>
+        </p:spPr>
+        <p:txBody>
+          <a:bodyPr>
+            <a:normAutofit/>
+          </a:bodyPr>
+          <a:lstStyle/>
+          <a:p>
+            <a:r>
+              <a:rPr lang="ja-JP" altLang="en-US" dirty="0"/>
+              <a:t>悪かった点</a:t>
+            </a:r>
+          </a:p>
+        </p:txBody>
+      </p:sp>
+      <p:graphicFrame>
+        <p:nvGraphicFramePr>
+          <p:cNvPr id="7" name="Content Placeholder 4">
+            <a:extLst>
+              <a:ext uri="{FF2B5EF4-FFF2-40B4-BE49-F238E27FC236}">
+                <a16:creationId xmlns:a16="http://schemas.microsoft.com/office/drawing/2014/main" id="{F6491D39-C3F0-9FB9-D086-4AAF0ADC7359}"/>
+              </a:ext>
+            </a:extLst>
+          </p:cNvPr>
+          <p:cNvGraphicFramePr>
+            <a:graphicFrameLocks noGrp="1"/>
+          </p:cNvGraphicFramePr>
+          <p:nvPr>
+            <p:ph idx="1"/>
+            <p:extLst>
+              <p:ext uri="{D42A27DB-BD31-4B8C-83A1-F6EECF244321}">
+                <p14:modId xmlns:p14="http://schemas.microsoft.com/office/powerpoint/2010/main" val="1738318584"/>
+              </p:ext>
+            </p:extLst>
+          </p:nvPr>
+        </p:nvGraphicFramePr>
+        <p:xfrm>
+          <a:off x="1450975" y="2331497"/>
+          <a:ext cx="9604375" cy="3723227"/>
+        </p:xfrm>
+        <a:graphic>
+          <a:graphicData uri="http://schemas.openxmlformats.org/drawingml/2006/diagram">
+            <dgm:relIds xmlns:dgm="http://schemas.openxmlformats.org/drawingml/2006/diagram" xmlns:r="http://schemas.openxmlformats.org/officeDocument/2006/relationships" r:dm="rId2" r:lo="rId3" r:qs="rId4" r:cs="rId5"/>
+          </a:graphicData>
+        </a:graphic>
+      </p:graphicFrame>
+    </p:spTree>
+    <p:extLst>
+      <p:ext uri="{BB962C8B-B14F-4D97-AF65-F5344CB8AC3E}">
+        <p14:creationId xmlns:p14="http://schemas.microsoft.com/office/powerpoint/2010/main" val="2996231809"/>
+      </p:ext>
+    </p:extLst>
+  </p:cSld>
+  <p:clrMapOvr>
+    <a:masterClrMapping/>
+  </p:clrMapOvr>
+</p:sld>
+</file>
+
+<file path=ppt/slides/slide9.xml><?xml version="1.0" encoding="utf-8"?>
+<p:sld xmlns:a="http://schemas.openxmlformats.org/drawingml/2006/main" xmlns:r="http://schemas.openxmlformats.org/officeDocument/2006/relationships" xmlns:p="http://schemas.openxmlformats.org/presentationml/2006/main">
+  <p:cSld>
+    <p:spTree>
+      <p:nvGrpSpPr>
+        <p:cNvPr id="1" name=""/>
+        <p:cNvGrpSpPr/>
+        <p:nvPr/>
+      </p:nvGrpSpPr>
+      <p:grpSpPr>
+        <a:xfrm>
+          <a:off x="0" y="0"/>
+          <a:ext cx="0" cy="0"/>
+          <a:chOff x="0" y="0"/>
+          <a:chExt cx="0" cy="0"/>
+        </a:xfrm>
+      </p:grpSpPr>
+      <p:sp>
+        <p:nvSpPr>
+          <p:cNvPr id="2" name="Title 1">
+            <a:extLst>
+              <a:ext uri="{FF2B5EF4-FFF2-40B4-BE49-F238E27FC236}">
+                <a16:creationId xmlns:a16="http://schemas.microsoft.com/office/drawing/2014/main" id="{F4C59AB5-6ACF-758D-0622-85E8364E9C29}"/>
+              </a:ext>
+            </a:extLst>
+          </p:cNvPr>
+          <p:cNvSpPr>
+            <a:spLocks noGrp="1"/>
+          </p:cNvSpPr>
+          <p:nvPr>
+            <p:ph type="title"/>
+          </p:nvPr>
+        </p:nvSpPr>
+        <p:spPr/>
+        <p:txBody>
+          <a:bodyPr>
+            <a:normAutofit fontScale="90000"/>
+          </a:bodyPr>
+          <a:lstStyle/>
+          <a:p>
+            <a:r>
+              <a:rPr kumimoji="1" lang="ja-JP" altLang="en-US" dirty="0"/>
+              <a:t>①</a:t>
+            </a:r>
+            <a:r>
+              <a:rPr kumimoji="1" lang="en-US" altLang="ja-JP" dirty="0">
+                <a:latin typeface="+mn-ea"/>
+                <a:ea typeface="+mn-ea"/>
+              </a:rPr>
+              <a:t>CSS</a:t>
+            </a:r>
+            <a:r>
+              <a:rPr kumimoji="1" lang="ja-JP" altLang="en-US" dirty="0">
+                <a:latin typeface="+mn-ea"/>
+                <a:ea typeface="+mn-ea"/>
+              </a:rPr>
+              <a:t>と</a:t>
+            </a:r>
+            <a:r>
+              <a:rPr kumimoji="1" lang="en-US" altLang="ja-JP" dirty="0">
+                <a:latin typeface="+mn-ea"/>
+                <a:ea typeface="+mn-ea"/>
+              </a:rPr>
+              <a:t>HTML</a:t>
+            </a:r>
+            <a:r>
+              <a:rPr kumimoji="1" lang="ja-JP" altLang="en-US" dirty="0">
+                <a:latin typeface="+mn-ea"/>
+                <a:ea typeface="+mn-ea"/>
+              </a:rPr>
+              <a:t>の知識の薄さ</a:t>
+            </a:r>
+            <a:br>
+              <a:rPr kumimoji="1" lang="ja-JP" altLang="en-US" dirty="0">
+                <a:latin typeface="+mn-ea"/>
+                <a:ea typeface="+mn-ea"/>
+              </a:rPr>
+            </a:br>
+            <a:br>
+              <a:rPr kumimoji="1" lang="ja-JP" altLang="en-US" dirty="0">
+                <a:latin typeface="+mn-ea"/>
+                <a:ea typeface="+mn-ea"/>
+              </a:rPr>
+            </a:br>
+            <a:endParaRPr kumimoji="1" lang="ja-JP" altLang="en-US" dirty="0">
+              <a:latin typeface="+mn-ea"/>
+              <a:ea typeface="+mn-ea"/>
+            </a:endParaRPr>
+          </a:p>
+        </p:txBody>
+      </p:sp>
+      <p:sp>
+        <p:nvSpPr>
+          <p:cNvPr id="3" name="Content Placeholder 2">
+            <a:extLst>
+              <a:ext uri="{FF2B5EF4-FFF2-40B4-BE49-F238E27FC236}">
+                <a16:creationId xmlns:a16="http://schemas.microsoft.com/office/drawing/2014/main" id="{FE31D3C4-4822-004F-E41E-97486650512F}"/>
+              </a:ext>
+            </a:extLst>
+          </p:cNvPr>
+          <p:cNvSpPr>
+            <a:spLocks noGrp="1"/>
+          </p:cNvSpPr>
+          <p:nvPr>
+            <p:ph idx="1"/>
+          </p:nvPr>
+        </p:nvSpPr>
+        <p:spPr/>
+        <p:txBody>
+          <a:bodyPr/>
+          <a:lstStyle/>
+          <a:p>
+            <a:pPr marL="0" indent="0">
+              <a:buNone/>
+            </a:pPr>
+            <a:r>
+              <a:rPr kumimoji="1" lang="ja-JP" altLang="en-US" dirty="0"/>
+              <a:t>このプロジェクトの開発言語は</a:t>
+            </a:r>
+            <a:r>
+              <a:rPr kumimoji="1" lang="en-US" altLang="ja-JP" dirty="0" err="1"/>
+              <a:t>Java,css,html,js</a:t>
+            </a:r>
+            <a:r>
+              <a:rPr kumimoji="1" lang="ja-JP" altLang="en-US" dirty="0"/>
+              <a:t>でした。</a:t>
+            </a:r>
+            <a:endParaRPr kumimoji="1" lang="en-US" altLang="ja-JP" dirty="0"/>
+          </a:p>
+          <a:p>
+            <a:pPr marL="0" indent="0">
+              <a:buNone/>
+            </a:pPr>
+            <a:r>
+              <a:rPr lang="ja-JP" altLang="en-US" dirty="0"/>
+              <a:t>その内、</a:t>
+            </a:r>
+            <a:r>
+              <a:rPr kumimoji="1" lang="ja-JP" altLang="en-US" dirty="0"/>
+              <a:t>今回のプロジェクトの主役は</a:t>
+            </a:r>
+            <a:r>
+              <a:rPr kumimoji="1" lang="en-US" altLang="ja-JP" dirty="0"/>
+              <a:t>java</a:t>
+            </a:r>
+            <a:r>
+              <a:rPr kumimoji="1" lang="ja-JP" altLang="en-US" dirty="0"/>
+              <a:t>ではなく</a:t>
+            </a:r>
+            <a:r>
+              <a:rPr kumimoji="1" lang="en-US" altLang="ja-JP" dirty="0" err="1"/>
+              <a:t>css</a:t>
+            </a:r>
+            <a:r>
+              <a:rPr kumimoji="1" lang="ja-JP" altLang="en-US" dirty="0"/>
+              <a:t>と</a:t>
+            </a:r>
+            <a:r>
+              <a:rPr kumimoji="1" lang="en-US" altLang="ja-JP" dirty="0"/>
+              <a:t>html</a:t>
+            </a:r>
+            <a:r>
+              <a:rPr kumimoji="1" lang="ja-JP" altLang="en-US" dirty="0"/>
+              <a:t>と</a:t>
+            </a:r>
+            <a:r>
+              <a:rPr lang="en-US" altLang="ja-JP" dirty="0" err="1"/>
+              <a:t>js</a:t>
+            </a:r>
+            <a:r>
+              <a:rPr lang="ja-JP" altLang="en-US" dirty="0"/>
+              <a:t>だったたのですが、私は特に</a:t>
+            </a:r>
+            <a:r>
+              <a:rPr lang="en-US" altLang="ja-JP" dirty="0" err="1"/>
+              <a:t>css</a:t>
+            </a:r>
+            <a:r>
+              <a:rPr lang="ja-JP" altLang="en-US" dirty="0"/>
+              <a:t>と</a:t>
+            </a:r>
+            <a:r>
+              <a:rPr lang="en-US" altLang="ja-JP" dirty="0"/>
+              <a:t>html</a:t>
+            </a:r>
+            <a:r>
+              <a:rPr lang="ja-JP" altLang="en-US" dirty="0"/>
+              <a:t>の知識が弱かったです。</a:t>
+            </a:r>
+            <a:endParaRPr lang="en-US" altLang="ja-JP" dirty="0"/>
+          </a:p>
+          <a:p>
+            <a:pPr marL="0" indent="0">
+              <a:buNone/>
+            </a:pPr>
+            <a:r>
+              <a:rPr lang="ja-JP" altLang="en-US" dirty="0"/>
+              <a:t>それがネックになってプロジェクト中ずっと苦労しました。</a:t>
+            </a:r>
+            <a:endParaRPr lang="en-US" altLang="ja-JP" dirty="0"/>
+          </a:p>
+        </p:txBody>
+      </p:sp>
+    </p:spTree>
+    <p:extLst>
+      <p:ext uri="{BB962C8B-B14F-4D97-AF65-F5344CB8AC3E}">
+        <p14:creationId xmlns:p14="http://schemas.microsoft.com/office/powerpoint/2010/main" val="2791826047"/>
       </p:ext>
     </p:extLst>
   </p:cSld>
@@ -11574,4 +20437,319 @@
     </a:ext>
   </a:extLst>
 </a:theme>
+</file>
+
+<file path=ppt/theme/theme2.xml><?xml version="1.0" encoding="utf-8"?>
+<a:theme xmlns:a="http://schemas.openxmlformats.org/drawingml/2006/main" name="Office Theme">
+  <a:themeElements>
+    <a:clrScheme name="Office">
+      <a:dk1>
+        <a:sysClr val="windowText" lastClr="000000"/>
+      </a:dk1>
+      <a:lt1>
+        <a:sysClr val="window" lastClr="FFFFFF"/>
+      </a:lt1>
+      <a:dk2>
+        <a:srgbClr val="0E2841"/>
+      </a:dk2>
+      <a:lt2>
+        <a:srgbClr val="E8E8E8"/>
+      </a:lt2>
+      <a:accent1>
+        <a:srgbClr val="156082"/>
+      </a:accent1>
+      <a:accent2>
+        <a:srgbClr val="E97132"/>
+      </a:accent2>
+      <a:accent3>
+        <a:srgbClr val="196B24"/>
+      </a:accent3>
+      <a:accent4>
+        <a:srgbClr val="0F9ED5"/>
+      </a:accent4>
+      <a:accent5>
+        <a:srgbClr val="A02B93"/>
+      </a:accent5>
+      <a:accent6>
+        <a:srgbClr val="4EA72E"/>
+      </a:accent6>
+      <a:hlink>
+        <a:srgbClr val="467886"/>
+      </a:hlink>
+      <a:folHlink>
+        <a:srgbClr val="96607D"/>
+      </a:folHlink>
+    </a:clrScheme>
+    <a:fontScheme name="Office">
+      <a:majorFont>
+        <a:latin typeface="游ゴシック Light" panose="02110004020202020204"/>
+        <a:ea typeface=""/>
+        <a:cs typeface=""/>
+        <a:font script="Jpan" typeface="游ゴシック Light"/>
+        <a:font script="Hang" typeface="맑은 고딕"/>
+        <a:font script="Hans" typeface="等线 Light"/>
+        <a:font script="Hant" typeface="新細明體"/>
+        <a:font script="Arab" typeface="Times New Roman"/>
+        <a:font script="Hebr" typeface="Times New Roman"/>
+        <a:font script="Thai" typeface="Angsana New"/>
+        <a:font script="Ethi" typeface="Nyala"/>
+        <a:font script="Beng" typeface="Vrinda"/>
+        <a:font script="Gujr" typeface="Shruti"/>
+        <a:font script="Khmr" typeface="MoolBoran"/>
+        <a:font script="Knda" typeface="Tunga"/>
+        <a:font script="Guru" typeface="Raavi"/>
+        <a:font script="Cans" typeface="Euphemia"/>
+        <a:font script="Cher" typeface="Plantagenet Cherokee"/>
+        <a:font script="Yiii" typeface="Microsoft Yi Baiti"/>
+        <a:font script="Tibt" typeface="Microsoft Himalaya"/>
+        <a:font script="Thaa" typeface="MV Boli"/>
+        <a:font script="Deva" typeface="Mangal"/>
+        <a:font script="Telu" typeface="Gautami"/>
+        <a:font script="Taml" typeface="Latha"/>
+        <a:font script="Syrc" typeface="Estrangelo Edessa"/>
+        <a:font script="Orya" typeface="Kalinga"/>
+        <a:font script="Mlym" typeface="Kartika"/>
+        <a:font script="Laoo" typeface="DokChampa"/>
+        <a:font script="Sinh" typeface="Iskoola Pota"/>
+        <a:font script="Mong" typeface="Mongolian Baiti"/>
+        <a:font script="Viet" typeface="Times New Roman"/>
+        <a:font script="Uigh" typeface="Microsoft Uighur"/>
+        <a:font script="Geor" typeface="Sylfaen"/>
+        <a:font script="Armn" typeface="Arial"/>
+        <a:font script="Bugi" typeface="Leelawadee UI"/>
+        <a:font script="Bopo" typeface="Microsoft JhengHei"/>
+        <a:font script="Java" typeface="Javanese Text"/>
+        <a:font script="Lisu" typeface="Segoe UI"/>
+        <a:font script="Mymr" typeface="Myanmar Text"/>
+        <a:font script="Nkoo" typeface="Ebrima"/>
+        <a:font script="Olck" typeface="Nirmala UI"/>
+        <a:font script="Osma" typeface="Ebrima"/>
+        <a:font script="Phag" typeface="Phagspa"/>
+        <a:font script="Syrn" typeface="Estrangelo Edessa"/>
+        <a:font script="Syrj" typeface="Estrangelo Edessa"/>
+        <a:font script="Syre" typeface="Estrangelo Edessa"/>
+        <a:font script="Sora" typeface="Nirmala UI"/>
+        <a:font script="Tale" typeface="Microsoft Tai Le"/>
+        <a:font script="Talu" typeface="Microsoft New Tai Lue"/>
+        <a:font script="Tfng" typeface="Ebrima"/>
+      </a:majorFont>
+      <a:minorFont>
+        <a:latin typeface="游ゴシック" panose="02110004020202020204"/>
+        <a:ea typeface=""/>
+        <a:cs typeface=""/>
+        <a:font script="Jpan" typeface="游ゴシック"/>
+        <a:font script="Hang" typeface="맑은 고딕"/>
+        <a:font script="Hans" typeface="等线"/>
+        <a:font script="Hant" typeface="新細明體"/>
+        <a:font script="Arab" typeface="Arial"/>
+        <a:font script="Hebr" typeface="Arial"/>
+        <a:font script="Thai" typeface="Cordia New"/>
+        <a:font script="Ethi" typeface="Nyala"/>
+        <a:font script="Beng" typeface="Vrinda"/>
+        <a:font script="Gujr" typeface="Shruti"/>
+        <a:font script="Khmr" typeface="DaunPenh"/>
+        <a:font script="Knda" typeface="Tunga"/>
+        <a:font script="Guru" typeface="Raavi"/>
+        <a:font script="Cans" typeface="Euphemia"/>
+        <a:font script="Cher" typeface="Plantagenet Cherokee"/>
+        <a:font script="Yiii" typeface="Microsoft Yi Baiti"/>
+        <a:font script="Tibt" typeface="Microsoft Himalaya"/>
+        <a:font script="Thaa" typeface="MV Boli"/>
+        <a:font script="Deva" typeface="Mangal"/>
+        <a:font script="Telu" typeface="Gautami"/>
+        <a:font script="Taml" typeface="Latha"/>
+        <a:font script="Syrc" typeface="Estrangelo Edessa"/>
+        <a:font script="Orya" typeface="Kalinga"/>
+        <a:font script="Mlym" typeface="Kartika"/>
+        <a:font script="Laoo" typeface="DokChampa"/>
+        <a:font script="Sinh" typeface="Iskoola Pota"/>
+        <a:font script="Mong" typeface="Mongolian Baiti"/>
+        <a:font script="Viet" typeface="Arial"/>
+        <a:font script="Uigh" typeface="Microsoft Uighur"/>
+        <a:font script="Geor" typeface="Sylfaen"/>
+        <a:font script="Armn" typeface="Arial"/>
+        <a:font script="Bugi" typeface="Leelawadee UI"/>
+        <a:font script="Bopo" typeface="Microsoft JhengHei"/>
+        <a:font script="Java" typeface="Javanese Text"/>
+        <a:font script="Lisu" typeface="Segoe UI"/>
+        <a:font script="Mymr" typeface="Myanmar Text"/>
+        <a:font script="Nkoo" typeface="Ebrima"/>
+        <a:font script="Olck" typeface="Nirmala UI"/>
+        <a:font script="Osma" typeface="Ebrima"/>
+        <a:font script="Phag" typeface="Phagspa"/>
+        <a:font script="Syrn" typeface="Estrangelo Edessa"/>
+        <a:font script="Syrj" typeface="Estrangelo Edessa"/>
+        <a:font script="Syre" typeface="Estrangelo Edessa"/>
+        <a:font script="Sora" typeface="Nirmala UI"/>
+        <a:font script="Tale" typeface="Microsoft Tai Le"/>
+        <a:font script="Talu" typeface="Microsoft New Tai Lue"/>
+        <a:font script="Tfng" typeface="Ebrima"/>
+      </a:minorFont>
+    </a:fontScheme>
+    <a:fmtScheme name="Office">
+      <a:fillStyleLst>
+        <a:solidFill>
+          <a:schemeClr val="phClr"/>
+        </a:solidFill>
+        <a:gradFill rotWithShape="1">
+          <a:gsLst>
+            <a:gs pos="0">
+              <a:schemeClr val="phClr">
+                <a:lumMod val="110000"/>
+                <a:satMod val="105000"/>
+                <a:tint val="67000"/>
+              </a:schemeClr>
+            </a:gs>
+            <a:gs pos="50000">
+              <a:schemeClr val="phClr">
+                <a:lumMod val="105000"/>
+                <a:satMod val="103000"/>
+                <a:tint val="73000"/>
+              </a:schemeClr>
+            </a:gs>
+            <a:gs pos="100000">
+              <a:schemeClr val="phClr">
+                <a:lumMod val="105000"/>
+                <a:satMod val="109000"/>
+                <a:tint val="81000"/>
+              </a:schemeClr>
+            </a:gs>
+          </a:gsLst>
+          <a:lin ang="5400000" scaled="0"/>
+        </a:gradFill>
+        <a:gradFill rotWithShape="1">
+          <a:gsLst>
+            <a:gs pos="0">
+              <a:schemeClr val="phClr">
+                <a:satMod val="103000"/>
+                <a:lumMod val="102000"/>
+                <a:tint val="94000"/>
+              </a:schemeClr>
+            </a:gs>
+            <a:gs pos="50000">
+              <a:schemeClr val="phClr">
+                <a:satMod val="110000"/>
+                <a:lumMod val="100000"/>
+                <a:shade val="100000"/>
+              </a:schemeClr>
+            </a:gs>
+            <a:gs pos="100000">
+              <a:schemeClr val="phClr">
+                <a:lumMod val="99000"/>
+                <a:satMod val="120000"/>
+                <a:shade val="78000"/>
+              </a:schemeClr>
+            </a:gs>
+          </a:gsLst>
+          <a:lin ang="5400000" scaled="0"/>
+        </a:gradFill>
+      </a:fillStyleLst>
+      <a:lnStyleLst>
+        <a:ln w="12700" cap="flat" cmpd="sng" algn="ctr">
+          <a:solidFill>
+            <a:schemeClr val="phClr"/>
+          </a:solidFill>
+          <a:prstDash val="solid"/>
+          <a:miter lim="800000"/>
+        </a:ln>
+        <a:ln w="19050" cap="flat" cmpd="sng" algn="ctr">
+          <a:solidFill>
+            <a:schemeClr val="phClr"/>
+          </a:solidFill>
+          <a:prstDash val="solid"/>
+          <a:miter lim="800000"/>
+        </a:ln>
+        <a:ln w="25400" cap="flat" cmpd="sng" algn="ctr">
+          <a:solidFill>
+            <a:schemeClr val="phClr"/>
+          </a:solidFill>
+          <a:prstDash val="solid"/>
+          <a:miter lim="800000"/>
+        </a:ln>
+      </a:lnStyleLst>
+      <a:effectStyleLst>
+        <a:effectStyle>
+          <a:effectLst/>
+        </a:effectStyle>
+        <a:effectStyle>
+          <a:effectLst/>
+        </a:effectStyle>
+        <a:effectStyle>
+          <a:effectLst>
+            <a:outerShdw blurRad="57150" dist="19050" dir="5400000" algn="ctr" rotWithShape="0">
+              <a:srgbClr val="000000">
+                <a:alpha val="63000"/>
+              </a:srgbClr>
+            </a:outerShdw>
+          </a:effectLst>
+        </a:effectStyle>
+      </a:effectStyleLst>
+      <a:bgFillStyleLst>
+        <a:solidFill>
+          <a:schemeClr val="phClr"/>
+        </a:solidFill>
+        <a:solidFill>
+          <a:schemeClr val="phClr">
+            <a:tint val="95000"/>
+            <a:satMod val="170000"/>
+          </a:schemeClr>
+        </a:solidFill>
+        <a:gradFill rotWithShape="1">
+          <a:gsLst>
+            <a:gs pos="0">
+              <a:schemeClr val="phClr">
+                <a:tint val="93000"/>
+                <a:satMod val="150000"/>
+                <a:shade val="98000"/>
+                <a:lumMod val="102000"/>
+              </a:schemeClr>
+            </a:gs>
+            <a:gs pos="50000">
+              <a:schemeClr val="phClr">
+                <a:tint val="98000"/>
+                <a:satMod val="130000"/>
+                <a:shade val="90000"/>
+                <a:lumMod val="103000"/>
+              </a:schemeClr>
+            </a:gs>
+            <a:gs pos="100000">
+              <a:schemeClr val="phClr">
+                <a:shade val="63000"/>
+                <a:satMod val="120000"/>
+              </a:schemeClr>
+            </a:gs>
+          </a:gsLst>
+          <a:lin ang="5400000" scaled="0"/>
+        </a:gradFill>
+      </a:bgFillStyleLst>
+    </a:fmtScheme>
+  </a:themeElements>
+  <a:objectDefaults>
+    <a:lnDef>
+      <a:spPr/>
+      <a:bodyPr/>
+      <a:lstStyle/>
+      <a:style>
+        <a:lnRef idx="2">
+          <a:schemeClr val="accent1"/>
+        </a:lnRef>
+        <a:fillRef idx="0">
+          <a:schemeClr val="accent1"/>
+        </a:fillRef>
+        <a:effectRef idx="1">
+          <a:schemeClr val="accent1"/>
+        </a:effectRef>
+        <a:fontRef idx="minor">
+          <a:schemeClr val="tx1"/>
+        </a:fontRef>
+      </a:style>
+    </a:lnDef>
+  </a:objectDefaults>
+  <a:extraClrSchemeLst/>
+  <a:extLst>
+    <a:ext uri="{05A4C25C-085E-4340-85A3-A5531E510DB2}">
+      <thm15:themeFamily xmlns:thm15="http://schemas.microsoft.com/office/thememl/2012/main" name="Office Theme" id="{2E142A2C-CD16-42D6-873A-C26D2A0506FA}" vid="{1BDDFF52-6CD6-40A5-AB3C-68EB2F1E4D0A}"/>
+    </a:ext>
+  </a:extLst>
+</a:theme>
 </file>